--- a/PROJET 1 UE 1 diapositive.pptx
+++ b/PROJET 1 UE 1 diapositive.pptx
@@ -113,7 +113,16 @@
       </a:defRPr>
     </a:lvl9pPr>
   </p:defaultTextStyle>
+  <p:extLst>
+    <p:ext uri="{EFAFB233-063F-42B5-8137-9DF3F51BA10A}">
+      <p15:sldGuideLst xmlns:p15="http://schemas.microsoft.com/office/powerpoint/2012/main"/>
+    </p:ext>
+  </p:extLst>
 </p:presentation>
+</file>
+
+<file path=ppt/revisionInfo.xml><?xml version="1.0" encoding="utf-8"?>
+<p1510:revInfo xmlns:a="http://schemas.openxmlformats.org/drawingml/2006/main" xmlns:r="http://schemas.openxmlformats.org/officeDocument/2006/relationships" xmlns:p1510="http://schemas.microsoft.com/office/powerpoint/2015/10/main"/>
 </file>
 
 <file path=ppt/slideLayouts/slideLayout1.xml><?xml version="1.0" encoding="utf-8"?>

--- a/PROJET 1 UE 1 diapositive.pptx
+++ b/PROJET 1 UE 1 diapositive.pptx
@@ -3564,7 +3564,12 @@
             <p:ph type="title"/>
           </p:nvPr>
         </p:nvSpPr>
-        <p:spPr/>
+        <p:spPr>
+          <a:xfrm>
+            <a:off x="838200" y="403225"/>
+            <a:ext cx="10515600" cy="1325563"/>
+          </a:xfrm>
+        </p:spPr>
         <p:txBody>
           <a:bodyPr/>
           <a:lstStyle/>
@@ -3574,6 +3579,97 @@
               <a:rPr lang="fr-FR" dirty="0"/>
               <a:t>Contexte</a:t>
             </a:r>
+          </a:p>
+        </p:txBody>
+      </p:sp>
+      <p:pic>
+        <p:nvPicPr>
+          <p:cNvPr id="4" name="Image 3">
+            <a:extLst>
+              <a:ext uri="{FF2B5EF4-FFF2-40B4-BE49-F238E27FC236}">
+                <a16:creationId xmlns:a16="http://schemas.microsoft.com/office/drawing/2014/main" id="{DA515569-7D2D-4F3C-8051-04ACDF883021}"/>
+              </a:ext>
+            </a:extLst>
+          </p:cNvPr>
+          <p:cNvPicPr>
+            <a:picLocks noChangeAspect="1"/>
+          </p:cNvPicPr>
+          <p:nvPr/>
+        </p:nvPicPr>
+        <p:blipFill>
+          <a:blip r:embed="rId2">
+            <a:extLst>
+              <a:ext uri="{28A0092B-C50C-407E-A947-70E740481C1C}">
+                <a14:useLocalDpi xmlns:a14="http://schemas.microsoft.com/office/drawing/2010/main" val="0"/>
+              </a:ext>
+            </a:extLst>
+          </a:blip>
+          <a:stretch>
+            <a:fillRect/>
+          </a:stretch>
+        </p:blipFill>
+        <p:spPr>
+          <a:xfrm>
+            <a:off x="2377117" y="1508570"/>
+            <a:ext cx="7437765" cy="2187130"/>
+          </a:xfrm>
+          <a:prstGeom prst="rect">
+            <a:avLst/>
+          </a:prstGeom>
+        </p:spPr>
+      </p:pic>
+      <p:sp>
+        <p:nvSpPr>
+          <p:cNvPr id="5" name="ZoneTexte 4">
+            <a:extLst>
+              <a:ext uri="{FF2B5EF4-FFF2-40B4-BE49-F238E27FC236}">
+                <a16:creationId xmlns:a16="http://schemas.microsoft.com/office/drawing/2014/main" id="{17A14362-C274-4DE1-905F-F7BE6D658E3D}"/>
+              </a:ext>
+            </a:extLst>
+          </p:cNvPr>
+          <p:cNvSpPr txBox="1"/>
+          <p:nvPr/>
+        </p:nvSpPr>
+        <p:spPr>
+          <a:xfrm>
+            <a:off x="2377117" y="3867150"/>
+            <a:ext cx="7437765" cy="1200329"/>
+          </a:xfrm>
+          <a:prstGeom prst="rect">
+            <a:avLst/>
+          </a:prstGeom>
+          <a:noFill/>
+        </p:spPr>
+        <p:txBody>
+          <a:bodyPr wrap="square" rtlCol="0">
+            <a:spAutoFit/>
+          </a:bodyPr>
+          <a:lstStyle/>
+          <a:p>
+            <a:r>
+              <a:rPr lang="fr-FR" dirty="0"/>
+              <a:t>-Projet de santé prometteur</a:t>
+            </a:r>
+          </a:p>
+          <a:p>
+            <a:r>
+              <a:rPr lang="fr-FR" dirty="0"/>
+              <a:t>-Sabotage</a:t>
+            </a:r>
+          </a:p>
+          <a:p>
+            <a:r>
+              <a:rPr lang="fr-FR" dirty="0"/>
+              <a:t>-Proposition d’aide d’</a:t>
+            </a:r>
+            <a:r>
+              <a:rPr lang="fr-FR" dirty="0" err="1"/>
+              <a:t>Exia</a:t>
+            </a:r>
+            <a:endParaRPr lang="fr-FR" dirty="0"/>
+          </a:p>
+          <a:p>
+            <a:endParaRPr lang="fr-FR" dirty="0"/>
           </a:p>
         </p:txBody>
       </p:sp>
@@ -3632,6 +3728,71 @@
             <a:r>
               <a:rPr lang="fr-FR" dirty="0"/>
               <a:t>Sommaire </a:t>
+            </a:r>
+          </a:p>
+        </p:txBody>
+      </p:sp>
+      <p:sp>
+        <p:nvSpPr>
+          <p:cNvPr id="3" name="ZoneTexte 2">
+            <a:extLst>
+              <a:ext uri="{FF2B5EF4-FFF2-40B4-BE49-F238E27FC236}">
+                <a16:creationId xmlns:a16="http://schemas.microsoft.com/office/drawing/2014/main" id="{4BEABE51-8DBF-49E7-8DEF-DA63C7661893}"/>
+              </a:ext>
+            </a:extLst>
+          </p:cNvPr>
+          <p:cNvSpPr txBox="1"/>
+          <p:nvPr/>
+        </p:nvSpPr>
+        <p:spPr>
+          <a:xfrm>
+            <a:off x="1304925" y="1790700"/>
+            <a:ext cx="10677525" cy="1200329"/>
+          </a:xfrm>
+          <a:prstGeom prst="rect">
+            <a:avLst/>
+          </a:prstGeom>
+          <a:noFill/>
+        </p:spPr>
+        <p:txBody>
+          <a:bodyPr wrap="square" rtlCol="0">
+            <a:spAutoFit/>
+          </a:bodyPr>
+          <a:lstStyle/>
+          <a:p>
+            <a:pPr marL="400050" indent="-400050">
+              <a:buAutoNum type="romanUcParenR"/>
+            </a:pPr>
+            <a:r>
+              <a:rPr lang="fr-FR" dirty="0"/>
+              <a:t>Organisation du projet</a:t>
+            </a:r>
+          </a:p>
+          <a:p>
+            <a:pPr marL="400050" indent="-400050">
+              <a:buAutoNum type="romanUcParenR"/>
+            </a:pPr>
+            <a:r>
+              <a:rPr lang="fr-FR" dirty="0"/>
+              <a:t>Présentation des modules</a:t>
+            </a:r>
+          </a:p>
+          <a:p>
+            <a:pPr marL="400050" indent="-400050">
+              <a:buAutoNum type="romanUcParenR"/>
+            </a:pPr>
+            <a:r>
+              <a:rPr lang="fr-FR" dirty="0"/>
+              <a:t>Bilan des modules</a:t>
+            </a:r>
+          </a:p>
+          <a:p>
+            <a:pPr marL="400050" indent="-400050">
+              <a:buAutoNum type="romanUcParenR"/>
+            </a:pPr>
+            <a:r>
+              <a:rPr lang="fr-FR" dirty="0"/>
+              <a:t>Conclusion</a:t>
             </a:r>
           </a:p>
         </p:txBody>

--- a/PROJET 1 UE 1 diapositive.pptx
+++ b/PROJET 1 UE 1 diapositive.pptx
@@ -12,9 +12,11 @@
     <p:sldId id="259" r:id="rId6"/>
     <p:sldId id="262" r:id="rId7"/>
     <p:sldId id="263" r:id="rId8"/>
-    <p:sldId id="264" r:id="rId9"/>
-    <p:sldId id="265" r:id="rId10"/>
-    <p:sldId id="266" r:id="rId11"/>
+    <p:sldId id="267" r:id="rId9"/>
+    <p:sldId id="268" r:id="rId10"/>
+    <p:sldId id="264" r:id="rId11"/>
+    <p:sldId id="265" r:id="rId12"/>
+    <p:sldId id="266" r:id="rId13"/>
   </p:sldIdLst>
   <p:sldSz cx="12192000" cy="6858000"/>
   <p:notesSz cx="6858000" cy="9144000"/>
@@ -3470,6 +3472,177 @@
           <p:cNvPr id="2" name="Titre 1">
             <a:extLst>
               <a:ext uri="{FF2B5EF4-FFF2-40B4-BE49-F238E27FC236}">
+                <a16:creationId xmlns:a16="http://schemas.microsoft.com/office/drawing/2014/main" id="{3DE045EF-6B6A-4766-812D-EC4BD0F4B1CB}"/>
+              </a:ext>
+            </a:extLst>
+          </p:cNvPr>
+          <p:cNvSpPr>
+            <a:spLocks noGrp="1"/>
+          </p:cNvSpPr>
+          <p:nvPr>
+            <p:ph type="title"/>
+          </p:nvPr>
+        </p:nvSpPr>
+        <p:spPr/>
+        <p:txBody>
+          <a:bodyPr/>
+          <a:lstStyle/>
+          <a:p>
+            <a:r>
+              <a:rPr lang="fr-FR" dirty="0"/>
+              <a:t>Présentation direct ou vidéo du projet </a:t>
+            </a:r>
+          </a:p>
+        </p:txBody>
+      </p:sp>
+      <p:sp>
+        <p:nvSpPr>
+          <p:cNvPr id="3" name="Espace réservé du contenu 2">
+            <a:extLst>
+              <a:ext uri="{FF2B5EF4-FFF2-40B4-BE49-F238E27FC236}">
+                <a16:creationId xmlns:a16="http://schemas.microsoft.com/office/drawing/2014/main" id="{7FD77E72-D6AD-4D51-870A-13D301D7F037}"/>
+              </a:ext>
+            </a:extLst>
+          </p:cNvPr>
+          <p:cNvSpPr>
+            <a:spLocks noGrp="1"/>
+          </p:cNvSpPr>
+          <p:nvPr>
+            <p:ph idx="1"/>
+          </p:nvPr>
+        </p:nvSpPr>
+        <p:spPr/>
+        <p:txBody>
+          <a:bodyPr/>
+          <a:lstStyle/>
+          <a:p>
+            <a:endParaRPr lang="fr-FR"/>
+          </a:p>
+        </p:txBody>
+      </p:sp>
+    </p:spTree>
+    <p:extLst>
+      <p:ext uri="{BB962C8B-B14F-4D97-AF65-F5344CB8AC3E}">
+        <p14:creationId xmlns:p14="http://schemas.microsoft.com/office/powerpoint/2010/main" val="615297589"/>
+      </p:ext>
+    </p:extLst>
+  </p:cSld>
+  <p:clrMapOvr>
+    <a:masterClrMapping/>
+  </p:clrMapOvr>
+</p:sld>
+</file>
+
+<file path=ppt/slides/slide11.xml><?xml version="1.0" encoding="utf-8"?>
+<p:sld xmlns:a="http://schemas.openxmlformats.org/drawingml/2006/main" xmlns:r="http://schemas.openxmlformats.org/officeDocument/2006/relationships" xmlns:p="http://schemas.openxmlformats.org/presentationml/2006/main">
+  <p:cSld>
+    <p:spTree>
+      <p:nvGrpSpPr>
+        <p:cNvPr id="1" name=""/>
+        <p:cNvGrpSpPr/>
+        <p:nvPr/>
+      </p:nvGrpSpPr>
+      <p:grpSpPr>
+        <a:xfrm>
+          <a:off x="0" y="0"/>
+          <a:ext cx="0" cy="0"/>
+          <a:chOff x="0" y="0"/>
+          <a:chExt cx="0" cy="0"/>
+        </a:xfrm>
+      </p:grpSpPr>
+      <p:sp>
+        <p:nvSpPr>
+          <p:cNvPr id="2" name="Titre 1">
+            <a:extLst>
+              <a:ext uri="{FF2B5EF4-FFF2-40B4-BE49-F238E27FC236}">
+                <a16:creationId xmlns:a16="http://schemas.microsoft.com/office/drawing/2014/main" id="{6765864F-B052-4150-96F0-D0009B8CEA6D}"/>
+              </a:ext>
+            </a:extLst>
+          </p:cNvPr>
+          <p:cNvSpPr>
+            <a:spLocks noGrp="1"/>
+          </p:cNvSpPr>
+          <p:nvPr>
+            <p:ph type="title"/>
+          </p:nvPr>
+        </p:nvSpPr>
+        <p:spPr/>
+        <p:txBody>
+          <a:bodyPr/>
+          <a:lstStyle/>
+          <a:p>
+            <a:r>
+              <a:rPr lang="fr-FR" dirty="0"/>
+              <a:t>Aspect commercial (ce que notre produit vaut ) Avantage/</a:t>
+            </a:r>
+            <a:r>
+              <a:rPr lang="fr-FR" dirty="0" err="1"/>
+              <a:t>inconvenient</a:t>
+            </a:r>
+            <a:endParaRPr lang="fr-FR" dirty="0"/>
+          </a:p>
+        </p:txBody>
+      </p:sp>
+      <p:sp>
+        <p:nvSpPr>
+          <p:cNvPr id="3" name="Espace réservé du contenu 2">
+            <a:extLst>
+              <a:ext uri="{FF2B5EF4-FFF2-40B4-BE49-F238E27FC236}">
+                <a16:creationId xmlns:a16="http://schemas.microsoft.com/office/drawing/2014/main" id="{E15E60D8-E543-49E1-BB12-5BFF52643C64}"/>
+              </a:ext>
+            </a:extLst>
+          </p:cNvPr>
+          <p:cNvSpPr>
+            <a:spLocks noGrp="1"/>
+          </p:cNvSpPr>
+          <p:nvPr>
+            <p:ph idx="1"/>
+          </p:nvPr>
+        </p:nvSpPr>
+        <p:spPr/>
+        <p:txBody>
+          <a:bodyPr/>
+          <a:lstStyle/>
+          <a:p>
+            <a:endParaRPr lang="fr-FR"/>
+          </a:p>
+        </p:txBody>
+      </p:sp>
+    </p:spTree>
+    <p:extLst>
+      <p:ext uri="{BB962C8B-B14F-4D97-AF65-F5344CB8AC3E}">
+        <p14:creationId xmlns:p14="http://schemas.microsoft.com/office/powerpoint/2010/main" val="1965814407"/>
+      </p:ext>
+    </p:extLst>
+  </p:cSld>
+  <p:clrMapOvr>
+    <a:masterClrMapping/>
+  </p:clrMapOvr>
+</p:sld>
+</file>
+
+<file path=ppt/slides/slide12.xml><?xml version="1.0" encoding="utf-8"?>
+<p:sld xmlns:a="http://schemas.openxmlformats.org/drawingml/2006/main" xmlns:r="http://schemas.openxmlformats.org/officeDocument/2006/relationships" xmlns:p="http://schemas.openxmlformats.org/presentationml/2006/main">
+  <p:cSld>
+    <p:spTree>
+      <p:nvGrpSpPr>
+        <p:cNvPr id="1" name=""/>
+        <p:cNvGrpSpPr/>
+        <p:nvPr/>
+      </p:nvGrpSpPr>
+      <p:grpSpPr>
+        <a:xfrm>
+          <a:off x="0" y="0"/>
+          <a:ext cx="0" cy="0"/>
+          <a:chOff x="0" y="0"/>
+          <a:chExt cx="0" cy="0"/>
+        </a:xfrm>
+      </p:grpSpPr>
+      <p:sp>
+        <p:nvSpPr>
+          <p:cNvPr id="2" name="Titre 1">
+            <a:extLst>
+              <a:ext uri="{FF2B5EF4-FFF2-40B4-BE49-F238E27FC236}">
                 <a16:creationId xmlns:a16="http://schemas.microsoft.com/office/drawing/2014/main" id="{457EB037-F01F-47A7-B5F5-983C07B919BC}"/>
               </a:ext>
             </a:extLst>
@@ -4517,9 +4690,10 @@
           <a:bodyPr/>
           <a:lstStyle/>
           <a:p>
-            <a:r>
-              <a:rPr lang="fr-FR" dirty="0"/>
-              <a:t>Rapide présentation des modules </a:t>
+            <a:pPr algn="ctr"/>
+            <a:r>
+              <a:rPr lang="fr-FR" b="1" dirty="0"/>
+              <a:t>Module 1</a:t>
             </a:r>
           </a:p>
         </p:txBody>
@@ -4595,43 +4769,122 @@
             <p:ph type="title"/>
           </p:nvPr>
         </p:nvSpPr>
-        <p:spPr/>
-        <p:txBody>
-          <a:bodyPr/>
-          <a:lstStyle/>
-          <a:p>
-            <a:r>
-              <a:rPr lang="fr-FR" dirty="0"/>
-              <a:t>Rapide présentation des modules </a:t>
-            </a:r>
-          </a:p>
-        </p:txBody>
-      </p:sp>
-      <p:sp>
-        <p:nvSpPr>
-          <p:cNvPr id="3" name="Espace réservé du contenu 2">
-            <a:extLst>
-              <a:ext uri="{FF2B5EF4-FFF2-40B4-BE49-F238E27FC236}">
-                <a16:creationId xmlns:a16="http://schemas.microsoft.com/office/drawing/2014/main" id="{632A0422-B760-4D01-9B6C-B48E13F75DFC}"/>
-              </a:ext>
-            </a:extLst>
-          </p:cNvPr>
-          <p:cNvSpPr>
-            <a:spLocks noGrp="1"/>
-          </p:cNvSpPr>
+        <p:spPr>
+          <a:xfrm>
+            <a:off x="838200" y="365125"/>
+            <a:ext cx="10515600" cy="1325563"/>
+          </a:xfrm>
+        </p:spPr>
+        <p:txBody>
+          <a:bodyPr/>
+          <a:lstStyle/>
+          <a:p>
+            <a:pPr algn="ctr"/>
+            <a:r>
+              <a:rPr lang="fr-FR" b="1" dirty="0"/>
+              <a:t>Module 2</a:t>
+            </a:r>
+          </a:p>
+        </p:txBody>
+      </p:sp>
+      <p:pic>
+        <p:nvPicPr>
+          <p:cNvPr id="4" name="Espace réservé du contenu 3">
+            <a:extLst>
+              <a:ext uri="{FF2B5EF4-FFF2-40B4-BE49-F238E27FC236}">
+                <a16:creationId xmlns:a16="http://schemas.microsoft.com/office/drawing/2014/main" id="{CF0E36CC-2E37-4DD7-9CE5-CB9A56EAD453}"/>
+              </a:ext>
+            </a:extLst>
+          </p:cNvPr>
+          <p:cNvPicPr>
+            <a:picLocks noGrp="1" noChangeAspect="1"/>
+          </p:cNvPicPr>
           <p:nvPr>
             <p:ph idx="1"/>
           </p:nvPr>
-        </p:nvSpPr>
-        <p:spPr/>
-        <p:txBody>
-          <a:bodyPr/>
-          <a:lstStyle/>
-          <a:p>
-            <a:endParaRPr lang="fr-FR"/>
-          </a:p>
-        </p:txBody>
-      </p:sp>
+        </p:nvPicPr>
+        <p:blipFill>
+          <a:blip r:embed="rId2"/>
+          <a:stretch>
+            <a:fillRect/>
+          </a:stretch>
+        </p:blipFill>
+        <p:spPr>
+          <a:xfrm>
+            <a:off x="881062" y="1322659"/>
+            <a:ext cx="5214938" cy="2381625"/>
+          </a:xfrm>
+          <a:prstGeom prst="rect">
+            <a:avLst/>
+          </a:prstGeom>
+        </p:spPr>
+      </p:pic>
+      <p:pic>
+        <p:nvPicPr>
+          <p:cNvPr id="5" name="Image 4">
+            <a:extLst>
+              <a:ext uri="{FF2B5EF4-FFF2-40B4-BE49-F238E27FC236}">
+                <a16:creationId xmlns:a16="http://schemas.microsoft.com/office/drawing/2014/main" id="{BF604EB9-630A-412A-86A9-3512C59A66D3}"/>
+              </a:ext>
+            </a:extLst>
+          </p:cNvPr>
+          <p:cNvPicPr>
+            <a:picLocks noChangeAspect="1"/>
+          </p:cNvPicPr>
+          <p:nvPr/>
+        </p:nvPicPr>
+        <p:blipFill>
+          <a:blip r:embed="rId3"/>
+          <a:stretch>
+            <a:fillRect/>
+          </a:stretch>
+        </p:blipFill>
+        <p:spPr>
+          <a:xfrm>
+            <a:off x="1424496" y="3695518"/>
+            <a:ext cx="4633404" cy="3043510"/>
+          </a:xfrm>
+          <a:prstGeom prst="rect">
+            <a:avLst/>
+          </a:prstGeom>
+        </p:spPr>
+      </p:pic>
+      <p:pic>
+        <p:nvPicPr>
+          <p:cNvPr id="7" name="Image 6">
+            <a:extLst>
+              <a:ext uri="{FF2B5EF4-FFF2-40B4-BE49-F238E27FC236}">
+                <a16:creationId xmlns:a16="http://schemas.microsoft.com/office/drawing/2014/main" id="{3DBE7DB7-69B6-4B0D-B83E-310448349209}"/>
+              </a:ext>
+            </a:extLst>
+          </p:cNvPr>
+          <p:cNvPicPr>
+            <a:picLocks noChangeAspect="1"/>
+          </p:cNvPicPr>
+          <p:nvPr/>
+        </p:nvPicPr>
+        <p:blipFill>
+          <a:blip r:embed="rId4">
+            <a:extLst>
+              <a:ext uri="{28A0092B-C50C-407E-A947-70E740481C1C}">
+                <a14:useLocalDpi xmlns:a14="http://schemas.microsoft.com/office/drawing/2010/main" val="0"/>
+              </a:ext>
+            </a:extLst>
+          </a:blip>
+          <a:stretch>
+            <a:fillRect/>
+          </a:stretch>
+        </p:blipFill>
+        <p:spPr>
+          <a:xfrm>
+            <a:off x="7038975" y="1369264"/>
+            <a:ext cx="4019550" cy="5359400"/>
+          </a:xfrm>
+          <a:prstGeom prst="rect">
+            <a:avLst/>
+          </a:prstGeom>
+        </p:spPr>
+      </p:pic>
     </p:spTree>
     <p:extLst>
       <p:ext uri="{BB962C8B-B14F-4D97-AF65-F5344CB8AC3E}">
@@ -4683,9 +4936,10 @@
           <a:bodyPr/>
           <a:lstStyle/>
           <a:p>
-            <a:r>
-              <a:rPr lang="fr-FR" dirty="0"/>
-              <a:t>Rapide présentation des modules </a:t>
+            <a:pPr algn="ctr"/>
+            <a:r>
+              <a:rPr lang="fr-FR" b="1" dirty="0"/>
+              <a:t>Module 3</a:t>
             </a:r>
           </a:p>
         </p:txBody>
@@ -4750,7 +5004,7 @@
           <p:cNvPr id="2" name="Titre 1">
             <a:extLst>
               <a:ext uri="{FF2B5EF4-FFF2-40B4-BE49-F238E27FC236}">
-                <a16:creationId xmlns:a16="http://schemas.microsoft.com/office/drawing/2014/main" id="{3DE045EF-6B6A-4766-812D-EC4BD0F4B1CB}"/>
+                <a16:creationId xmlns:a16="http://schemas.microsoft.com/office/drawing/2014/main" id="{CE615859-364B-4466-AEE5-14A3471B6D22}"/>
               </a:ext>
             </a:extLst>
           </p:cNvPr>
@@ -4766,9 +5020,10 @@
           <a:bodyPr/>
           <a:lstStyle/>
           <a:p>
-            <a:r>
-              <a:rPr lang="fr-FR" dirty="0"/>
-              <a:t>Présentation direct ou vidéo du projet </a:t>
+            <a:pPr algn="ctr"/>
+            <a:r>
+              <a:rPr lang="fr-FR" b="1" dirty="0"/>
+              <a:t>Module 4</a:t>
             </a:r>
           </a:p>
         </p:txBody>
@@ -4778,7 +5033,7 @@
           <p:cNvPr id="3" name="Espace réservé du contenu 2">
             <a:extLst>
               <a:ext uri="{FF2B5EF4-FFF2-40B4-BE49-F238E27FC236}">
-                <a16:creationId xmlns:a16="http://schemas.microsoft.com/office/drawing/2014/main" id="{7FD77E72-D6AD-4D51-870A-13D301D7F037}"/>
+                <a16:creationId xmlns:a16="http://schemas.microsoft.com/office/drawing/2014/main" id="{838E2D00-5BA8-4DCA-8B04-B87937D757E1}"/>
               </a:ext>
             </a:extLst>
           </p:cNvPr>
@@ -4801,7 +5056,7 @@
     </p:spTree>
     <p:extLst>
       <p:ext uri="{BB962C8B-B14F-4D97-AF65-F5344CB8AC3E}">
-        <p14:creationId xmlns:p14="http://schemas.microsoft.com/office/powerpoint/2010/main" val="615297589"/>
+        <p14:creationId xmlns:p14="http://schemas.microsoft.com/office/powerpoint/2010/main" val="2678246170"/>
       </p:ext>
     </p:extLst>
   </p:cSld>
@@ -4833,7 +5088,7 @@
           <p:cNvPr id="2" name="Titre 1">
             <a:extLst>
               <a:ext uri="{FF2B5EF4-FFF2-40B4-BE49-F238E27FC236}">
-                <a16:creationId xmlns:a16="http://schemas.microsoft.com/office/drawing/2014/main" id="{6765864F-B052-4150-96F0-D0009B8CEA6D}"/>
+                <a16:creationId xmlns:a16="http://schemas.microsoft.com/office/drawing/2014/main" id="{82046BD9-1B3E-447A-AF9F-A08BF1E00288}"/>
               </a:ext>
             </a:extLst>
           </p:cNvPr>
@@ -4849,15 +5104,11 @@
           <a:bodyPr/>
           <a:lstStyle/>
           <a:p>
-            <a:r>
-              <a:rPr lang="fr-FR" dirty="0"/>
-              <a:t>Aspect commercial (ce que notre produit vaut ) Avantage/</a:t>
-            </a:r>
-            <a:r>
-              <a:rPr lang="fr-FR" dirty="0" err="1"/>
-              <a:t>inconvenient</a:t>
-            </a:r>
-            <a:endParaRPr lang="fr-FR" dirty="0"/>
+            <a:pPr algn="ctr"/>
+            <a:r>
+              <a:rPr lang="fr-FR" b="1" dirty="0"/>
+              <a:t>Mise en relation entre les modules</a:t>
+            </a:r>
           </a:p>
         </p:txBody>
       </p:sp>
@@ -4866,7 +5117,7 @@
           <p:cNvPr id="3" name="Espace réservé du contenu 2">
             <a:extLst>
               <a:ext uri="{FF2B5EF4-FFF2-40B4-BE49-F238E27FC236}">
-                <a16:creationId xmlns:a16="http://schemas.microsoft.com/office/drawing/2014/main" id="{E15E60D8-E543-49E1-BB12-5BFF52643C64}"/>
+                <a16:creationId xmlns:a16="http://schemas.microsoft.com/office/drawing/2014/main" id="{0668CE36-C465-4643-A073-12159ABCFD3E}"/>
               </a:ext>
             </a:extLst>
           </p:cNvPr>
@@ -4889,7 +5140,7 @@
     </p:spTree>
     <p:extLst>
       <p:ext uri="{BB962C8B-B14F-4D97-AF65-F5344CB8AC3E}">
-        <p14:creationId xmlns:p14="http://schemas.microsoft.com/office/powerpoint/2010/main" val="1965814407"/>
+        <p14:creationId xmlns:p14="http://schemas.microsoft.com/office/powerpoint/2010/main" val="3220991053"/>
       </p:ext>
     </p:extLst>
   </p:cSld>

--- a/PROJET 1 UE 1 diapositive.pptx
+++ b/PROJET 1 UE 1 diapositive.pptx
@@ -4789,42 +4789,10 @@
       </p:sp>
       <p:pic>
         <p:nvPicPr>
-          <p:cNvPr id="4" name="Espace réservé du contenu 3">
-            <a:extLst>
-              <a:ext uri="{FF2B5EF4-FFF2-40B4-BE49-F238E27FC236}">
-                <a16:creationId xmlns:a16="http://schemas.microsoft.com/office/drawing/2014/main" id="{CF0E36CC-2E37-4DD7-9CE5-CB9A56EAD453}"/>
-              </a:ext>
-            </a:extLst>
-          </p:cNvPr>
-          <p:cNvPicPr>
-            <a:picLocks noGrp="1" noChangeAspect="1"/>
-          </p:cNvPicPr>
-          <p:nvPr>
-            <p:ph idx="1"/>
-          </p:nvPr>
-        </p:nvPicPr>
-        <p:blipFill>
-          <a:blip r:embed="rId2"/>
-          <a:stretch>
-            <a:fillRect/>
-          </a:stretch>
-        </p:blipFill>
-        <p:spPr>
-          <a:xfrm>
-            <a:off x="881062" y="1322659"/>
-            <a:ext cx="5214938" cy="2381625"/>
-          </a:xfrm>
-          <a:prstGeom prst="rect">
-            <a:avLst/>
-          </a:prstGeom>
-        </p:spPr>
-      </p:pic>
-      <p:pic>
-        <p:nvPicPr>
-          <p:cNvPr id="5" name="Image 4">
-            <a:extLst>
-              <a:ext uri="{FF2B5EF4-FFF2-40B4-BE49-F238E27FC236}">
-                <a16:creationId xmlns:a16="http://schemas.microsoft.com/office/drawing/2014/main" id="{BF604EB9-630A-412A-86A9-3512C59A66D3}"/>
+          <p:cNvPr id="6" name="Image 5">
+            <a:extLst>
+              <a:ext uri="{FF2B5EF4-FFF2-40B4-BE49-F238E27FC236}">
+                <a16:creationId xmlns:a16="http://schemas.microsoft.com/office/drawing/2014/main" id="{ED13BB49-9DF0-46D8-AF37-DC2E4D29EB16}"/>
               </a:ext>
             </a:extLst>
           </p:cNvPr>
@@ -4834,37 +4802,7 @@
           <p:nvPr/>
         </p:nvPicPr>
         <p:blipFill>
-          <a:blip r:embed="rId3"/>
-          <a:stretch>
-            <a:fillRect/>
-          </a:stretch>
-        </p:blipFill>
-        <p:spPr>
-          <a:xfrm>
-            <a:off x="1424496" y="3695518"/>
-            <a:ext cx="4633404" cy="3043510"/>
-          </a:xfrm>
-          <a:prstGeom prst="rect">
-            <a:avLst/>
-          </a:prstGeom>
-        </p:spPr>
-      </p:pic>
-      <p:pic>
-        <p:nvPicPr>
-          <p:cNvPr id="7" name="Image 6">
-            <a:extLst>
-              <a:ext uri="{FF2B5EF4-FFF2-40B4-BE49-F238E27FC236}">
-                <a16:creationId xmlns:a16="http://schemas.microsoft.com/office/drawing/2014/main" id="{3DBE7DB7-69B6-4B0D-B83E-310448349209}"/>
-              </a:ext>
-            </a:extLst>
-          </p:cNvPr>
-          <p:cNvPicPr>
-            <a:picLocks noChangeAspect="1"/>
-          </p:cNvPicPr>
-          <p:nvPr/>
-        </p:nvPicPr>
-        <p:blipFill>
-          <a:blip r:embed="rId4">
+          <a:blip r:embed="rId2">
             <a:extLst>
               <a:ext uri="{28A0092B-C50C-407E-A947-70E740481C1C}">
                 <a14:useLocalDpi xmlns:a14="http://schemas.microsoft.com/office/drawing/2010/main" val="0"/>
@@ -4877,8 +4815,8 @@
         </p:blipFill>
         <p:spPr>
           <a:xfrm>
-            <a:off x="7038975" y="1369264"/>
-            <a:ext cx="4019550" cy="5359400"/>
+            <a:off x="1414842" y="1380744"/>
+            <a:ext cx="9767324" cy="5221632"/>
           </a:xfrm>
           <a:prstGeom prst="rect">
             <a:avLst/>
@@ -5112,31 +5050,41 @@
           </a:p>
         </p:txBody>
       </p:sp>
-      <p:sp>
-        <p:nvSpPr>
-          <p:cNvPr id="3" name="Espace réservé du contenu 2">
-            <a:extLst>
-              <a:ext uri="{FF2B5EF4-FFF2-40B4-BE49-F238E27FC236}">
-                <a16:creationId xmlns:a16="http://schemas.microsoft.com/office/drawing/2014/main" id="{0668CE36-C465-4643-A073-12159ABCFD3E}"/>
-              </a:ext>
-            </a:extLst>
-          </p:cNvPr>
-          <p:cNvSpPr>
-            <a:spLocks noGrp="1"/>
-          </p:cNvSpPr>
+      <p:pic>
+        <p:nvPicPr>
+          <p:cNvPr id="5" name="Espace réservé du contenu 4">
+            <a:extLst>
+              <a:ext uri="{FF2B5EF4-FFF2-40B4-BE49-F238E27FC236}">
+                <a16:creationId xmlns:a16="http://schemas.microsoft.com/office/drawing/2014/main" id="{BC2989A2-577F-4963-A2C2-85C4909E8405}"/>
+              </a:ext>
+            </a:extLst>
+          </p:cNvPr>
+          <p:cNvPicPr>
+            <a:picLocks noGrp="1" noChangeAspect="1"/>
+          </p:cNvPicPr>
           <p:nvPr>
             <p:ph idx="1"/>
           </p:nvPr>
-        </p:nvSpPr>
-        <p:spPr/>
-        <p:txBody>
-          <a:bodyPr/>
-          <a:lstStyle/>
-          <a:p>
-            <a:endParaRPr lang="fr-FR"/>
-          </a:p>
-        </p:txBody>
-      </p:sp>
+        </p:nvPicPr>
+        <p:blipFill>
+          <a:blip r:embed="rId2">
+            <a:extLst>
+              <a:ext uri="{28A0092B-C50C-407E-A947-70E740481C1C}">
+                <a14:useLocalDpi xmlns:a14="http://schemas.microsoft.com/office/drawing/2010/main" val="0"/>
+              </a:ext>
+            </a:extLst>
+          </a:blip>
+          <a:stretch>
+            <a:fillRect/>
+          </a:stretch>
+        </p:blipFill>
+        <p:spPr>
+          <a:xfrm>
+            <a:off x="2256194" y="1476375"/>
+            <a:ext cx="8295998" cy="4700588"/>
+          </a:xfrm>
+        </p:spPr>
+      </p:pic>
     </p:spTree>
     <p:extLst>
       <p:ext uri="{BB962C8B-B14F-4D97-AF65-F5344CB8AC3E}">

--- a/PROJET 1 UE 1 diapositive.pptx
+++ b/PROJET 1 UE 1 diapositive.pptx
@@ -4698,28 +4698,119 @@
           </a:p>
         </p:txBody>
       </p:sp>
-      <p:sp>
-        <p:nvSpPr>
-          <p:cNvPr id="3" name="Espace réservé du contenu 2">
-            <a:extLst>
-              <a:ext uri="{FF2B5EF4-FFF2-40B4-BE49-F238E27FC236}">
-                <a16:creationId xmlns:a16="http://schemas.microsoft.com/office/drawing/2014/main" id="{63D12E1F-550B-4D54-B45F-3F1B7FBEECC4}"/>
-              </a:ext>
-            </a:extLst>
-          </p:cNvPr>
-          <p:cNvSpPr>
-            <a:spLocks noGrp="1"/>
-          </p:cNvSpPr>
+      <p:pic>
+        <p:nvPicPr>
+          <p:cNvPr id="5" name="Espace réservé du contenu 4">
+            <a:extLst>
+              <a:ext uri="{FF2B5EF4-FFF2-40B4-BE49-F238E27FC236}">
+                <a16:creationId xmlns:a16="http://schemas.microsoft.com/office/drawing/2014/main" id="{1E9EA255-BDA7-4EFA-A18D-4BD344CB30CC}"/>
+              </a:ext>
+            </a:extLst>
+          </p:cNvPr>
+          <p:cNvPicPr>
+            <a:picLocks noGrp="1" noChangeAspect="1"/>
+          </p:cNvPicPr>
           <p:nvPr>
             <p:ph idx="1"/>
           </p:nvPr>
-        </p:nvSpPr>
-        <p:spPr/>
-        <p:txBody>
-          <a:bodyPr/>
-          <a:lstStyle/>
-          <a:p>
-            <a:endParaRPr lang="fr-FR"/>
+        </p:nvPicPr>
+        <p:blipFill>
+          <a:blip r:embed="rId2">
+            <a:extLst>
+              <a:ext uri="{28A0092B-C50C-407E-A947-70E740481C1C}">
+                <a14:useLocalDpi xmlns:a14="http://schemas.microsoft.com/office/drawing/2010/main" val="0"/>
+              </a:ext>
+            </a:extLst>
+          </a:blip>
+          <a:stretch>
+            <a:fillRect/>
+          </a:stretch>
+        </p:blipFill>
+        <p:spPr>
+          <a:xfrm>
+            <a:off x="7591148" y="1806098"/>
+            <a:ext cx="2866748" cy="4439040"/>
+          </a:xfrm>
+        </p:spPr>
+      </p:pic>
+      <p:sp>
+        <p:nvSpPr>
+          <p:cNvPr id="6" name="ZoneTexte 5">
+            <a:extLst>
+              <a:ext uri="{FF2B5EF4-FFF2-40B4-BE49-F238E27FC236}">
+                <a16:creationId xmlns:a16="http://schemas.microsoft.com/office/drawing/2014/main" id="{B726EDAA-0B35-46F2-8E17-CBA3E2CBB965}"/>
+              </a:ext>
+            </a:extLst>
+          </p:cNvPr>
+          <p:cNvSpPr txBox="1"/>
+          <p:nvPr/>
+        </p:nvSpPr>
+        <p:spPr>
+          <a:xfrm>
+            <a:off x="7625918" y="1242874"/>
+            <a:ext cx="2840855" cy="646331"/>
+          </a:xfrm>
+          <a:prstGeom prst="rect">
+            <a:avLst/>
+          </a:prstGeom>
+          <a:noFill/>
+        </p:spPr>
+        <p:txBody>
+          <a:bodyPr wrap="square" rtlCol="0">
+            <a:spAutoFit/>
+          </a:bodyPr>
+          <a:lstStyle/>
+          <a:p>
+            <a:r>
+              <a:rPr lang="fr-FR" dirty="0"/>
+              <a:t>Code </a:t>
+            </a:r>
+            <a:r>
+              <a:rPr lang="fr-FR" dirty="0" err="1"/>
+              <a:t>arduino</a:t>
+            </a:r>
+            <a:endParaRPr lang="fr-FR" dirty="0"/>
+          </a:p>
+          <a:p>
+            <a:endParaRPr lang="fr-FR" dirty="0"/>
+          </a:p>
+        </p:txBody>
+      </p:sp>
+      <p:sp>
+        <p:nvSpPr>
+          <p:cNvPr id="7" name="ZoneTexte 6">
+            <a:extLst>
+              <a:ext uri="{FF2B5EF4-FFF2-40B4-BE49-F238E27FC236}">
+                <a16:creationId xmlns:a16="http://schemas.microsoft.com/office/drawing/2014/main" id="{0B55CE87-B3E6-4D8A-B81A-C8A53C4DA052}"/>
+              </a:ext>
+            </a:extLst>
+          </p:cNvPr>
+          <p:cNvSpPr txBox="1"/>
+          <p:nvPr/>
+        </p:nvSpPr>
+        <p:spPr>
+          <a:xfrm>
+            <a:off x="1216241" y="1393794"/>
+            <a:ext cx="2866748" cy="646331"/>
+          </a:xfrm>
+          <a:prstGeom prst="rect">
+            <a:avLst/>
+          </a:prstGeom>
+          <a:noFill/>
+        </p:spPr>
+        <p:txBody>
+          <a:bodyPr wrap="square" rtlCol="0">
+            <a:spAutoFit/>
+          </a:bodyPr>
+          <a:lstStyle/>
+          <a:p>
+            <a:r>
+              <a:rPr lang="fr-FR" dirty="0"/>
+              <a:t>Montage</a:t>
+            </a:r>
+          </a:p>
+          <a:p>
+            <a:endParaRPr lang="fr-FR" dirty="0"/>
           </a:p>
         </p:txBody>
       </p:sp>
@@ -4789,10 +4880,10 @@
       </p:sp>
       <p:pic>
         <p:nvPicPr>
-          <p:cNvPr id="6" name="Image 5">
-            <a:extLst>
-              <a:ext uri="{FF2B5EF4-FFF2-40B4-BE49-F238E27FC236}">
-                <a16:creationId xmlns:a16="http://schemas.microsoft.com/office/drawing/2014/main" id="{ED13BB49-9DF0-46D8-AF37-DC2E4D29EB16}"/>
+          <p:cNvPr id="4" name="Image 3">
+            <a:extLst>
+              <a:ext uri="{FF2B5EF4-FFF2-40B4-BE49-F238E27FC236}">
+                <a16:creationId xmlns:a16="http://schemas.microsoft.com/office/drawing/2014/main" id="{96E93A0F-CBAA-4173-BCEE-882C17BD8500}"/>
               </a:ext>
             </a:extLst>
           </p:cNvPr>
@@ -4815,8 +4906,8 @@
         </p:blipFill>
         <p:spPr>
           <a:xfrm>
-            <a:off x="1414842" y="1380744"/>
-            <a:ext cx="9767324" cy="5221632"/>
+            <a:off x="1238497" y="1376057"/>
+            <a:ext cx="9947036" cy="5317706"/>
           </a:xfrm>
           <a:prstGeom prst="rect">
             <a:avLst/>

--- a/PROJET 1 UE 1 diapositive.pptx
+++ b/PROJET 1 UE 1 diapositive.pptx
@@ -274,7 +274,7 @@
           <a:p>
             <a:fld id="{3750609C-1977-4146-AA15-23DA2F77F3E1}" type="datetimeFigureOut">
               <a:rPr lang="fr-FR" smtClean="0"/>
-              <a:t>18/11/2017</a:t>
+              <a:t>19/11/2017</a:t>
             </a:fld>
             <a:endParaRPr lang="fr-FR"/>
           </a:p>
@@ -472,7 +472,7 @@
           <a:p>
             <a:fld id="{3750609C-1977-4146-AA15-23DA2F77F3E1}" type="datetimeFigureOut">
               <a:rPr lang="fr-FR" smtClean="0"/>
-              <a:t>18/11/2017</a:t>
+              <a:t>19/11/2017</a:t>
             </a:fld>
             <a:endParaRPr lang="fr-FR"/>
           </a:p>
@@ -680,7 +680,7 @@
           <a:p>
             <a:fld id="{3750609C-1977-4146-AA15-23DA2F77F3E1}" type="datetimeFigureOut">
               <a:rPr lang="fr-FR" smtClean="0"/>
-              <a:t>18/11/2017</a:t>
+              <a:t>19/11/2017</a:t>
             </a:fld>
             <a:endParaRPr lang="fr-FR"/>
           </a:p>
@@ -878,7 +878,7 @@
           <a:p>
             <a:fld id="{3750609C-1977-4146-AA15-23DA2F77F3E1}" type="datetimeFigureOut">
               <a:rPr lang="fr-FR" smtClean="0"/>
-              <a:t>18/11/2017</a:t>
+              <a:t>19/11/2017</a:t>
             </a:fld>
             <a:endParaRPr lang="fr-FR"/>
           </a:p>
@@ -1153,7 +1153,7 @@
           <a:p>
             <a:fld id="{3750609C-1977-4146-AA15-23DA2F77F3E1}" type="datetimeFigureOut">
               <a:rPr lang="fr-FR" smtClean="0"/>
-              <a:t>18/11/2017</a:t>
+              <a:t>19/11/2017</a:t>
             </a:fld>
             <a:endParaRPr lang="fr-FR"/>
           </a:p>
@@ -1418,7 +1418,7 @@
           <a:p>
             <a:fld id="{3750609C-1977-4146-AA15-23DA2F77F3E1}" type="datetimeFigureOut">
               <a:rPr lang="fr-FR" smtClean="0"/>
-              <a:t>18/11/2017</a:t>
+              <a:t>19/11/2017</a:t>
             </a:fld>
             <a:endParaRPr lang="fr-FR"/>
           </a:p>
@@ -1830,7 +1830,7 @@
           <a:p>
             <a:fld id="{3750609C-1977-4146-AA15-23DA2F77F3E1}" type="datetimeFigureOut">
               <a:rPr lang="fr-FR" smtClean="0"/>
-              <a:t>18/11/2017</a:t>
+              <a:t>19/11/2017</a:t>
             </a:fld>
             <a:endParaRPr lang="fr-FR"/>
           </a:p>
@@ -1971,7 +1971,7 @@
           <a:p>
             <a:fld id="{3750609C-1977-4146-AA15-23DA2F77F3E1}" type="datetimeFigureOut">
               <a:rPr lang="fr-FR" smtClean="0"/>
-              <a:t>18/11/2017</a:t>
+              <a:t>19/11/2017</a:t>
             </a:fld>
             <a:endParaRPr lang="fr-FR"/>
           </a:p>
@@ -2084,7 +2084,7 @@
           <a:p>
             <a:fld id="{3750609C-1977-4146-AA15-23DA2F77F3E1}" type="datetimeFigureOut">
               <a:rPr lang="fr-FR" smtClean="0"/>
-              <a:t>18/11/2017</a:t>
+              <a:t>19/11/2017</a:t>
             </a:fld>
             <a:endParaRPr lang="fr-FR"/>
           </a:p>
@@ -2395,7 +2395,7 @@
           <a:p>
             <a:fld id="{3750609C-1977-4146-AA15-23DA2F77F3E1}" type="datetimeFigureOut">
               <a:rPr lang="fr-FR" smtClean="0"/>
-              <a:t>18/11/2017</a:t>
+              <a:t>19/11/2017</a:t>
             </a:fld>
             <a:endParaRPr lang="fr-FR"/>
           </a:p>
@@ -2683,7 +2683,7 @@
           <a:p>
             <a:fld id="{3750609C-1977-4146-AA15-23DA2F77F3E1}" type="datetimeFigureOut">
               <a:rPr lang="fr-FR" smtClean="0"/>
-              <a:t>18/11/2017</a:t>
+              <a:t>19/11/2017</a:t>
             </a:fld>
             <a:endParaRPr lang="fr-FR"/>
           </a:p>
@@ -2954,7 +2954,7 @@
           <a:p>
             <a:fld id="{3750609C-1977-4146-AA15-23DA2F77F3E1}" type="datetimeFigureOut">
               <a:rPr lang="fr-FR" smtClean="0"/>
-              <a:t>18/11/2017</a:t>
+              <a:t>19/11/2017</a:t>
             </a:fld>
             <a:endParaRPr lang="fr-FR"/>
           </a:p>
@@ -3783,8 +3783,8 @@
         </p:blipFill>
         <p:spPr>
           <a:xfrm>
-            <a:off x="2377117" y="1508570"/>
-            <a:ext cx="7437765" cy="2187130"/>
+            <a:off x="395799" y="2624328"/>
+            <a:ext cx="5593522" cy="2036984"/>
           </a:xfrm>
           <a:prstGeom prst="rect">
             <a:avLst/>
@@ -3793,10 +3793,10 @@
       </p:pic>
       <p:sp>
         <p:nvSpPr>
-          <p:cNvPr id="5" name="ZoneTexte 4">
-            <a:extLst>
-              <a:ext uri="{FF2B5EF4-FFF2-40B4-BE49-F238E27FC236}">
-                <a16:creationId xmlns:a16="http://schemas.microsoft.com/office/drawing/2014/main" id="{17A14362-C274-4DE1-905F-F7BE6D658E3D}"/>
+          <p:cNvPr id="3" name="ZoneTexte 2">
+            <a:extLst>
+              <a:ext uri="{FF2B5EF4-FFF2-40B4-BE49-F238E27FC236}">
+                <a16:creationId xmlns:a16="http://schemas.microsoft.com/office/drawing/2014/main" id="{8A0F63F3-EAB4-426A-90CB-1690CA0424E4}"/>
               </a:ext>
             </a:extLst>
           </p:cNvPr>
@@ -3805,8 +3805,8 @@
         </p:nvSpPr>
         <p:spPr>
           <a:xfrm>
-            <a:off x="2377117" y="3867150"/>
-            <a:ext cx="7437765" cy="1200329"/>
+            <a:off x="6373368" y="2673324"/>
+            <a:ext cx="4599432" cy="1938992"/>
           </a:xfrm>
           <a:prstGeom prst="rect">
             <a:avLst/>
@@ -3819,30 +3819,56 @@
           </a:bodyPr>
           <a:lstStyle/>
           <a:p>
-            <a:r>
-              <a:rPr lang="fr-FR" dirty="0"/>
-              <a:t>-Projet de santé prometteur</a:t>
-            </a:r>
-          </a:p>
-          <a:p>
-            <a:r>
-              <a:rPr lang="fr-FR" dirty="0"/>
-              <a:t>-Sabotage</a:t>
-            </a:r>
-          </a:p>
-          <a:p>
-            <a:r>
-              <a:rPr lang="fr-FR" dirty="0"/>
-              <a:t>-Proposition d’aide d’</a:t>
-            </a:r>
-            <a:r>
-              <a:rPr lang="fr-FR" dirty="0" err="1"/>
+            <a:pPr marL="285750" indent="-285750">
+              <a:buFont typeface="Arial" panose="020B0604020202020204" pitchFamily="34" charset="0"/>
+              <a:buChar char="•"/>
+            </a:pPr>
+            <a:r>
+              <a:rPr lang="fr-FR" sz="2400" dirty="0"/>
+              <a:t>Projet de sante prometteur </a:t>
+            </a:r>
+          </a:p>
+          <a:p>
+            <a:pPr marL="285750" indent="-285750">
+              <a:buFont typeface="Arial" panose="020B0604020202020204" pitchFamily="34" charset="0"/>
+              <a:buChar char="•"/>
+            </a:pPr>
+            <a:endParaRPr lang="fr-FR" sz="2400" dirty="0"/>
+          </a:p>
+          <a:p>
+            <a:pPr marL="285750" indent="-285750">
+              <a:buFont typeface="Arial" panose="020B0604020202020204" pitchFamily="34" charset="0"/>
+              <a:buChar char="•"/>
+            </a:pPr>
+            <a:r>
+              <a:rPr lang="fr-FR" sz="2400" dirty="0"/>
+              <a:t>Sabotage</a:t>
+            </a:r>
+          </a:p>
+          <a:p>
+            <a:pPr marL="285750" indent="-285750">
+              <a:buFont typeface="Arial" panose="020B0604020202020204" pitchFamily="34" charset="0"/>
+              <a:buChar char="•"/>
+            </a:pPr>
+            <a:endParaRPr lang="fr-FR" sz="2400" dirty="0"/>
+          </a:p>
+          <a:p>
+            <a:pPr marL="285750" indent="-285750">
+              <a:buFont typeface="Arial" panose="020B0604020202020204" pitchFamily="34" charset="0"/>
+              <a:buChar char="•"/>
+            </a:pPr>
+            <a:r>
+              <a:rPr lang="fr-FR" sz="2400" dirty="0"/>
+              <a:t>Proposition d’aide d’</a:t>
+            </a:r>
+            <a:r>
+              <a:rPr lang="fr-FR" sz="2400" dirty="0" err="1"/>
               <a:t>Exia</a:t>
             </a:r>
-            <a:endParaRPr lang="fr-FR" dirty="0"/>
-          </a:p>
-          <a:p>
-            <a:endParaRPr lang="fr-FR" dirty="0"/>
+            <a:r>
+              <a:rPr lang="fr-FR" sz="2400" dirty="0"/>
+              <a:t> </a:t>
+            </a:r>
           </a:p>
         </p:txBody>
       </p:sp>
@@ -3919,8 +3945,8 @@
         </p:nvSpPr>
         <p:spPr>
           <a:xfrm>
-            <a:off x="1304925" y="1790700"/>
-            <a:ext cx="10677525" cy="1200329"/>
+            <a:off x="838200" y="2090172"/>
+            <a:ext cx="10326624" cy="4339650"/>
           </a:xfrm>
           <a:prstGeom prst="rect">
             <a:avLst/>
@@ -3937,7 +3963,7 @@
               <a:buAutoNum type="romanUcParenR"/>
             </a:pPr>
             <a:r>
-              <a:rPr lang="fr-FR" dirty="0"/>
+              <a:rPr lang="fr-FR" sz="2800" dirty="0"/>
               <a:t>Organisation du projet</a:t>
             </a:r>
           </a:p>
@@ -3945,26 +3971,84 @@
             <a:pPr marL="400050" indent="-400050">
               <a:buAutoNum type="romanUcParenR"/>
             </a:pPr>
-            <a:r>
-              <a:rPr lang="fr-FR" dirty="0"/>
-              <a:t>Présentation des modules</a:t>
-            </a:r>
+            <a:endParaRPr lang="fr-FR" sz="2800" dirty="0"/>
           </a:p>
           <a:p>
             <a:pPr marL="400050" indent="-400050">
               <a:buAutoNum type="romanUcParenR"/>
             </a:pPr>
             <a:r>
-              <a:rPr lang="fr-FR" dirty="0"/>
-              <a:t>Bilan des modules</a:t>
+              <a:rPr lang="fr-FR" sz="2800" dirty="0"/>
+              <a:t>Présentation des modules</a:t>
+            </a:r>
+          </a:p>
+          <a:p>
+            <a:pPr marL="971550" lvl="1" indent="-514350">
+              <a:buFont typeface="+mj-lt"/>
+              <a:buAutoNum type="alphaLcParenR"/>
+            </a:pPr>
+            <a:r>
+              <a:rPr lang="fr-FR" sz="2000" dirty="0"/>
+              <a:t>Module 1</a:t>
+            </a:r>
+          </a:p>
+          <a:p>
+            <a:pPr marL="971550" lvl="1" indent="-514350">
+              <a:buFont typeface="+mj-lt"/>
+              <a:buAutoNum type="alphaLcParenR"/>
+            </a:pPr>
+            <a:r>
+              <a:rPr lang="fr-FR" sz="2000" dirty="0"/>
+              <a:t>Module 2</a:t>
+            </a:r>
+          </a:p>
+          <a:p>
+            <a:pPr marL="971550" lvl="1" indent="-514350">
+              <a:buFont typeface="+mj-lt"/>
+              <a:buAutoNum type="alphaLcParenR"/>
+            </a:pPr>
+            <a:r>
+              <a:rPr lang="fr-FR" sz="2000" dirty="0"/>
+              <a:t>Module 3</a:t>
+            </a:r>
+          </a:p>
+          <a:p>
+            <a:pPr marL="971550" lvl="1" indent="-514350">
+              <a:buFont typeface="+mj-lt"/>
+              <a:buAutoNum type="alphaLcParenR"/>
+            </a:pPr>
+            <a:r>
+              <a:rPr lang="fr-FR" sz="2000" dirty="0"/>
+              <a:t>Module 4</a:t>
             </a:r>
           </a:p>
           <a:p>
             <a:pPr marL="400050" indent="-400050">
               <a:buAutoNum type="romanUcParenR"/>
             </a:pPr>
-            <a:r>
-              <a:rPr lang="fr-FR" dirty="0"/>
+            <a:endParaRPr lang="fr-FR" sz="2800" dirty="0"/>
+          </a:p>
+          <a:p>
+            <a:pPr marL="400050" indent="-400050">
+              <a:buAutoNum type="romanUcParenR"/>
+            </a:pPr>
+            <a:r>
+              <a:rPr lang="fr-FR" sz="2800" dirty="0"/>
+              <a:t>Bilan des modules</a:t>
+            </a:r>
+          </a:p>
+          <a:p>
+            <a:pPr marL="400050" indent="-400050">
+              <a:buAutoNum type="romanUcParenR"/>
+            </a:pPr>
+            <a:endParaRPr lang="fr-FR" sz="2800" dirty="0"/>
+          </a:p>
+          <a:p>
+            <a:pPr marL="400050" indent="-400050">
+              <a:buAutoNum type="romanUcParenR"/>
+            </a:pPr>
+            <a:r>
+              <a:rPr lang="fr-FR" sz="2800" dirty="0"/>
               <a:t>Conclusion</a:t>
             </a:r>
           </a:p>

--- a/PROJET 1 UE 1 diapositive.pptx
+++ b/PROJET 1 UE 1 diapositive.pptx
@@ -2764,25 +2764,25 @@
         <a:gradFill flip="none" rotWithShape="1">
           <a:gsLst>
             <a:gs pos="0">
-              <a:schemeClr val="accent2">
+              <a:schemeClr val="accent1">
                 <a:lumMod val="20000"/>
                 <a:lumOff val="80000"/>
               </a:schemeClr>
             </a:gs>
             <a:gs pos="74000">
-              <a:schemeClr val="accent2">
+              <a:schemeClr val="accent1">
                 <a:lumMod val="60000"/>
                 <a:lumOff val="40000"/>
               </a:schemeClr>
             </a:gs>
             <a:gs pos="83000">
-              <a:schemeClr val="accent2">
+              <a:schemeClr val="accent1">
                 <a:lumMod val="60000"/>
                 <a:lumOff val="40000"/>
               </a:schemeClr>
             </a:gs>
             <a:gs pos="100000">
-              <a:schemeClr val="accent2">
+              <a:schemeClr val="accent1">
                 <a:lumMod val="40000"/>
                 <a:lumOff val="60000"/>
               </a:schemeClr>
@@ -3387,9 +3387,16 @@
             <p:ph type="ctrTitle"/>
           </p:nvPr>
         </p:nvSpPr>
-        <p:spPr/>
-        <p:txBody>
-          <a:bodyPr/>
+        <p:spPr>
+          <a:xfrm>
+            <a:off x="1524000" y="1933575"/>
+            <a:ext cx="9144000" cy="1576388"/>
+          </a:xfrm>
+        </p:spPr>
+        <p:txBody>
+          <a:bodyPr>
+            <a:normAutofit fontScale="90000"/>
+          </a:bodyPr>
           <a:lstStyle/>
           <a:p>
             <a:r>
@@ -3397,8 +3404,25 @@
                 <a:latin typeface="Cambria Math" panose="02040503050406030204" pitchFamily="18" charset="0"/>
                 <a:ea typeface="Cambria Math" panose="02040503050406030204" pitchFamily="18" charset="0"/>
               </a:rPr>
-              <a:t>PROJET 1 UE 1</a:t>
-            </a:r>
+              <a:t>Unité d’Enseignement  1</a:t>
+            </a:r>
+            <a:br>
+              <a:rPr lang="fr-FR" dirty="0">
+                <a:latin typeface="Cambria Math" panose="02040503050406030204" pitchFamily="18" charset="0"/>
+                <a:ea typeface="Cambria Math" panose="02040503050406030204" pitchFamily="18" charset="0"/>
+              </a:rPr>
+            </a:br>
+            <a:r>
+              <a:rPr lang="fr-FR" sz="4900" dirty="0">
+                <a:latin typeface="Cambria Math" panose="02040503050406030204" pitchFamily="18" charset="0"/>
+                <a:ea typeface="Cambria Math" panose="02040503050406030204" pitchFamily="18" charset="0"/>
+              </a:rPr>
+              <a:t>Projet n°1</a:t>
+            </a:r>
+            <a:endParaRPr lang="fr-FR" dirty="0">
+              <a:latin typeface="Cambria Math" panose="02040503050406030204" pitchFamily="18" charset="0"/>
+              <a:ea typeface="Cambria Math" panose="02040503050406030204" pitchFamily="18" charset="0"/>
+            </a:endParaRPr>
           </a:p>
         </p:txBody>
       </p:sp>
@@ -3420,7 +3444,7 @@
         </p:nvSpPr>
         <p:spPr>
           <a:xfrm>
-            <a:off x="1524000" y="3534300"/>
+            <a:off x="1524000" y="3514726"/>
             <a:ext cx="9144000" cy="392913"/>
           </a:xfrm>
         </p:spPr>
@@ -3431,12 +3455,179 @@
           <a:lstStyle/>
           <a:p>
             <a:r>
-              <a:rPr lang="fr-FR" sz="2000" i="1" dirty="0"/>
+              <a:rPr lang="fr-FR" sz="1800" i="1" dirty="0"/>
               <a:t>Cardiofréquencemètre</a:t>
             </a:r>
           </a:p>
         </p:txBody>
       </p:sp>
+      <p:sp>
+        <p:nvSpPr>
+          <p:cNvPr id="4" name="ZoneTexte 3">
+            <a:extLst>
+              <a:ext uri="{FF2B5EF4-FFF2-40B4-BE49-F238E27FC236}">
+                <a16:creationId xmlns:a16="http://schemas.microsoft.com/office/drawing/2014/main" id="{9E598DD9-9F77-4F60-BFD1-60695DF8E304}"/>
+              </a:ext>
+            </a:extLst>
+          </p:cNvPr>
+          <p:cNvSpPr txBox="1"/>
+          <p:nvPr/>
+        </p:nvSpPr>
+        <p:spPr>
+          <a:xfrm>
+            <a:off x="9925050" y="5657671"/>
+            <a:ext cx="3286125" cy="1200329"/>
+          </a:xfrm>
+          <a:prstGeom prst="rect">
+            <a:avLst/>
+          </a:prstGeom>
+          <a:noFill/>
+        </p:spPr>
+        <p:txBody>
+          <a:bodyPr wrap="square" rtlCol="0">
+            <a:spAutoFit/>
+          </a:bodyPr>
+          <a:lstStyle/>
+          <a:p>
+            <a:pPr marL="285750" indent="-285750">
+              <a:buFont typeface="Arial" panose="020B0604020202020204" pitchFamily="34" charset="0"/>
+              <a:buChar char="•"/>
+            </a:pPr>
+            <a:r>
+              <a:rPr lang="fr-FR" dirty="0"/>
+              <a:t>BALDAZZA Louka </a:t>
+            </a:r>
+          </a:p>
+          <a:p>
+            <a:pPr marL="285750" indent="-285750">
+              <a:buFont typeface="Arial" panose="020B0604020202020204" pitchFamily="34" charset="0"/>
+              <a:buChar char="•"/>
+            </a:pPr>
+            <a:r>
+              <a:rPr lang="fr-FR" dirty="0"/>
+              <a:t>ONFRAY Vincent</a:t>
+            </a:r>
+          </a:p>
+          <a:p>
+            <a:pPr marL="285750" indent="-285750">
+              <a:buFont typeface="Arial" panose="020B0604020202020204" pitchFamily="34" charset="0"/>
+              <a:buChar char="•"/>
+            </a:pPr>
+            <a:r>
+              <a:rPr lang="fr-FR" dirty="0"/>
+              <a:t>BEST Guillaume</a:t>
+            </a:r>
+          </a:p>
+          <a:p>
+            <a:pPr marL="285750" indent="-285750">
+              <a:buFont typeface="Arial" panose="020B0604020202020204" pitchFamily="34" charset="0"/>
+              <a:buChar char="•"/>
+            </a:pPr>
+            <a:endParaRPr lang="fr-FR" dirty="0"/>
+          </a:p>
+        </p:txBody>
+      </p:sp>
+      <p:sp>
+        <p:nvSpPr>
+          <p:cNvPr id="5" name="ZoneTexte 4">
+            <a:extLst>
+              <a:ext uri="{FF2B5EF4-FFF2-40B4-BE49-F238E27FC236}">
+                <a16:creationId xmlns:a16="http://schemas.microsoft.com/office/drawing/2014/main" id="{21AE3C6B-75E5-416D-A8C7-DBCF96DE77DF}"/>
+              </a:ext>
+            </a:extLst>
+          </p:cNvPr>
+          <p:cNvSpPr txBox="1"/>
+          <p:nvPr/>
+        </p:nvSpPr>
+        <p:spPr>
+          <a:xfrm>
+            <a:off x="133350" y="6257835"/>
+            <a:ext cx="1390650" cy="369332"/>
+          </a:xfrm>
+          <a:prstGeom prst="rect">
+            <a:avLst/>
+          </a:prstGeom>
+          <a:noFill/>
+        </p:spPr>
+        <p:txBody>
+          <a:bodyPr wrap="square" rtlCol="0">
+            <a:spAutoFit/>
+          </a:bodyPr>
+          <a:lstStyle/>
+          <a:p>
+            <a:r>
+              <a:rPr lang="fr-FR" dirty="0"/>
+              <a:t>2017/2018</a:t>
+            </a:r>
+          </a:p>
+        </p:txBody>
+      </p:sp>
+      <p:pic>
+        <p:nvPicPr>
+          <p:cNvPr id="6" name="Image 5">
+            <a:extLst>
+              <a:ext uri="{FF2B5EF4-FFF2-40B4-BE49-F238E27FC236}">
+                <a16:creationId xmlns:a16="http://schemas.microsoft.com/office/drawing/2014/main" id="{68633DAD-D515-4DF2-848B-9296DEC33D4F}"/>
+              </a:ext>
+            </a:extLst>
+          </p:cNvPr>
+          <p:cNvPicPr>
+            <a:picLocks noChangeAspect="1"/>
+          </p:cNvPicPr>
+          <p:nvPr/>
+        </p:nvPicPr>
+        <p:blipFill>
+          <a:blip r:embed="rId2">
+            <a:extLst>
+              <a:ext uri="{28A0092B-C50C-407E-A947-70E740481C1C}">
+                <a14:useLocalDpi xmlns:a14="http://schemas.microsoft.com/office/drawing/2010/main" val="0"/>
+              </a:ext>
+            </a:extLst>
+          </a:blip>
+          <a:stretch>
+            <a:fillRect/>
+          </a:stretch>
+        </p:blipFill>
+        <p:spPr>
+          <a:xfrm>
+            <a:off x="3228975" y="5912882"/>
+            <a:ext cx="1961413" cy="714285"/>
+          </a:xfrm>
+          <a:prstGeom prst="rect">
+            <a:avLst/>
+          </a:prstGeom>
+        </p:spPr>
+      </p:pic>
+      <p:pic>
+        <p:nvPicPr>
+          <p:cNvPr id="7" name="Image 6">
+            <a:extLst>
+              <a:ext uri="{FF2B5EF4-FFF2-40B4-BE49-F238E27FC236}">
+                <a16:creationId xmlns:a16="http://schemas.microsoft.com/office/drawing/2014/main" id="{684CDDE6-B38D-4EA2-9288-2D34A375900E}"/>
+              </a:ext>
+            </a:extLst>
+          </p:cNvPr>
+          <p:cNvPicPr>
+            <a:picLocks noChangeAspect="1"/>
+          </p:cNvPicPr>
+          <p:nvPr/>
+        </p:nvPicPr>
+        <p:blipFill>
+          <a:blip r:embed="rId3"/>
+          <a:stretch>
+            <a:fillRect/>
+          </a:stretch>
+        </p:blipFill>
+        <p:spPr>
+          <a:xfrm>
+            <a:off x="7001614" y="5918111"/>
+            <a:ext cx="1284561" cy="714285"/>
+          </a:xfrm>
+          <a:prstGeom prst="rect">
+            <a:avLst/>
+          </a:prstGeom>
+        </p:spPr>
+      </p:pic>
     </p:spTree>
     <p:extLst>
       <p:ext uri="{BB962C8B-B14F-4D97-AF65-F5344CB8AC3E}">
@@ -3483,40 +3674,21 @@
             <p:ph type="title"/>
           </p:nvPr>
         </p:nvSpPr>
-        <p:spPr/>
+        <p:spPr>
+          <a:xfrm>
+            <a:off x="838200" y="2766218"/>
+            <a:ext cx="10515600" cy="1325563"/>
+          </a:xfrm>
+        </p:spPr>
         <p:txBody>
           <a:bodyPr/>
           <a:lstStyle/>
           <a:p>
+            <a:pPr algn="ctr"/>
             <a:r>
               <a:rPr lang="fr-FR" dirty="0"/>
               <a:t>Présentation direct ou vidéo du projet </a:t>
             </a:r>
-          </a:p>
-        </p:txBody>
-      </p:sp>
-      <p:sp>
-        <p:nvSpPr>
-          <p:cNvPr id="3" name="Espace réservé du contenu 2">
-            <a:extLst>
-              <a:ext uri="{FF2B5EF4-FFF2-40B4-BE49-F238E27FC236}">
-                <a16:creationId xmlns:a16="http://schemas.microsoft.com/office/drawing/2014/main" id="{7FD77E72-D6AD-4D51-870A-13D301D7F037}"/>
-              </a:ext>
-            </a:extLst>
-          </p:cNvPr>
-          <p:cNvSpPr>
-            <a:spLocks noGrp="1"/>
-          </p:cNvSpPr>
-          <p:nvPr>
-            <p:ph idx="1"/>
-          </p:nvPr>
-        </p:nvSpPr>
-        <p:spPr/>
-        <p:txBody>
-          <a:bodyPr/>
-          <a:lstStyle/>
-          <a:p>
-            <a:endParaRPr lang="fr-FR"/>
           </a:p>
         </p:txBody>
       </p:sp>
@@ -3744,13 +3916,17 @@
           </a:xfrm>
         </p:spPr>
         <p:txBody>
-          <a:bodyPr/>
+          <a:bodyPr>
+            <a:normAutofit/>
+          </a:bodyPr>
           <a:lstStyle/>
           <a:p>
             <a:pPr algn="ctr"/>
             <a:r>
-              <a:rPr lang="fr-FR" dirty="0"/>
-              <a:t>Contexte</a:t>
+              <a:rPr lang="fr-FR" sz="5400" b="1" dirty="0">
+                <a:latin typeface="Freestyle Script" panose="030804020302050B0404" pitchFamily="66" charset="0"/>
+              </a:rPr>
+              <a:t>Contexte du Projet</a:t>
             </a:r>
           </a:p>
         </p:txBody>
@@ -3783,8 +3959,8 @@
         </p:blipFill>
         <p:spPr>
           <a:xfrm>
-            <a:off x="395799" y="2624328"/>
-            <a:ext cx="5593522" cy="2036984"/>
+            <a:off x="1333500" y="2470383"/>
+            <a:ext cx="3423606" cy="1246770"/>
           </a:xfrm>
           <a:prstGeom prst="rect">
             <a:avLst/>
@@ -3825,7 +4001,7 @@
             </a:pPr>
             <a:r>
               <a:rPr lang="fr-FR" sz="2400" dirty="0"/>
-              <a:t>Projet de sante prometteur </a:t>
+              <a:t>Projet de santé prometteur </a:t>
             </a:r>
           </a:p>
           <a:p>
@@ -3872,6 +4048,36 @@
           </a:p>
         </p:txBody>
       </p:sp>
+      <p:pic>
+        <p:nvPicPr>
+          <p:cNvPr id="5" name="Image 4">
+            <a:extLst>
+              <a:ext uri="{FF2B5EF4-FFF2-40B4-BE49-F238E27FC236}">
+                <a16:creationId xmlns:a16="http://schemas.microsoft.com/office/drawing/2014/main" id="{9C518AA9-6E9C-463E-BFBD-A3D075C61CD1}"/>
+              </a:ext>
+            </a:extLst>
+          </p:cNvPr>
+          <p:cNvPicPr>
+            <a:picLocks noChangeAspect="1"/>
+          </p:cNvPicPr>
+          <p:nvPr/>
+        </p:nvPicPr>
+        <p:blipFill>
+          <a:blip r:embed="rId3"/>
+          <a:stretch>
+            <a:fillRect/>
+          </a:stretch>
+        </p:blipFill>
+        <p:spPr>
+          <a:xfrm>
+            <a:off x="2005013" y="4176410"/>
+            <a:ext cx="1881188" cy="1046042"/>
+          </a:xfrm>
+          <a:prstGeom prst="rect">
+            <a:avLst/>
+          </a:prstGeom>
+        </p:spPr>
+      </p:pic>
     </p:spTree>
     <p:extLst>
       <p:ext uri="{BB962C8B-B14F-4D97-AF65-F5344CB8AC3E}">
@@ -3945,8 +4151,8 @@
         </p:nvSpPr>
         <p:spPr>
           <a:xfrm>
-            <a:off x="838200" y="2090172"/>
-            <a:ext cx="10326624" cy="4339650"/>
+            <a:off x="1563210" y="1690688"/>
+            <a:ext cx="4532790" cy="4339650"/>
           </a:xfrm>
           <a:prstGeom prst="rect">
             <a:avLst/>
@@ -4976,7 +5182,7 @@
           </p:cNvPicPr>
           <p:nvPr/>
         </p:nvPicPr>
-        <p:blipFill>
+        <p:blipFill rotWithShape="1">
           <a:blip r:embed="rId2">
             <a:extLst>
               <a:ext uri="{28A0092B-C50C-407E-A947-70E740481C1C}">
@@ -4984,20 +5190,89 @@
               </a:ext>
             </a:extLst>
           </a:blip>
-          <a:stretch>
-            <a:fillRect/>
-          </a:stretch>
+          <a:srcRect l="285" t="-84" r="48868" b="1210"/>
+          <a:stretch/>
         </p:blipFill>
         <p:spPr>
           <a:xfrm>
-            <a:off x="1238497" y="1376057"/>
-            <a:ext cx="9947036" cy="5317706"/>
+            <a:off x="752475" y="1385551"/>
+            <a:ext cx="4524375" cy="4703305"/>
           </a:xfrm>
           <a:prstGeom prst="rect">
             <a:avLst/>
           </a:prstGeom>
         </p:spPr>
       </p:pic>
+      <p:pic>
+        <p:nvPicPr>
+          <p:cNvPr id="5" name="Image 4">
+            <a:extLst>
+              <a:ext uri="{FF2B5EF4-FFF2-40B4-BE49-F238E27FC236}">
+                <a16:creationId xmlns:a16="http://schemas.microsoft.com/office/drawing/2014/main" id="{445DEDB0-9AD7-4E0D-A9ED-2DC4D588BDE2}"/>
+              </a:ext>
+            </a:extLst>
+          </p:cNvPr>
+          <p:cNvPicPr>
+            <a:picLocks noChangeAspect="1"/>
+          </p:cNvPicPr>
+          <p:nvPr/>
+        </p:nvPicPr>
+        <p:blipFill rotWithShape="1">
+          <a:blip r:embed="rId2">
+            <a:extLst>
+              <a:ext uri="{28A0092B-C50C-407E-A947-70E740481C1C}">
+                <a14:useLocalDpi xmlns:a14="http://schemas.microsoft.com/office/drawing/2010/main" val="0"/>
+              </a:ext>
+            </a:extLst>
+          </a:blip>
+          <a:srcRect l="60133" t="1170" r="606" b="1390"/>
+          <a:stretch/>
+        </p:blipFill>
+        <p:spPr>
+          <a:xfrm>
+            <a:off x="7867650" y="1385551"/>
+            <a:ext cx="3084822" cy="4093032"/>
+          </a:xfrm>
+          <a:prstGeom prst="rect">
+            <a:avLst/>
+          </a:prstGeom>
+        </p:spPr>
+      </p:pic>
+      <p:sp>
+        <p:nvSpPr>
+          <p:cNvPr id="3" name="ZoneTexte 2">
+            <a:extLst>
+              <a:ext uri="{FF2B5EF4-FFF2-40B4-BE49-F238E27FC236}">
+                <a16:creationId xmlns:a16="http://schemas.microsoft.com/office/drawing/2014/main" id="{F14F6C69-4A46-4993-9BB1-8DD65BC43E0B}"/>
+              </a:ext>
+            </a:extLst>
+          </p:cNvPr>
+          <p:cNvSpPr txBox="1"/>
+          <p:nvPr/>
+        </p:nvSpPr>
+        <p:spPr>
+          <a:xfrm>
+            <a:off x="7867650" y="5472449"/>
+            <a:ext cx="3084822" cy="276999"/>
+          </a:xfrm>
+          <a:prstGeom prst="rect">
+            <a:avLst/>
+          </a:prstGeom>
+          <a:noFill/>
+        </p:spPr>
+        <p:txBody>
+          <a:bodyPr wrap="square" rtlCol="0">
+            <a:spAutoFit/>
+          </a:bodyPr>
+          <a:lstStyle/>
+          <a:p>
+            <a:r>
+              <a:rPr lang="fr-FR" sz="1200" i="1" dirty="0"/>
+              <a:t>Montage  du cœur de  LED</a:t>
+            </a:r>
+          </a:p>
+        </p:txBody>
+      </p:sp>
     </p:spTree>
     <p:extLst>
       <p:ext uri="{BB962C8B-B14F-4D97-AF65-F5344CB8AC3E}">
@@ -5157,12 +5432,221 @@
             <p:ph idx="1"/>
           </p:nvPr>
         </p:nvSpPr>
-        <p:spPr/>
-        <p:txBody>
-          <a:bodyPr/>
-          <a:lstStyle/>
-          <a:p>
-            <a:endParaRPr lang="fr-FR"/>
+        <p:spPr>
+          <a:xfrm>
+            <a:off x="740544" y="1690688"/>
+            <a:ext cx="3653903" cy="795060"/>
+          </a:xfrm>
+        </p:spPr>
+        <p:txBody>
+          <a:bodyPr>
+            <a:normAutofit/>
+          </a:bodyPr>
+          <a:lstStyle/>
+          <a:p>
+            <a:r>
+              <a:rPr lang="fr-FR" dirty="0"/>
+              <a:t>Organisation du code:</a:t>
+            </a:r>
+          </a:p>
+        </p:txBody>
+      </p:sp>
+      <p:sp>
+        <p:nvSpPr>
+          <p:cNvPr id="4" name="Espace réservé du contenu 2">
+            <a:extLst>
+              <a:ext uri="{FF2B5EF4-FFF2-40B4-BE49-F238E27FC236}">
+                <a16:creationId xmlns:a16="http://schemas.microsoft.com/office/drawing/2014/main" id="{A476CDD7-04DC-4C13-8259-13582BE27190}"/>
+              </a:ext>
+            </a:extLst>
+          </p:cNvPr>
+          <p:cNvSpPr txBox="1">
+            <a:spLocks/>
+          </p:cNvSpPr>
+          <p:nvPr/>
+        </p:nvSpPr>
+        <p:spPr>
+          <a:xfrm>
+            <a:off x="6548020" y="1690688"/>
+            <a:ext cx="3723444" cy="795060"/>
+          </a:xfrm>
+          <a:prstGeom prst="rect">
+            <a:avLst/>
+          </a:prstGeom>
+        </p:spPr>
+        <p:txBody>
+          <a:bodyPr vert="horz" lIns="91440" tIns="45720" rIns="91440" bIns="45720" rtlCol="0">
+            <a:normAutofit/>
+          </a:bodyPr>
+          <a:lstStyle>
+            <a:lvl1pPr marL="228600" indent="-228600" algn="l" defTabSz="914400" rtl="0" eaLnBrk="1" latinLnBrk="0" hangingPunct="1">
+              <a:lnSpc>
+                <a:spcPct val="90000"/>
+              </a:lnSpc>
+              <a:spcBef>
+                <a:spcPts val="1000"/>
+              </a:spcBef>
+              <a:buFont typeface="Arial" panose="020B0604020202020204" pitchFamily="34" charset="0"/>
+              <a:buChar char="•"/>
+              <a:defRPr sz="2800" kern="1200">
+                <a:solidFill>
+                  <a:schemeClr val="tx1"/>
+                </a:solidFill>
+                <a:latin typeface="+mn-lt"/>
+                <a:ea typeface="+mn-ea"/>
+                <a:cs typeface="+mn-cs"/>
+              </a:defRPr>
+            </a:lvl1pPr>
+            <a:lvl2pPr marL="685800" indent="-228600" algn="l" defTabSz="914400" rtl="0" eaLnBrk="1" latinLnBrk="0" hangingPunct="1">
+              <a:lnSpc>
+                <a:spcPct val="90000"/>
+              </a:lnSpc>
+              <a:spcBef>
+                <a:spcPts val="500"/>
+              </a:spcBef>
+              <a:buFont typeface="Arial" panose="020B0604020202020204" pitchFamily="34" charset="0"/>
+              <a:buChar char="•"/>
+              <a:defRPr sz="2400" kern="1200">
+                <a:solidFill>
+                  <a:schemeClr val="tx1"/>
+                </a:solidFill>
+                <a:latin typeface="+mn-lt"/>
+                <a:ea typeface="+mn-ea"/>
+                <a:cs typeface="+mn-cs"/>
+              </a:defRPr>
+            </a:lvl2pPr>
+            <a:lvl3pPr marL="1143000" indent="-228600" algn="l" defTabSz="914400" rtl="0" eaLnBrk="1" latinLnBrk="0" hangingPunct="1">
+              <a:lnSpc>
+                <a:spcPct val="90000"/>
+              </a:lnSpc>
+              <a:spcBef>
+                <a:spcPts val="500"/>
+              </a:spcBef>
+              <a:buFont typeface="Arial" panose="020B0604020202020204" pitchFamily="34" charset="0"/>
+              <a:buChar char="•"/>
+              <a:defRPr sz="2000" kern="1200">
+                <a:solidFill>
+                  <a:schemeClr val="tx1"/>
+                </a:solidFill>
+                <a:latin typeface="+mn-lt"/>
+                <a:ea typeface="+mn-ea"/>
+                <a:cs typeface="+mn-cs"/>
+              </a:defRPr>
+            </a:lvl3pPr>
+            <a:lvl4pPr marL="1600200" indent="-228600" algn="l" defTabSz="914400" rtl="0" eaLnBrk="1" latinLnBrk="0" hangingPunct="1">
+              <a:lnSpc>
+                <a:spcPct val="90000"/>
+              </a:lnSpc>
+              <a:spcBef>
+                <a:spcPts val="500"/>
+              </a:spcBef>
+              <a:buFont typeface="Arial" panose="020B0604020202020204" pitchFamily="34" charset="0"/>
+              <a:buChar char="•"/>
+              <a:defRPr sz="1800" kern="1200">
+                <a:solidFill>
+                  <a:schemeClr val="tx1"/>
+                </a:solidFill>
+                <a:latin typeface="+mn-lt"/>
+                <a:ea typeface="+mn-ea"/>
+                <a:cs typeface="+mn-cs"/>
+              </a:defRPr>
+            </a:lvl4pPr>
+            <a:lvl5pPr marL="2057400" indent="-228600" algn="l" defTabSz="914400" rtl="0" eaLnBrk="1" latinLnBrk="0" hangingPunct="1">
+              <a:lnSpc>
+                <a:spcPct val="90000"/>
+              </a:lnSpc>
+              <a:spcBef>
+                <a:spcPts val="500"/>
+              </a:spcBef>
+              <a:buFont typeface="Arial" panose="020B0604020202020204" pitchFamily="34" charset="0"/>
+              <a:buChar char="•"/>
+              <a:defRPr sz="1800" kern="1200">
+                <a:solidFill>
+                  <a:schemeClr val="tx1"/>
+                </a:solidFill>
+                <a:latin typeface="+mn-lt"/>
+                <a:ea typeface="+mn-ea"/>
+                <a:cs typeface="+mn-cs"/>
+              </a:defRPr>
+            </a:lvl5pPr>
+            <a:lvl6pPr marL="2514600" indent="-228600" algn="l" defTabSz="914400" rtl="0" eaLnBrk="1" latinLnBrk="0" hangingPunct="1">
+              <a:lnSpc>
+                <a:spcPct val="90000"/>
+              </a:lnSpc>
+              <a:spcBef>
+                <a:spcPts val="500"/>
+              </a:spcBef>
+              <a:buFont typeface="Arial" panose="020B0604020202020204" pitchFamily="34" charset="0"/>
+              <a:buChar char="•"/>
+              <a:defRPr sz="1800" kern="1200">
+                <a:solidFill>
+                  <a:schemeClr val="tx1"/>
+                </a:solidFill>
+                <a:latin typeface="+mn-lt"/>
+                <a:ea typeface="+mn-ea"/>
+                <a:cs typeface="+mn-cs"/>
+              </a:defRPr>
+            </a:lvl6pPr>
+            <a:lvl7pPr marL="2971800" indent="-228600" algn="l" defTabSz="914400" rtl="0" eaLnBrk="1" latinLnBrk="0" hangingPunct="1">
+              <a:lnSpc>
+                <a:spcPct val="90000"/>
+              </a:lnSpc>
+              <a:spcBef>
+                <a:spcPts val="500"/>
+              </a:spcBef>
+              <a:buFont typeface="Arial" panose="020B0604020202020204" pitchFamily="34" charset="0"/>
+              <a:buChar char="•"/>
+              <a:defRPr sz="1800" kern="1200">
+                <a:solidFill>
+                  <a:schemeClr val="tx1"/>
+                </a:solidFill>
+                <a:latin typeface="+mn-lt"/>
+                <a:ea typeface="+mn-ea"/>
+                <a:cs typeface="+mn-cs"/>
+              </a:defRPr>
+            </a:lvl7pPr>
+            <a:lvl8pPr marL="3429000" indent="-228600" algn="l" defTabSz="914400" rtl="0" eaLnBrk="1" latinLnBrk="0" hangingPunct="1">
+              <a:lnSpc>
+                <a:spcPct val="90000"/>
+              </a:lnSpc>
+              <a:spcBef>
+                <a:spcPts val="500"/>
+              </a:spcBef>
+              <a:buFont typeface="Arial" panose="020B0604020202020204" pitchFamily="34" charset="0"/>
+              <a:buChar char="•"/>
+              <a:defRPr sz="1800" kern="1200">
+                <a:solidFill>
+                  <a:schemeClr val="tx1"/>
+                </a:solidFill>
+                <a:latin typeface="+mn-lt"/>
+                <a:ea typeface="+mn-ea"/>
+                <a:cs typeface="+mn-cs"/>
+              </a:defRPr>
+            </a:lvl8pPr>
+            <a:lvl9pPr marL="3886200" indent="-228600" algn="l" defTabSz="914400" rtl="0" eaLnBrk="1" latinLnBrk="0" hangingPunct="1">
+              <a:lnSpc>
+                <a:spcPct val="90000"/>
+              </a:lnSpc>
+              <a:spcBef>
+                <a:spcPts val="500"/>
+              </a:spcBef>
+              <a:buFont typeface="Arial" panose="020B0604020202020204" pitchFamily="34" charset="0"/>
+              <a:buChar char="•"/>
+              <a:defRPr sz="1800" kern="1200">
+                <a:solidFill>
+                  <a:schemeClr val="tx1"/>
+                </a:solidFill>
+                <a:latin typeface="+mn-lt"/>
+                <a:ea typeface="+mn-ea"/>
+                <a:cs typeface="+mn-cs"/>
+              </a:defRPr>
+            </a:lvl9pPr>
+          </a:lstStyle>
+          <a:p>
+            <a:r>
+              <a:rPr lang="fr-FR" dirty="0"/>
+              <a:t>O</a:t>
+            </a:r>
           </a:p>
         </p:txBody>
       </p:sp>
@@ -5225,41 +5709,1035 @@
           </a:p>
         </p:txBody>
       </p:sp>
-      <p:pic>
-        <p:nvPicPr>
-          <p:cNvPr id="5" name="Espace réservé du contenu 4">
-            <a:extLst>
-              <a:ext uri="{FF2B5EF4-FFF2-40B4-BE49-F238E27FC236}">
-                <a16:creationId xmlns:a16="http://schemas.microsoft.com/office/drawing/2014/main" id="{BC2989A2-577F-4963-A2C2-85C4909E8405}"/>
-              </a:ext>
-            </a:extLst>
-          </p:cNvPr>
-          <p:cNvPicPr>
-            <a:picLocks noGrp="1" noChangeAspect="1"/>
-          </p:cNvPicPr>
-          <p:nvPr>
-            <p:ph idx="1"/>
-          </p:nvPr>
-        </p:nvPicPr>
-        <p:blipFill>
-          <a:blip r:embed="rId2">
-            <a:extLst>
-              <a:ext uri="{28A0092B-C50C-407E-A947-70E740481C1C}">
-                <a14:useLocalDpi xmlns:a14="http://schemas.microsoft.com/office/drawing/2010/main" val="0"/>
-              </a:ext>
-            </a:extLst>
-          </a:blip>
-          <a:stretch>
-            <a:fillRect/>
-          </a:stretch>
-        </p:blipFill>
+      <p:grpSp>
+        <p:nvGrpSpPr>
+          <p:cNvPr id="4" name="Groupe 3">
+            <a:extLst>
+              <a:ext uri="{FF2B5EF4-FFF2-40B4-BE49-F238E27FC236}">
+                <a16:creationId xmlns:a16="http://schemas.microsoft.com/office/drawing/2014/main" id="{BCDCD85C-2AC7-4B71-A3F2-34B892F11267}"/>
+              </a:ext>
+            </a:extLst>
+          </p:cNvPr>
+          <p:cNvGrpSpPr/>
+          <p:nvPr/>
+        </p:nvGrpSpPr>
+        <p:grpSpPr>
+          <a:xfrm>
+            <a:off x="1897000" y="1483067"/>
+            <a:ext cx="3403474" cy="2154201"/>
+            <a:chOff x="2340101" y="1408143"/>
+            <a:chExt cx="3403474" cy="2154201"/>
+          </a:xfrm>
+        </p:grpSpPr>
+        <p:sp>
+          <p:nvSpPr>
+            <p:cNvPr id="6" name="Rectangle 5">
+              <a:extLst>
+                <a:ext uri="{FF2B5EF4-FFF2-40B4-BE49-F238E27FC236}">
+                  <a16:creationId xmlns:a16="http://schemas.microsoft.com/office/drawing/2014/main" id="{FF2397A1-CB7A-4BF1-AA83-03B053D3EC3D}"/>
+                </a:ext>
+              </a:extLst>
+            </p:cNvPr>
+            <p:cNvSpPr/>
+            <p:nvPr/>
+          </p:nvSpPr>
+          <p:spPr>
+            <a:xfrm>
+              <a:off x="2340101" y="1408143"/>
+              <a:ext cx="3403474" cy="2154201"/>
+            </a:xfrm>
+            <a:prstGeom prst="rect">
+              <a:avLst/>
+            </a:prstGeom>
+            <a:gradFill>
+              <a:gsLst>
+                <a:gs pos="0">
+                  <a:srgbClr val="FF7979"/>
+                </a:gs>
+                <a:gs pos="50000">
+                  <a:srgbClr val="FF4F4F"/>
+                </a:gs>
+                <a:gs pos="100000">
+                  <a:srgbClr val="FF0000"/>
+                </a:gs>
+              </a:gsLst>
+              <a:lin ang="5400000" scaled="0"/>
+            </a:gradFill>
+            <a:ln>
+              <a:noFill/>
+            </a:ln>
+            <a:effectLst>
+              <a:outerShdw blurRad="50800" dist="38100" dir="2700000" algn="tl" rotWithShape="0">
+                <a:prstClr val="black">
+                  <a:alpha val="40000"/>
+                </a:prstClr>
+              </a:outerShdw>
+              <a:softEdge rad="31750"/>
+            </a:effectLst>
+          </p:spPr>
+          <p:style>
+            <a:lnRef idx="0">
+              <a:schemeClr val="accent2"/>
+            </a:lnRef>
+            <a:fillRef idx="3">
+              <a:schemeClr val="accent2"/>
+            </a:fillRef>
+            <a:effectRef idx="3">
+              <a:schemeClr val="accent2"/>
+            </a:effectRef>
+            <a:fontRef idx="minor">
+              <a:schemeClr val="lt1"/>
+            </a:fontRef>
+          </p:style>
+          <p:txBody>
+            <a:bodyPr rtlCol="0" anchor="ctr"/>
+            <a:lstStyle/>
+            <a:p>
+              <a:pPr algn="ctr"/>
+              <a:endParaRPr lang="fr-FR"/>
+            </a:p>
+          </p:txBody>
+        </p:sp>
+        <p:sp>
+          <p:nvSpPr>
+            <p:cNvPr id="7" name="ZoneTexte 6">
+              <a:extLst>
+                <a:ext uri="{FF2B5EF4-FFF2-40B4-BE49-F238E27FC236}">
+                  <a16:creationId xmlns:a16="http://schemas.microsoft.com/office/drawing/2014/main" id="{BF42CAE0-7A1D-405D-BE11-430D874D2150}"/>
+                </a:ext>
+              </a:extLst>
+            </p:cNvPr>
+            <p:cNvSpPr txBox="1"/>
+            <p:nvPr/>
+          </p:nvSpPr>
+          <p:spPr>
+            <a:xfrm>
+              <a:off x="2375322" y="1432047"/>
+              <a:ext cx="3325179" cy="2031325"/>
+            </a:xfrm>
+            <a:prstGeom prst="rect">
+              <a:avLst/>
+            </a:prstGeom>
+            <a:noFill/>
+          </p:spPr>
+          <p:txBody>
+            <a:bodyPr wrap="square" rtlCol="0">
+              <a:spAutoFit/>
+            </a:bodyPr>
+            <a:lstStyle/>
+            <a:p>
+              <a:r>
+                <a:rPr lang="fr-FR" dirty="0">
+                  <a:solidFill>
+                    <a:schemeClr val="bg1"/>
+                  </a:solidFill>
+                </a:rPr>
+                <a:t>Module 1: Cardiofréquencemètre</a:t>
+              </a:r>
+            </a:p>
+            <a:p>
+              <a:endParaRPr lang="fr-FR" dirty="0"/>
+            </a:p>
+            <a:p>
+              <a:endParaRPr lang="fr-FR" dirty="0"/>
+            </a:p>
+            <a:p>
+              <a:pPr algn="ctr"/>
+              <a:r>
+                <a:rPr lang="fr-FR" dirty="0">
+                  <a:solidFill>
+                    <a:schemeClr val="bg1"/>
+                  </a:solidFill>
+                </a:rPr>
+                <a:t>Dispositif du cardio fréquencemètre </a:t>
+              </a:r>
+            </a:p>
+            <a:p>
+              <a:pPr algn="ctr"/>
+              <a:r>
+                <a:rPr lang="fr-FR" dirty="0">
+                  <a:solidFill>
+                    <a:schemeClr val="bg1"/>
+                  </a:solidFill>
+                </a:rPr>
+                <a:t>+ Code Arduino</a:t>
+              </a:r>
+            </a:p>
+            <a:p>
+              <a:endParaRPr lang="fr-FR" dirty="0"/>
+            </a:p>
+          </p:txBody>
+        </p:sp>
+      </p:grpSp>
+      <p:grpSp>
+        <p:nvGrpSpPr>
+          <p:cNvPr id="8" name="Groupe 7">
+            <a:extLst>
+              <a:ext uri="{FF2B5EF4-FFF2-40B4-BE49-F238E27FC236}">
+                <a16:creationId xmlns:a16="http://schemas.microsoft.com/office/drawing/2014/main" id="{BE01D75D-8B00-4E1F-B5E6-38324AB931F5}"/>
+              </a:ext>
+            </a:extLst>
+          </p:cNvPr>
+          <p:cNvGrpSpPr/>
+          <p:nvPr/>
+        </p:nvGrpSpPr>
+        <p:grpSpPr>
+          <a:xfrm>
+            <a:off x="7110602" y="1445546"/>
+            <a:ext cx="3403474" cy="2154173"/>
+            <a:chOff x="7653527" y="1408143"/>
+            <a:chExt cx="3403474" cy="2154173"/>
+          </a:xfrm>
+        </p:grpSpPr>
+        <p:sp>
+          <p:nvSpPr>
+            <p:cNvPr id="9" name="Rectangle 8">
+              <a:extLst>
+                <a:ext uri="{FF2B5EF4-FFF2-40B4-BE49-F238E27FC236}">
+                  <a16:creationId xmlns:a16="http://schemas.microsoft.com/office/drawing/2014/main" id="{8A20443A-3B07-401F-9FBD-AB241BEBD7EC}"/>
+                </a:ext>
+              </a:extLst>
+            </p:cNvPr>
+            <p:cNvSpPr/>
+            <p:nvPr/>
+          </p:nvSpPr>
+          <p:spPr>
+            <a:xfrm>
+              <a:off x="7653527" y="1408143"/>
+              <a:ext cx="3403474" cy="2154173"/>
+            </a:xfrm>
+            <a:prstGeom prst="rect">
+              <a:avLst/>
+            </a:prstGeom>
+            <a:ln/>
+            <a:effectLst>
+              <a:outerShdw blurRad="50800" dist="38100" dir="2700000" algn="tl" rotWithShape="0">
+                <a:prstClr val="black">
+                  <a:alpha val="40000"/>
+                </a:prstClr>
+              </a:outerShdw>
+              <a:softEdge rad="31750"/>
+            </a:effectLst>
+          </p:spPr>
+          <p:style>
+            <a:lnRef idx="0">
+              <a:schemeClr val="accent1"/>
+            </a:lnRef>
+            <a:fillRef idx="3">
+              <a:schemeClr val="accent1"/>
+            </a:fillRef>
+            <a:effectRef idx="3">
+              <a:schemeClr val="accent1"/>
+            </a:effectRef>
+            <a:fontRef idx="minor">
+              <a:schemeClr val="lt1"/>
+            </a:fontRef>
+          </p:style>
+          <p:txBody>
+            <a:bodyPr rtlCol="0" anchor="ctr"/>
+            <a:lstStyle/>
+            <a:p>
+              <a:pPr algn="ctr"/>
+              <a:endParaRPr lang="fr-FR"/>
+            </a:p>
+          </p:txBody>
+        </p:sp>
+        <p:sp>
+          <p:nvSpPr>
+            <p:cNvPr id="10" name="ZoneTexte 9">
+              <a:extLst>
+                <a:ext uri="{FF2B5EF4-FFF2-40B4-BE49-F238E27FC236}">
+                  <a16:creationId xmlns:a16="http://schemas.microsoft.com/office/drawing/2014/main" id="{FF7DF302-7A01-4DB2-91B5-08280FDDAFCB}"/>
+                </a:ext>
+              </a:extLst>
+            </p:cNvPr>
+            <p:cNvSpPr txBox="1"/>
+            <p:nvPr/>
+          </p:nvSpPr>
+          <p:spPr>
+            <a:xfrm>
+              <a:off x="7673011" y="1435161"/>
+              <a:ext cx="3305695" cy="2031325"/>
+            </a:xfrm>
+            <a:prstGeom prst="rect">
+              <a:avLst/>
+            </a:prstGeom>
+            <a:noFill/>
+          </p:spPr>
+          <p:txBody>
+            <a:bodyPr wrap="square" rtlCol="0">
+              <a:spAutoFit/>
+            </a:bodyPr>
+            <a:lstStyle/>
+            <a:p>
+              <a:r>
+                <a:rPr lang="fr-FR" dirty="0">
+                  <a:solidFill>
+                    <a:schemeClr val="bg1"/>
+                  </a:solidFill>
+                </a:rPr>
+                <a:t>Module 2: Cœur de LED</a:t>
+              </a:r>
+            </a:p>
+            <a:p>
+              <a:endParaRPr lang="fr-FR" dirty="0"/>
+            </a:p>
+            <a:p>
+              <a:endParaRPr lang="fr-FR" dirty="0"/>
+            </a:p>
+            <a:p>
+              <a:pPr algn="ctr"/>
+              <a:r>
+                <a:rPr lang="fr-FR" dirty="0">
+                  <a:solidFill>
+                    <a:schemeClr val="bg1"/>
+                  </a:solidFill>
+                </a:rPr>
+                <a:t>Visualisation des battements détectées</a:t>
+              </a:r>
+            </a:p>
+            <a:p>
+              <a:pPr algn="ctr"/>
+              <a:r>
+                <a:rPr lang="fr-FR" dirty="0">
+                  <a:solidFill>
+                    <a:schemeClr val="bg1"/>
+                  </a:solidFill>
+                </a:rPr>
+                <a:t>+Code Arduino</a:t>
+              </a:r>
+            </a:p>
+            <a:p>
+              <a:endParaRPr lang="fr-FR" dirty="0"/>
+            </a:p>
+          </p:txBody>
+        </p:sp>
+      </p:grpSp>
+      <p:grpSp>
+        <p:nvGrpSpPr>
+          <p:cNvPr id="11" name="Groupe 10">
+            <a:extLst>
+              <a:ext uri="{FF2B5EF4-FFF2-40B4-BE49-F238E27FC236}">
+                <a16:creationId xmlns:a16="http://schemas.microsoft.com/office/drawing/2014/main" id="{26B14616-10B4-4B37-A123-2F2A1EB769F2}"/>
+              </a:ext>
+            </a:extLst>
+          </p:cNvPr>
+          <p:cNvGrpSpPr/>
+          <p:nvPr/>
+        </p:nvGrpSpPr>
+        <p:grpSpPr>
+          <a:xfrm>
+            <a:off x="1867769" y="4208991"/>
+            <a:ext cx="3389631" cy="2154174"/>
+            <a:chOff x="2355659" y="4131916"/>
+            <a:chExt cx="3389631" cy="2154174"/>
+          </a:xfrm>
+        </p:grpSpPr>
+        <p:sp>
+          <p:nvSpPr>
+            <p:cNvPr id="12" name="Rectangle 11">
+              <a:extLst>
+                <a:ext uri="{FF2B5EF4-FFF2-40B4-BE49-F238E27FC236}">
+                  <a16:creationId xmlns:a16="http://schemas.microsoft.com/office/drawing/2014/main" id="{5BBBE92C-545F-4CE0-A194-E068C33F28CD}"/>
+                </a:ext>
+              </a:extLst>
+            </p:cNvPr>
+            <p:cNvSpPr/>
+            <p:nvPr/>
+          </p:nvSpPr>
+          <p:spPr>
+            <a:xfrm>
+              <a:off x="2355659" y="4131917"/>
+              <a:ext cx="3364506" cy="2154173"/>
+            </a:xfrm>
+            <a:prstGeom prst="rect">
+              <a:avLst/>
+            </a:prstGeom>
+            <a:ln/>
+            <a:effectLst>
+              <a:outerShdw blurRad="50800" dist="38100" dir="2700000" algn="tl" rotWithShape="0">
+                <a:prstClr val="black">
+                  <a:alpha val="40000"/>
+                </a:prstClr>
+              </a:outerShdw>
+              <a:softEdge rad="31750"/>
+            </a:effectLst>
+          </p:spPr>
+          <p:style>
+            <a:lnRef idx="0">
+              <a:schemeClr val="accent6"/>
+            </a:lnRef>
+            <a:fillRef idx="3">
+              <a:schemeClr val="accent6"/>
+            </a:fillRef>
+            <a:effectRef idx="3">
+              <a:schemeClr val="accent6"/>
+            </a:effectRef>
+            <a:fontRef idx="minor">
+              <a:schemeClr val="lt1"/>
+            </a:fontRef>
+          </p:style>
+          <p:txBody>
+            <a:bodyPr rtlCol="0" anchor="ctr"/>
+            <a:lstStyle/>
+            <a:p>
+              <a:pPr algn="ctr"/>
+              <a:endParaRPr lang="fr-FR"/>
+            </a:p>
+          </p:txBody>
+        </p:sp>
+        <p:sp>
+          <p:nvSpPr>
+            <p:cNvPr id="13" name="ZoneTexte 12">
+              <a:extLst>
+                <a:ext uri="{FF2B5EF4-FFF2-40B4-BE49-F238E27FC236}">
+                  <a16:creationId xmlns:a16="http://schemas.microsoft.com/office/drawing/2014/main" id="{4D80B35E-9B0D-4739-A410-EA33516C7F5F}"/>
+                </a:ext>
+              </a:extLst>
+            </p:cNvPr>
+            <p:cNvSpPr txBox="1"/>
+            <p:nvPr/>
+          </p:nvSpPr>
+          <p:spPr>
+            <a:xfrm>
+              <a:off x="2375322" y="4131916"/>
+              <a:ext cx="3369968" cy="1754326"/>
+            </a:xfrm>
+            <a:prstGeom prst="rect">
+              <a:avLst/>
+            </a:prstGeom>
+            <a:noFill/>
+          </p:spPr>
+          <p:txBody>
+            <a:bodyPr wrap="square" rtlCol="0">
+              <a:spAutoFit/>
+            </a:bodyPr>
+            <a:lstStyle/>
+            <a:p>
+              <a:r>
+                <a:rPr lang="fr-FR" dirty="0">
+                  <a:solidFill>
+                    <a:schemeClr val="bg1"/>
+                  </a:solidFill>
+                </a:rPr>
+                <a:t>Module 3: </a:t>
+              </a:r>
+              <a:r>
+                <a:rPr lang="fr-FR" dirty="0" err="1">
+                  <a:solidFill>
+                    <a:schemeClr val="bg1"/>
+                  </a:solidFill>
+                </a:rPr>
+                <a:t>Processing</a:t>
+              </a:r>
+              <a:endParaRPr lang="fr-FR" dirty="0">
+                <a:solidFill>
+                  <a:schemeClr val="bg1"/>
+                </a:solidFill>
+              </a:endParaRPr>
+            </a:p>
+            <a:p>
+              <a:endParaRPr lang="fr-FR" dirty="0"/>
+            </a:p>
+            <a:p>
+              <a:pPr algn="ctr"/>
+              <a:endParaRPr lang="fr-FR" dirty="0">
+                <a:solidFill>
+                  <a:schemeClr val="bg1"/>
+                </a:solidFill>
+              </a:endParaRPr>
+            </a:p>
+            <a:p>
+              <a:pPr algn="ctr"/>
+              <a:r>
+                <a:rPr lang="fr-FR" dirty="0">
+                  <a:solidFill>
+                    <a:schemeClr val="bg1"/>
+                  </a:solidFill>
+                </a:rPr>
+                <a:t>Sauvegarde des données /</a:t>
+              </a:r>
+            </a:p>
+            <a:p>
+              <a:pPr algn="ctr"/>
+              <a:r>
+                <a:rPr lang="fr-FR" dirty="0">
+                  <a:solidFill>
+                    <a:schemeClr val="bg1"/>
+                  </a:solidFill>
+                </a:rPr>
+                <a:t>Mise sous format csv</a:t>
+              </a:r>
+            </a:p>
+            <a:p>
+              <a:endParaRPr lang="fr-FR" dirty="0"/>
+            </a:p>
+          </p:txBody>
+        </p:sp>
+      </p:grpSp>
+      <p:grpSp>
+        <p:nvGrpSpPr>
+          <p:cNvPr id="14" name="Groupe 13">
+            <a:extLst>
+              <a:ext uri="{FF2B5EF4-FFF2-40B4-BE49-F238E27FC236}">
+                <a16:creationId xmlns:a16="http://schemas.microsoft.com/office/drawing/2014/main" id="{16075115-4EA9-4F75-8AD2-C7E64DFBB52F}"/>
+              </a:ext>
+            </a:extLst>
+          </p:cNvPr>
+          <p:cNvGrpSpPr/>
+          <p:nvPr/>
+        </p:nvGrpSpPr>
+        <p:grpSpPr>
+          <a:xfrm>
+            <a:off x="7130086" y="4208991"/>
+            <a:ext cx="3389631" cy="2308324"/>
+            <a:chOff x="7647886" y="4131916"/>
+            <a:chExt cx="3389631" cy="2308324"/>
+          </a:xfrm>
+        </p:grpSpPr>
+        <p:sp>
+          <p:nvSpPr>
+            <p:cNvPr id="15" name="Rectangle 14">
+              <a:extLst>
+                <a:ext uri="{FF2B5EF4-FFF2-40B4-BE49-F238E27FC236}">
+                  <a16:creationId xmlns:a16="http://schemas.microsoft.com/office/drawing/2014/main" id="{E6DB4C5C-5DF0-41F2-B60E-7795F0C27860}"/>
+                </a:ext>
+              </a:extLst>
+            </p:cNvPr>
+            <p:cNvSpPr/>
+            <p:nvPr/>
+          </p:nvSpPr>
+          <p:spPr>
+            <a:xfrm>
+              <a:off x="7673011" y="4131916"/>
+              <a:ext cx="3364506" cy="2154173"/>
+            </a:xfrm>
+            <a:prstGeom prst="rect">
+              <a:avLst/>
+            </a:prstGeom>
+            <a:ln/>
+            <a:effectLst>
+              <a:outerShdw blurRad="50800" dist="38100" dir="2700000" algn="tl" rotWithShape="0">
+                <a:prstClr val="black">
+                  <a:alpha val="40000"/>
+                </a:prstClr>
+              </a:outerShdw>
+              <a:softEdge rad="31750"/>
+            </a:effectLst>
+          </p:spPr>
+          <p:style>
+            <a:lnRef idx="0">
+              <a:schemeClr val="accent4"/>
+            </a:lnRef>
+            <a:fillRef idx="3">
+              <a:schemeClr val="accent4"/>
+            </a:fillRef>
+            <a:effectRef idx="3">
+              <a:schemeClr val="accent4"/>
+            </a:effectRef>
+            <a:fontRef idx="minor">
+              <a:schemeClr val="lt1"/>
+            </a:fontRef>
+          </p:style>
+          <p:txBody>
+            <a:bodyPr rtlCol="0" anchor="ctr"/>
+            <a:lstStyle/>
+            <a:p>
+              <a:pPr algn="ctr"/>
+              <a:endParaRPr lang="fr-FR"/>
+            </a:p>
+          </p:txBody>
+        </p:sp>
+        <p:sp>
+          <p:nvSpPr>
+            <p:cNvPr id="16" name="ZoneTexte 15">
+              <a:extLst>
+                <a:ext uri="{FF2B5EF4-FFF2-40B4-BE49-F238E27FC236}">
+                  <a16:creationId xmlns:a16="http://schemas.microsoft.com/office/drawing/2014/main" id="{0FBCBE44-B52E-4156-B694-E358D1FF1CB7}"/>
+                </a:ext>
+              </a:extLst>
+            </p:cNvPr>
+            <p:cNvSpPr txBox="1"/>
+            <p:nvPr/>
+          </p:nvSpPr>
+          <p:spPr>
+            <a:xfrm>
+              <a:off x="7647886" y="4131916"/>
+              <a:ext cx="3364506" cy="2308324"/>
+            </a:xfrm>
+            <a:prstGeom prst="rect">
+              <a:avLst/>
+            </a:prstGeom>
+            <a:noFill/>
+          </p:spPr>
+          <p:txBody>
+            <a:bodyPr wrap="square" rtlCol="0">
+              <a:spAutoFit/>
+            </a:bodyPr>
+            <a:lstStyle/>
+            <a:p>
+              <a:r>
+                <a:rPr lang="fr-FR" dirty="0">
+                  <a:solidFill>
+                    <a:schemeClr val="bg1"/>
+                  </a:solidFill>
+                </a:rPr>
+                <a:t>Module 4: Visualisation et Manipulation </a:t>
+              </a:r>
+            </a:p>
+            <a:p>
+              <a:endParaRPr lang="fr-FR" dirty="0">
+                <a:solidFill>
+                  <a:schemeClr val="bg1"/>
+                </a:solidFill>
+              </a:endParaRPr>
+            </a:p>
+            <a:p>
+              <a:pPr algn="ctr"/>
+              <a:r>
+                <a:rPr lang="fr-FR" dirty="0">
+                  <a:solidFill>
+                    <a:schemeClr val="bg1"/>
+                  </a:solidFill>
+                </a:rPr>
+                <a:t>Programmation pour manipuler et visualiser certaines données</a:t>
+              </a:r>
+            </a:p>
+            <a:p>
+              <a:endParaRPr lang="fr-FR" dirty="0">
+                <a:solidFill>
+                  <a:schemeClr val="bg1"/>
+                </a:solidFill>
+              </a:endParaRPr>
+            </a:p>
+            <a:p>
+              <a:endParaRPr lang="fr-FR" dirty="0"/>
+            </a:p>
+            <a:p>
+              <a:endParaRPr lang="fr-FR" dirty="0"/>
+            </a:p>
+          </p:txBody>
+        </p:sp>
+      </p:grpSp>
+      <p:sp>
+        <p:nvSpPr>
+          <p:cNvPr id="3" name="Flèche : droite 2">
+            <a:extLst>
+              <a:ext uri="{FF2B5EF4-FFF2-40B4-BE49-F238E27FC236}">
+                <a16:creationId xmlns:a16="http://schemas.microsoft.com/office/drawing/2014/main" id="{F549EE5A-9001-4D9F-BA82-D9A95A065CEE}"/>
+              </a:ext>
+            </a:extLst>
+          </p:cNvPr>
+          <p:cNvSpPr/>
+          <p:nvPr/>
+        </p:nvSpPr>
         <p:spPr>
           <a:xfrm>
-            <a:off x="2256194" y="1476375"/>
-            <a:ext cx="8295998" cy="4700588"/>
+            <a:off x="5319958" y="2341657"/>
+            <a:ext cx="1810128" cy="361950"/>
           </a:xfrm>
+          <a:prstGeom prst="rightArrow">
+            <a:avLst/>
+          </a:prstGeom>
         </p:spPr>
-      </p:pic>
+        <p:style>
+          <a:lnRef idx="0">
+            <a:schemeClr val="accent2"/>
+          </a:lnRef>
+          <a:fillRef idx="3">
+            <a:schemeClr val="accent2"/>
+          </a:fillRef>
+          <a:effectRef idx="3">
+            <a:schemeClr val="accent2"/>
+          </a:effectRef>
+          <a:fontRef idx="minor">
+            <a:schemeClr val="lt1"/>
+          </a:fontRef>
+        </p:style>
+        <p:txBody>
+          <a:bodyPr rtlCol="0" anchor="ctr"/>
+          <a:lstStyle/>
+          <a:p>
+            <a:pPr algn="ctr"/>
+            <a:endParaRPr lang="fr-FR"/>
+          </a:p>
+        </p:txBody>
+      </p:sp>
+      <p:sp>
+        <p:nvSpPr>
+          <p:cNvPr id="17" name="Flèche : droite 16">
+            <a:extLst>
+              <a:ext uri="{FF2B5EF4-FFF2-40B4-BE49-F238E27FC236}">
+                <a16:creationId xmlns:a16="http://schemas.microsoft.com/office/drawing/2014/main" id="{16206ABB-8FA1-46C0-8276-D990D2A67845}"/>
+              </a:ext>
+            </a:extLst>
+          </p:cNvPr>
+          <p:cNvSpPr/>
+          <p:nvPr/>
+        </p:nvSpPr>
+        <p:spPr>
+          <a:xfrm>
+            <a:off x="5271742" y="5092757"/>
+            <a:ext cx="1858343" cy="386639"/>
+          </a:xfrm>
+          <a:prstGeom prst="rightArrow">
+            <a:avLst/>
+          </a:prstGeom>
+        </p:spPr>
+        <p:style>
+          <a:lnRef idx="0">
+            <a:schemeClr val="accent6"/>
+          </a:lnRef>
+          <a:fillRef idx="3">
+            <a:schemeClr val="accent6"/>
+          </a:fillRef>
+          <a:effectRef idx="3">
+            <a:schemeClr val="accent6"/>
+          </a:effectRef>
+          <a:fontRef idx="minor">
+            <a:schemeClr val="lt1"/>
+          </a:fontRef>
+        </p:style>
+        <p:txBody>
+          <a:bodyPr rtlCol="0" anchor="ctr"/>
+          <a:lstStyle/>
+          <a:p>
+            <a:pPr algn="ctr"/>
+            <a:endParaRPr lang="fr-FR"/>
+          </a:p>
+        </p:txBody>
+      </p:sp>
+      <p:sp>
+        <p:nvSpPr>
+          <p:cNvPr id="18" name="Flèche : bas 17">
+            <a:extLst>
+              <a:ext uri="{FF2B5EF4-FFF2-40B4-BE49-F238E27FC236}">
+                <a16:creationId xmlns:a16="http://schemas.microsoft.com/office/drawing/2014/main" id="{A7FC622D-139E-4035-8DD4-DC3D324CC084}"/>
+              </a:ext>
+            </a:extLst>
+          </p:cNvPr>
+          <p:cNvSpPr/>
+          <p:nvPr/>
+        </p:nvSpPr>
+        <p:spPr>
+          <a:xfrm>
+            <a:off x="3505200" y="3637268"/>
+            <a:ext cx="312933" cy="571722"/>
+          </a:xfrm>
+          <a:prstGeom prst="downArrow">
+            <a:avLst/>
+          </a:prstGeom>
+        </p:spPr>
+        <p:style>
+          <a:lnRef idx="0">
+            <a:schemeClr val="accent2"/>
+          </a:lnRef>
+          <a:fillRef idx="3">
+            <a:schemeClr val="accent2"/>
+          </a:fillRef>
+          <a:effectRef idx="3">
+            <a:schemeClr val="accent2"/>
+          </a:effectRef>
+          <a:fontRef idx="minor">
+            <a:schemeClr val="lt1"/>
+          </a:fontRef>
+        </p:style>
+        <p:txBody>
+          <a:bodyPr rtlCol="0" anchor="ctr"/>
+          <a:lstStyle/>
+          <a:p>
+            <a:pPr algn="ctr"/>
+            <a:endParaRPr lang="fr-FR"/>
+          </a:p>
+        </p:txBody>
+      </p:sp>
+      <p:sp>
+        <p:nvSpPr>
+          <p:cNvPr id="19" name="Rectangle 18">
+            <a:extLst>
+              <a:ext uri="{FF2B5EF4-FFF2-40B4-BE49-F238E27FC236}">
+                <a16:creationId xmlns:a16="http://schemas.microsoft.com/office/drawing/2014/main" id="{B6643758-2BB0-48FD-9979-8158BAD60B3D}"/>
+              </a:ext>
+            </a:extLst>
+          </p:cNvPr>
+          <p:cNvSpPr/>
+          <p:nvPr/>
+        </p:nvSpPr>
+        <p:spPr>
+          <a:xfrm>
+            <a:off x="3854848" y="3710506"/>
+            <a:ext cx="1530608" cy="369332"/>
+          </a:xfrm>
+          <a:prstGeom prst="rect">
+            <a:avLst/>
+          </a:prstGeom>
+          <a:noFill/>
+          <a:ln>
+            <a:solidFill>
+              <a:schemeClr val="tx1"/>
+            </a:solidFill>
+          </a:ln>
+        </p:spPr>
+        <p:style>
+          <a:lnRef idx="2">
+            <a:schemeClr val="accent1">
+              <a:shade val="50000"/>
+            </a:schemeClr>
+          </a:lnRef>
+          <a:fillRef idx="1">
+            <a:schemeClr val="accent1"/>
+          </a:fillRef>
+          <a:effectRef idx="0">
+            <a:schemeClr val="accent1"/>
+          </a:effectRef>
+          <a:fontRef idx="minor">
+            <a:schemeClr val="lt1"/>
+          </a:fontRef>
+        </p:style>
+        <p:txBody>
+          <a:bodyPr rtlCol="0" anchor="ctr"/>
+          <a:lstStyle/>
+          <a:p>
+            <a:pPr algn="ctr"/>
+            <a:endParaRPr lang="fr-FR"/>
+          </a:p>
+        </p:txBody>
+      </p:sp>
+      <p:sp>
+        <p:nvSpPr>
+          <p:cNvPr id="20" name="ZoneTexte 19">
+            <a:extLst>
+              <a:ext uri="{FF2B5EF4-FFF2-40B4-BE49-F238E27FC236}">
+                <a16:creationId xmlns:a16="http://schemas.microsoft.com/office/drawing/2014/main" id="{36469800-0F35-4FC3-89BE-D80A9A12A1B3}"/>
+              </a:ext>
+            </a:extLst>
+          </p:cNvPr>
+          <p:cNvSpPr txBox="1"/>
+          <p:nvPr/>
+        </p:nvSpPr>
+        <p:spPr>
+          <a:xfrm>
+            <a:off x="3818133" y="3715992"/>
+            <a:ext cx="1559839" cy="369332"/>
+          </a:xfrm>
+          <a:prstGeom prst="rect">
+            <a:avLst/>
+          </a:prstGeom>
+          <a:noFill/>
+        </p:spPr>
+        <p:txBody>
+          <a:bodyPr wrap="square" rtlCol="0">
+            <a:spAutoFit/>
+          </a:bodyPr>
+          <a:lstStyle/>
+          <a:p>
+            <a:pPr algn="ctr"/>
+            <a:r>
+              <a:rPr lang="fr-FR" b="1" dirty="0">
+                <a:effectLst>
+                  <a:outerShdw blurRad="38100" dist="38100" dir="2700000" algn="tl">
+                    <a:srgbClr val="000000">
+                      <a:alpha val="43137"/>
+                    </a:srgbClr>
+                  </a:outerShdw>
+                </a:effectLst>
+                <a:latin typeface="Microsoft Sans Serif" panose="020B0604020202020204" pitchFamily="34" charset="0"/>
+                <a:ea typeface="Microsoft Sans Serif" panose="020B0604020202020204" pitchFamily="34" charset="0"/>
+                <a:cs typeface="Microsoft Sans Serif" panose="020B0604020202020204" pitchFamily="34" charset="0"/>
+              </a:rPr>
+              <a:t>Sortie Serial</a:t>
+            </a:r>
+          </a:p>
+        </p:txBody>
+      </p:sp>
+      <p:sp>
+        <p:nvSpPr>
+          <p:cNvPr id="21" name="Rectangle 20">
+            <a:extLst>
+              <a:ext uri="{FF2B5EF4-FFF2-40B4-BE49-F238E27FC236}">
+                <a16:creationId xmlns:a16="http://schemas.microsoft.com/office/drawing/2014/main" id="{98205717-9668-4FF6-9029-453B38815A65}"/>
+              </a:ext>
+            </a:extLst>
+          </p:cNvPr>
+          <p:cNvSpPr/>
+          <p:nvPr/>
+        </p:nvSpPr>
+        <p:spPr>
+          <a:xfrm>
+            <a:off x="5435901" y="4705350"/>
+            <a:ext cx="1498701" cy="313233"/>
+          </a:xfrm>
+          <a:prstGeom prst="rect">
+            <a:avLst/>
+          </a:prstGeom>
+          <a:noFill/>
+        </p:spPr>
+        <p:style>
+          <a:lnRef idx="2">
+            <a:schemeClr val="accent1">
+              <a:shade val="50000"/>
+            </a:schemeClr>
+          </a:lnRef>
+          <a:fillRef idx="1">
+            <a:schemeClr val="accent1"/>
+          </a:fillRef>
+          <a:effectRef idx="0">
+            <a:schemeClr val="accent1"/>
+          </a:effectRef>
+          <a:fontRef idx="minor">
+            <a:schemeClr val="lt1"/>
+          </a:fontRef>
+        </p:style>
+        <p:txBody>
+          <a:bodyPr rtlCol="0" anchor="ctr"/>
+          <a:lstStyle/>
+          <a:p>
+            <a:pPr algn="ctr"/>
+            <a:endParaRPr lang="fr-FR"/>
+          </a:p>
+        </p:txBody>
+      </p:sp>
+      <p:sp>
+        <p:nvSpPr>
+          <p:cNvPr id="22" name="ZoneTexte 21">
+            <a:extLst>
+              <a:ext uri="{FF2B5EF4-FFF2-40B4-BE49-F238E27FC236}">
+                <a16:creationId xmlns:a16="http://schemas.microsoft.com/office/drawing/2014/main" id="{34452539-8DFB-41DD-94AB-C85FA59DA1B4}"/>
+              </a:ext>
+            </a:extLst>
+          </p:cNvPr>
+          <p:cNvSpPr txBox="1"/>
+          <p:nvPr/>
+        </p:nvSpPr>
+        <p:spPr>
+          <a:xfrm>
+            <a:off x="5426333" y="4686338"/>
+            <a:ext cx="1498701" cy="369332"/>
+          </a:xfrm>
+          <a:prstGeom prst="rect">
+            <a:avLst/>
+          </a:prstGeom>
+          <a:noFill/>
+        </p:spPr>
+        <p:txBody>
+          <a:bodyPr wrap="square" rtlCol="0">
+            <a:spAutoFit/>
+          </a:bodyPr>
+          <a:lstStyle/>
+          <a:p>
+            <a:pPr algn="ctr"/>
+            <a:r>
+              <a:rPr lang="fr-FR" b="1" dirty="0">
+                <a:effectLst>
+                  <a:outerShdw blurRad="38100" dist="38100" dir="2700000" algn="tl">
+                    <a:srgbClr val="000000">
+                      <a:alpha val="43137"/>
+                    </a:srgbClr>
+                  </a:outerShdw>
+                </a:effectLst>
+                <a:latin typeface="Microsoft Sans Serif" panose="020B0604020202020204" pitchFamily="34" charset="0"/>
+                <a:ea typeface="Microsoft Sans Serif" panose="020B0604020202020204" pitchFamily="34" charset="0"/>
+                <a:cs typeface="Microsoft Sans Serif" panose="020B0604020202020204" pitchFamily="34" charset="0"/>
+              </a:rPr>
+              <a:t>Fichier CSV</a:t>
+            </a:r>
+          </a:p>
+        </p:txBody>
+      </p:sp>
+      <p:sp>
+        <p:nvSpPr>
+          <p:cNvPr id="26" name="Rectangle 25">
+            <a:extLst>
+              <a:ext uri="{FF2B5EF4-FFF2-40B4-BE49-F238E27FC236}">
+                <a16:creationId xmlns:a16="http://schemas.microsoft.com/office/drawing/2014/main" id="{0049B1BF-8425-4783-BCBC-CB56E39CFD36}"/>
+              </a:ext>
+            </a:extLst>
+          </p:cNvPr>
+          <p:cNvSpPr/>
+          <p:nvPr/>
+        </p:nvSpPr>
+        <p:spPr>
+          <a:xfrm>
+            <a:off x="5385456" y="1974221"/>
+            <a:ext cx="1549146" cy="361950"/>
+          </a:xfrm>
+          <a:prstGeom prst="rect">
+            <a:avLst/>
+          </a:prstGeom>
+          <a:noFill/>
+        </p:spPr>
+        <p:style>
+          <a:lnRef idx="2">
+            <a:schemeClr val="accent1">
+              <a:shade val="50000"/>
+            </a:schemeClr>
+          </a:lnRef>
+          <a:fillRef idx="1">
+            <a:schemeClr val="accent1"/>
+          </a:fillRef>
+          <a:effectRef idx="0">
+            <a:schemeClr val="accent1"/>
+          </a:effectRef>
+          <a:fontRef idx="minor">
+            <a:schemeClr val="lt1"/>
+          </a:fontRef>
+        </p:style>
+        <p:txBody>
+          <a:bodyPr rtlCol="0" anchor="ctr"/>
+          <a:lstStyle/>
+          <a:p>
+            <a:pPr algn="ctr"/>
+            <a:endParaRPr lang="fr-FR"/>
+          </a:p>
+        </p:txBody>
+      </p:sp>
+      <p:sp>
+        <p:nvSpPr>
+          <p:cNvPr id="27" name="ZoneTexte 26">
+            <a:extLst>
+              <a:ext uri="{FF2B5EF4-FFF2-40B4-BE49-F238E27FC236}">
+                <a16:creationId xmlns:a16="http://schemas.microsoft.com/office/drawing/2014/main" id="{58697CF2-762A-4CAD-8673-0FDDFA6BC39F}"/>
+              </a:ext>
+            </a:extLst>
+          </p:cNvPr>
+          <p:cNvSpPr txBox="1"/>
+          <p:nvPr/>
+        </p:nvSpPr>
+        <p:spPr>
+          <a:xfrm>
+            <a:off x="5377972" y="1974221"/>
+            <a:ext cx="1513556" cy="369332"/>
+          </a:xfrm>
+          <a:prstGeom prst="rect">
+            <a:avLst/>
+          </a:prstGeom>
+          <a:noFill/>
+        </p:spPr>
+        <p:txBody>
+          <a:bodyPr wrap="square" rtlCol="0">
+            <a:spAutoFit/>
+          </a:bodyPr>
+          <a:lstStyle/>
+          <a:p>
+            <a:pPr algn="ctr"/>
+            <a:r>
+              <a:rPr lang="fr-FR" b="1" dirty="0">
+                <a:effectLst>
+                  <a:outerShdw blurRad="38100" dist="38100" dir="2700000" algn="tl">
+                    <a:srgbClr val="000000">
+                      <a:alpha val="43137"/>
+                    </a:srgbClr>
+                  </a:outerShdw>
+                </a:effectLst>
+                <a:latin typeface="Microsoft Sans Serif" panose="020B0604020202020204" pitchFamily="34" charset="0"/>
+                <a:ea typeface="Microsoft Sans Serif" panose="020B0604020202020204" pitchFamily="34" charset="0"/>
+                <a:cs typeface="Microsoft Sans Serif" panose="020B0604020202020204" pitchFamily="34" charset="0"/>
+              </a:rPr>
+              <a:t>Visualisation</a:t>
+            </a:r>
+          </a:p>
+        </p:txBody>
+      </p:sp>
     </p:spTree>
     <p:extLst>
       <p:ext uri="{BB962C8B-B14F-4D97-AF65-F5344CB8AC3E}">

--- a/PROJET 1 UE 1 diapositive.pptx
+++ b/PROJET 1 UE 1 diapositive.pptx
@@ -14,8 +14,8 @@
     <p:sldId id="263" r:id="rId8"/>
     <p:sldId id="267" r:id="rId9"/>
     <p:sldId id="268" r:id="rId10"/>
-    <p:sldId id="264" r:id="rId11"/>
-    <p:sldId id="265" r:id="rId12"/>
+    <p:sldId id="265" r:id="rId11"/>
+    <p:sldId id="264" r:id="rId12"/>
     <p:sldId id="266" r:id="rId13"/>
   </p:sldIdLst>
   <p:sldSz cx="12192000" cy="6858000"/>
@@ -117,7 +117,18 @@
   </p:defaultTextStyle>
   <p:extLst>
     <p:ext uri="{EFAFB233-063F-42B5-8137-9DF3F51BA10A}">
-      <p15:sldGuideLst xmlns:p15="http://schemas.microsoft.com/office/powerpoint/2012/main"/>
+      <p15:sldGuideLst xmlns:p15="http://schemas.microsoft.com/office/powerpoint/2012/main">
+        <p15:guide id="1" orient="horz" pos="2160" userDrawn="1">
+          <p15:clr>
+            <a:srgbClr val="A4A3A4"/>
+          </p15:clr>
+        </p15:guide>
+        <p15:guide id="2" pos="3840" userDrawn="1">
+          <p15:clr>
+            <a:srgbClr val="A4A3A4"/>
+          </p15:clr>
+        </p15:guide>
+      </p15:sldGuideLst>
     </p:ext>
   </p:extLst>
 </p:presentation>
@@ -276,7 +287,7 @@
               <a:rPr lang="fr-FR" smtClean="0"/>
               <a:t>19/11/2017</a:t>
             </a:fld>
-            <a:endParaRPr lang="fr-FR"/>
+            <a:endParaRPr lang="fr-FR" dirty="0"/>
           </a:p>
         </p:txBody>
       </p:sp>
@@ -301,7 +312,7 @@
           <a:bodyPr/>
           <a:lstStyle/>
           <a:p>
-            <a:endParaRPr lang="fr-FR"/>
+            <a:endParaRPr lang="fr-FR" dirty="0"/>
           </a:p>
         </p:txBody>
       </p:sp>
@@ -330,7 +341,7 @@
               <a:rPr lang="fr-FR" smtClean="0"/>
               <a:t>‹N°›</a:t>
             </a:fld>
-            <a:endParaRPr lang="fr-FR"/>
+            <a:endParaRPr lang="fr-FR" dirty="0"/>
           </a:p>
         </p:txBody>
       </p:sp>
@@ -474,7 +485,7 @@
               <a:rPr lang="fr-FR" smtClean="0"/>
               <a:t>19/11/2017</a:t>
             </a:fld>
-            <a:endParaRPr lang="fr-FR"/>
+            <a:endParaRPr lang="fr-FR" dirty="0"/>
           </a:p>
         </p:txBody>
       </p:sp>
@@ -499,7 +510,7 @@
           <a:bodyPr/>
           <a:lstStyle/>
           <a:p>
-            <a:endParaRPr lang="fr-FR"/>
+            <a:endParaRPr lang="fr-FR" dirty="0"/>
           </a:p>
         </p:txBody>
       </p:sp>
@@ -528,7 +539,7 @@
               <a:rPr lang="fr-FR" smtClean="0"/>
               <a:t>‹N°›</a:t>
             </a:fld>
-            <a:endParaRPr lang="fr-FR"/>
+            <a:endParaRPr lang="fr-FR" dirty="0"/>
           </a:p>
         </p:txBody>
       </p:sp>
@@ -682,7 +693,7 @@
               <a:rPr lang="fr-FR" smtClean="0"/>
               <a:t>19/11/2017</a:t>
             </a:fld>
-            <a:endParaRPr lang="fr-FR"/>
+            <a:endParaRPr lang="fr-FR" dirty="0"/>
           </a:p>
         </p:txBody>
       </p:sp>
@@ -707,7 +718,7 @@
           <a:bodyPr/>
           <a:lstStyle/>
           <a:p>
-            <a:endParaRPr lang="fr-FR"/>
+            <a:endParaRPr lang="fr-FR" dirty="0"/>
           </a:p>
         </p:txBody>
       </p:sp>
@@ -736,7 +747,7 @@
               <a:rPr lang="fr-FR" smtClean="0"/>
               <a:t>‹N°›</a:t>
             </a:fld>
-            <a:endParaRPr lang="fr-FR"/>
+            <a:endParaRPr lang="fr-FR" dirty="0"/>
           </a:p>
         </p:txBody>
       </p:sp>
@@ -880,7 +891,7 @@
               <a:rPr lang="fr-FR" smtClean="0"/>
               <a:t>19/11/2017</a:t>
             </a:fld>
-            <a:endParaRPr lang="fr-FR"/>
+            <a:endParaRPr lang="fr-FR" dirty="0"/>
           </a:p>
         </p:txBody>
       </p:sp>
@@ -905,7 +916,7 @@
           <a:bodyPr/>
           <a:lstStyle/>
           <a:p>
-            <a:endParaRPr lang="fr-FR"/>
+            <a:endParaRPr lang="fr-FR" dirty="0"/>
           </a:p>
         </p:txBody>
       </p:sp>
@@ -934,7 +945,7 @@
               <a:rPr lang="fr-FR" smtClean="0"/>
               <a:t>‹N°›</a:t>
             </a:fld>
-            <a:endParaRPr lang="fr-FR"/>
+            <a:endParaRPr lang="fr-FR" dirty="0"/>
           </a:p>
         </p:txBody>
       </p:sp>
@@ -1155,7 +1166,7 @@
               <a:rPr lang="fr-FR" smtClean="0"/>
               <a:t>19/11/2017</a:t>
             </a:fld>
-            <a:endParaRPr lang="fr-FR"/>
+            <a:endParaRPr lang="fr-FR" dirty="0"/>
           </a:p>
         </p:txBody>
       </p:sp>
@@ -1180,7 +1191,7 @@
           <a:bodyPr/>
           <a:lstStyle/>
           <a:p>
-            <a:endParaRPr lang="fr-FR"/>
+            <a:endParaRPr lang="fr-FR" dirty="0"/>
           </a:p>
         </p:txBody>
       </p:sp>
@@ -1209,7 +1220,7 @@
               <a:rPr lang="fr-FR" smtClean="0"/>
               <a:t>‹N°›</a:t>
             </a:fld>
-            <a:endParaRPr lang="fr-FR"/>
+            <a:endParaRPr lang="fr-FR" dirty="0"/>
           </a:p>
         </p:txBody>
       </p:sp>
@@ -1420,7 +1431,7 @@
               <a:rPr lang="fr-FR" smtClean="0"/>
               <a:t>19/11/2017</a:t>
             </a:fld>
-            <a:endParaRPr lang="fr-FR"/>
+            <a:endParaRPr lang="fr-FR" dirty="0"/>
           </a:p>
         </p:txBody>
       </p:sp>
@@ -1445,7 +1456,7 @@
           <a:bodyPr/>
           <a:lstStyle/>
           <a:p>
-            <a:endParaRPr lang="fr-FR"/>
+            <a:endParaRPr lang="fr-FR" dirty="0"/>
           </a:p>
         </p:txBody>
       </p:sp>
@@ -1474,7 +1485,7 @@
               <a:rPr lang="fr-FR" smtClean="0"/>
               <a:t>‹N°›</a:t>
             </a:fld>
-            <a:endParaRPr lang="fr-FR"/>
+            <a:endParaRPr lang="fr-FR" dirty="0"/>
           </a:p>
         </p:txBody>
       </p:sp>
@@ -1832,7 +1843,7 @@
               <a:rPr lang="fr-FR" smtClean="0"/>
               <a:t>19/11/2017</a:t>
             </a:fld>
-            <a:endParaRPr lang="fr-FR"/>
+            <a:endParaRPr lang="fr-FR" dirty="0"/>
           </a:p>
         </p:txBody>
       </p:sp>
@@ -1857,7 +1868,7 @@
           <a:bodyPr/>
           <a:lstStyle/>
           <a:p>
-            <a:endParaRPr lang="fr-FR"/>
+            <a:endParaRPr lang="fr-FR" dirty="0"/>
           </a:p>
         </p:txBody>
       </p:sp>
@@ -1886,7 +1897,7 @@
               <a:rPr lang="fr-FR" smtClean="0"/>
               <a:t>‹N°›</a:t>
             </a:fld>
-            <a:endParaRPr lang="fr-FR"/>
+            <a:endParaRPr lang="fr-FR" dirty="0"/>
           </a:p>
         </p:txBody>
       </p:sp>
@@ -1973,7 +1984,7 @@
               <a:rPr lang="fr-FR" smtClean="0"/>
               <a:t>19/11/2017</a:t>
             </a:fld>
-            <a:endParaRPr lang="fr-FR"/>
+            <a:endParaRPr lang="fr-FR" dirty="0"/>
           </a:p>
         </p:txBody>
       </p:sp>
@@ -1998,7 +2009,7 @@
           <a:bodyPr/>
           <a:lstStyle/>
           <a:p>
-            <a:endParaRPr lang="fr-FR"/>
+            <a:endParaRPr lang="fr-FR" dirty="0"/>
           </a:p>
         </p:txBody>
       </p:sp>
@@ -2027,7 +2038,7 @@
               <a:rPr lang="fr-FR" smtClean="0"/>
               <a:t>‹N°›</a:t>
             </a:fld>
-            <a:endParaRPr lang="fr-FR"/>
+            <a:endParaRPr lang="fr-FR" dirty="0"/>
           </a:p>
         </p:txBody>
       </p:sp>
@@ -2086,7 +2097,7 @@
               <a:rPr lang="fr-FR" smtClean="0"/>
               <a:t>19/11/2017</a:t>
             </a:fld>
-            <a:endParaRPr lang="fr-FR"/>
+            <a:endParaRPr lang="fr-FR" dirty="0"/>
           </a:p>
         </p:txBody>
       </p:sp>
@@ -2111,7 +2122,7 @@
           <a:bodyPr/>
           <a:lstStyle/>
           <a:p>
-            <a:endParaRPr lang="fr-FR"/>
+            <a:endParaRPr lang="fr-FR" dirty="0"/>
           </a:p>
         </p:txBody>
       </p:sp>
@@ -2140,7 +2151,7 @@
               <a:rPr lang="fr-FR" smtClean="0"/>
               <a:t>‹N°›</a:t>
             </a:fld>
-            <a:endParaRPr lang="fr-FR"/>
+            <a:endParaRPr lang="fr-FR" dirty="0"/>
           </a:p>
         </p:txBody>
       </p:sp>
@@ -2397,7 +2408,7 @@
               <a:rPr lang="fr-FR" smtClean="0"/>
               <a:t>19/11/2017</a:t>
             </a:fld>
-            <a:endParaRPr lang="fr-FR"/>
+            <a:endParaRPr lang="fr-FR" dirty="0"/>
           </a:p>
         </p:txBody>
       </p:sp>
@@ -2422,7 +2433,7 @@
           <a:bodyPr/>
           <a:lstStyle/>
           <a:p>
-            <a:endParaRPr lang="fr-FR"/>
+            <a:endParaRPr lang="fr-FR" dirty="0"/>
           </a:p>
         </p:txBody>
       </p:sp>
@@ -2451,7 +2462,7 @@
               <a:rPr lang="fr-FR" smtClean="0"/>
               <a:t>‹N°›</a:t>
             </a:fld>
-            <a:endParaRPr lang="fr-FR"/>
+            <a:endParaRPr lang="fr-FR" dirty="0"/>
           </a:p>
         </p:txBody>
       </p:sp>
@@ -2585,7 +2596,7 @@
             </a:lvl9pPr>
           </a:lstStyle>
           <a:p>
-            <a:endParaRPr lang="fr-FR"/>
+            <a:endParaRPr lang="fr-FR" dirty="0"/>
           </a:p>
         </p:txBody>
       </p:sp>
@@ -2685,7 +2696,7 @@
               <a:rPr lang="fr-FR" smtClean="0"/>
               <a:t>19/11/2017</a:t>
             </a:fld>
-            <a:endParaRPr lang="fr-FR"/>
+            <a:endParaRPr lang="fr-FR" dirty="0"/>
           </a:p>
         </p:txBody>
       </p:sp>
@@ -2710,7 +2721,7 @@
           <a:bodyPr/>
           <a:lstStyle/>
           <a:p>
-            <a:endParaRPr lang="fr-FR"/>
+            <a:endParaRPr lang="fr-FR" dirty="0"/>
           </a:p>
         </p:txBody>
       </p:sp>
@@ -2739,7 +2750,7 @@
               <a:rPr lang="fr-FR" smtClean="0"/>
               <a:t>‹N°›</a:t>
             </a:fld>
-            <a:endParaRPr lang="fr-FR"/>
+            <a:endParaRPr lang="fr-FR" dirty="0"/>
           </a:p>
         </p:txBody>
       </p:sp>
@@ -2956,7 +2967,7 @@
               <a:rPr lang="fr-FR" smtClean="0"/>
               <a:t>19/11/2017</a:t>
             </a:fld>
-            <a:endParaRPr lang="fr-FR"/>
+            <a:endParaRPr lang="fr-FR" dirty="0"/>
           </a:p>
         </p:txBody>
       </p:sp>
@@ -2999,7 +3010,7 @@
             </a:lvl1pPr>
           </a:lstStyle>
           <a:p>
-            <a:endParaRPr lang="fr-FR"/>
+            <a:endParaRPr lang="fr-FR" dirty="0"/>
           </a:p>
         </p:txBody>
       </p:sp>
@@ -3046,7 +3057,7 @@
               <a:rPr lang="fr-FR" smtClean="0"/>
               <a:t>‹N°›</a:t>
             </a:fld>
-            <a:endParaRPr lang="fr-FR"/>
+            <a:endParaRPr lang="fr-FR" dirty="0"/>
           </a:p>
         </p:txBody>
       </p:sp>
@@ -3663,7 +3674,7 @@
           <p:cNvPr id="2" name="Titre 1">
             <a:extLst>
               <a:ext uri="{FF2B5EF4-FFF2-40B4-BE49-F238E27FC236}">
-                <a16:creationId xmlns:a16="http://schemas.microsoft.com/office/drawing/2014/main" id="{3DE045EF-6B6A-4766-812D-EC4BD0F4B1CB}"/>
+                <a16:creationId xmlns:a16="http://schemas.microsoft.com/office/drawing/2014/main" id="{6765864F-B052-4150-96F0-D0009B8CEA6D}"/>
               </a:ext>
             </a:extLst>
           </p:cNvPr>
@@ -3676,26 +3687,262 @@
         </p:nvSpPr>
         <p:spPr>
           <a:xfrm>
-            <a:off x="838200" y="2766218"/>
+            <a:off x="132367" y="121111"/>
             <a:ext cx="10515600" cy="1325563"/>
           </a:xfrm>
         </p:spPr>
         <p:txBody>
-          <a:bodyPr/>
+          <a:bodyPr>
+            <a:normAutofit/>
+          </a:bodyPr>
           <a:lstStyle/>
           <a:p>
             <a:pPr algn="ctr"/>
             <a:r>
-              <a:rPr lang="fr-FR" dirty="0"/>
-              <a:t>Présentation direct ou vidéo du projet </a:t>
+              <a:rPr lang="fr-FR" b="1" dirty="0"/>
+              <a:t>III) Bilan des modules</a:t>
+            </a:r>
+            <a:br>
+              <a:rPr lang="fr-FR" sz="1800" dirty="0"/>
+            </a:br>
+            <a:r>
+              <a:rPr lang="fr-FR" sz="1800" dirty="0"/>
+              <a:t>Aspect commercial (ce que notre produit vaut ) Avantage/inconvénients</a:t>
             </a:r>
           </a:p>
         </p:txBody>
       </p:sp>
+      <p:grpSp>
+        <p:nvGrpSpPr>
+          <p:cNvPr id="4" name="Groupe 3">
+            <a:extLst>
+              <a:ext uri="{FF2B5EF4-FFF2-40B4-BE49-F238E27FC236}">
+                <a16:creationId xmlns:a16="http://schemas.microsoft.com/office/drawing/2014/main" id="{081DB0A4-63FE-4873-B3DA-7D5352C360A3}"/>
+              </a:ext>
+            </a:extLst>
+          </p:cNvPr>
+          <p:cNvGrpSpPr/>
+          <p:nvPr/>
+        </p:nvGrpSpPr>
+        <p:grpSpPr>
+          <a:xfrm>
+            <a:off x="9680418" y="783893"/>
+            <a:ext cx="2451723" cy="5554831"/>
+            <a:chOff x="9680418" y="783893"/>
+            <a:chExt cx="2451723" cy="5554831"/>
+          </a:xfrm>
+        </p:grpSpPr>
+        <p:sp>
+          <p:nvSpPr>
+            <p:cNvPr id="5" name="ZoneTexte 4">
+              <a:extLst>
+                <a:ext uri="{FF2B5EF4-FFF2-40B4-BE49-F238E27FC236}">
+                  <a16:creationId xmlns:a16="http://schemas.microsoft.com/office/drawing/2014/main" id="{A4ABC17C-FEDE-40CA-9BA8-AF91D79859F8}"/>
+                </a:ext>
+              </a:extLst>
+            </p:cNvPr>
+            <p:cNvSpPr txBox="1"/>
+            <p:nvPr/>
+          </p:nvSpPr>
+          <p:spPr>
+            <a:xfrm>
+              <a:off x="9758713" y="783893"/>
+              <a:ext cx="2373428" cy="2985433"/>
+            </a:xfrm>
+            <a:prstGeom prst="rect">
+              <a:avLst/>
+            </a:prstGeom>
+            <a:noFill/>
+          </p:spPr>
+          <p:txBody>
+            <a:bodyPr wrap="square" rtlCol="0">
+              <a:spAutoFit/>
+            </a:bodyPr>
+            <a:lstStyle/>
+            <a:p>
+              <a:r>
+                <a:rPr lang="fr-FR" sz="1200" dirty="0"/>
+                <a:t>Avancement Diapositive:</a:t>
+              </a:r>
+            </a:p>
+            <a:p>
+              <a:pPr marL="400050" indent="-400050">
+                <a:buAutoNum type="romanUcParenR"/>
+              </a:pPr>
+              <a:endParaRPr lang="fr-FR" sz="1200" b="1" dirty="0"/>
+            </a:p>
+            <a:p>
+              <a:pPr marL="400050" indent="-400050">
+                <a:buAutoNum type="romanUcParenR"/>
+              </a:pPr>
+              <a:endParaRPr lang="fr-FR" sz="1200" b="1" dirty="0"/>
+            </a:p>
+            <a:p>
+              <a:pPr marL="400050" indent="-400050">
+                <a:buAutoNum type="romanUcParenR"/>
+              </a:pPr>
+              <a:r>
+                <a:rPr lang="fr-FR" sz="1200" i="1" dirty="0"/>
+                <a:t>Organisation du projet</a:t>
+              </a:r>
+            </a:p>
+            <a:p>
+              <a:pPr marL="400050" indent="-400050">
+                <a:buAutoNum type="romanUcParenR"/>
+              </a:pPr>
+              <a:endParaRPr lang="fr-FR" sz="1200" dirty="0"/>
+            </a:p>
+            <a:p>
+              <a:pPr marL="400050" indent="-400050">
+                <a:buAutoNum type="romanUcParenR"/>
+              </a:pPr>
+              <a:r>
+                <a:rPr lang="fr-FR" sz="1200" i="1" dirty="0"/>
+                <a:t>Présentation des modules</a:t>
+              </a:r>
+            </a:p>
+            <a:p>
+              <a:pPr marL="971550" lvl="1" indent="-514350">
+                <a:buFont typeface="+mj-lt"/>
+                <a:buAutoNum type="alphaLcParenR"/>
+              </a:pPr>
+              <a:r>
+                <a:rPr lang="fr-FR" sz="1100" i="1" dirty="0"/>
+                <a:t>Module 1</a:t>
+              </a:r>
+            </a:p>
+            <a:p>
+              <a:pPr marL="971550" lvl="1" indent="-514350">
+                <a:buFont typeface="+mj-lt"/>
+                <a:buAutoNum type="alphaLcParenR"/>
+              </a:pPr>
+              <a:r>
+                <a:rPr lang="fr-FR" sz="1100" i="1" dirty="0"/>
+                <a:t>Module 2</a:t>
+              </a:r>
+            </a:p>
+            <a:p>
+              <a:pPr marL="971550" lvl="1" indent="-514350">
+                <a:buFont typeface="+mj-lt"/>
+                <a:buAutoNum type="alphaLcParenR"/>
+              </a:pPr>
+              <a:r>
+                <a:rPr lang="fr-FR" sz="1100" i="1" dirty="0"/>
+                <a:t>Module 3</a:t>
+              </a:r>
+            </a:p>
+            <a:p>
+              <a:pPr marL="971550" lvl="1" indent="-514350">
+                <a:buFont typeface="+mj-lt"/>
+                <a:buAutoNum type="alphaLcParenR"/>
+              </a:pPr>
+              <a:r>
+                <a:rPr lang="fr-FR" sz="1100" i="1" dirty="0"/>
+                <a:t>Module 4</a:t>
+              </a:r>
+            </a:p>
+            <a:p>
+              <a:pPr lvl="1"/>
+              <a:endParaRPr lang="fr-FR" sz="1200" i="1" dirty="0"/>
+            </a:p>
+            <a:p>
+              <a:pPr marL="400050" indent="-400050">
+                <a:buAutoNum type="romanUcParenR"/>
+              </a:pPr>
+              <a:r>
+                <a:rPr lang="fr-FR" sz="1200" b="1" dirty="0"/>
+                <a:t>Bilan des modules</a:t>
+              </a:r>
+            </a:p>
+            <a:p>
+              <a:pPr marL="400050" indent="-400050">
+                <a:buAutoNum type="romanUcParenR"/>
+              </a:pPr>
+              <a:endParaRPr lang="fr-FR" sz="1200" b="1" i="1" dirty="0"/>
+            </a:p>
+            <a:p>
+              <a:pPr marL="400050" indent="-400050">
+                <a:buAutoNum type="romanUcParenR"/>
+              </a:pPr>
+              <a:r>
+                <a:rPr lang="fr-FR" sz="1200" dirty="0"/>
+                <a:t>Visualisation direct du projet</a:t>
+              </a:r>
+            </a:p>
+            <a:p>
+              <a:pPr marL="400050" indent="-400050">
+                <a:buAutoNum type="romanUcParenR"/>
+              </a:pPr>
+              <a:endParaRPr lang="fr-FR" sz="1200" dirty="0"/>
+            </a:p>
+            <a:p>
+              <a:pPr marL="400050" indent="-400050">
+                <a:buAutoNum type="romanUcParenR"/>
+              </a:pPr>
+              <a:r>
+                <a:rPr lang="fr-FR" sz="1200" i="1" dirty="0"/>
+                <a:t>Conclusion</a:t>
+              </a:r>
+            </a:p>
+          </p:txBody>
+        </p:sp>
+        <p:sp>
+          <p:nvSpPr>
+            <p:cNvPr id="6" name="Rectangle 5">
+              <a:extLst>
+                <a:ext uri="{FF2B5EF4-FFF2-40B4-BE49-F238E27FC236}">
+                  <a16:creationId xmlns:a16="http://schemas.microsoft.com/office/drawing/2014/main" id="{56E222FE-3FE3-496C-827B-FC0161402FFE}"/>
+                </a:ext>
+              </a:extLst>
+            </p:cNvPr>
+            <p:cNvSpPr/>
+            <p:nvPr/>
+          </p:nvSpPr>
+          <p:spPr>
+            <a:xfrm>
+              <a:off x="9680418" y="783893"/>
+              <a:ext cx="2379215" cy="5554831"/>
+            </a:xfrm>
+            <a:prstGeom prst="rect">
+              <a:avLst/>
+            </a:prstGeom>
+            <a:noFill/>
+            <a:ln>
+              <a:solidFill>
+                <a:schemeClr val="tx1"/>
+              </a:solidFill>
+            </a:ln>
+          </p:spPr>
+          <p:style>
+            <a:lnRef idx="2">
+              <a:schemeClr val="accent1">
+                <a:shade val="50000"/>
+              </a:schemeClr>
+            </a:lnRef>
+            <a:fillRef idx="1">
+              <a:schemeClr val="accent1"/>
+            </a:fillRef>
+            <a:effectRef idx="0">
+              <a:schemeClr val="accent1"/>
+            </a:effectRef>
+            <a:fontRef idx="minor">
+              <a:schemeClr val="lt1"/>
+            </a:fontRef>
+          </p:style>
+          <p:txBody>
+            <a:bodyPr rtlCol="0" anchor="ctr"/>
+            <a:lstStyle/>
+            <a:p>
+              <a:pPr algn="ctr"/>
+              <a:endParaRPr lang="fr-FR" dirty="0"/>
+            </a:p>
+          </p:txBody>
+        </p:sp>
+      </p:grpSp>
     </p:spTree>
     <p:extLst>
       <p:ext uri="{BB962C8B-B14F-4D97-AF65-F5344CB8AC3E}">
-        <p14:creationId xmlns:p14="http://schemas.microsoft.com/office/powerpoint/2010/main" val="615297589"/>
+        <p14:creationId xmlns:p14="http://schemas.microsoft.com/office/powerpoint/2010/main" val="1965814407"/>
       </p:ext>
     </p:extLst>
   </p:cSld>
@@ -3727,7 +3974,7 @@
           <p:cNvPr id="2" name="Titre 1">
             <a:extLst>
               <a:ext uri="{FF2B5EF4-FFF2-40B4-BE49-F238E27FC236}">
-                <a16:creationId xmlns:a16="http://schemas.microsoft.com/office/drawing/2014/main" id="{6765864F-B052-4150-96F0-D0009B8CEA6D}"/>
+                <a16:creationId xmlns:a16="http://schemas.microsoft.com/office/drawing/2014/main" id="{3DE045EF-6B6A-4766-812D-EC4BD0F4B1CB}"/>
               </a:ext>
             </a:extLst>
           </p:cNvPr>
@@ -3738,52 +3985,28 @@
             <p:ph type="title"/>
           </p:nvPr>
         </p:nvSpPr>
-        <p:spPr/>
+        <p:spPr>
+          <a:xfrm>
+            <a:off x="1104530" y="2766218"/>
+            <a:ext cx="9726227" cy="1325563"/>
+          </a:xfrm>
+        </p:spPr>
         <p:txBody>
           <a:bodyPr/>
           <a:lstStyle/>
           <a:p>
+            <a:pPr algn="ctr"/>
             <a:r>
               <a:rPr lang="fr-FR" dirty="0"/>
-              <a:t>Aspect commercial (ce que notre produit vaut ) Avantage/</a:t>
-            </a:r>
-            <a:r>
-              <a:rPr lang="fr-FR" dirty="0" err="1"/>
-              <a:t>inconvenient</a:t>
-            </a:r>
-            <a:endParaRPr lang="fr-FR" dirty="0"/>
-          </a:p>
-        </p:txBody>
-      </p:sp>
-      <p:sp>
-        <p:nvSpPr>
-          <p:cNvPr id="3" name="Espace réservé du contenu 2">
-            <a:extLst>
-              <a:ext uri="{FF2B5EF4-FFF2-40B4-BE49-F238E27FC236}">
-                <a16:creationId xmlns:a16="http://schemas.microsoft.com/office/drawing/2014/main" id="{E15E60D8-E543-49E1-BB12-5BFF52643C64}"/>
-              </a:ext>
-            </a:extLst>
-          </p:cNvPr>
-          <p:cNvSpPr>
-            <a:spLocks noGrp="1"/>
-          </p:cNvSpPr>
-          <p:nvPr>
-            <p:ph idx="1"/>
-          </p:nvPr>
-        </p:nvSpPr>
-        <p:spPr/>
-        <p:txBody>
-          <a:bodyPr/>
-          <a:lstStyle/>
-          <a:p>
-            <a:endParaRPr lang="fr-FR"/>
+              <a:t>IV) Présentation direct ou vidéo du projet </a:t>
+            </a:r>
           </a:p>
         </p:txBody>
       </p:sp>
     </p:spTree>
     <p:extLst>
       <p:ext uri="{BB962C8B-B14F-4D97-AF65-F5344CB8AC3E}">
-        <p14:creationId xmlns:p14="http://schemas.microsoft.com/office/powerpoint/2010/main" val="1965814407"/>
+        <p14:creationId xmlns:p14="http://schemas.microsoft.com/office/powerpoint/2010/main" val="615297589"/>
       </p:ext>
     </p:extLst>
   </p:cSld>
@@ -3838,31 +4061,233 @@
           </a:p>
         </p:txBody>
       </p:sp>
-      <p:sp>
-        <p:nvSpPr>
-          <p:cNvPr id="3" name="Espace réservé du contenu 2">
-            <a:extLst>
-              <a:ext uri="{FF2B5EF4-FFF2-40B4-BE49-F238E27FC236}">
-                <a16:creationId xmlns:a16="http://schemas.microsoft.com/office/drawing/2014/main" id="{9602716A-BDC1-4399-82C8-E3FCFBA8D9C4}"/>
-              </a:ext>
-            </a:extLst>
-          </p:cNvPr>
-          <p:cNvSpPr>
-            <a:spLocks noGrp="1"/>
-          </p:cNvSpPr>
-          <p:nvPr>
-            <p:ph idx="1"/>
-          </p:nvPr>
-        </p:nvSpPr>
-        <p:spPr/>
-        <p:txBody>
-          <a:bodyPr/>
-          <a:lstStyle/>
-          <a:p>
-            <a:endParaRPr lang="fr-FR"/>
-          </a:p>
-        </p:txBody>
-      </p:sp>
+      <p:grpSp>
+        <p:nvGrpSpPr>
+          <p:cNvPr id="4" name="Groupe 3">
+            <a:extLst>
+              <a:ext uri="{FF2B5EF4-FFF2-40B4-BE49-F238E27FC236}">
+                <a16:creationId xmlns:a16="http://schemas.microsoft.com/office/drawing/2014/main" id="{296BA9D9-A348-40FD-8DD1-B9F22F75D262}"/>
+              </a:ext>
+            </a:extLst>
+          </p:cNvPr>
+          <p:cNvGrpSpPr/>
+          <p:nvPr/>
+        </p:nvGrpSpPr>
+        <p:grpSpPr>
+          <a:xfrm>
+            <a:off x="9680418" y="783893"/>
+            <a:ext cx="2451723" cy="5554831"/>
+            <a:chOff x="9680418" y="783893"/>
+            <a:chExt cx="2451723" cy="5554831"/>
+          </a:xfrm>
+        </p:grpSpPr>
+        <p:sp>
+          <p:nvSpPr>
+            <p:cNvPr id="5" name="ZoneTexte 4">
+              <a:extLst>
+                <a:ext uri="{FF2B5EF4-FFF2-40B4-BE49-F238E27FC236}">
+                  <a16:creationId xmlns:a16="http://schemas.microsoft.com/office/drawing/2014/main" id="{FD6D8AAF-E90F-4758-A7AC-3F2B3A1539A4}"/>
+                </a:ext>
+              </a:extLst>
+            </p:cNvPr>
+            <p:cNvSpPr txBox="1"/>
+            <p:nvPr/>
+          </p:nvSpPr>
+          <p:spPr>
+            <a:xfrm>
+              <a:off x="9758713" y="783893"/>
+              <a:ext cx="2373428" cy="2985433"/>
+            </a:xfrm>
+            <a:prstGeom prst="rect">
+              <a:avLst/>
+            </a:prstGeom>
+            <a:noFill/>
+          </p:spPr>
+          <p:txBody>
+            <a:bodyPr wrap="square" rtlCol="0">
+              <a:spAutoFit/>
+            </a:bodyPr>
+            <a:lstStyle/>
+            <a:p>
+              <a:r>
+                <a:rPr lang="fr-FR" sz="1200" dirty="0"/>
+                <a:t>Avancement Diapositive:</a:t>
+              </a:r>
+            </a:p>
+            <a:p>
+              <a:pPr marL="400050" indent="-400050">
+                <a:buAutoNum type="romanUcParenR"/>
+              </a:pPr>
+              <a:endParaRPr lang="fr-FR" sz="1200" b="1" dirty="0"/>
+            </a:p>
+            <a:p>
+              <a:pPr marL="400050" indent="-400050">
+                <a:buAutoNum type="romanUcParenR"/>
+              </a:pPr>
+              <a:endParaRPr lang="fr-FR" sz="1200" b="1" dirty="0"/>
+            </a:p>
+            <a:p>
+              <a:pPr marL="400050" indent="-400050">
+                <a:buAutoNum type="romanUcParenR"/>
+              </a:pPr>
+              <a:r>
+                <a:rPr lang="fr-FR" sz="1200" i="1" dirty="0"/>
+                <a:t>Organisation du projet</a:t>
+              </a:r>
+            </a:p>
+            <a:p>
+              <a:pPr marL="400050" indent="-400050">
+                <a:buAutoNum type="romanUcParenR"/>
+              </a:pPr>
+              <a:endParaRPr lang="fr-FR" sz="1200" dirty="0"/>
+            </a:p>
+            <a:p>
+              <a:pPr marL="400050" indent="-400050">
+                <a:buAutoNum type="romanUcParenR"/>
+              </a:pPr>
+              <a:r>
+                <a:rPr lang="fr-FR" sz="1200" i="1" dirty="0"/>
+                <a:t>Présentation des modules</a:t>
+              </a:r>
+            </a:p>
+            <a:p>
+              <a:pPr marL="971550" lvl="1" indent="-514350">
+                <a:buFont typeface="+mj-lt"/>
+                <a:buAutoNum type="alphaLcParenR"/>
+              </a:pPr>
+              <a:r>
+                <a:rPr lang="fr-FR" sz="1100" i="1" dirty="0"/>
+                <a:t>Module 1</a:t>
+              </a:r>
+            </a:p>
+            <a:p>
+              <a:pPr marL="971550" lvl="1" indent="-514350">
+                <a:buFont typeface="+mj-lt"/>
+                <a:buAutoNum type="alphaLcParenR"/>
+              </a:pPr>
+              <a:r>
+                <a:rPr lang="fr-FR" sz="1100" i="1" dirty="0"/>
+                <a:t>Module 2</a:t>
+              </a:r>
+            </a:p>
+            <a:p>
+              <a:pPr marL="971550" lvl="1" indent="-514350">
+                <a:buFont typeface="+mj-lt"/>
+                <a:buAutoNum type="alphaLcParenR"/>
+              </a:pPr>
+              <a:r>
+                <a:rPr lang="fr-FR" sz="1100" i="1" dirty="0"/>
+                <a:t>Module 3</a:t>
+              </a:r>
+            </a:p>
+            <a:p>
+              <a:pPr marL="971550" lvl="1" indent="-514350">
+                <a:buFont typeface="+mj-lt"/>
+                <a:buAutoNum type="alphaLcParenR"/>
+              </a:pPr>
+              <a:r>
+                <a:rPr lang="fr-FR" sz="1100" i="1" dirty="0"/>
+                <a:t>Module 4</a:t>
+              </a:r>
+            </a:p>
+            <a:p>
+              <a:pPr lvl="1"/>
+              <a:endParaRPr lang="fr-FR" sz="1200" i="1" dirty="0"/>
+            </a:p>
+            <a:p>
+              <a:pPr marL="400050" indent="-400050">
+                <a:buAutoNum type="romanUcParenR"/>
+              </a:pPr>
+              <a:r>
+                <a:rPr lang="fr-FR" sz="1200" i="1" dirty="0"/>
+                <a:t>Bilan des modules</a:t>
+              </a:r>
+            </a:p>
+            <a:p>
+              <a:pPr marL="400050" indent="-400050">
+                <a:buAutoNum type="romanUcParenR"/>
+              </a:pPr>
+              <a:endParaRPr lang="fr-FR" sz="1200" b="1" i="1" dirty="0"/>
+            </a:p>
+            <a:p>
+              <a:pPr marL="400050" indent="-400050">
+                <a:buAutoNum type="romanUcParenR"/>
+              </a:pPr>
+              <a:r>
+                <a:rPr lang="fr-FR" sz="1200" dirty="0"/>
+                <a:t>Visualisation direct du projet</a:t>
+              </a:r>
+            </a:p>
+            <a:p>
+              <a:pPr marL="400050" indent="-400050">
+                <a:buAutoNum type="romanUcParenR"/>
+              </a:pPr>
+              <a:endParaRPr lang="fr-FR" sz="1200" dirty="0"/>
+            </a:p>
+            <a:p>
+              <a:pPr marL="400050" indent="-400050">
+                <a:buAutoNum type="romanUcParenR"/>
+              </a:pPr>
+              <a:r>
+                <a:rPr lang="fr-FR" sz="1200" b="1" dirty="0"/>
+                <a:t>Conclusion</a:t>
+              </a:r>
+            </a:p>
+          </p:txBody>
+        </p:sp>
+        <p:sp>
+          <p:nvSpPr>
+            <p:cNvPr id="6" name="Rectangle 5">
+              <a:extLst>
+                <a:ext uri="{FF2B5EF4-FFF2-40B4-BE49-F238E27FC236}">
+                  <a16:creationId xmlns:a16="http://schemas.microsoft.com/office/drawing/2014/main" id="{CF7E21B7-3DBF-41AA-B5BF-E10892D2F1EA}"/>
+                </a:ext>
+              </a:extLst>
+            </p:cNvPr>
+            <p:cNvSpPr/>
+            <p:nvPr/>
+          </p:nvSpPr>
+          <p:spPr>
+            <a:xfrm>
+              <a:off x="9680418" y="783893"/>
+              <a:ext cx="2379215" cy="5554831"/>
+            </a:xfrm>
+            <a:prstGeom prst="rect">
+              <a:avLst/>
+            </a:prstGeom>
+            <a:noFill/>
+            <a:ln>
+              <a:solidFill>
+                <a:schemeClr val="tx1"/>
+              </a:solidFill>
+            </a:ln>
+          </p:spPr>
+          <p:style>
+            <a:lnRef idx="2">
+              <a:schemeClr val="accent1">
+                <a:shade val="50000"/>
+              </a:schemeClr>
+            </a:lnRef>
+            <a:fillRef idx="1">
+              <a:schemeClr val="accent1"/>
+            </a:fillRef>
+            <a:effectRef idx="0">
+              <a:schemeClr val="accent1"/>
+            </a:effectRef>
+            <a:fontRef idx="minor">
+              <a:schemeClr val="lt1"/>
+            </a:fontRef>
+          </p:style>
+          <p:txBody>
+            <a:bodyPr rtlCol="0" anchor="ctr"/>
+            <a:lstStyle/>
+            <a:p>
+              <a:pPr algn="ctr"/>
+              <a:endParaRPr lang="fr-FR" dirty="0"/>
+            </a:p>
+          </p:txBody>
+        </p:sp>
+      </p:grpSp>
     </p:spTree>
     <p:extLst>
       <p:ext uri="{BB962C8B-B14F-4D97-AF65-F5344CB8AC3E}">
@@ -3923,7 +4348,7 @@
           <a:p>
             <a:pPr algn="ctr"/>
             <a:r>
-              <a:rPr lang="fr-FR" sz="5400" b="1" dirty="0">
+              <a:rPr lang="fr-FR" sz="5400" dirty="0">
                 <a:latin typeface="Freestyle Script" panose="030804020302050B0404" pitchFamily="66" charset="0"/>
               </a:rPr>
               <a:t>Contexte du Projet</a:t>
@@ -4035,15 +4460,7 @@
             </a:pPr>
             <a:r>
               <a:rPr lang="fr-FR" sz="2400" dirty="0"/>
-              <a:t>Proposition d’aide d’</a:t>
-            </a:r>
-            <a:r>
-              <a:rPr lang="fr-FR" sz="2400" dirty="0" err="1"/>
-              <a:t>Exia</a:t>
-            </a:r>
-            <a:r>
-              <a:rPr lang="fr-FR" sz="2400" dirty="0"/>
-              <a:t> </a:t>
+              <a:t>Proposition d’aide d’Exia </a:t>
             </a:r>
           </a:p>
         </p:txBody>
@@ -4126,13 +4543,21 @@
         </p:nvSpPr>
         <p:spPr/>
         <p:txBody>
-          <a:bodyPr/>
+          <a:bodyPr>
+            <a:normAutofit/>
+          </a:bodyPr>
           <a:lstStyle/>
           <a:p>
             <a:pPr algn="ctr"/>
             <a:r>
-              <a:rPr lang="fr-FR" dirty="0"/>
-              <a:t>Sommaire </a:t>
+              <a:rPr lang="fr-FR" sz="5400" dirty="0">
+                <a:latin typeface="Freestyle Script" panose="030804020302050B0404" pitchFamily="66" charset="0"/>
+              </a:rPr>
+              <a:t>Sommaire</a:t>
+            </a:r>
+            <a:r>
+              <a:rPr lang="fr-FR" sz="5400" dirty="0"/>
+              <a:t> </a:t>
             </a:r>
           </a:p>
         </p:txBody>
@@ -4152,7 +4577,7 @@
         <p:spPr>
           <a:xfrm>
             <a:off x="1563210" y="1690688"/>
-            <a:ext cx="4532790" cy="4339650"/>
+            <a:ext cx="8752642" cy="5201424"/>
           </a:xfrm>
           <a:prstGeom prst="rect">
             <a:avLst/>
@@ -4241,6 +4666,21 @@
             <a:r>
               <a:rPr lang="fr-FR" sz="2800" dirty="0"/>
               <a:t>Bilan des modules</a:t>
+            </a:r>
+          </a:p>
+          <a:p>
+            <a:pPr marL="400050" indent="-400050">
+              <a:buAutoNum type="romanUcParenR"/>
+            </a:pPr>
+            <a:endParaRPr lang="fr-FR" sz="2800" dirty="0"/>
+          </a:p>
+          <a:p>
+            <a:pPr marL="400050" indent="-400050">
+              <a:buAutoNum type="romanUcParenR"/>
+            </a:pPr>
+            <a:r>
+              <a:rPr lang="fr-FR" sz="2800" dirty="0"/>
+              <a:t>Visualisation direct du Projet</a:t>
             </a:r>
           </a:p>
           <a:p>
@@ -4306,14 +4746,31 @@
             <p:ph type="title"/>
           </p:nvPr>
         </p:nvSpPr>
-        <p:spPr/>
+        <p:spPr>
+          <a:xfrm>
+            <a:off x="429827" y="121112"/>
+            <a:ext cx="10515600" cy="1325563"/>
+          </a:xfrm>
+        </p:spPr>
         <p:txBody>
           <a:bodyPr/>
           <a:lstStyle/>
           <a:p>
             <a:pPr algn="ctr"/>
             <a:r>
+              <a:rPr lang="fr-FR" dirty="0">
+                <a:latin typeface="Freestyle Script" panose="030804020302050B0404" pitchFamily="66" charset="0"/>
+              </a:rPr>
+              <a:t> </a:t>
+            </a:r>
+            <a:r>
               <a:rPr lang="fr-FR" dirty="0"/>
+              <a:t>I) </a:t>
+            </a:r>
+            <a:r>
+              <a:rPr lang="fr-FR" dirty="0">
+                <a:latin typeface="Freestyle Script" panose="030804020302050B0404" pitchFamily="66" charset="0"/>
+              </a:rPr>
               <a:t>Organisation du projet </a:t>
             </a:r>
           </a:p>
@@ -4321,10 +4778,10 @@
       </p:sp>
       <p:grpSp>
         <p:nvGrpSpPr>
-          <p:cNvPr id="52" name="Groupe 51">
-            <a:extLst>
-              <a:ext uri="{FF2B5EF4-FFF2-40B4-BE49-F238E27FC236}">
-                <a16:creationId xmlns:a16="http://schemas.microsoft.com/office/drawing/2014/main" id="{21763A9C-3FB6-48DF-BB7B-69188074FD1A}"/>
+          <p:cNvPr id="15" name="Groupe 14">
+            <a:extLst>
+              <a:ext uri="{FF2B5EF4-FFF2-40B4-BE49-F238E27FC236}">
+                <a16:creationId xmlns:a16="http://schemas.microsoft.com/office/drawing/2014/main" id="{00F80F0D-0D3F-42EC-8150-32A9ECF05937}"/>
               </a:ext>
             </a:extLst>
           </p:cNvPr>
@@ -4333,7 +4790,7 @@
         </p:nvGrpSpPr>
         <p:grpSpPr>
           <a:xfrm>
-            <a:off x="1897000" y="1483067"/>
+            <a:off x="867431" y="1458627"/>
             <a:ext cx="3403474" cy="2154201"/>
             <a:chOff x="2340101" y="1408143"/>
             <a:chExt cx="3403474" cy="2154201"/>
@@ -4341,10 +4798,10 @@
         </p:grpSpPr>
         <p:sp>
           <p:nvSpPr>
-            <p:cNvPr id="44" name="Rectangle 43">
+            <p:cNvPr id="16" name="Rectangle 15">
               <a:extLst>
                 <a:ext uri="{FF2B5EF4-FFF2-40B4-BE49-F238E27FC236}">
-                  <a16:creationId xmlns:a16="http://schemas.microsoft.com/office/drawing/2014/main" id="{0857F8E6-A025-4849-ABB4-37BB7A655CDC}"/>
+                  <a16:creationId xmlns:a16="http://schemas.microsoft.com/office/drawing/2014/main" id="{3C78294C-81DF-4146-B3C4-53FDBD8441F0}"/>
                 </a:ext>
               </a:extLst>
             </p:cNvPr>
@@ -4404,16 +4861,16 @@
             <a:lstStyle/>
             <a:p>
               <a:pPr algn="ctr"/>
-              <a:endParaRPr lang="fr-FR"/>
+              <a:endParaRPr lang="fr-FR" dirty="0"/>
             </a:p>
           </p:txBody>
         </p:sp>
         <p:sp>
           <p:nvSpPr>
-            <p:cNvPr id="48" name="ZoneTexte 47">
+            <p:cNvPr id="17" name="ZoneTexte 16">
               <a:extLst>
                 <a:ext uri="{FF2B5EF4-FFF2-40B4-BE49-F238E27FC236}">
-                  <a16:creationId xmlns:a16="http://schemas.microsoft.com/office/drawing/2014/main" id="{5D8C83C5-346F-402E-9559-FA35E724C45D}"/>
+                  <a16:creationId xmlns:a16="http://schemas.microsoft.com/office/drawing/2014/main" id="{18F2B7EB-CA6F-431D-9D34-BE8BB210E064}"/>
                 </a:ext>
               </a:extLst>
             </p:cNvPr>
@@ -4481,10 +4938,10 @@
       </p:grpSp>
       <p:grpSp>
         <p:nvGrpSpPr>
-          <p:cNvPr id="53" name="Groupe 52">
-            <a:extLst>
-              <a:ext uri="{FF2B5EF4-FFF2-40B4-BE49-F238E27FC236}">
-                <a16:creationId xmlns:a16="http://schemas.microsoft.com/office/drawing/2014/main" id="{7FEA033F-BFF3-4D72-97AF-1FE021E92F41}"/>
+          <p:cNvPr id="18" name="Groupe 17">
+            <a:extLst>
+              <a:ext uri="{FF2B5EF4-FFF2-40B4-BE49-F238E27FC236}">
+                <a16:creationId xmlns:a16="http://schemas.microsoft.com/office/drawing/2014/main" id="{AD3F651E-43E7-40A5-B247-38251EC52A2D}"/>
               </a:ext>
             </a:extLst>
           </p:cNvPr>
@@ -4493,7 +4950,7 @@
         </p:nvGrpSpPr>
         <p:grpSpPr>
           <a:xfrm>
-            <a:off x="7110602" y="1445546"/>
+            <a:off x="6061549" y="1421106"/>
             <a:ext cx="3403474" cy="2154173"/>
             <a:chOff x="7653527" y="1408143"/>
             <a:chExt cx="3403474" cy="2154173"/>
@@ -4501,10 +4958,10 @@
         </p:grpSpPr>
         <p:sp>
           <p:nvSpPr>
-            <p:cNvPr id="45" name="Rectangle 44">
+            <p:cNvPr id="19" name="Rectangle 18">
               <a:extLst>
                 <a:ext uri="{FF2B5EF4-FFF2-40B4-BE49-F238E27FC236}">
-                  <a16:creationId xmlns:a16="http://schemas.microsoft.com/office/drawing/2014/main" id="{C11957B2-6846-4A5C-AF5E-ACFF9DC44A0C}"/>
+                  <a16:creationId xmlns:a16="http://schemas.microsoft.com/office/drawing/2014/main" id="{7F273982-6C97-4993-BE39-69A31AFF3083}"/>
                 </a:ext>
               </a:extLst>
             </p:cNvPr>
@@ -4548,16 +5005,16 @@
             <a:lstStyle/>
             <a:p>
               <a:pPr algn="ctr"/>
-              <a:endParaRPr lang="fr-FR"/>
+              <a:endParaRPr lang="fr-FR" dirty="0"/>
             </a:p>
           </p:txBody>
         </p:sp>
         <p:sp>
           <p:nvSpPr>
-            <p:cNvPr id="49" name="ZoneTexte 48">
+            <p:cNvPr id="20" name="ZoneTexte 19">
               <a:extLst>
                 <a:ext uri="{FF2B5EF4-FFF2-40B4-BE49-F238E27FC236}">
-                  <a16:creationId xmlns:a16="http://schemas.microsoft.com/office/drawing/2014/main" id="{421C1891-269A-4D17-BF97-CEA4E111BB08}"/>
+                  <a16:creationId xmlns:a16="http://schemas.microsoft.com/office/drawing/2014/main" id="{1885C0AB-DF9B-4D02-A0A9-45607AF118EB}"/>
                 </a:ext>
               </a:extLst>
             </p:cNvPr>
@@ -4625,10 +5082,10 @@
       </p:grpSp>
       <p:grpSp>
         <p:nvGrpSpPr>
-          <p:cNvPr id="55" name="Groupe 54">
-            <a:extLst>
-              <a:ext uri="{FF2B5EF4-FFF2-40B4-BE49-F238E27FC236}">
-                <a16:creationId xmlns:a16="http://schemas.microsoft.com/office/drawing/2014/main" id="{7EA3E113-A56F-498B-BBF3-65AF46EB760C}"/>
+          <p:cNvPr id="21" name="Groupe 20">
+            <a:extLst>
+              <a:ext uri="{FF2B5EF4-FFF2-40B4-BE49-F238E27FC236}">
+                <a16:creationId xmlns:a16="http://schemas.microsoft.com/office/drawing/2014/main" id="{AD1BDA66-5347-4963-9F46-C0C24C09C7CE}"/>
               </a:ext>
             </a:extLst>
           </p:cNvPr>
@@ -4637,7 +5094,7 @@
         </p:nvGrpSpPr>
         <p:grpSpPr>
           <a:xfrm>
-            <a:off x="1867769" y="4208991"/>
+            <a:off x="838200" y="4184551"/>
             <a:ext cx="3389631" cy="2154174"/>
             <a:chOff x="2355659" y="4131916"/>
             <a:chExt cx="3389631" cy="2154174"/>
@@ -4645,10 +5102,10 @@
         </p:grpSpPr>
         <p:sp>
           <p:nvSpPr>
-            <p:cNvPr id="46" name="Rectangle 45">
+            <p:cNvPr id="22" name="Rectangle 21">
               <a:extLst>
                 <a:ext uri="{FF2B5EF4-FFF2-40B4-BE49-F238E27FC236}">
-                  <a16:creationId xmlns:a16="http://schemas.microsoft.com/office/drawing/2014/main" id="{5A13A118-0D15-4F75-9175-A813AA60AFE3}"/>
+                  <a16:creationId xmlns:a16="http://schemas.microsoft.com/office/drawing/2014/main" id="{45C59CC3-6744-48CD-89BD-ECB9112857DA}"/>
                 </a:ext>
               </a:extLst>
             </p:cNvPr>
@@ -4692,16 +5149,16 @@
             <a:lstStyle/>
             <a:p>
               <a:pPr algn="ctr"/>
-              <a:endParaRPr lang="fr-FR"/>
+              <a:endParaRPr lang="fr-FR" dirty="0"/>
             </a:p>
           </p:txBody>
         </p:sp>
         <p:sp>
           <p:nvSpPr>
-            <p:cNvPr id="50" name="ZoneTexte 49">
+            <p:cNvPr id="23" name="ZoneTexte 22">
               <a:extLst>
                 <a:ext uri="{FF2B5EF4-FFF2-40B4-BE49-F238E27FC236}">
-                  <a16:creationId xmlns:a16="http://schemas.microsoft.com/office/drawing/2014/main" id="{849B9257-0826-4B9D-B7A5-548E7576B4B5}"/>
+                  <a16:creationId xmlns:a16="http://schemas.microsoft.com/office/drawing/2014/main" id="{411381C7-7918-446E-B4FE-27D37AD8DE1F}"/>
                 </a:ext>
               </a:extLst>
             </p:cNvPr>
@@ -4730,21 +5187,8 @@
                     <a:schemeClr val="bg1"/>
                   </a:solidFill>
                 </a:rPr>
-                <a:t>Module 3: </a:t>
-              </a:r>
-              <a:r>
-                <a:rPr lang="fr-FR" dirty="0" err="1">
-                  <a:solidFill>
-                    <a:schemeClr val="bg1"/>
-                  </a:solidFill>
-                </a:rPr>
-                <a:t>Processing</a:t>
-              </a:r>
-              <a:endParaRPr lang="fr-FR" dirty="0">
-                <a:solidFill>
-                  <a:schemeClr val="bg1"/>
-                </a:solidFill>
-              </a:endParaRPr>
+                <a:t>Module 3: Processing</a:t>
+              </a:r>
             </a:p>
             <a:p>
               <a:endParaRPr lang="fr-FR" dirty="0"/>
@@ -4787,10 +5231,10 @@
       </p:grpSp>
       <p:grpSp>
         <p:nvGrpSpPr>
-          <p:cNvPr id="54" name="Groupe 53">
-            <a:extLst>
-              <a:ext uri="{FF2B5EF4-FFF2-40B4-BE49-F238E27FC236}">
-                <a16:creationId xmlns:a16="http://schemas.microsoft.com/office/drawing/2014/main" id="{87203F74-25C2-4968-9D8B-3333F8F2E5EF}"/>
+          <p:cNvPr id="24" name="Groupe 23">
+            <a:extLst>
+              <a:ext uri="{FF2B5EF4-FFF2-40B4-BE49-F238E27FC236}">
+                <a16:creationId xmlns:a16="http://schemas.microsoft.com/office/drawing/2014/main" id="{DB85436B-66F9-473C-8ABA-FCFFD4484DFD}"/>
               </a:ext>
             </a:extLst>
           </p:cNvPr>
@@ -4799,7 +5243,7 @@
         </p:nvGrpSpPr>
         <p:grpSpPr>
           <a:xfrm>
-            <a:off x="7130086" y="4208991"/>
+            <a:off x="6096000" y="4184551"/>
             <a:ext cx="3389631" cy="2308324"/>
             <a:chOff x="7647886" y="4131916"/>
             <a:chExt cx="3389631" cy="2308324"/>
@@ -4807,10 +5251,10 @@
         </p:grpSpPr>
         <p:sp>
           <p:nvSpPr>
-            <p:cNvPr id="47" name="Rectangle 46">
+            <p:cNvPr id="25" name="Rectangle 24">
               <a:extLst>
                 <a:ext uri="{FF2B5EF4-FFF2-40B4-BE49-F238E27FC236}">
-                  <a16:creationId xmlns:a16="http://schemas.microsoft.com/office/drawing/2014/main" id="{3C2AAA06-9423-4FEA-BBB5-F7F8B61FD56C}"/>
+                  <a16:creationId xmlns:a16="http://schemas.microsoft.com/office/drawing/2014/main" id="{2FFF0DB1-4B50-4CCC-8DCC-A1A20DCB091E}"/>
                 </a:ext>
               </a:extLst>
             </p:cNvPr>
@@ -4854,16 +5298,16 @@
             <a:lstStyle/>
             <a:p>
               <a:pPr algn="ctr"/>
-              <a:endParaRPr lang="fr-FR"/>
+              <a:endParaRPr lang="fr-FR" dirty="0"/>
             </a:p>
           </p:txBody>
         </p:sp>
         <p:sp>
           <p:nvSpPr>
-            <p:cNvPr id="51" name="ZoneTexte 50">
+            <p:cNvPr id="26" name="ZoneTexte 25">
               <a:extLst>
                 <a:ext uri="{FF2B5EF4-FFF2-40B4-BE49-F238E27FC236}">
-                  <a16:creationId xmlns:a16="http://schemas.microsoft.com/office/drawing/2014/main" id="{08C338FD-91F0-428A-81B0-BE4948EB16E8}"/>
+                  <a16:creationId xmlns:a16="http://schemas.microsoft.com/office/drawing/2014/main" id="{AE889869-A5DF-4250-83AA-C3D8507A9275}"/>
                 </a:ext>
               </a:extLst>
             </p:cNvPr>
@@ -4924,6 +5368,237 @@
               <a:endParaRPr lang="fr-FR" dirty="0"/>
             </a:p>
             <a:p>
+              <a:endParaRPr lang="fr-FR" dirty="0"/>
+            </a:p>
+          </p:txBody>
+        </p:sp>
+      </p:grpSp>
+      <p:grpSp>
+        <p:nvGrpSpPr>
+          <p:cNvPr id="4" name="Groupe 3">
+            <a:extLst>
+              <a:ext uri="{FF2B5EF4-FFF2-40B4-BE49-F238E27FC236}">
+                <a16:creationId xmlns:a16="http://schemas.microsoft.com/office/drawing/2014/main" id="{CB63E7C4-5B7B-4E40-937B-17BCCD467098}"/>
+              </a:ext>
+            </a:extLst>
+          </p:cNvPr>
+          <p:cNvGrpSpPr/>
+          <p:nvPr/>
+        </p:nvGrpSpPr>
+        <p:grpSpPr>
+          <a:xfrm>
+            <a:off x="9680418" y="783893"/>
+            <a:ext cx="2451723" cy="5554831"/>
+            <a:chOff x="9680418" y="783893"/>
+            <a:chExt cx="2451723" cy="5554831"/>
+          </a:xfrm>
+        </p:grpSpPr>
+        <p:sp>
+          <p:nvSpPr>
+            <p:cNvPr id="27" name="ZoneTexte 26">
+              <a:extLst>
+                <a:ext uri="{FF2B5EF4-FFF2-40B4-BE49-F238E27FC236}">
+                  <a16:creationId xmlns:a16="http://schemas.microsoft.com/office/drawing/2014/main" id="{100DA9DE-40C6-408B-B766-928AEF7786BF}"/>
+                </a:ext>
+              </a:extLst>
+            </p:cNvPr>
+            <p:cNvSpPr txBox="1"/>
+            <p:nvPr/>
+          </p:nvSpPr>
+          <p:spPr>
+            <a:xfrm>
+              <a:off x="9758713" y="783893"/>
+              <a:ext cx="2373428" cy="2985433"/>
+            </a:xfrm>
+            <a:prstGeom prst="rect">
+              <a:avLst/>
+            </a:prstGeom>
+            <a:noFill/>
+          </p:spPr>
+          <p:txBody>
+            <a:bodyPr wrap="square" rtlCol="0">
+              <a:spAutoFit/>
+            </a:bodyPr>
+            <a:lstStyle/>
+            <a:p>
+              <a:r>
+                <a:rPr lang="fr-FR" sz="1200" dirty="0"/>
+                <a:t>Avancement Diapositive:</a:t>
+              </a:r>
+            </a:p>
+            <a:p>
+              <a:pPr marL="400050" indent="-400050">
+                <a:buAutoNum type="romanUcParenR"/>
+              </a:pPr>
+              <a:endParaRPr lang="fr-FR" sz="1200" b="1" dirty="0"/>
+            </a:p>
+            <a:p>
+              <a:pPr marL="400050" indent="-400050">
+                <a:buAutoNum type="romanUcParenR"/>
+              </a:pPr>
+              <a:endParaRPr lang="fr-FR" sz="1200" b="1" dirty="0"/>
+            </a:p>
+            <a:p>
+              <a:pPr marL="400050" indent="-400050">
+                <a:buAutoNum type="romanUcParenR"/>
+              </a:pPr>
+              <a:r>
+                <a:rPr lang="fr-FR" sz="1200" b="1" dirty="0"/>
+                <a:t>Organisation du projet</a:t>
+              </a:r>
+            </a:p>
+            <a:p>
+              <a:pPr marL="400050" indent="-400050">
+                <a:buAutoNum type="romanUcParenR"/>
+              </a:pPr>
+              <a:endParaRPr lang="fr-FR" sz="1200" dirty="0"/>
+            </a:p>
+            <a:p>
+              <a:pPr marL="400050" indent="-400050">
+                <a:buAutoNum type="romanUcParenR"/>
+              </a:pPr>
+              <a:r>
+                <a:rPr lang="fr-FR" sz="1200" i="1" dirty="0"/>
+                <a:t>Présentation des modules</a:t>
+              </a:r>
+            </a:p>
+            <a:p>
+              <a:pPr marL="971550" lvl="1" indent="-514350">
+                <a:buFont typeface="+mj-lt"/>
+                <a:buAutoNum type="alphaLcParenR"/>
+              </a:pPr>
+              <a:r>
+                <a:rPr lang="fr-FR" sz="1100" i="1" dirty="0"/>
+                <a:t>Module 1</a:t>
+              </a:r>
+            </a:p>
+            <a:p>
+              <a:pPr marL="971550" lvl="1" indent="-514350">
+                <a:buFont typeface="+mj-lt"/>
+                <a:buAutoNum type="alphaLcParenR"/>
+              </a:pPr>
+              <a:r>
+                <a:rPr lang="fr-FR" sz="1100" i="1" dirty="0"/>
+                <a:t>Module 2</a:t>
+              </a:r>
+            </a:p>
+            <a:p>
+              <a:pPr marL="971550" lvl="1" indent="-514350">
+                <a:buFont typeface="+mj-lt"/>
+                <a:buAutoNum type="alphaLcParenR"/>
+              </a:pPr>
+              <a:r>
+                <a:rPr lang="fr-FR" sz="1100" i="1" dirty="0"/>
+                <a:t>Module 3</a:t>
+              </a:r>
+            </a:p>
+            <a:p>
+              <a:pPr marL="971550" lvl="1" indent="-514350">
+                <a:buFont typeface="+mj-lt"/>
+                <a:buAutoNum type="alphaLcParenR"/>
+              </a:pPr>
+              <a:r>
+                <a:rPr lang="fr-FR" sz="1100" i="1" dirty="0"/>
+                <a:t>Module 4</a:t>
+              </a:r>
+            </a:p>
+            <a:p>
+              <a:pPr marL="400050" indent="-400050">
+                <a:buAutoNum type="romanUcParenR"/>
+              </a:pPr>
+              <a:endParaRPr lang="fr-FR" sz="1200" i="1" dirty="0"/>
+            </a:p>
+            <a:p>
+              <a:pPr marL="400050" indent="-400050">
+                <a:buAutoNum type="romanUcParenR"/>
+              </a:pPr>
+              <a:r>
+                <a:rPr lang="fr-FR" sz="1200" i="1" dirty="0"/>
+                <a:t>Bilan des modules</a:t>
+              </a:r>
+            </a:p>
+            <a:p>
+              <a:pPr marL="400050" indent="-400050">
+                <a:buAutoNum type="romanUcParenR"/>
+              </a:pPr>
+              <a:endParaRPr lang="fr-FR" sz="1200" i="1" dirty="0"/>
+            </a:p>
+            <a:p>
+              <a:pPr marL="400050" indent="-400050">
+                <a:buFontTx/>
+                <a:buAutoNum type="romanUcParenR"/>
+              </a:pPr>
+              <a:r>
+                <a:rPr lang="fr-FR" sz="1200" dirty="0"/>
+                <a:t>Visualisation direct du projet</a:t>
+              </a:r>
+              <a:endParaRPr lang="fr-FR" sz="1200" i="1" dirty="0"/>
+            </a:p>
+            <a:p>
+              <a:pPr marL="400050" indent="-400050">
+                <a:buAutoNum type="romanUcParenR"/>
+              </a:pPr>
+              <a:endParaRPr lang="fr-FR" sz="1200" i="1" dirty="0"/>
+            </a:p>
+            <a:p>
+              <a:pPr marL="400050" indent="-400050">
+                <a:buAutoNum type="romanUcParenR"/>
+              </a:pPr>
+              <a:r>
+                <a:rPr lang="fr-FR" sz="1200" i="1" dirty="0"/>
+                <a:t>Conclusion</a:t>
+              </a:r>
+            </a:p>
+          </p:txBody>
+        </p:sp>
+        <p:sp>
+          <p:nvSpPr>
+            <p:cNvPr id="3" name="Rectangle 2">
+              <a:extLst>
+                <a:ext uri="{FF2B5EF4-FFF2-40B4-BE49-F238E27FC236}">
+                  <a16:creationId xmlns:a16="http://schemas.microsoft.com/office/drawing/2014/main" id="{CE0F541B-DD61-4FA8-87CD-72A6405CB2FF}"/>
+                </a:ext>
+              </a:extLst>
+            </p:cNvPr>
+            <p:cNvSpPr/>
+            <p:nvPr/>
+          </p:nvSpPr>
+          <p:spPr>
+            <a:xfrm>
+              <a:off x="9680418" y="783893"/>
+              <a:ext cx="2379215" cy="5554831"/>
+            </a:xfrm>
+            <a:prstGeom prst="rect">
+              <a:avLst/>
+            </a:prstGeom>
+            <a:noFill/>
+            <a:ln>
+              <a:solidFill>
+                <a:schemeClr val="tx1"/>
+              </a:solidFill>
+            </a:ln>
+          </p:spPr>
+          <p:style>
+            <a:lnRef idx="2">
+              <a:schemeClr val="accent1">
+                <a:shade val="50000"/>
+              </a:schemeClr>
+            </a:lnRef>
+            <a:fillRef idx="1">
+              <a:schemeClr val="accent1"/>
+            </a:fillRef>
+            <a:effectRef idx="0">
+              <a:schemeClr val="accent1"/>
+            </a:effectRef>
+            <a:fontRef idx="minor">
+              <a:schemeClr val="lt1"/>
+            </a:fontRef>
+          </p:style>
+          <p:txBody>
+            <a:bodyPr rtlCol="0" anchor="ctr"/>
+            <a:lstStyle/>
+            <a:p>
+              <a:pPr algn="ctr"/>
               <a:endParaRPr lang="fr-FR" dirty="0"/>
             </a:p>
           </p:txBody>
@@ -5018,7 +5693,7 @@
         </p:blipFill>
         <p:spPr>
           <a:xfrm>
-            <a:off x="7591148" y="1806098"/>
+            <a:off x="6277253" y="1889205"/>
             <a:ext cx="2866748" cy="4439040"/>
           </a:xfrm>
         </p:spPr>
@@ -5037,7 +5712,7 @@
         </p:nvSpPr>
         <p:spPr>
           <a:xfrm>
-            <a:off x="7625918" y="1242874"/>
+            <a:off x="6578353" y="1393794"/>
             <a:ext cx="2840855" cy="646331"/>
           </a:xfrm>
           <a:prstGeom prst="rect">
@@ -5053,13 +5728,8 @@
           <a:p>
             <a:r>
               <a:rPr lang="fr-FR" dirty="0"/>
-              <a:t>Code </a:t>
-            </a:r>
-            <a:r>
-              <a:rPr lang="fr-FR" dirty="0" err="1"/>
-              <a:t>arduino</a:t>
-            </a:r>
-            <a:endParaRPr lang="fr-FR" dirty="0"/>
+              <a:t>Code Arduino</a:t>
+            </a:r>
           </a:p>
           <a:p>
             <a:endParaRPr lang="fr-FR" dirty="0"/>
@@ -5104,6 +5774,237 @@
           </a:p>
         </p:txBody>
       </p:sp>
+      <p:grpSp>
+        <p:nvGrpSpPr>
+          <p:cNvPr id="9" name="Groupe 8">
+            <a:extLst>
+              <a:ext uri="{FF2B5EF4-FFF2-40B4-BE49-F238E27FC236}">
+                <a16:creationId xmlns:a16="http://schemas.microsoft.com/office/drawing/2014/main" id="{76B53B8A-CE4E-4013-881C-78FB087A962D}"/>
+              </a:ext>
+            </a:extLst>
+          </p:cNvPr>
+          <p:cNvGrpSpPr/>
+          <p:nvPr/>
+        </p:nvGrpSpPr>
+        <p:grpSpPr>
+          <a:xfrm>
+            <a:off x="9653785" y="773414"/>
+            <a:ext cx="2451723" cy="5554831"/>
+            <a:chOff x="9680418" y="783893"/>
+            <a:chExt cx="2451723" cy="5554831"/>
+          </a:xfrm>
+        </p:grpSpPr>
+        <p:sp>
+          <p:nvSpPr>
+            <p:cNvPr id="10" name="ZoneTexte 9">
+              <a:extLst>
+                <a:ext uri="{FF2B5EF4-FFF2-40B4-BE49-F238E27FC236}">
+                  <a16:creationId xmlns:a16="http://schemas.microsoft.com/office/drawing/2014/main" id="{9C4AA679-DEEE-4E41-91B6-B4F369E77D8E}"/>
+                </a:ext>
+              </a:extLst>
+            </p:cNvPr>
+            <p:cNvSpPr txBox="1"/>
+            <p:nvPr/>
+          </p:nvSpPr>
+          <p:spPr>
+            <a:xfrm>
+              <a:off x="9758713" y="783893"/>
+              <a:ext cx="2373428" cy="2985433"/>
+            </a:xfrm>
+            <a:prstGeom prst="rect">
+              <a:avLst/>
+            </a:prstGeom>
+            <a:noFill/>
+          </p:spPr>
+          <p:txBody>
+            <a:bodyPr wrap="square" rtlCol="0">
+              <a:spAutoFit/>
+            </a:bodyPr>
+            <a:lstStyle/>
+            <a:p>
+              <a:r>
+                <a:rPr lang="fr-FR" sz="1200" dirty="0"/>
+                <a:t>Avancement Diapositive:</a:t>
+              </a:r>
+            </a:p>
+            <a:p>
+              <a:pPr marL="400050" indent="-400050">
+                <a:buAutoNum type="romanUcParenR"/>
+              </a:pPr>
+              <a:endParaRPr lang="fr-FR" sz="1200" b="1" dirty="0"/>
+            </a:p>
+            <a:p>
+              <a:pPr marL="400050" indent="-400050">
+                <a:buAutoNum type="romanUcParenR"/>
+              </a:pPr>
+              <a:endParaRPr lang="fr-FR" sz="1200" b="1" dirty="0"/>
+            </a:p>
+            <a:p>
+              <a:pPr marL="400050" indent="-400050">
+                <a:buAutoNum type="romanUcParenR"/>
+              </a:pPr>
+              <a:r>
+                <a:rPr lang="fr-FR" sz="1200" i="1" dirty="0"/>
+                <a:t>Organisation du projet</a:t>
+              </a:r>
+            </a:p>
+            <a:p>
+              <a:pPr marL="400050" indent="-400050">
+                <a:buAutoNum type="romanUcParenR"/>
+              </a:pPr>
+              <a:endParaRPr lang="fr-FR" sz="1200" dirty="0"/>
+            </a:p>
+            <a:p>
+              <a:pPr marL="400050" indent="-400050">
+                <a:buAutoNum type="romanUcParenR"/>
+              </a:pPr>
+              <a:r>
+                <a:rPr lang="fr-FR" sz="1200" b="1" dirty="0"/>
+                <a:t>Présentation des modules</a:t>
+              </a:r>
+            </a:p>
+            <a:p>
+              <a:pPr marL="971550" lvl="1" indent="-514350">
+                <a:buFont typeface="+mj-lt"/>
+                <a:buAutoNum type="alphaLcParenR"/>
+              </a:pPr>
+              <a:r>
+                <a:rPr lang="fr-FR" sz="1100" b="1" dirty="0"/>
+                <a:t>Module 1</a:t>
+              </a:r>
+            </a:p>
+            <a:p>
+              <a:pPr marL="971550" lvl="1" indent="-514350">
+                <a:buFont typeface="+mj-lt"/>
+                <a:buAutoNum type="alphaLcParenR"/>
+              </a:pPr>
+              <a:r>
+                <a:rPr lang="fr-FR" sz="1100" i="1" dirty="0"/>
+                <a:t>Module 2</a:t>
+              </a:r>
+            </a:p>
+            <a:p>
+              <a:pPr marL="971550" lvl="1" indent="-514350">
+                <a:buFont typeface="+mj-lt"/>
+                <a:buAutoNum type="alphaLcParenR"/>
+              </a:pPr>
+              <a:r>
+                <a:rPr lang="fr-FR" sz="1100" i="1" dirty="0"/>
+                <a:t>Module 3</a:t>
+              </a:r>
+            </a:p>
+            <a:p>
+              <a:pPr marL="971550" lvl="1" indent="-514350">
+                <a:buFont typeface="+mj-lt"/>
+                <a:buAutoNum type="alphaLcParenR"/>
+              </a:pPr>
+              <a:r>
+                <a:rPr lang="fr-FR" sz="1100" i="1" dirty="0"/>
+                <a:t>Module 4</a:t>
+              </a:r>
+            </a:p>
+            <a:p>
+              <a:pPr marL="400050" indent="-400050">
+                <a:buAutoNum type="romanUcParenR"/>
+              </a:pPr>
+              <a:endParaRPr lang="fr-FR" sz="1200" i="1" dirty="0"/>
+            </a:p>
+            <a:p>
+              <a:pPr marL="400050" indent="-400050">
+                <a:buAutoNum type="romanUcParenR"/>
+              </a:pPr>
+              <a:r>
+                <a:rPr lang="fr-FR" sz="1200" i="1" dirty="0"/>
+                <a:t>Bilan des modules</a:t>
+              </a:r>
+            </a:p>
+            <a:p>
+              <a:pPr marL="400050" indent="-400050">
+                <a:buAutoNum type="romanUcParenR"/>
+              </a:pPr>
+              <a:endParaRPr lang="fr-FR" sz="1200" i="1" dirty="0"/>
+            </a:p>
+            <a:p>
+              <a:pPr marL="400050" indent="-400050">
+                <a:buFontTx/>
+                <a:buAutoNum type="romanUcParenR"/>
+              </a:pPr>
+              <a:r>
+                <a:rPr lang="fr-FR" sz="1200" dirty="0"/>
+                <a:t>Visualisation direct du projet</a:t>
+              </a:r>
+              <a:endParaRPr lang="fr-FR" sz="1200" i="1" dirty="0"/>
+            </a:p>
+            <a:p>
+              <a:pPr marL="400050" indent="-400050">
+                <a:buAutoNum type="romanUcParenR"/>
+              </a:pPr>
+              <a:endParaRPr lang="fr-FR" sz="1200" i="1" dirty="0"/>
+            </a:p>
+            <a:p>
+              <a:pPr marL="400050" indent="-400050">
+                <a:buAutoNum type="romanUcParenR"/>
+              </a:pPr>
+              <a:r>
+                <a:rPr lang="fr-FR" sz="1200" i="1" dirty="0"/>
+                <a:t>Conclusion</a:t>
+              </a:r>
+            </a:p>
+          </p:txBody>
+        </p:sp>
+        <p:sp>
+          <p:nvSpPr>
+            <p:cNvPr id="11" name="Rectangle 10">
+              <a:extLst>
+                <a:ext uri="{FF2B5EF4-FFF2-40B4-BE49-F238E27FC236}">
+                  <a16:creationId xmlns:a16="http://schemas.microsoft.com/office/drawing/2014/main" id="{77F2145F-B31D-4DF7-A801-91456748F98C}"/>
+                </a:ext>
+              </a:extLst>
+            </p:cNvPr>
+            <p:cNvSpPr/>
+            <p:nvPr/>
+          </p:nvSpPr>
+          <p:spPr>
+            <a:xfrm>
+              <a:off x="9680418" y="783893"/>
+              <a:ext cx="2379215" cy="5554831"/>
+            </a:xfrm>
+            <a:prstGeom prst="rect">
+              <a:avLst/>
+            </a:prstGeom>
+            <a:noFill/>
+            <a:ln>
+              <a:solidFill>
+                <a:schemeClr val="tx1"/>
+              </a:solidFill>
+            </a:ln>
+          </p:spPr>
+          <p:style>
+            <a:lnRef idx="2">
+              <a:schemeClr val="accent1">
+                <a:shade val="50000"/>
+              </a:schemeClr>
+            </a:lnRef>
+            <a:fillRef idx="1">
+              <a:schemeClr val="accent1"/>
+            </a:fillRef>
+            <a:effectRef idx="0">
+              <a:schemeClr val="accent1"/>
+            </a:effectRef>
+            <a:fontRef idx="minor">
+              <a:schemeClr val="lt1"/>
+            </a:fontRef>
+          </p:style>
+          <p:txBody>
+            <a:bodyPr rtlCol="0" anchor="ctr"/>
+            <a:lstStyle/>
+            <a:p>
+              <a:pPr algn="ctr"/>
+              <a:endParaRPr lang="fr-FR" dirty="0"/>
+            </a:p>
+          </p:txBody>
+        </p:sp>
+      </p:grpSp>
     </p:spTree>
     <p:extLst>
       <p:ext uri="{BB962C8B-B14F-4D97-AF65-F5344CB8AC3E}">
@@ -5230,7 +6131,7 @@
         </p:blipFill>
         <p:spPr>
           <a:xfrm>
-            <a:off x="7867650" y="1385551"/>
+            <a:off x="6189771" y="1514792"/>
             <a:ext cx="3084822" cy="4093032"/>
           </a:xfrm>
           <a:prstGeom prst="rect">
@@ -5252,7 +6153,7 @@
         </p:nvSpPr>
         <p:spPr>
           <a:xfrm>
-            <a:off x="7867650" y="5472449"/>
+            <a:off x="6226025" y="5320798"/>
             <a:ext cx="3084822" cy="276999"/>
           </a:xfrm>
           <a:prstGeom prst="rect">
@@ -5273,6 +6174,237 @@
           </a:p>
         </p:txBody>
       </p:sp>
+      <p:grpSp>
+        <p:nvGrpSpPr>
+          <p:cNvPr id="6" name="Groupe 5">
+            <a:extLst>
+              <a:ext uri="{FF2B5EF4-FFF2-40B4-BE49-F238E27FC236}">
+                <a16:creationId xmlns:a16="http://schemas.microsoft.com/office/drawing/2014/main" id="{3F3071B1-3910-4BCF-B36E-46B7EC9F8EFF}"/>
+              </a:ext>
+            </a:extLst>
+          </p:cNvPr>
+          <p:cNvGrpSpPr/>
+          <p:nvPr/>
+        </p:nvGrpSpPr>
+        <p:grpSpPr>
+          <a:xfrm>
+            <a:off x="9680418" y="783893"/>
+            <a:ext cx="2451723" cy="5554831"/>
+            <a:chOff x="9680418" y="783893"/>
+            <a:chExt cx="2451723" cy="5554831"/>
+          </a:xfrm>
+        </p:grpSpPr>
+        <p:sp>
+          <p:nvSpPr>
+            <p:cNvPr id="7" name="ZoneTexte 6">
+              <a:extLst>
+                <a:ext uri="{FF2B5EF4-FFF2-40B4-BE49-F238E27FC236}">
+                  <a16:creationId xmlns:a16="http://schemas.microsoft.com/office/drawing/2014/main" id="{A33185E2-6D38-4206-BEFC-4CAF57EDDEB0}"/>
+                </a:ext>
+              </a:extLst>
+            </p:cNvPr>
+            <p:cNvSpPr txBox="1"/>
+            <p:nvPr/>
+          </p:nvSpPr>
+          <p:spPr>
+            <a:xfrm>
+              <a:off x="9758713" y="783893"/>
+              <a:ext cx="2373428" cy="2985433"/>
+            </a:xfrm>
+            <a:prstGeom prst="rect">
+              <a:avLst/>
+            </a:prstGeom>
+            <a:noFill/>
+          </p:spPr>
+          <p:txBody>
+            <a:bodyPr wrap="square" rtlCol="0">
+              <a:spAutoFit/>
+            </a:bodyPr>
+            <a:lstStyle/>
+            <a:p>
+              <a:r>
+                <a:rPr lang="fr-FR" sz="1200" dirty="0"/>
+                <a:t>Avancement Diapositive:</a:t>
+              </a:r>
+            </a:p>
+            <a:p>
+              <a:pPr marL="400050" indent="-400050">
+                <a:buAutoNum type="romanUcParenR"/>
+              </a:pPr>
+              <a:endParaRPr lang="fr-FR" sz="1200" b="1" dirty="0"/>
+            </a:p>
+            <a:p>
+              <a:pPr marL="400050" indent="-400050">
+                <a:buAutoNum type="romanUcParenR"/>
+              </a:pPr>
+              <a:endParaRPr lang="fr-FR" sz="1200" b="1" dirty="0"/>
+            </a:p>
+            <a:p>
+              <a:pPr marL="400050" indent="-400050">
+                <a:buAutoNum type="romanUcParenR"/>
+              </a:pPr>
+              <a:r>
+                <a:rPr lang="fr-FR" sz="1200" i="1" dirty="0"/>
+                <a:t>Organisation du projet</a:t>
+              </a:r>
+            </a:p>
+            <a:p>
+              <a:pPr marL="400050" indent="-400050">
+                <a:buAutoNum type="romanUcParenR"/>
+              </a:pPr>
+              <a:endParaRPr lang="fr-FR" sz="1200" dirty="0"/>
+            </a:p>
+            <a:p>
+              <a:pPr marL="400050" indent="-400050">
+                <a:buAutoNum type="romanUcParenR"/>
+              </a:pPr>
+              <a:r>
+                <a:rPr lang="fr-FR" sz="1200" b="1" dirty="0"/>
+                <a:t>Présentation des modules</a:t>
+              </a:r>
+            </a:p>
+            <a:p>
+              <a:pPr marL="971550" lvl="1" indent="-514350">
+                <a:buFont typeface="+mj-lt"/>
+                <a:buAutoNum type="alphaLcParenR"/>
+              </a:pPr>
+              <a:r>
+                <a:rPr lang="fr-FR" sz="1100" i="1" dirty="0"/>
+                <a:t>Module 1</a:t>
+              </a:r>
+            </a:p>
+            <a:p>
+              <a:pPr marL="971550" lvl="1" indent="-514350">
+                <a:buFont typeface="+mj-lt"/>
+                <a:buAutoNum type="alphaLcParenR"/>
+              </a:pPr>
+              <a:r>
+                <a:rPr lang="fr-FR" sz="1100" b="1" dirty="0"/>
+                <a:t>Module 2</a:t>
+              </a:r>
+            </a:p>
+            <a:p>
+              <a:pPr marL="971550" lvl="1" indent="-514350">
+                <a:buFont typeface="+mj-lt"/>
+                <a:buAutoNum type="alphaLcParenR"/>
+              </a:pPr>
+              <a:r>
+                <a:rPr lang="fr-FR" sz="1100" i="1" dirty="0"/>
+                <a:t>Module 3</a:t>
+              </a:r>
+            </a:p>
+            <a:p>
+              <a:pPr marL="971550" lvl="1" indent="-514350">
+                <a:buFont typeface="+mj-lt"/>
+                <a:buAutoNum type="alphaLcParenR"/>
+              </a:pPr>
+              <a:r>
+                <a:rPr lang="fr-FR" sz="1100" i="1" dirty="0"/>
+                <a:t>Module 4</a:t>
+              </a:r>
+            </a:p>
+            <a:p>
+              <a:pPr marL="400050" indent="-400050">
+                <a:buAutoNum type="romanUcParenR"/>
+              </a:pPr>
+              <a:endParaRPr lang="fr-FR" sz="1200" i="1" dirty="0"/>
+            </a:p>
+            <a:p>
+              <a:pPr marL="400050" indent="-400050">
+                <a:buAutoNum type="romanUcParenR"/>
+              </a:pPr>
+              <a:r>
+                <a:rPr lang="fr-FR" sz="1200" i="1" dirty="0"/>
+                <a:t>Bilan des modules</a:t>
+              </a:r>
+            </a:p>
+            <a:p>
+              <a:pPr marL="400050" indent="-400050">
+                <a:buAutoNum type="romanUcParenR"/>
+              </a:pPr>
+              <a:endParaRPr lang="fr-FR" sz="1200" i="1" dirty="0"/>
+            </a:p>
+            <a:p>
+              <a:pPr marL="400050" indent="-400050">
+                <a:buFontTx/>
+                <a:buAutoNum type="romanUcParenR"/>
+              </a:pPr>
+              <a:r>
+                <a:rPr lang="fr-FR" sz="1200" dirty="0"/>
+                <a:t>Visualisation direct du projet</a:t>
+              </a:r>
+              <a:endParaRPr lang="fr-FR" sz="1200" i="1" dirty="0"/>
+            </a:p>
+            <a:p>
+              <a:pPr marL="400050" indent="-400050">
+                <a:buAutoNum type="romanUcParenR"/>
+              </a:pPr>
+              <a:endParaRPr lang="fr-FR" sz="1200" i="1" dirty="0"/>
+            </a:p>
+            <a:p>
+              <a:pPr marL="400050" indent="-400050">
+                <a:buAutoNum type="romanUcParenR"/>
+              </a:pPr>
+              <a:r>
+                <a:rPr lang="fr-FR" sz="1200" i="1" dirty="0"/>
+                <a:t>Conclusion</a:t>
+              </a:r>
+            </a:p>
+          </p:txBody>
+        </p:sp>
+        <p:sp>
+          <p:nvSpPr>
+            <p:cNvPr id="8" name="Rectangle 7">
+              <a:extLst>
+                <a:ext uri="{FF2B5EF4-FFF2-40B4-BE49-F238E27FC236}">
+                  <a16:creationId xmlns:a16="http://schemas.microsoft.com/office/drawing/2014/main" id="{D3B73574-740A-4F87-A0B2-B82AD903FF54}"/>
+                </a:ext>
+              </a:extLst>
+            </p:cNvPr>
+            <p:cNvSpPr/>
+            <p:nvPr/>
+          </p:nvSpPr>
+          <p:spPr>
+            <a:xfrm>
+              <a:off x="9680418" y="783893"/>
+              <a:ext cx="2379215" cy="5554831"/>
+            </a:xfrm>
+            <a:prstGeom prst="rect">
+              <a:avLst/>
+            </a:prstGeom>
+            <a:noFill/>
+            <a:ln>
+              <a:solidFill>
+                <a:schemeClr val="tx1"/>
+              </a:solidFill>
+            </a:ln>
+          </p:spPr>
+          <p:style>
+            <a:lnRef idx="2">
+              <a:schemeClr val="accent1">
+                <a:shade val="50000"/>
+              </a:schemeClr>
+            </a:lnRef>
+            <a:fillRef idx="1">
+              <a:schemeClr val="accent1"/>
+            </a:fillRef>
+            <a:effectRef idx="0">
+              <a:schemeClr val="accent1"/>
+            </a:effectRef>
+            <a:fontRef idx="minor">
+              <a:schemeClr val="lt1"/>
+            </a:fontRef>
+          </p:style>
+          <p:txBody>
+            <a:bodyPr rtlCol="0" anchor="ctr"/>
+            <a:lstStyle/>
+            <a:p>
+              <a:pPr algn="ctr"/>
+              <a:endParaRPr lang="fr-FR" dirty="0"/>
+            </a:p>
+          </p:txBody>
+        </p:sp>
+      </p:grpSp>
     </p:spTree>
     <p:extLst>
       <p:ext uri="{BB962C8B-B14F-4D97-AF65-F5344CB8AC3E}">
@@ -5332,31 +6464,237 @@
           </a:p>
         </p:txBody>
       </p:sp>
-      <p:sp>
-        <p:nvSpPr>
-          <p:cNvPr id="3" name="Espace réservé du contenu 2">
-            <a:extLst>
-              <a:ext uri="{FF2B5EF4-FFF2-40B4-BE49-F238E27FC236}">
-                <a16:creationId xmlns:a16="http://schemas.microsoft.com/office/drawing/2014/main" id="{1B2BACF1-8E7E-41C6-9C51-0B9A81A11367}"/>
-              </a:ext>
-            </a:extLst>
-          </p:cNvPr>
-          <p:cNvSpPr>
-            <a:spLocks noGrp="1"/>
-          </p:cNvSpPr>
-          <p:nvPr>
-            <p:ph idx="1"/>
-          </p:nvPr>
-        </p:nvSpPr>
-        <p:spPr/>
-        <p:txBody>
-          <a:bodyPr/>
-          <a:lstStyle/>
-          <a:p>
-            <a:endParaRPr lang="fr-FR"/>
-          </a:p>
-        </p:txBody>
-      </p:sp>
+      <p:grpSp>
+        <p:nvGrpSpPr>
+          <p:cNvPr id="4" name="Groupe 3">
+            <a:extLst>
+              <a:ext uri="{FF2B5EF4-FFF2-40B4-BE49-F238E27FC236}">
+                <a16:creationId xmlns:a16="http://schemas.microsoft.com/office/drawing/2014/main" id="{309864C7-E9C1-4D82-BB12-EC0C112B60EB}"/>
+              </a:ext>
+            </a:extLst>
+          </p:cNvPr>
+          <p:cNvGrpSpPr/>
+          <p:nvPr/>
+        </p:nvGrpSpPr>
+        <p:grpSpPr>
+          <a:xfrm>
+            <a:off x="9680418" y="783893"/>
+            <a:ext cx="2451723" cy="5554831"/>
+            <a:chOff x="9680418" y="783893"/>
+            <a:chExt cx="2451723" cy="5554831"/>
+          </a:xfrm>
+        </p:grpSpPr>
+        <p:sp>
+          <p:nvSpPr>
+            <p:cNvPr id="5" name="ZoneTexte 4">
+              <a:extLst>
+                <a:ext uri="{FF2B5EF4-FFF2-40B4-BE49-F238E27FC236}">
+                  <a16:creationId xmlns:a16="http://schemas.microsoft.com/office/drawing/2014/main" id="{DEC87599-5F64-417A-808C-4D8BB7FB81AA}"/>
+                </a:ext>
+              </a:extLst>
+            </p:cNvPr>
+            <p:cNvSpPr txBox="1"/>
+            <p:nvPr/>
+          </p:nvSpPr>
+          <p:spPr>
+            <a:xfrm>
+              <a:off x="9758713" y="783893"/>
+              <a:ext cx="2373428" cy="2985433"/>
+            </a:xfrm>
+            <a:prstGeom prst="rect">
+              <a:avLst/>
+            </a:prstGeom>
+            <a:noFill/>
+          </p:spPr>
+          <p:txBody>
+            <a:bodyPr wrap="square" rtlCol="0">
+              <a:spAutoFit/>
+            </a:bodyPr>
+            <a:lstStyle/>
+            <a:p>
+              <a:r>
+                <a:rPr lang="fr-FR" sz="1200" dirty="0"/>
+                <a:t>Avancement Diapositive:</a:t>
+              </a:r>
+            </a:p>
+            <a:p>
+              <a:pPr marL="400050" indent="-400050">
+                <a:buAutoNum type="romanUcParenR"/>
+              </a:pPr>
+              <a:endParaRPr lang="fr-FR" sz="1200" b="1" dirty="0"/>
+            </a:p>
+            <a:p>
+              <a:pPr marL="400050" indent="-400050">
+                <a:buAutoNum type="romanUcParenR"/>
+              </a:pPr>
+              <a:endParaRPr lang="fr-FR" sz="1200" b="1" dirty="0"/>
+            </a:p>
+            <a:p>
+              <a:pPr marL="400050" indent="-400050">
+                <a:buAutoNum type="romanUcParenR"/>
+              </a:pPr>
+              <a:r>
+                <a:rPr lang="fr-FR" sz="1200" i="1" dirty="0"/>
+                <a:t>Organisation du projet</a:t>
+              </a:r>
+            </a:p>
+            <a:p>
+              <a:pPr marL="400050" indent="-400050">
+                <a:buAutoNum type="romanUcParenR"/>
+              </a:pPr>
+              <a:endParaRPr lang="fr-FR" sz="1200" dirty="0"/>
+            </a:p>
+            <a:p>
+              <a:pPr marL="400050" indent="-400050">
+                <a:buAutoNum type="romanUcParenR"/>
+              </a:pPr>
+              <a:r>
+                <a:rPr lang="fr-FR" sz="1200" b="1" dirty="0"/>
+                <a:t>Présentation des modules</a:t>
+              </a:r>
+            </a:p>
+            <a:p>
+              <a:pPr marL="971550" lvl="1" indent="-514350">
+                <a:buFont typeface="+mj-lt"/>
+                <a:buAutoNum type="alphaLcParenR"/>
+              </a:pPr>
+              <a:r>
+                <a:rPr lang="fr-FR" sz="1100" i="1" dirty="0"/>
+                <a:t>Module 1</a:t>
+              </a:r>
+            </a:p>
+            <a:p>
+              <a:pPr marL="971550" lvl="1" indent="-514350">
+                <a:buFont typeface="+mj-lt"/>
+                <a:buAutoNum type="alphaLcParenR"/>
+              </a:pPr>
+              <a:r>
+                <a:rPr lang="fr-FR" sz="1100" i="1" dirty="0"/>
+                <a:t>Module 2</a:t>
+              </a:r>
+            </a:p>
+            <a:p>
+              <a:pPr marL="971550" lvl="1" indent="-514350">
+                <a:buFont typeface="+mj-lt"/>
+                <a:buAutoNum type="alphaLcParenR"/>
+              </a:pPr>
+              <a:r>
+                <a:rPr lang="fr-FR" sz="1100" b="1" dirty="0"/>
+                <a:t>Module 3</a:t>
+              </a:r>
+            </a:p>
+            <a:p>
+              <a:pPr marL="971550" lvl="1" indent="-514350">
+                <a:buFont typeface="+mj-lt"/>
+                <a:buAutoNum type="alphaLcParenR"/>
+              </a:pPr>
+              <a:r>
+                <a:rPr lang="fr-FR" sz="1100" i="1" dirty="0"/>
+                <a:t>Module 4</a:t>
+              </a:r>
+            </a:p>
+            <a:p>
+              <a:pPr marL="400050" indent="-400050">
+                <a:buAutoNum type="romanUcParenR"/>
+              </a:pPr>
+              <a:endParaRPr lang="fr-FR" sz="1200" i="1" dirty="0"/>
+            </a:p>
+            <a:p>
+              <a:pPr marL="400050" indent="-400050">
+                <a:buAutoNum type="romanUcParenR"/>
+              </a:pPr>
+              <a:r>
+                <a:rPr lang="fr-FR" sz="1200" i="1" dirty="0"/>
+                <a:t>Bilan des modules</a:t>
+              </a:r>
+            </a:p>
+            <a:p>
+              <a:pPr marL="400050" indent="-400050">
+                <a:buAutoNum type="romanUcParenR"/>
+              </a:pPr>
+              <a:endParaRPr lang="fr-FR" sz="1200" i="1" dirty="0"/>
+            </a:p>
+            <a:p>
+              <a:pPr marL="400050" indent="-400050">
+                <a:buFontTx/>
+                <a:buAutoNum type="romanUcParenR"/>
+              </a:pPr>
+              <a:r>
+                <a:rPr lang="fr-FR" sz="1200" dirty="0"/>
+                <a:t>Visualisation direct du projet</a:t>
+              </a:r>
+              <a:endParaRPr lang="fr-FR" sz="1200" i="1" dirty="0"/>
+            </a:p>
+            <a:p>
+              <a:pPr marL="400050" indent="-400050">
+                <a:buAutoNum type="romanUcParenR"/>
+              </a:pPr>
+              <a:endParaRPr lang="fr-FR" sz="1200" i="1" dirty="0"/>
+            </a:p>
+            <a:p>
+              <a:pPr marL="400050" indent="-400050">
+                <a:buAutoNum type="romanUcParenR"/>
+              </a:pPr>
+              <a:r>
+                <a:rPr lang="fr-FR" sz="1200" i="1" dirty="0"/>
+                <a:t>Conclusion</a:t>
+              </a:r>
+            </a:p>
+          </p:txBody>
+        </p:sp>
+        <p:sp>
+          <p:nvSpPr>
+            <p:cNvPr id="6" name="Rectangle 5">
+              <a:extLst>
+                <a:ext uri="{FF2B5EF4-FFF2-40B4-BE49-F238E27FC236}">
+                  <a16:creationId xmlns:a16="http://schemas.microsoft.com/office/drawing/2014/main" id="{42D334AC-8CF7-4032-BA4C-63E62DD36768}"/>
+                </a:ext>
+              </a:extLst>
+            </p:cNvPr>
+            <p:cNvSpPr/>
+            <p:nvPr/>
+          </p:nvSpPr>
+          <p:spPr>
+            <a:xfrm>
+              <a:off x="9680418" y="783893"/>
+              <a:ext cx="2379215" cy="5554831"/>
+            </a:xfrm>
+            <a:prstGeom prst="rect">
+              <a:avLst/>
+            </a:prstGeom>
+            <a:noFill/>
+            <a:ln>
+              <a:solidFill>
+                <a:schemeClr val="tx1"/>
+              </a:solidFill>
+            </a:ln>
+          </p:spPr>
+          <p:style>
+            <a:lnRef idx="2">
+              <a:schemeClr val="accent1">
+                <a:shade val="50000"/>
+              </a:schemeClr>
+            </a:lnRef>
+            <a:fillRef idx="1">
+              <a:schemeClr val="accent1"/>
+            </a:fillRef>
+            <a:effectRef idx="0">
+              <a:schemeClr val="accent1"/>
+            </a:effectRef>
+            <a:fontRef idx="minor">
+              <a:schemeClr val="lt1"/>
+            </a:fontRef>
+          </p:style>
+          <p:txBody>
+            <a:bodyPr rtlCol="0" anchor="ctr"/>
+            <a:lstStyle/>
+            <a:p>
+              <a:pPr algn="ctr"/>
+              <a:endParaRPr lang="fr-FR" dirty="0"/>
+            </a:p>
+          </p:txBody>
+        </p:sp>
+      </p:grpSp>
     </p:spTree>
     <p:extLst>
       <p:ext uri="{BB962C8B-B14F-4D97-AF65-F5344CB8AC3E}">
@@ -5650,6 +6988,237 @@
           </a:p>
         </p:txBody>
       </p:sp>
+      <p:grpSp>
+        <p:nvGrpSpPr>
+          <p:cNvPr id="5" name="Groupe 4">
+            <a:extLst>
+              <a:ext uri="{FF2B5EF4-FFF2-40B4-BE49-F238E27FC236}">
+                <a16:creationId xmlns:a16="http://schemas.microsoft.com/office/drawing/2014/main" id="{53C70ED9-8381-4C86-B0D4-A10EB4D155D1}"/>
+              </a:ext>
+            </a:extLst>
+          </p:cNvPr>
+          <p:cNvGrpSpPr/>
+          <p:nvPr/>
+        </p:nvGrpSpPr>
+        <p:grpSpPr>
+          <a:xfrm>
+            <a:off x="9680418" y="783893"/>
+            <a:ext cx="2451723" cy="5554831"/>
+            <a:chOff x="9680418" y="783893"/>
+            <a:chExt cx="2451723" cy="5554831"/>
+          </a:xfrm>
+        </p:grpSpPr>
+        <p:sp>
+          <p:nvSpPr>
+            <p:cNvPr id="6" name="ZoneTexte 5">
+              <a:extLst>
+                <a:ext uri="{FF2B5EF4-FFF2-40B4-BE49-F238E27FC236}">
+                  <a16:creationId xmlns:a16="http://schemas.microsoft.com/office/drawing/2014/main" id="{AD3A37EC-2A01-4BA8-9970-A97F1BE72E92}"/>
+                </a:ext>
+              </a:extLst>
+            </p:cNvPr>
+            <p:cNvSpPr txBox="1"/>
+            <p:nvPr/>
+          </p:nvSpPr>
+          <p:spPr>
+            <a:xfrm>
+              <a:off x="9758713" y="783893"/>
+              <a:ext cx="2373428" cy="2985433"/>
+            </a:xfrm>
+            <a:prstGeom prst="rect">
+              <a:avLst/>
+            </a:prstGeom>
+            <a:noFill/>
+          </p:spPr>
+          <p:txBody>
+            <a:bodyPr wrap="square" rtlCol="0">
+              <a:spAutoFit/>
+            </a:bodyPr>
+            <a:lstStyle/>
+            <a:p>
+              <a:r>
+                <a:rPr lang="fr-FR" sz="1200" dirty="0"/>
+                <a:t>Avancement Diapositive:</a:t>
+              </a:r>
+            </a:p>
+            <a:p>
+              <a:pPr marL="400050" indent="-400050">
+                <a:buAutoNum type="romanUcParenR"/>
+              </a:pPr>
+              <a:endParaRPr lang="fr-FR" sz="1200" b="1" dirty="0"/>
+            </a:p>
+            <a:p>
+              <a:pPr marL="400050" indent="-400050">
+                <a:buAutoNum type="romanUcParenR"/>
+              </a:pPr>
+              <a:endParaRPr lang="fr-FR" sz="1200" b="1" dirty="0"/>
+            </a:p>
+            <a:p>
+              <a:pPr marL="400050" indent="-400050">
+                <a:buAutoNum type="romanUcParenR"/>
+              </a:pPr>
+              <a:r>
+                <a:rPr lang="fr-FR" sz="1200" i="1" dirty="0"/>
+                <a:t>Organisation du projet</a:t>
+              </a:r>
+            </a:p>
+            <a:p>
+              <a:pPr marL="400050" indent="-400050">
+                <a:buAutoNum type="romanUcParenR"/>
+              </a:pPr>
+              <a:endParaRPr lang="fr-FR" sz="1200" dirty="0"/>
+            </a:p>
+            <a:p>
+              <a:pPr marL="400050" indent="-400050">
+                <a:buAutoNum type="romanUcParenR"/>
+              </a:pPr>
+              <a:r>
+                <a:rPr lang="fr-FR" sz="1200" b="1" dirty="0"/>
+                <a:t>Présentation des modules</a:t>
+              </a:r>
+            </a:p>
+            <a:p>
+              <a:pPr marL="971550" lvl="1" indent="-514350">
+                <a:buFont typeface="+mj-lt"/>
+                <a:buAutoNum type="alphaLcParenR"/>
+              </a:pPr>
+              <a:r>
+                <a:rPr lang="fr-FR" sz="1100" i="1" dirty="0"/>
+                <a:t>Module 1</a:t>
+              </a:r>
+            </a:p>
+            <a:p>
+              <a:pPr marL="971550" lvl="1" indent="-514350">
+                <a:buFont typeface="+mj-lt"/>
+                <a:buAutoNum type="alphaLcParenR"/>
+              </a:pPr>
+              <a:r>
+                <a:rPr lang="fr-FR" sz="1100" i="1" dirty="0"/>
+                <a:t>Module 2</a:t>
+              </a:r>
+            </a:p>
+            <a:p>
+              <a:pPr marL="971550" lvl="1" indent="-514350">
+                <a:buFont typeface="+mj-lt"/>
+                <a:buAutoNum type="alphaLcParenR"/>
+              </a:pPr>
+              <a:r>
+                <a:rPr lang="fr-FR" sz="1100" i="1" dirty="0"/>
+                <a:t>Module 3</a:t>
+              </a:r>
+            </a:p>
+            <a:p>
+              <a:pPr marL="971550" lvl="1" indent="-514350">
+                <a:buFont typeface="+mj-lt"/>
+                <a:buAutoNum type="alphaLcParenR"/>
+              </a:pPr>
+              <a:r>
+                <a:rPr lang="fr-FR" sz="1100" b="1" dirty="0"/>
+                <a:t>Module 4</a:t>
+              </a:r>
+            </a:p>
+            <a:p>
+              <a:pPr marL="400050" indent="-400050">
+                <a:buAutoNum type="romanUcParenR"/>
+              </a:pPr>
+              <a:endParaRPr lang="fr-FR" sz="1200" i="1" dirty="0"/>
+            </a:p>
+            <a:p>
+              <a:pPr marL="400050" indent="-400050">
+                <a:buAutoNum type="romanUcParenR"/>
+              </a:pPr>
+              <a:r>
+                <a:rPr lang="fr-FR" sz="1200" i="1" dirty="0"/>
+                <a:t>Bilan des modules</a:t>
+              </a:r>
+            </a:p>
+            <a:p>
+              <a:pPr marL="400050" indent="-400050">
+                <a:buAutoNum type="romanUcParenR"/>
+              </a:pPr>
+              <a:endParaRPr lang="fr-FR" sz="1200" i="1" dirty="0"/>
+            </a:p>
+            <a:p>
+              <a:pPr marL="400050" indent="-400050">
+                <a:buFontTx/>
+                <a:buAutoNum type="romanUcParenR"/>
+              </a:pPr>
+              <a:r>
+                <a:rPr lang="fr-FR" sz="1200" dirty="0"/>
+                <a:t>Visualisation direct du projet</a:t>
+              </a:r>
+              <a:endParaRPr lang="fr-FR" sz="1200" i="1" dirty="0"/>
+            </a:p>
+            <a:p>
+              <a:pPr marL="400050" indent="-400050">
+                <a:buAutoNum type="romanUcParenR"/>
+              </a:pPr>
+              <a:endParaRPr lang="fr-FR" sz="1200" i="1" dirty="0"/>
+            </a:p>
+            <a:p>
+              <a:pPr marL="400050" indent="-400050">
+                <a:buAutoNum type="romanUcParenR"/>
+              </a:pPr>
+              <a:r>
+                <a:rPr lang="fr-FR" sz="1200" i="1" dirty="0"/>
+                <a:t>Conclusion</a:t>
+              </a:r>
+            </a:p>
+          </p:txBody>
+        </p:sp>
+        <p:sp>
+          <p:nvSpPr>
+            <p:cNvPr id="7" name="Rectangle 6">
+              <a:extLst>
+                <a:ext uri="{FF2B5EF4-FFF2-40B4-BE49-F238E27FC236}">
+                  <a16:creationId xmlns:a16="http://schemas.microsoft.com/office/drawing/2014/main" id="{F8DA615B-423B-4F53-A96D-069E79FD9917}"/>
+                </a:ext>
+              </a:extLst>
+            </p:cNvPr>
+            <p:cNvSpPr/>
+            <p:nvPr/>
+          </p:nvSpPr>
+          <p:spPr>
+            <a:xfrm>
+              <a:off x="9680418" y="783893"/>
+              <a:ext cx="2379215" cy="5554831"/>
+            </a:xfrm>
+            <a:prstGeom prst="rect">
+              <a:avLst/>
+            </a:prstGeom>
+            <a:noFill/>
+            <a:ln>
+              <a:solidFill>
+                <a:schemeClr val="tx1"/>
+              </a:solidFill>
+            </a:ln>
+          </p:spPr>
+          <p:style>
+            <a:lnRef idx="2">
+              <a:schemeClr val="accent1">
+                <a:shade val="50000"/>
+              </a:schemeClr>
+            </a:lnRef>
+            <a:fillRef idx="1">
+              <a:schemeClr val="accent1"/>
+            </a:fillRef>
+            <a:effectRef idx="0">
+              <a:schemeClr val="accent1"/>
+            </a:effectRef>
+            <a:fontRef idx="minor">
+              <a:schemeClr val="lt1"/>
+            </a:fontRef>
+          </p:style>
+          <p:txBody>
+            <a:bodyPr rtlCol="0" anchor="ctr"/>
+            <a:lstStyle/>
+            <a:p>
+              <a:pPr algn="ctr"/>
+              <a:endParaRPr lang="fr-FR" dirty="0"/>
+            </a:p>
+          </p:txBody>
+        </p:sp>
+      </p:grpSp>
     </p:spTree>
     <p:extLst>
       <p:ext uri="{BB962C8B-B14F-4D97-AF65-F5344CB8AC3E}">
@@ -5696,7 +7265,12 @@
             <p:ph type="title"/>
           </p:nvPr>
         </p:nvSpPr>
-        <p:spPr/>
+        <p:spPr>
+          <a:xfrm>
+            <a:off x="132367" y="98277"/>
+            <a:ext cx="10515600" cy="1325563"/>
+          </a:xfrm>
+        </p:spPr>
         <p:txBody>
           <a:bodyPr/>
           <a:lstStyle/>
@@ -5704,17 +7278,25 @@
             <a:pPr algn="ctr"/>
             <a:r>
               <a:rPr lang="fr-FR" b="1" dirty="0"/>
-              <a:t>Mise en relation entre les modules</a:t>
-            </a:r>
+              <a:t>III) Bilan des modules</a:t>
+            </a:r>
+            <a:br>
+              <a:rPr lang="fr-FR" b="1" dirty="0"/>
+            </a:br>
+            <a:r>
+              <a:rPr lang="fr-FR" sz="1800" b="1" dirty="0"/>
+              <a:t>Mise en relation</a:t>
+            </a:r>
+            <a:endParaRPr lang="fr-FR" b="1" dirty="0"/>
           </a:p>
         </p:txBody>
       </p:sp>
       <p:grpSp>
         <p:nvGrpSpPr>
-          <p:cNvPr id="4" name="Groupe 3">
-            <a:extLst>
-              <a:ext uri="{FF2B5EF4-FFF2-40B4-BE49-F238E27FC236}">
-                <a16:creationId xmlns:a16="http://schemas.microsoft.com/office/drawing/2014/main" id="{BCDCD85C-2AC7-4B71-A3F2-34B892F11267}"/>
+          <p:cNvPr id="5" name="Groupe 4">
+            <a:extLst>
+              <a:ext uri="{FF2B5EF4-FFF2-40B4-BE49-F238E27FC236}">
+                <a16:creationId xmlns:a16="http://schemas.microsoft.com/office/drawing/2014/main" id="{BB24CD76-CF2D-4ABA-BF35-36256E39467C}"/>
               </a:ext>
             </a:extLst>
           </p:cNvPr>
@@ -5723,18 +7305,615 @@
         </p:nvGrpSpPr>
         <p:grpSpPr>
           <a:xfrm>
-            <a:off x="1897000" y="1483067"/>
-            <a:ext cx="3403474" cy="2154201"/>
-            <a:chOff x="2340101" y="1408143"/>
-            <a:chExt cx="3403474" cy="2154201"/>
+            <a:off x="838200" y="1534323"/>
+            <a:ext cx="8651948" cy="5071769"/>
+            <a:chOff x="1867769" y="1445546"/>
+            <a:chExt cx="8651948" cy="5071769"/>
           </a:xfrm>
         </p:grpSpPr>
+        <p:grpSp>
+          <p:nvGrpSpPr>
+            <p:cNvPr id="4" name="Groupe 3">
+              <a:extLst>
+                <a:ext uri="{FF2B5EF4-FFF2-40B4-BE49-F238E27FC236}">
+                  <a16:creationId xmlns:a16="http://schemas.microsoft.com/office/drawing/2014/main" id="{BCDCD85C-2AC7-4B71-A3F2-34B892F11267}"/>
+                </a:ext>
+              </a:extLst>
+            </p:cNvPr>
+            <p:cNvGrpSpPr/>
+            <p:nvPr/>
+          </p:nvGrpSpPr>
+          <p:grpSpPr>
+            <a:xfrm>
+              <a:off x="1897000" y="1483067"/>
+              <a:ext cx="3403474" cy="2154201"/>
+              <a:chOff x="2340101" y="1408143"/>
+              <a:chExt cx="3403474" cy="2154201"/>
+            </a:xfrm>
+          </p:grpSpPr>
+          <p:sp>
+            <p:nvSpPr>
+              <p:cNvPr id="6" name="Rectangle 5">
+                <a:extLst>
+                  <a:ext uri="{FF2B5EF4-FFF2-40B4-BE49-F238E27FC236}">
+                    <a16:creationId xmlns:a16="http://schemas.microsoft.com/office/drawing/2014/main" id="{FF2397A1-CB7A-4BF1-AA83-03B053D3EC3D}"/>
+                  </a:ext>
+                </a:extLst>
+              </p:cNvPr>
+              <p:cNvSpPr/>
+              <p:nvPr/>
+            </p:nvSpPr>
+            <p:spPr>
+              <a:xfrm>
+                <a:off x="2340101" y="1408143"/>
+                <a:ext cx="3403474" cy="2154201"/>
+              </a:xfrm>
+              <a:prstGeom prst="rect">
+                <a:avLst/>
+              </a:prstGeom>
+              <a:gradFill>
+                <a:gsLst>
+                  <a:gs pos="0">
+                    <a:srgbClr val="FF7979"/>
+                  </a:gs>
+                  <a:gs pos="50000">
+                    <a:srgbClr val="FF4F4F"/>
+                  </a:gs>
+                  <a:gs pos="100000">
+                    <a:srgbClr val="FF0000"/>
+                  </a:gs>
+                </a:gsLst>
+                <a:lin ang="5400000" scaled="0"/>
+              </a:gradFill>
+              <a:ln>
+                <a:noFill/>
+              </a:ln>
+              <a:effectLst>
+                <a:outerShdw blurRad="50800" dist="38100" dir="2700000" algn="tl" rotWithShape="0">
+                  <a:prstClr val="black">
+                    <a:alpha val="40000"/>
+                  </a:prstClr>
+                </a:outerShdw>
+                <a:softEdge rad="31750"/>
+              </a:effectLst>
+            </p:spPr>
+            <p:style>
+              <a:lnRef idx="0">
+                <a:schemeClr val="accent2"/>
+              </a:lnRef>
+              <a:fillRef idx="3">
+                <a:schemeClr val="accent2"/>
+              </a:fillRef>
+              <a:effectRef idx="3">
+                <a:schemeClr val="accent2"/>
+              </a:effectRef>
+              <a:fontRef idx="minor">
+                <a:schemeClr val="lt1"/>
+              </a:fontRef>
+            </p:style>
+            <p:txBody>
+              <a:bodyPr rtlCol="0" anchor="ctr"/>
+              <a:lstStyle/>
+              <a:p>
+                <a:pPr algn="ctr"/>
+                <a:endParaRPr lang="fr-FR" dirty="0"/>
+              </a:p>
+            </p:txBody>
+          </p:sp>
+          <p:sp>
+            <p:nvSpPr>
+              <p:cNvPr id="7" name="ZoneTexte 6">
+                <a:extLst>
+                  <a:ext uri="{FF2B5EF4-FFF2-40B4-BE49-F238E27FC236}">
+                    <a16:creationId xmlns:a16="http://schemas.microsoft.com/office/drawing/2014/main" id="{BF42CAE0-7A1D-405D-BE11-430D874D2150}"/>
+                  </a:ext>
+                </a:extLst>
+              </p:cNvPr>
+              <p:cNvSpPr txBox="1"/>
+              <p:nvPr/>
+            </p:nvSpPr>
+            <p:spPr>
+              <a:xfrm>
+                <a:off x="2375322" y="1432047"/>
+                <a:ext cx="3325179" cy="2031325"/>
+              </a:xfrm>
+              <a:prstGeom prst="rect">
+                <a:avLst/>
+              </a:prstGeom>
+              <a:noFill/>
+            </p:spPr>
+            <p:txBody>
+              <a:bodyPr wrap="square" rtlCol="0">
+                <a:spAutoFit/>
+              </a:bodyPr>
+              <a:lstStyle/>
+              <a:p>
+                <a:r>
+                  <a:rPr lang="fr-FR" dirty="0">
+                    <a:solidFill>
+                      <a:schemeClr val="bg1"/>
+                    </a:solidFill>
+                  </a:rPr>
+                  <a:t>Module 1: Cardiofréquencemètre</a:t>
+                </a:r>
+              </a:p>
+              <a:p>
+                <a:endParaRPr lang="fr-FR" dirty="0"/>
+              </a:p>
+              <a:p>
+                <a:endParaRPr lang="fr-FR" dirty="0"/>
+              </a:p>
+              <a:p>
+                <a:pPr algn="ctr"/>
+                <a:r>
+                  <a:rPr lang="fr-FR" dirty="0">
+                    <a:solidFill>
+                      <a:schemeClr val="bg1"/>
+                    </a:solidFill>
+                  </a:rPr>
+                  <a:t>Dispositif du cardio fréquencemètre </a:t>
+                </a:r>
+              </a:p>
+              <a:p>
+                <a:pPr algn="ctr"/>
+                <a:r>
+                  <a:rPr lang="fr-FR" dirty="0">
+                    <a:solidFill>
+                      <a:schemeClr val="bg1"/>
+                    </a:solidFill>
+                  </a:rPr>
+                  <a:t>+ Code Arduino</a:t>
+                </a:r>
+              </a:p>
+              <a:p>
+                <a:endParaRPr lang="fr-FR" dirty="0"/>
+              </a:p>
+            </p:txBody>
+          </p:sp>
+        </p:grpSp>
+        <p:grpSp>
+          <p:nvGrpSpPr>
+            <p:cNvPr id="8" name="Groupe 7">
+              <a:extLst>
+                <a:ext uri="{FF2B5EF4-FFF2-40B4-BE49-F238E27FC236}">
+                  <a16:creationId xmlns:a16="http://schemas.microsoft.com/office/drawing/2014/main" id="{BE01D75D-8B00-4E1F-B5E6-38324AB931F5}"/>
+                </a:ext>
+              </a:extLst>
+            </p:cNvPr>
+            <p:cNvGrpSpPr/>
+            <p:nvPr/>
+          </p:nvGrpSpPr>
+          <p:grpSpPr>
+            <a:xfrm>
+              <a:off x="7110602" y="1445546"/>
+              <a:ext cx="3403474" cy="2154173"/>
+              <a:chOff x="7653527" y="1408143"/>
+              <a:chExt cx="3403474" cy="2154173"/>
+            </a:xfrm>
+          </p:grpSpPr>
+          <p:sp>
+            <p:nvSpPr>
+              <p:cNvPr id="9" name="Rectangle 8">
+                <a:extLst>
+                  <a:ext uri="{FF2B5EF4-FFF2-40B4-BE49-F238E27FC236}">
+                    <a16:creationId xmlns:a16="http://schemas.microsoft.com/office/drawing/2014/main" id="{8A20443A-3B07-401F-9FBD-AB241BEBD7EC}"/>
+                  </a:ext>
+                </a:extLst>
+              </p:cNvPr>
+              <p:cNvSpPr/>
+              <p:nvPr/>
+            </p:nvSpPr>
+            <p:spPr>
+              <a:xfrm>
+                <a:off x="7653527" y="1408143"/>
+                <a:ext cx="3403474" cy="2154173"/>
+              </a:xfrm>
+              <a:prstGeom prst="rect">
+                <a:avLst/>
+              </a:prstGeom>
+              <a:ln/>
+              <a:effectLst>
+                <a:outerShdw blurRad="50800" dist="38100" dir="2700000" algn="tl" rotWithShape="0">
+                  <a:prstClr val="black">
+                    <a:alpha val="40000"/>
+                  </a:prstClr>
+                </a:outerShdw>
+                <a:softEdge rad="31750"/>
+              </a:effectLst>
+            </p:spPr>
+            <p:style>
+              <a:lnRef idx="0">
+                <a:schemeClr val="accent1"/>
+              </a:lnRef>
+              <a:fillRef idx="3">
+                <a:schemeClr val="accent1"/>
+              </a:fillRef>
+              <a:effectRef idx="3">
+                <a:schemeClr val="accent1"/>
+              </a:effectRef>
+              <a:fontRef idx="minor">
+                <a:schemeClr val="lt1"/>
+              </a:fontRef>
+            </p:style>
+            <p:txBody>
+              <a:bodyPr rtlCol="0" anchor="ctr"/>
+              <a:lstStyle/>
+              <a:p>
+                <a:pPr algn="ctr"/>
+                <a:endParaRPr lang="fr-FR" dirty="0"/>
+              </a:p>
+            </p:txBody>
+          </p:sp>
+          <p:sp>
+            <p:nvSpPr>
+              <p:cNvPr id="10" name="ZoneTexte 9">
+                <a:extLst>
+                  <a:ext uri="{FF2B5EF4-FFF2-40B4-BE49-F238E27FC236}">
+                    <a16:creationId xmlns:a16="http://schemas.microsoft.com/office/drawing/2014/main" id="{FF7DF302-7A01-4DB2-91B5-08280FDDAFCB}"/>
+                  </a:ext>
+                </a:extLst>
+              </p:cNvPr>
+              <p:cNvSpPr txBox="1"/>
+              <p:nvPr/>
+            </p:nvSpPr>
+            <p:spPr>
+              <a:xfrm>
+                <a:off x="7673011" y="1435161"/>
+                <a:ext cx="3305695" cy="2031325"/>
+              </a:xfrm>
+              <a:prstGeom prst="rect">
+                <a:avLst/>
+              </a:prstGeom>
+              <a:noFill/>
+            </p:spPr>
+            <p:txBody>
+              <a:bodyPr wrap="square" rtlCol="0">
+                <a:spAutoFit/>
+              </a:bodyPr>
+              <a:lstStyle/>
+              <a:p>
+                <a:r>
+                  <a:rPr lang="fr-FR" dirty="0">
+                    <a:solidFill>
+                      <a:schemeClr val="bg1"/>
+                    </a:solidFill>
+                  </a:rPr>
+                  <a:t>Module 2: Cœur de LED</a:t>
+                </a:r>
+              </a:p>
+              <a:p>
+                <a:endParaRPr lang="fr-FR" dirty="0"/>
+              </a:p>
+              <a:p>
+                <a:endParaRPr lang="fr-FR" dirty="0"/>
+              </a:p>
+              <a:p>
+                <a:pPr algn="ctr"/>
+                <a:r>
+                  <a:rPr lang="fr-FR" dirty="0">
+                    <a:solidFill>
+                      <a:schemeClr val="bg1"/>
+                    </a:solidFill>
+                  </a:rPr>
+                  <a:t>Visualisation des battements détectées</a:t>
+                </a:r>
+              </a:p>
+              <a:p>
+                <a:pPr algn="ctr"/>
+                <a:r>
+                  <a:rPr lang="fr-FR" dirty="0">
+                    <a:solidFill>
+                      <a:schemeClr val="bg1"/>
+                    </a:solidFill>
+                  </a:rPr>
+                  <a:t>+Code Arduino</a:t>
+                </a:r>
+              </a:p>
+              <a:p>
+                <a:endParaRPr lang="fr-FR" dirty="0"/>
+              </a:p>
+            </p:txBody>
+          </p:sp>
+        </p:grpSp>
+        <p:grpSp>
+          <p:nvGrpSpPr>
+            <p:cNvPr id="11" name="Groupe 10">
+              <a:extLst>
+                <a:ext uri="{FF2B5EF4-FFF2-40B4-BE49-F238E27FC236}">
+                  <a16:creationId xmlns:a16="http://schemas.microsoft.com/office/drawing/2014/main" id="{26B14616-10B4-4B37-A123-2F2A1EB769F2}"/>
+                </a:ext>
+              </a:extLst>
+            </p:cNvPr>
+            <p:cNvGrpSpPr/>
+            <p:nvPr/>
+          </p:nvGrpSpPr>
+          <p:grpSpPr>
+            <a:xfrm>
+              <a:off x="1867769" y="4208991"/>
+              <a:ext cx="3389631" cy="2154174"/>
+              <a:chOff x="2355659" y="4131916"/>
+              <a:chExt cx="3389631" cy="2154174"/>
+            </a:xfrm>
+          </p:grpSpPr>
+          <p:sp>
+            <p:nvSpPr>
+              <p:cNvPr id="12" name="Rectangle 11">
+                <a:extLst>
+                  <a:ext uri="{FF2B5EF4-FFF2-40B4-BE49-F238E27FC236}">
+                    <a16:creationId xmlns:a16="http://schemas.microsoft.com/office/drawing/2014/main" id="{5BBBE92C-545F-4CE0-A194-E068C33F28CD}"/>
+                  </a:ext>
+                </a:extLst>
+              </p:cNvPr>
+              <p:cNvSpPr/>
+              <p:nvPr/>
+            </p:nvSpPr>
+            <p:spPr>
+              <a:xfrm>
+                <a:off x="2355659" y="4131917"/>
+                <a:ext cx="3364506" cy="2154173"/>
+              </a:xfrm>
+              <a:prstGeom prst="rect">
+                <a:avLst/>
+              </a:prstGeom>
+              <a:ln/>
+              <a:effectLst>
+                <a:outerShdw blurRad="50800" dist="38100" dir="2700000" algn="tl" rotWithShape="0">
+                  <a:prstClr val="black">
+                    <a:alpha val="40000"/>
+                  </a:prstClr>
+                </a:outerShdw>
+                <a:softEdge rad="31750"/>
+              </a:effectLst>
+            </p:spPr>
+            <p:style>
+              <a:lnRef idx="0">
+                <a:schemeClr val="accent6"/>
+              </a:lnRef>
+              <a:fillRef idx="3">
+                <a:schemeClr val="accent6"/>
+              </a:fillRef>
+              <a:effectRef idx="3">
+                <a:schemeClr val="accent6"/>
+              </a:effectRef>
+              <a:fontRef idx="minor">
+                <a:schemeClr val="lt1"/>
+              </a:fontRef>
+            </p:style>
+            <p:txBody>
+              <a:bodyPr rtlCol="0" anchor="ctr"/>
+              <a:lstStyle/>
+              <a:p>
+                <a:pPr algn="ctr"/>
+                <a:endParaRPr lang="fr-FR" dirty="0"/>
+              </a:p>
+            </p:txBody>
+          </p:sp>
+          <p:sp>
+            <p:nvSpPr>
+              <p:cNvPr id="13" name="ZoneTexte 12">
+                <a:extLst>
+                  <a:ext uri="{FF2B5EF4-FFF2-40B4-BE49-F238E27FC236}">
+                    <a16:creationId xmlns:a16="http://schemas.microsoft.com/office/drawing/2014/main" id="{4D80B35E-9B0D-4739-A410-EA33516C7F5F}"/>
+                  </a:ext>
+                </a:extLst>
+              </p:cNvPr>
+              <p:cNvSpPr txBox="1"/>
+              <p:nvPr/>
+            </p:nvSpPr>
+            <p:spPr>
+              <a:xfrm>
+                <a:off x="2375322" y="4131916"/>
+                <a:ext cx="3369968" cy="1754326"/>
+              </a:xfrm>
+              <a:prstGeom prst="rect">
+                <a:avLst/>
+              </a:prstGeom>
+              <a:noFill/>
+            </p:spPr>
+            <p:txBody>
+              <a:bodyPr wrap="square" rtlCol="0">
+                <a:spAutoFit/>
+              </a:bodyPr>
+              <a:lstStyle/>
+              <a:p>
+                <a:r>
+                  <a:rPr lang="fr-FR" dirty="0">
+                    <a:solidFill>
+                      <a:schemeClr val="bg1"/>
+                    </a:solidFill>
+                  </a:rPr>
+                  <a:t>Module 3: Processing</a:t>
+                </a:r>
+              </a:p>
+              <a:p>
+                <a:endParaRPr lang="fr-FR" dirty="0"/>
+              </a:p>
+              <a:p>
+                <a:pPr algn="ctr"/>
+                <a:endParaRPr lang="fr-FR" dirty="0">
+                  <a:solidFill>
+                    <a:schemeClr val="bg1"/>
+                  </a:solidFill>
+                </a:endParaRPr>
+              </a:p>
+              <a:p>
+                <a:pPr algn="ctr"/>
+                <a:r>
+                  <a:rPr lang="fr-FR" dirty="0">
+                    <a:solidFill>
+                      <a:schemeClr val="bg1"/>
+                    </a:solidFill>
+                  </a:rPr>
+                  <a:t>Sauvegarde des données /</a:t>
+                </a:r>
+              </a:p>
+              <a:p>
+                <a:pPr algn="ctr"/>
+                <a:r>
+                  <a:rPr lang="fr-FR" dirty="0">
+                    <a:solidFill>
+                      <a:schemeClr val="bg1"/>
+                    </a:solidFill>
+                  </a:rPr>
+                  <a:t>Mise sous format csv</a:t>
+                </a:r>
+              </a:p>
+              <a:p>
+                <a:endParaRPr lang="fr-FR" dirty="0"/>
+              </a:p>
+            </p:txBody>
+          </p:sp>
+        </p:grpSp>
+        <p:grpSp>
+          <p:nvGrpSpPr>
+            <p:cNvPr id="14" name="Groupe 13">
+              <a:extLst>
+                <a:ext uri="{FF2B5EF4-FFF2-40B4-BE49-F238E27FC236}">
+                  <a16:creationId xmlns:a16="http://schemas.microsoft.com/office/drawing/2014/main" id="{16075115-4EA9-4F75-8AD2-C7E64DFBB52F}"/>
+                </a:ext>
+              </a:extLst>
+            </p:cNvPr>
+            <p:cNvGrpSpPr/>
+            <p:nvPr/>
+          </p:nvGrpSpPr>
+          <p:grpSpPr>
+            <a:xfrm>
+              <a:off x="7130086" y="4208991"/>
+              <a:ext cx="3389631" cy="2308324"/>
+              <a:chOff x="7647886" y="4131916"/>
+              <a:chExt cx="3389631" cy="2308324"/>
+            </a:xfrm>
+          </p:grpSpPr>
+          <p:sp>
+            <p:nvSpPr>
+              <p:cNvPr id="15" name="Rectangle 14">
+                <a:extLst>
+                  <a:ext uri="{FF2B5EF4-FFF2-40B4-BE49-F238E27FC236}">
+                    <a16:creationId xmlns:a16="http://schemas.microsoft.com/office/drawing/2014/main" id="{E6DB4C5C-5DF0-41F2-B60E-7795F0C27860}"/>
+                  </a:ext>
+                </a:extLst>
+              </p:cNvPr>
+              <p:cNvSpPr/>
+              <p:nvPr/>
+            </p:nvSpPr>
+            <p:spPr>
+              <a:xfrm>
+                <a:off x="7673011" y="4131916"/>
+                <a:ext cx="3364506" cy="2154173"/>
+              </a:xfrm>
+              <a:prstGeom prst="rect">
+                <a:avLst/>
+              </a:prstGeom>
+              <a:ln/>
+              <a:effectLst>
+                <a:outerShdw blurRad="50800" dist="38100" dir="2700000" algn="tl" rotWithShape="0">
+                  <a:prstClr val="black">
+                    <a:alpha val="40000"/>
+                  </a:prstClr>
+                </a:outerShdw>
+                <a:softEdge rad="31750"/>
+              </a:effectLst>
+            </p:spPr>
+            <p:style>
+              <a:lnRef idx="0">
+                <a:schemeClr val="accent4"/>
+              </a:lnRef>
+              <a:fillRef idx="3">
+                <a:schemeClr val="accent4"/>
+              </a:fillRef>
+              <a:effectRef idx="3">
+                <a:schemeClr val="accent4"/>
+              </a:effectRef>
+              <a:fontRef idx="minor">
+                <a:schemeClr val="lt1"/>
+              </a:fontRef>
+            </p:style>
+            <p:txBody>
+              <a:bodyPr rtlCol="0" anchor="ctr"/>
+              <a:lstStyle/>
+              <a:p>
+                <a:pPr algn="ctr"/>
+                <a:endParaRPr lang="fr-FR" dirty="0"/>
+              </a:p>
+            </p:txBody>
+          </p:sp>
+          <p:sp>
+            <p:nvSpPr>
+              <p:cNvPr id="16" name="ZoneTexte 15">
+                <a:extLst>
+                  <a:ext uri="{FF2B5EF4-FFF2-40B4-BE49-F238E27FC236}">
+                    <a16:creationId xmlns:a16="http://schemas.microsoft.com/office/drawing/2014/main" id="{0FBCBE44-B52E-4156-B694-E358D1FF1CB7}"/>
+                  </a:ext>
+                </a:extLst>
+              </p:cNvPr>
+              <p:cNvSpPr txBox="1"/>
+              <p:nvPr/>
+            </p:nvSpPr>
+            <p:spPr>
+              <a:xfrm>
+                <a:off x="7647886" y="4131916"/>
+                <a:ext cx="3364506" cy="2308324"/>
+              </a:xfrm>
+              <a:prstGeom prst="rect">
+                <a:avLst/>
+              </a:prstGeom>
+              <a:noFill/>
+            </p:spPr>
+            <p:txBody>
+              <a:bodyPr wrap="square" rtlCol="0">
+                <a:spAutoFit/>
+              </a:bodyPr>
+              <a:lstStyle/>
+              <a:p>
+                <a:r>
+                  <a:rPr lang="fr-FR" dirty="0">
+                    <a:solidFill>
+                      <a:schemeClr val="bg1"/>
+                    </a:solidFill>
+                  </a:rPr>
+                  <a:t>Module 4: Visualisation et Manipulation </a:t>
+                </a:r>
+              </a:p>
+              <a:p>
+                <a:endParaRPr lang="fr-FR" dirty="0">
+                  <a:solidFill>
+                    <a:schemeClr val="bg1"/>
+                  </a:solidFill>
+                </a:endParaRPr>
+              </a:p>
+              <a:p>
+                <a:pPr algn="ctr"/>
+                <a:r>
+                  <a:rPr lang="fr-FR" dirty="0">
+                    <a:solidFill>
+                      <a:schemeClr val="bg1"/>
+                    </a:solidFill>
+                  </a:rPr>
+                  <a:t>Programmation pour manipuler et visualiser certaines données</a:t>
+                </a:r>
+              </a:p>
+              <a:p>
+                <a:endParaRPr lang="fr-FR" dirty="0">
+                  <a:solidFill>
+                    <a:schemeClr val="bg1"/>
+                  </a:solidFill>
+                </a:endParaRPr>
+              </a:p>
+              <a:p>
+                <a:endParaRPr lang="fr-FR" dirty="0"/>
+              </a:p>
+              <a:p>
+                <a:endParaRPr lang="fr-FR" dirty="0"/>
+              </a:p>
+            </p:txBody>
+          </p:sp>
+        </p:grpSp>
         <p:sp>
           <p:nvSpPr>
-            <p:cNvPr id="6" name="Rectangle 5">
+            <p:cNvPr id="3" name="Flèche : droite 2">
               <a:extLst>
                 <a:ext uri="{FF2B5EF4-FFF2-40B4-BE49-F238E27FC236}">
-                  <a16:creationId xmlns:a16="http://schemas.microsoft.com/office/drawing/2014/main" id="{FF2397A1-CB7A-4BF1-AA83-03B053D3EC3D}"/>
+                  <a16:creationId xmlns:a16="http://schemas.microsoft.com/office/drawing/2014/main" id="{F549EE5A-9001-4D9F-BA82-D9A95A065CEE}"/>
                 </a:ext>
               </a:extLst>
             </p:cNvPr>
@@ -5743,37 +7922,12 @@
           </p:nvSpPr>
           <p:spPr>
             <a:xfrm>
-              <a:off x="2340101" y="1408143"/>
-              <a:ext cx="3403474" cy="2154201"/>
+              <a:off x="5319958" y="2341657"/>
+              <a:ext cx="1810128" cy="361950"/>
             </a:xfrm>
-            <a:prstGeom prst="rect">
+            <a:prstGeom prst="rightArrow">
               <a:avLst/>
             </a:prstGeom>
-            <a:gradFill>
-              <a:gsLst>
-                <a:gs pos="0">
-                  <a:srgbClr val="FF7979"/>
-                </a:gs>
-                <a:gs pos="50000">
-                  <a:srgbClr val="FF4F4F"/>
-                </a:gs>
-                <a:gs pos="100000">
-                  <a:srgbClr val="FF0000"/>
-                </a:gs>
-              </a:gsLst>
-              <a:lin ang="5400000" scaled="0"/>
-            </a:gradFill>
-            <a:ln>
-              <a:noFill/>
-            </a:ln>
-            <a:effectLst>
-              <a:outerShdw blurRad="50800" dist="38100" dir="2700000" algn="tl" rotWithShape="0">
-                <a:prstClr val="black">
-                  <a:alpha val="40000"/>
-                </a:prstClr>
-              </a:outerShdw>
-              <a:softEdge rad="31750"/>
-            </a:effectLst>
           </p:spPr>
           <p:style>
             <a:lnRef idx="0">
@@ -5794,107 +7948,16 @@
             <a:lstStyle/>
             <a:p>
               <a:pPr algn="ctr"/>
-              <a:endParaRPr lang="fr-FR"/>
+              <a:endParaRPr lang="fr-FR" dirty="0"/>
             </a:p>
           </p:txBody>
         </p:sp>
         <p:sp>
           <p:nvSpPr>
-            <p:cNvPr id="7" name="ZoneTexte 6">
+            <p:cNvPr id="17" name="Flèche : droite 16">
               <a:extLst>
                 <a:ext uri="{FF2B5EF4-FFF2-40B4-BE49-F238E27FC236}">
-                  <a16:creationId xmlns:a16="http://schemas.microsoft.com/office/drawing/2014/main" id="{BF42CAE0-7A1D-405D-BE11-430D874D2150}"/>
-                </a:ext>
-              </a:extLst>
-            </p:cNvPr>
-            <p:cNvSpPr txBox="1"/>
-            <p:nvPr/>
-          </p:nvSpPr>
-          <p:spPr>
-            <a:xfrm>
-              <a:off x="2375322" y="1432047"/>
-              <a:ext cx="3325179" cy="2031325"/>
-            </a:xfrm>
-            <a:prstGeom prst="rect">
-              <a:avLst/>
-            </a:prstGeom>
-            <a:noFill/>
-          </p:spPr>
-          <p:txBody>
-            <a:bodyPr wrap="square" rtlCol="0">
-              <a:spAutoFit/>
-            </a:bodyPr>
-            <a:lstStyle/>
-            <a:p>
-              <a:r>
-                <a:rPr lang="fr-FR" dirty="0">
-                  <a:solidFill>
-                    <a:schemeClr val="bg1"/>
-                  </a:solidFill>
-                </a:rPr>
-                <a:t>Module 1: Cardiofréquencemètre</a:t>
-              </a:r>
-            </a:p>
-            <a:p>
-              <a:endParaRPr lang="fr-FR" dirty="0"/>
-            </a:p>
-            <a:p>
-              <a:endParaRPr lang="fr-FR" dirty="0"/>
-            </a:p>
-            <a:p>
-              <a:pPr algn="ctr"/>
-              <a:r>
-                <a:rPr lang="fr-FR" dirty="0">
-                  <a:solidFill>
-                    <a:schemeClr val="bg1"/>
-                  </a:solidFill>
-                </a:rPr>
-                <a:t>Dispositif du cardio fréquencemètre </a:t>
-              </a:r>
-            </a:p>
-            <a:p>
-              <a:pPr algn="ctr"/>
-              <a:r>
-                <a:rPr lang="fr-FR" dirty="0">
-                  <a:solidFill>
-                    <a:schemeClr val="bg1"/>
-                  </a:solidFill>
-                </a:rPr>
-                <a:t>+ Code Arduino</a:t>
-              </a:r>
-            </a:p>
-            <a:p>
-              <a:endParaRPr lang="fr-FR" dirty="0"/>
-            </a:p>
-          </p:txBody>
-        </p:sp>
-      </p:grpSp>
-      <p:grpSp>
-        <p:nvGrpSpPr>
-          <p:cNvPr id="8" name="Groupe 7">
-            <a:extLst>
-              <a:ext uri="{FF2B5EF4-FFF2-40B4-BE49-F238E27FC236}">
-                <a16:creationId xmlns:a16="http://schemas.microsoft.com/office/drawing/2014/main" id="{BE01D75D-8B00-4E1F-B5E6-38324AB931F5}"/>
-              </a:ext>
-            </a:extLst>
-          </p:cNvPr>
-          <p:cNvGrpSpPr/>
-          <p:nvPr/>
-        </p:nvGrpSpPr>
-        <p:grpSpPr>
-          <a:xfrm>
-            <a:off x="7110602" y="1445546"/>
-            <a:ext cx="3403474" cy="2154173"/>
-            <a:chOff x="7653527" y="1408143"/>
-            <a:chExt cx="3403474" cy="2154173"/>
-          </a:xfrm>
-        </p:grpSpPr>
-        <p:sp>
-          <p:nvSpPr>
-            <p:cNvPr id="9" name="Rectangle 8">
-              <a:extLst>
-                <a:ext uri="{FF2B5EF4-FFF2-40B4-BE49-F238E27FC236}">
-                  <a16:creationId xmlns:a16="http://schemas.microsoft.com/office/drawing/2014/main" id="{8A20443A-3B07-401F-9FBD-AB241BEBD7EC}"/>
+                  <a16:creationId xmlns:a16="http://schemas.microsoft.com/office/drawing/2014/main" id="{16206ABB-8FA1-46C0-8276-D990D2A67845}"/>
                 </a:ext>
               </a:extLst>
             </p:cNvPr>
@@ -5903,165 +7966,12 @@
           </p:nvSpPr>
           <p:spPr>
             <a:xfrm>
-              <a:off x="7653527" y="1408143"/>
-              <a:ext cx="3403474" cy="2154173"/>
+              <a:off x="5271742" y="5092757"/>
+              <a:ext cx="1858343" cy="386639"/>
             </a:xfrm>
-            <a:prstGeom prst="rect">
+            <a:prstGeom prst="rightArrow">
               <a:avLst/>
             </a:prstGeom>
-            <a:ln/>
-            <a:effectLst>
-              <a:outerShdw blurRad="50800" dist="38100" dir="2700000" algn="tl" rotWithShape="0">
-                <a:prstClr val="black">
-                  <a:alpha val="40000"/>
-                </a:prstClr>
-              </a:outerShdw>
-              <a:softEdge rad="31750"/>
-            </a:effectLst>
-          </p:spPr>
-          <p:style>
-            <a:lnRef idx="0">
-              <a:schemeClr val="accent1"/>
-            </a:lnRef>
-            <a:fillRef idx="3">
-              <a:schemeClr val="accent1"/>
-            </a:fillRef>
-            <a:effectRef idx="3">
-              <a:schemeClr val="accent1"/>
-            </a:effectRef>
-            <a:fontRef idx="minor">
-              <a:schemeClr val="lt1"/>
-            </a:fontRef>
-          </p:style>
-          <p:txBody>
-            <a:bodyPr rtlCol="0" anchor="ctr"/>
-            <a:lstStyle/>
-            <a:p>
-              <a:pPr algn="ctr"/>
-              <a:endParaRPr lang="fr-FR"/>
-            </a:p>
-          </p:txBody>
-        </p:sp>
-        <p:sp>
-          <p:nvSpPr>
-            <p:cNvPr id="10" name="ZoneTexte 9">
-              <a:extLst>
-                <a:ext uri="{FF2B5EF4-FFF2-40B4-BE49-F238E27FC236}">
-                  <a16:creationId xmlns:a16="http://schemas.microsoft.com/office/drawing/2014/main" id="{FF7DF302-7A01-4DB2-91B5-08280FDDAFCB}"/>
-                </a:ext>
-              </a:extLst>
-            </p:cNvPr>
-            <p:cNvSpPr txBox="1"/>
-            <p:nvPr/>
-          </p:nvSpPr>
-          <p:spPr>
-            <a:xfrm>
-              <a:off x="7673011" y="1435161"/>
-              <a:ext cx="3305695" cy="2031325"/>
-            </a:xfrm>
-            <a:prstGeom prst="rect">
-              <a:avLst/>
-            </a:prstGeom>
-            <a:noFill/>
-          </p:spPr>
-          <p:txBody>
-            <a:bodyPr wrap="square" rtlCol="0">
-              <a:spAutoFit/>
-            </a:bodyPr>
-            <a:lstStyle/>
-            <a:p>
-              <a:r>
-                <a:rPr lang="fr-FR" dirty="0">
-                  <a:solidFill>
-                    <a:schemeClr val="bg1"/>
-                  </a:solidFill>
-                </a:rPr>
-                <a:t>Module 2: Cœur de LED</a:t>
-              </a:r>
-            </a:p>
-            <a:p>
-              <a:endParaRPr lang="fr-FR" dirty="0"/>
-            </a:p>
-            <a:p>
-              <a:endParaRPr lang="fr-FR" dirty="0"/>
-            </a:p>
-            <a:p>
-              <a:pPr algn="ctr"/>
-              <a:r>
-                <a:rPr lang="fr-FR" dirty="0">
-                  <a:solidFill>
-                    <a:schemeClr val="bg1"/>
-                  </a:solidFill>
-                </a:rPr>
-                <a:t>Visualisation des battements détectées</a:t>
-              </a:r>
-            </a:p>
-            <a:p>
-              <a:pPr algn="ctr"/>
-              <a:r>
-                <a:rPr lang="fr-FR" dirty="0">
-                  <a:solidFill>
-                    <a:schemeClr val="bg1"/>
-                  </a:solidFill>
-                </a:rPr>
-                <a:t>+Code Arduino</a:t>
-              </a:r>
-            </a:p>
-            <a:p>
-              <a:endParaRPr lang="fr-FR" dirty="0"/>
-            </a:p>
-          </p:txBody>
-        </p:sp>
-      </p:grpSp>
-      <p:grpSp>
-        <p:nvGrpSpPr>
-          <p:cNvPr id="11" name="Groupe 10">
-            <a:extLst>
-              <a:ext uri="{FF2B5EF4-FFF2-40B4-BE49-F238E27FC236}">
-                <a16:creationId xmlns:a16="http://schemas.microsoft.com/office/drawing/2014/main" id="{26B14616-10B4-4B37-A123-2F2A1EB769F2}"/>
-              </a:ext>
-            </a:extLst>
-          </p:cNvPr>
-          <p:cNvGrpSpPr/>
-          <p:nvPr/>
-        </p:nvGrpSpPr>
-        <p:grpSpPr>
-          <a:xfrm>
-            <a:off x="1867769" y="4208991"/>
-            <a:ext cx="3389631" cy="2154174"/>
-            <a:chOff x="2355659" y="4131916"/>
-            <a:chExt cx="3389631" cy="2154174"/>
-          </a:xfrm>
-        </p:grpSpPr>
-        <p:sp>
-          <p:nvSpPr>
-            <p:cNvPr id="12" name="Rectangle 11">
-              <a:extLst>
-                <a:ext uri="{FF2B5EF4-FFF2-40B4-BE49-F238E27FC236}">
-                  <a16:creationId xmlns:a16="http://schemas.microsoft.com/office/drawing/2014/main" id="{5BBBE92C-545F-4CE0-A194-E068C33F28CD}"/>
-                </a:ext>
-              </a:extLst>
-            </p:cNvPr>
-            <p:cNvSpPr/>
-            <p:nvPr/>
-          </p:nvSpPr>
-          <p:spPr>
-            <a:xfrm>
-              <a:off x="2355659" y="4131917"/>
-              <a:ext cx="3364506" cy="2154173"/>
-            </a:xfrm>
-            <a:prstGeom prst="rect">
-              <a:avLst/>
-            </a:prstGeom>
-            <a:ln/>
-            <a:effectLst>
-              <a:outerShdw blurRad="50800" dist="38100" dir="2700000" algn="tl" rotWithShape="0">
-                <a:prstClr val="black">
-                  <a:alpha val="40000"/>
-                </a:prstClr>
-              </a:outerShdw>
-              <a:softEdge rad="31750"/>
-            </a:effectLst>
           </p:spPr>
           <p:style>
             <a:lnRef idx="0">
@@ -6082,16 +7992,112 @@
             <a:lstStyle/>
             <a:p>
               <a:pPr algn="ctr"/>
-              <a:endParaRPr lang="fr-FR"/>
+              <a:endParaRPr lang="fr-FR" dirty="0"/>
             </a:p>
           </p:txBody>
         </p:sp>
         <p:sp>
           <p:nvSpPr>
-            <p:cNvPr id="13" name="ZoneTexte 12">
+            <p:cNvPr id="18" name="Flèche : bas 17">
               <a:extLst>
                 <a:ext uri="{FF2B5EF4-FFF2-40B4-BE49-F238E27FC236}">
-                  <a16:creationId xmlns:a16="http://schemas.microsoft.com/office/drawing/2014/main" id="{4D80B35E-9B0D-4739-A410-EA33516C7F5F}"/>
+                  <a16:creationId xmlns:a16="http://schemas.microsoft.com/office/drawing/2014/main" id="{A7FC622D-139E-4035-8DD4-DC3D324CC084}"/>
+                </a:ext>
+              </a:extLst>
+            </p:cNvPr>
+            <p:cNvSpPr/>
+            <p:nvPr/>
+          </p:nvSpPr>
+          <p:spPr>
+            <a:xfrm>
+              <a:off x="3505200" y="3637268"/>
+              <a:ext cx="312933" cy="571722"/>
+            </a:xfrm>
+            <a:prstGeom prst="downArrow">
+              <a:avLst/>
+            </a:prstGeom>
+          </p:spPr>
+          <p:style>
+            <a:lnRef idx="0">
+              <a:schemeClr val="accent2"/>
+            </a:lnRef>
+            <a:fillRef idx="3">
+              <a:schemeClr val="accent2"/>
+            </a:fillRef>
+            <a:effectRef idx="3">
+              <a:schemeClr val="accent2"/>
+            </a:effectRef>
+            <a:fontRef idx="minor">
+              <a:schemeClr val="lt1"/>
+            </a:fontRef>
+          </p:style>
+          <p:txBody>
+            <a:bodyPr rtlCol="0" anchor="ctr"/>
+            <a:lstStyle/>
+            <a:p>
+              <a:pPr algn="ctr"/>
+              <a:endParaRPr lang="fr-FR" dirty="0"/>
+            </a:p>
+          </p:txBody>
+        </p:sp>
+        <p:sp>
+          <p:nvSpPr>
+            <p:cNvPr id="19" name="Rectangle 18">
+              <a:extLst>
+                <a:ext uri="{FF2B5EF4-FFF2-40B4-BE49-F238E27FC236}">
+                  <a16:creationId xmlns:a16="http://schemas.microsoft.com/office/drawing/2014/main" id="{B6643758-2BB0-48FD-9979-8158BAD60B3D}"/>
+                </a:ext>
+              </a:extLst>
+            </p:cNvPr>
+            <p:cNvSpPr/>
+            <p:nvPr/>
+          </p:nvSpPr>
+          <p:spPr>
+            <a:xfrm>
+              <a:off x="3854848" y="3710506"/>
+              <a:ext cx="1530608" cy="369332"/>
+            </a:xfrm>
+            <a:prstGeom prst="rect">
+              <a:avLst/>
+            </a:prstGeom>
+            <a:noFill/>
+            <a:ln>
+              <a:solidFill>
+                <a:schemeClr val="tx1"/>
+              </a:solidFill>
+            </a:ln>
+          </p:spPr>
+          <p:style>
+            <a:lnRef idx="2">
+              <a:schemeClr val="accent1">
+                <a:shade val="50000"/>
+              </a:schemeClr>
+            </a:lnRef>
+            <a:fillRef idx="1">
+              <a:schemeClr val="accent1"/>
+            </a:fillRef>
+            <a:effectRef idx="0">
+              <a:schemeClr val="accent1"/>
+            </a:effectRef>
+            <a:fontRef idx="minor">
+              <a:schemeClr val="lt1"/>
+            </a:fontRef>
+          </p:style>
+          <p:txBody>
+            <a:bodyPr rtlCol="0" anchor="ctr"/>
+            <a:lstStyle/>
+            <a:p>
+              <a:pPr algn="ctr"/>
+              <a:endParaRPr lang="fr-FR" dirty="0"/>
+            </a:p>
+          </p:txBody>
+        </p:sp>
+        <p:sp>
+          <p:nvSpPr>
+            <p:cNvPr id="20" name="ZoneTexte 19">
+              <a:extLst>
+                <a:ext uri="{FF2B5EF4-FFF2-40B4-BE49-F238E27FC236}">
+                  <a16:creationId xmlns:a16="http://schemas.microsoft.com/office/drawing/2014/main" id="{36469800-0F35-4FC3-89BE-D80A9A12A1B3}"/>
                 </a:ext>
               </a:extLst>
             </p:cNvPr>
@@ -6100,8 +8106,8 @@
           </p:nvSpPr>
           <p:spPr>
             <a:xfrm>
-              <a:off x="2375322" y="4131916"/>
-              <a:ext cx="3369968" cy="1754326"/>
+              <a:off x="3818133" y="3715992"/>
+              <a:ext cx="1559839" cy="369332"/>
             </a:xfrm>
             <a:prstGeom prst="rect">
               <a:avLst/>
@@ -6114,93 +8120,31 @@
             </a:bodyPr>
             <a:lstStyle/>
             <a:p>
-              <a:r>
-                <a:rPr lang="fr-FR" dirty="0">
-                  <a:solidFill>
-                    <a:schemeClr val="bg1"/>
-                  </a:solidFill>
+              <a:pPr algn="ctr"/>
+              <a:r>
+                <a:rPr lang="fr-FR" b="1" dirty="0">
+                  <a:effectLst>
+                    <a:outerShdw blurRad="38100" dist="38100" dir="2700000" algn="tl">
+                      <a:srgbClr val="000000">
+                        <a:alpha val="43137"/>
+                      </a:srgbClr>
+                    </a:outerShdw>
+                  </a:effectLst>
+                  <a:latin typeface="Microsoft Sans Serif" panose="020B0604020202020204" pitchFamily="34" charset="0"/>
+                  <a:ea typeface="Microsoft Sans Serif" panose="020B0604020202020204" pitchFamily="34" charset="0"/>
+                  <a:cs typeface="Microsoft Sans Serif" panose="020B0604020202020204" pitchFamily="34" charset="0"/>
                 </a:rPr>
-                <a:t>Module 3: </a:t>
-              </a:r>
-              <a:r>
-                <a:rPr lang="fr-FR" dirty="0" err="1">
-                  <a:solidFill>
-                    <a:schemeClr val="bg1"/>
-                  </a:solidFill>
-                </a:rPr>
-                <a:t>Processing</a:t>
-              </a:r>
-              <a:endParaRPr lang="fr-FR" dirty="0">
-                <a:solidFill>
-                  <a:schemeClr val="bg1"/>
-                </a:solidFill>
-              </a:endParaRPr>
-            </a:p>
-            <a:p>
-              <a:endParaRPr lang="fr-FR" dirty="0"/>
-            </a:p>
-            <a:p>
-              <a:pPr algn="ctr"/>
-              <a:endParaRPr lang="fr-FR" dirty="0">
-                <a:solidFill>
-                  <a:schemeClr val="bg1"/>
-                </a:solidFill>
-              </a:endParaRPr>
-            </a:p>
-            <a:p>
-              <a:pPr algn="ctr"/>
-              <a:r>
-                <a:rPr lang="fr-FR" dirty="0">
-                  <a:solidFill>
-                    <a:schemeClr val="bg1"/>
-                  </a:solidFill>
-                </a:rPr>
-                <a:t>Sauvegarde des données /</a:t>
-              </a:r>
-            </a:p>
-            <a:p>
-              <a:pPr algn="ctr"/>
-              <a:r>
-                <a:rPr lang="fr-FR" dirty="0">
-                  <a:solidFill>
-                    <a:schemeClr val="bg1"/>
-                  </a:solidFill>
-                </a:rPr>
-                <a:t>Mise sous format csv</a:t>
-              </a:r>
-            </a:p>
-            <a:p>
-              <a:endParaRPr lang="fr-FR" dirty="0"/>
+                <a:t>Sortie Serial</a:t>
+              </a:r>
             </a:p>
           </p:txBody>
         </p:sp>
-      </p:grpSp>
-      <p:grpSp>
-        <p:nvGrpSpPr>
-          <p:cNvPr id="14" name="Groupe 13">
-            <a:extLst>
-              <a:ext uri="{FF2B5EF4-FFF2-40B4-BE49-F238E27FC236}">
-                <a16:creationId xmlns:a16="http://schemas.microsoft.com/office/drawing/2014/main" id="{16075115-4EA9-4F75-8AD2-C7E64DFBB52F}"/>
-              </a:ext>
-            </a:extLst>
-          </p:cNvPr>
-          <p:cNvGrpSpPr/>
-          <p:nvPr/>
-        </p:nvGrpSpPr>
-        <p:grpSpPr>
-          <a:xfrm>
-            <a:off x="7130086" y="4208991"/>
-            <a:ext cx="3389631" cy="2308324"/>
-            <a:chOff x="7647886" y="4131916"/>
-            <a:chExt cx="3389631" cy="2308324"/>
-          </a:xfrm>
-        </p:grpSpPr>
         <p:sp>
           <p:nvSpPr>
-            <p:cNvPr id="15" name="Rectangle 14">
+            <p:cNvPr id="21" name="Rectangle 20">
               <a:extLst>
                 <a:ext uri="{FF2B5EF4-FFF2-40B4-BE49-F238E27FC236}">
-                  <a16:creationId xmlns:a16="http://schemas.microsoft.com/office/drawing/2014/main" id="{E6DB4C5C-5DF0-41F2-B60E-7795F0C27860}"/>
+                  <a16:creationId xmlns:a16="http://schemas.microsoft.com/office/drawing/2014/main" id="{98205717-9668-4FF6-9029-453B38815A65}"/>
                 </a:ext>
               </a:extLst>
             </p:cNvPr>
@@ -6209,31 +8153,25 @@
           </p:nvSpPr>
           <p:spPr>
             <a:xfrm>
-              <a:off x="7673011" y="4131916"/>
-              <a:ext cx="3364506" cy="2154173"/>
+              <a:off x="5435901" y="4705350"/>
+              <a:ext cx="1498701" cy="313233"/>
             </a:xfrm>
             <a:prstGeom prst="rect">
               <a:avLst/>
             </a:prstGeom>
-            <a:ln/>
-            <a:effectLst>
-              <a:outerShdw blurRad="50800" dist="38100" dir="2700000" algn="tl" rotWithShape="0">
-                <a:prstClr val="black">
-                  <a:alpha val="40000"/>
-                </a:prstClr>
-              </a:outerShdw>
-              <a:softEdge rad="31750"/>
-            </a:effectLst>
+            <a:noFill/>
           </p:spPr>
           <p:style>
-            <a:lnRef idx="0">
-              <a:schemeClr val="accent4"/>
+            <a:lnRef idx="2">
+              <a:schemeClr val="accent1">
+                <a:shade val="50000"/>
+              </a:schemeClr>
             </a:lnRef>
-            <a:fillRef idx="3">
-              <a:schemeClr val="accent4"/>
+            <a:fillRef idx="1">
+              <a:schemeClr val="accent1"/>
             </a:fillRef>
-            <a:effectRef idx="3">
-              <a:schemeClr val="accent4"/>
+            <a:effectRef idx="0">
+              <a:schemeClr val="accent1"/>
             </a:effectRef>
             <a:fontRef idx="minor">
               <a:schemeClr val="lt1"/>
@@ -6244,16 +8182,16 @@
             <a:lstStyle/>
             <a:p>
               <a:pPr algn="ctr"/>
-              <a:endParaRPr lang="fr-FR"/>
+              <a:endParaRPr lang="fr-FR" dirty="0"/>
             </a:p>
           </p:txBody>
         </p:sp>
         <p:sp>
           <p:nvSpPr>
-            <p:cNvPr id="16" name="ZoneTexte 15">
+            <p:cNvPr id="22" name="ZoneTexte 21">
               <a:extLst>
                 <a:ext uri="{FF2B5EF4-FFF2-40B4-BE49-F238E27FC236}">
-                  <a16:creationId xmlns:a16="http://schemas.microsoft.com/office/drawing/2014/main" id="{0FBCBE44-B52E-4156-B694-E358D1FF1CB7}"/>
+                  <a16:creationId xmlns:a16="http://schemas.microsoft.com/office/drawing/2014/main" id="{34452539-8DFB-41DD-94AB-C85FA59DA1B4}"/>
                 </a:ext>
               </a:extLst>
             </p:cNvPr>
@@ -6262,8 +8200,8 @@
           </p:nvSpPr>
           <p:spPr>
             <a:xfrm>
-              <a:off x="7647886" y="4131916"/>
-              <a:ext cx="3364506" cy="2308324"/>
+              <a:off x="5426333" y="4686338"/>
+              <a:ext cx="1498701" cy="369332"/>
             </a:xfrm>
             <a:prstGeom prst="rect">
               <a:avLst/>
@@ -6276,468 +8214,347 @@
             </a:bodyPr>
             <a:lstStyle/>
             <a:p>
-              <a:r>
-                <a:rPr lang="fr-FR" dirty="0">
-                  <a:solidFill>
-                    <a:schemeClr val="bg1"/>
-                  </a:solidFill>
+              <a:pPr algn="ctr"/>
+              <a:r>
+                <a:rPr lang="fr-FR" b="1" dirty="0">
+                  <a:effectLst>
+                    <a:outerShdw blurRad="38100" dist="38100" dir="2700000" algn="tl">
+                      <a:srgbClr val="000000">
+                        <a:alpha val="43137"/>
+                      </a:srgbClr>
+                    </a:outerShdw>
+                  </a:effectLst>
+                  <a:latin typeface="Microsoft Sans Serif" panose="020B0604020202020204" pitchFamily="34" charset="0"/>
+                  <a:ea typeface="Microsoft Sans Serif" panose="020B0604020202020204" pitchFamily="34" charset="0"/>
+                  <a:cs typeface="Microsoft Sans Serif" panose="020B0604020202020204" pitchFamily="34" charset="0"/>
                 </a:rPr>
-                <a:t>Module 4: Visualisation et Manipulation </a:t>
-              </a:r>
-            </a:p>
-            <a:p>
-              <a:endParaRPr lang="fr-FR" dirty="0">
-                <a:solidFill>
-                  <a:schemeClr val="bg1"/>
-                </a:solidFill>
-              </a:endParaRPr>
-            </a:p>
+                <a:t>Fichier CSV</a:t>
+              </a:r>
+            </a:p>
+          </p:txBody>
+        </p:sp>
+        <p:sp>
+          <p:nvSpPr>
+            <p:cNvPr id="26" name="Rectangle 25">
+              <a:extLst>
+                <a:ext uri="{FF2B5EF4-FFF2-40B4-BE49-F238E27FC236}">
+                  <a16:creationId xmlns:a16="http://schemas.microsoft.com/office/drawing/2014/main" id="{0049B1BF-8425-4783-BCBC-CB56E39CFD36}"/>
+                </a:ext>
+              </a:extLst>
+            </p:cNvPr>
+            <p:cNvSpPr/>
+            <p:nvPr/>
+          </p:nvSpPr>
+          <p:spPr>
+            <a:xfrm>
+              <a:off x="5385456" y="1974221"/>
+              <a:ext cx="1549146" cy="361950"/>
+            </a:xfrm>
+            <a:prstGeom prst="rect">
+              <a:avLst/>
+            </a:prstGeom>
+            <a:noFill/>
+          </p:spPr>
+          <p:style>
+            <a:lnRef idx="2">
+              <a:schemeClr val="accent1">
+                <a:shade val="50000"/>
+              </a:schemeClr>
+            </a:lnRef>
+            <a:fillRef idx="1">
+              <a:schemeClr val="accent1"/>
+            </a:fillRef>
+            <a:effectRef idx="0">
+              <a:schemeClr val="accent1"/>
+            </a:effectRef>
+            <a:fontRef idx="minor">
+              <a:schemeClr val="lt1"/>
+            </a:fontRef>
+          </p:style>
+          <p:txBody>
+            <a:bodyPr rtlCol="0" anchor="ctr"/>
+            <a:lstStyle/>
             <a:p>
               <a:pPr algn="ctr"/>
-              <a:r>
-                <a:rPr lang="fr-FR" dirty="0">
-                  <a:solidFill>
-                    <a:schemeClr val="bg1"/>
-                  </a:solidFill>
+              <a:endParaRPr lang="fr-FR" dirty="0"/>
+            </a:p>
+          </p:txBody>
+        </p:sp>
+        <p:sp>
+          <p:nvSpPr>
+            <p:cNvPr id="27" name="ZoneTexte 26">
+              <a:extLst>
+                <a:ext uri="{FF2B5EF4-FFF2-40B4-BE49-F238E27FC236}">
+                  <a16:creationId xmlns:a16="http://schemas.microsoft.com/office/drawing/2014/main" id="{58697CF2-762A-4CAD-8673-0FDDFA6BC39F}"/>
+                </a:ext>
+              </a:extLst>
+            </p:cNvPr>
+            <p:cNvSpPr txBox="1"/>
+            <p:nvPr/>
+          </p:nvSpPr>
+          <p:spPr>
+            <a:xfrm>
+              <a:off x="5377972" y="1974221"/>
+              <a:ext cx="1513556" cy="369332"/>
+            </a:xfrm>
+            <a:prstGeom prst="rect">
+              <a:avLst/>
+            </a:prstGeom>
+            <a:noFill/>
+          </p:spPr>
+          <p:txBody>
+            <a:bodyPr wrap="square" rtlCol="0">
+              <a:spAutoFit/>
+            </a:bodyPr>
+            <a:lstStyle/>
+            <a:p>
+              <a:pPr algn="ctr"/>
+              <a:r>
+                <a:rPr lang="fr-FR" b="1" dirty="0">
+                  <a:effectLst>
+                    <a:outerShdw blurRad="38100" dist="38100" dir="2700000" algn="tl">
+                      <a:srgbClr val="000000">
+                        <a:alpha val="43137"/>
+                      </a:srgbClr>
+                    </a:outerShdw>
+                  </a:effectLst>
+                  <a:latin typeface="Microsoft Sans Serif" panose="020B0604020202020204" pitchFamily="34" charset="0"/>
+                  <a:ea typeface="Microsoft Sans Serif" panose="020B0604020202020204" pitchFamily="34" charset="0"/>
+                  <a:cs typeface="Microsoft Sans Serif" panose="020B0604020202020204" pitchFamily="34" charset="0"/>
                 </a:rPr>
-                <a:t>Programmation pour manipuler et visualiser certaines données</a:t>
-              </a:r>
-            </a:p>
-            <a:p>
-              <a:endParaRPr lang="fr-FR" dirty="0">
-                <a:solidFill>
-                  <a:schemeClr val="bg1"/>
-                </a:solidFill>
-              </a:endParaRPr>
-            </a:p>
-            <a:p>
-              <a:endParaRPr lang="fr-FR" dirty="0"/>
-            </a:p>
-            <a:p>
-              <a:endParaRPr lang="fr-FR" dirty="0"/>
+                <a:t>Visualisation</a:t>
+              </a:r>
             </a:p>
           </p:txBody>
         </p:sp>
       </p:grpSp>
-      <p:sp>
-        <p:nvSpPr>
-          <p:cNvPr id="3" name="Flèche : droite 2">
-            <a:extLst>
-              <a:ext uri="{FF2B5EF4-FFF2-40B4-BE49-F238E27FC236}">
-                <a16:creationId xmlns:a16="http://schemas.microsoft.com/office/drawing/2014/main" id="{F549EE5A-9001-4D9F-BA82-D9A95A065CEE}"/>
-              </a:ext>
-            </a:extLst>
-          </p:cNvPr>
-          <p:cNvSpPr/>
+      <p:grpSp>
+        <p:nvGrpSpPr>
+          <p:cNvPr id="28" name="Groupe 27">
+            <a:extLst>
+              <a:ext uri="{FF2B5EF4-FFF2-40B4-BE49-F238E27FC236}">
+                <a16:creationId xmlns:a16="http://schemas.microsoft.com/office/drawing/2014/main" id="{56B86B6D-6EF7-449D-917D-9F437D28BE90}"/>
+              </a:ext>
+            </a:extLst>
+          </p:cNvPr>
+          <p:cNvGrpSpPr/>
           <p:nvPr/>
-        </p:nvSpPr>
-        <p:spPr>
+        </p:nvGrpSpPr>
+        <p:grpSpPr>
           <a:xfrm>
-            <a:off x="5319958" y="2341657"/>
-            <a:ext cx="1810128" cy="361950"/>
+            <a:off x="9680418" y="783893"/>
+            <a:ext cx="2451723" cy="5554831"/>
+            <a:chOff x="9680418" y="783893"/>
+            <a:chExt cx="2451723" cy="5554831"/>
           </a:xfrm>
-          <a:prstGeom prst="rightArrow">
-            <a:avLst/>
-          </a:prstGeom>
-        </p:spPr>
-        <p:style>
-          <a:lnRef idx="0">
-            <a:schemeClr val="accent2"/>
-          </a:lnRef>
-          <a:fillRef idx="3">
-            <a:schemeClr val="accent2"/>
-          </a:fillRef>
-          <a:effectRef idx="3">
-            <a:schemeClr val="accent2"/>
-          </a:effectRef>
-          <a:fontRef idx="minor">
-            <a:schemeClr val="lt1"/>
-          </a:fontRef>
-        </p:style>
-        <p:txBody>
-          <a:bodyPr rtlCol="0" anchor="ctr"/>
-          <a:lstStyle/>
-          <a:p>
-            <a:pPr algn="ctr"/>
-            <a:endParaRPr lang="fr-FR"/>
-          </a:p>
-        </p:txBody>
-      </p:sp>
-      <p:sp>
-        <p:nvSpPr>
-          <p:cNvPr id="17" name="Flèche : droite 16">
-            <a:extLst>
-              <a:ext uri="{FF2B5EF4-FFF2-40B4-BE49-F238E27FC236}">
-                <a16:creationId xmlns:a16="http://schemas.microsoft.com/office/drawing/2014/main" id="{16206ABB-8FA1-46C0-8276-D990D2A67845}"/>
-              </a:ext>
-            </a:extLst>
-          </p:cNvPr>
-          <p:cNvSpPr/>
-          <p:nvPr/>
-        </p:nvSpPr>
-        <p:spPr>
-          <a:xfrm>
-            <a:off x="5271742" y="5092757"/>
-            <a:ext cx="1858343" cy="386639"/>
-          </a:xfrm>
-          <a:prstGeom prst="rightArrow">
-            <a:avLst/>
-          </a:prstGeom>
-        </p:spPr>
-        <p:style>
-          <a:lnRef idx="0">
-            <a:schemeClr val="accent6"/>
-          </a:lnRef>
-          <a:fillRef idx="3">
-            <a:schemeClr val="accent6"/>
-          </a:fillRef>
-          <a:effectRef idx="3">
-            <a:schemeClr val="accent6"/>
-          </a:effectRef>
-          <a:fontRef idx="minor">
-            <a:schemeClr val="lt1"/>
-          </a:fontRef>
-        </p:style>
-        <p:txBody>
-          <a:bodyPr rtlCol="0" anchor="ctr"/>
-          <a:lstStyle/>
-          <a:p>
-            <a:pPr algn="ctr"/>
-            <a:endParaRPr lang="fr-FR"/>
-          </a:p>
-        </p:txBody>
-      </p:sp>
-      <p:sp>
-        <p:nvSpPr>
-          <p:cNvPr id="18" name="Flèche : bas 17">
-            <a:extLst>
-              <a:ext uri="{FF2B5EF4-FFF2-40B4-BE49-F238E27FC236}">
-                <a16:creationId xmlns:a16="http://schemas.microsoft.com/office/drawing/2014/main" id="{A7FC622D-139E-4035-8DD4-DC3D324CC084}"/>
-              </a:ext>
-            </a:extLst>
-          </p:cNvPr>
-          <p:cNvSpPr/>
-          <p:nvPr/>
-        </p:nvSpPr>
-        <p:spPr>
-          <a:xfrm>
-            <a:off x="3505200" y="3637268"/>
-            <a:ext cx="312933" cy="571722"/>
-          </a:xfrm>
-          <a:prstGeom prst="downArrow">
-            <a:avLst/>
-          </a:prstGeom>
-        </p:spPr>
-        <p:style>
-          <a:lnRef idx="0">
-            <a:schemeClr val="accent2"/>
-          </a:lnRef>
-          <a:fillRef idx="3">
-            <a:schemeClr val="accent2"/>
-          </a:fillRef>
-          <a:effectRef idx="3">
-            <a:schemeClr val="accent2"/>
-          </a:effectRef>
-          <a:fontRef idx="minor">
-            <a:schemeClr val="lt1"/>
-          </a:fontRef>
-        </p:style>
-        <p:txBody>
-          <a:bodyPr rtlCol="0" anchor="ctr"/>
-          <a:lstStyle/>
-          <a:p>
-            <a:pPr algn="ctr"/>
-            <a:endParaRPr lang="fr-FR"/>
-          </a:p>
-        </p:txBody>
-      </p:sp>
-      <p:sp>
-        <p:nvSpPr>
-          <p:cNvPr id="19" name="Rectangle 18">
-            <a:extLst>
-              <a:ext uri="{FF2B5EF4-FFF2-40B4-BE49-F238E27FC236}">
-                <a16:creationId xmlns:a16="http://schemas.microsoft.com/office/drawing/2014/main" id="{B6643758-2BB0-48FD-9979-8158BAD60B3D}"/>
-              </a:ext>
-            </a:extLst>
-          </p:cNvPr>
-          <p:cNvSpPr/>
-          <p:nvPr/>
-        </p:nvSpPr>
-        <p:spPr>
-          <a:xfrm>
-            <a:off x="3854848" y="3710506"/>
-            <a:ext cx="1530608" cy="369332"/>
-          </a:xfrm>
-          <a:prstGeom prst="rect">
-            <a:avLst/>
-          </a:prstGeom>
-          <a:noFill/>
-          <a:ln>
-            <a:solidFill>
-              <a:schemeClr val="tx1"/>
-            </a:solidFill>
-          </a:ln>
-        </p:spPr>
-        <p:style>
-          <a:lnRef idx="2">
-            <a:schemeClr val="accent1">
-              <a:shade val="50000"/>
-            </a:schemeClr>
-          </a:lnRef>
-          <a:fillRef idx="1">
-            <a:schemeClr val="accent1"/>
-          </a:fillRef>
-          <a:effectRef idx="0">
-            <a:schemeClr val="accent1"/>
-          </a:effectRef>
-          <a:fontRef idx="minor">
-            <a:schemeClr val="lt1"/>
-          </a:fontRef>
-        </p:style>
-        <p:txBody>
-          <a:bodyPr rtlCol="0" anchor="ctr"/>
-          <a:lstStyle/>
-          <a:p>
-            <a:pPr algn="ctr"/>
-            <a:endParaRPr lang="fr-FR"/>
-          </a:p>
-        </p:txBody>
-      </p:sp>
-      <p:sp>
-        <p:nvSpPr>
-          <p:cNvPr id="20" name="ZoneTexte 19">
-            <a:extLst>
-              <a:ext uri="{FF2B5EF4-FFF2-40B4-BE49-F238E27FC236}">
-                <a16:creationId xmlns:a16="http://schemas.microsoft.com/office/drawing/2014/main" id="{36469800-0F35-4FC3-89BE-D80A9A12A1B3}"/>
-              </a:ext>
-            </a:extLst>
-          </p:cNvPr>
-          <p:cNvSpPr txBox="1"/>
-          <p:nvPr/>
-        </p:nvSpPr>
-        <p:spPr>
-          <a:xfrm>
-            <a:off x="3818133" y="3715992"/>
-            <a:ext cx="1559839" cy="369332"/>
-          </a:xfrm>
-          <a:prstGeom prst="rect">
-            <a:avLst/>
-          </a:prstGeom>
-          <a:noFill/>
-        </p:spPr>
-        <p:txBody>
-          <a:bodyPr wrap="square" rtlCol="0">
-            <a:spAutoFit/>
-          </a:bodyPr>
-          <a:lstStyle/>
-          <a:p>
-            <a:pPr algn="ctr"/>
-            <a:r>
-              <a:rPr lang="fr-FR" b="1" dirty="0">
-                <a:effectLst>
-                  <a:outerShdw blurRad="38100" dist="38100" dir="2700000" algn="tl">
-                    <a:srgbClr val="000000">
-                      <a:alpha val="43137"/>
-                    </a:srgbClr>
-                  </a:outerShdw>
-                </a:effectLst>
-                <a:latin typeface="Microsoft Sans Serif" panose="020B0604020202020204" pitchFamily="34" charset="0"/>
-                <a:ea typeface="Microsoft Sans Serif" panose="020B0604020202020204" pitchFamily="34" charset="0"/>
-                <a:cs typeface="Microsoft Sans Serif" panose="020B0604020202020204" pitchFamily="34" charset="0"/>
-              </a:rPr>
-              <a:t>Sortie Serial</a:t>
-            </a:r>
-          </a:p>
-        </p:txBody>
-      </p:sp>
-      <p:sp>
-        <p:nvSpPr>
-          <p:cNvPr id="21" name="Rectangle 20">
-            <a:extLst>
-              <a:ext uri="{FF2B5EF4-FFF2-40B4-BE49-F238E27FC236}">
-                <a16:creationId xmlns:a16="http://schemas.microsoft.com/office/drawing/2014/main" id="{98205717-9668-4FF6-9029-453B38815A65}"/>
-              </a:ext>
-            </a:extLst>
-          </p:cNvPr>
-          <p:cNvSpPr/>
-          <p:nvPr/>
-        </p:nvSpPr>
-        <p:spPr>
-          <a:xfrm>
-            <a:off x="5435901" y="4705350"/>
-            <a:ext cx="1498701" cy="313233"/>
-          </a:xfrm>
-          <a:prstGeom prst="rect">
-            <a:avLst/>
-          </a:prstGeom>
-          <a:noFill/>
-        </p:spPr>
-        <p:style>
-          <a:lnRef idx="2">
-            <a:schemeClr val="accent1">
-              <a:shade val="50000"/>
-            </a:schemeClr>
-          </a:lnRef>
-          <a:fillRef idx="1">
-            <a:schemeClr val="accent1"/>
-          </a:fillRef>
-          <a:effectRef idx="0">
-            <a:schemeClr val="accent1"/>
-          </a:effectRef>
-          <a:fontRef idx="minor">
-            <a:schemeClr val="lt1"/>
-          </a:fontRef>
-        </p:style>
-        <p:txBody>
-          <a:bodyPr rtlCol="0" anchor="ctr"/>
-          <a:lstStyle/>
-          <a:p>
-            <a:pPr algn="ctr"/>
-            <a:endParaRPr lang="fr-FR"/>
-          </a:p>
-        </p:txBody>
-      </p:sp>
-      <p:sp>
-        <p:nvSpPr>
-          <p:cNvPr id="22" name="ZoneTexte 21">
-            <a:extLst>
-              <a:ext uri="{FF2B5EF4-FFF2-40B4-BE49-F238E27FC236}">
-                <a16:creationId xmlns:a16="http://schemas.microsoft.com/office/drawing/2014/main" id="{34452539-8DFB-41DD-94AB-C85FA59DA1B4}"/>
-              </a:ext>
-            </a:extLst>
-          </p:cNvPr>
-          <p:cNvSpPr txBox="1"/>
-          <p:nvPr/>
-        </p:nvSpPr>
-        <p:spPr>
-          <a:xfrm>
-            <a:off x="5426333" y="4686338"/>
-            <a:ext cx="1498701" cy="369332"/>
-          </a:xfrm>
-          <a:prstGeom prst="rect">
-            <a:avLst/>
-          </a:prstGeom>
-          <a:noFill/>
-        </p:spPr>
-        <p:txBody>
-          <a:bodyPr wrap="square" rtlCol="0">
-            <a:spAutoFit/>
-          </a:bodyPr>
-          <a:lstStyle/>
-          <a:p>
-            <a:pPr algn="ctr"/>
-            <a:r>
-              <a:rPr lang="fr-FR" b="1" dirty="0">
-                <a:effectLst>
-                  <a:outerShdw blurRad="38100" dist="38100" dir="2700000" algn="tl">
-                    <a:srgbClr val="000000">
-                      <a:alpha val="43137"/>
-                    </a:srgbClr>
-                  </a:outerShdw>
-                </a:effectLst>
-                <a:latin typeface="Microsoft Sans Serif" panose="020B0604020202020204" pitchFamily="34" charset="0"/>
-                <a:ea typeface="Microsoft Sans Serif" panose="020B0604020202020204" pitchFamily="34" charset="0"/>
-                <a:cs typeface="Microsoft Sans Serif" panose="020B0604020202020204" pitchFamily="34" charset="0"/>
-              </a:rPr>
-              <a:t>Fichier CSV</a:t>
-            </a:r>
-          </a:p>
-        </p:txBody>
-      </p:sp>
-      <p:sp>
-        <p:nvSpPr>
-          <p:cNvPr id="26" name="Rectangle 25">
-            <a:extLst>
-              <a:ext uri="{FF2B5EF4-FFF2-40B4-BE49-F238E27FC236}">
-                <a16:creationId xmlns:a16="http://schemas.microsoft.com/office/drawing/2014/main" id="{0049B1BF-8425-4783-BCBC-CB56E39CFD36}"/>
-              </a:ext>
-            </a:extLst>
-          </p:cNvPr>
-          <p:cNvSpPr/>
-          <p:nvPr/>
-        </p:nvSpPr>
-        <p:spPr>
-          <a:xfrm>
-            <a:off x="5385456" y="1974221"/>
-            <a:ext cx="1549146" cy="361950"/>
-          </a:xfrm>
-          <a:prstGeom prst="rect">
-            <a:avLst/>
-          </a:prstGeom>
-          <a:noFill/>
-        </p:spPr>
-        <p:style>
-          <a:lnRef idx="2">
-            <a:schemeClr val="accent1">
-              <a:shade val="50000"/>
-            </a:schemeClr>
-          </a:lnRef>
-          <a:fillRef idx="1">
-            <a:schemeClr val="accent1"/>
-          </a:fillRef>
-          <a:effectRef idx="0">
-            <a:schemeClr val="accent1"/>
-          </a:effectRef>
-          <a:fontRef idx="minor">
-            <a:schemeClr val="lt1"/>
-          </a:fontRef>
-        </p:style>
-        <p:txBody>
-          <a:bodyPr rtlCol="0" anchor="ctr"/>
-          <a:lstStyle/>
-          <a:p>
-            <a:pPr algn="ctr"/>
-            <a:endParaRPr lang="fr-FR"/>
-          </a:p>
-        </p:txBody>
-      </p:sp>
-      <p:sp>
-        <p:nvSpPr>
-          <p:cNvPr id="27" name="ZoneTexte 26">
-            <a:extLst>
-              <a:ext uri="{FF2B5EF4-FFF2-40B4-BE49-F238E27FC236}">
-                <a16:creationId xmlns:a16="http://schemas.microsoft.com/office/drawing/2014/main" id="{58697CF2-762A-4CAD-8673-0FDDFA6BC39F}"/>
-              </a:ext>
-            </a:extLst>
-          </p:cNvPr>
-          <p:cNvSpPr txBox="1"/>
-          <p:nvPr/>
-        </p:nvSpPr>
-        <p:spPr>
-          <a:xfrm>
-            <a:off x="5377972" y="1974221"/>
-            <a:ext cx="1513556" cy="369332"/>
-          </a:xfrm>
-          <a:prstGeom prst="rect">
-            <a:avLst/>
-          </a:prstGeom>
-          <a:noFill/>
-        </p:spPr>
-        <p:txBody>
-          <a:bodyPr wrap="square" rtlCol="0">
-            <a:spAutoFit/>
-          </a:bodyPr>
-          <a:lstStyle/>
-          <a:p>
-            <a:pPr algn="ctr"/>
-            <a:r>
-              <a:rPr lang="fr-FR" b="1" dirty="0">
-                <a:effectLst>
-                  <a:outerShdw blurRad="38100" dist="38100" dir="2700000" algn="tl">
-                    <a:srgbClr val="000000">
-                      <a:alpha val="43137"/>
-                    </a:srgbClr>
-                  </a:outerShdw>
-                </a:effectLst>
-                <a:latin typeface="Microsoft Sans Serif" panose="020B0604020202020204" pitchFamily="34" charset="0"/>
-                <a:ea typeface="Microsoft Sans Serif" panose="020B0604020202020204" pitchFamily="34" charset="0"/>
-                <a:cs typeface="Microsoft Sans Serif" panose="020B0604020202020204" pitchFamily="34" charset="0"/>
-              </a:rPr>
-              <a:t>Visualisation</a:t>
-            </a:r>
-          </a:p>
-        </p:txBody>
-      </p:sp>
+        </p:grpSpPr>
+        <p:sp>
+          <p:nvSpPr>
+            <p:cNvPr id="29" name="ZoneTexte 28">
+              <a:extLst>
+                <a:ext uri="{FF2B5EF4-FFF2-40B4-BE49-F238E27FC236}">
+                  <a16:creationId xmlns:a16="http://schemas.microsoft.com/office/drawing/2014/main" id="{9CF81134-F347-43F9-B961-B9A04EB42634}"/>
+                </a:ext>
+              </a:extLst>
+            </p:cNvPr>
+            <p:cNvSpPr txBox="1"/>
+            <p:nvPr/>
+          </p:nvSpPr>
+          <p:spPr>
+            <a:xfrm>
+              <a:off x="9758713" y="783893"/>
+              <a:ext cx="2373428" cy="2985433"/>
+            </a:xfrm>
+            <a:prstGeom prst="rect">
+              <a:avLst/>
+            </a:prstGeom>
+            <a:noFill/>
+          </p:spPr>
+          <p:txBody>
+            <a:bodyPr wrap="square" rtlCol="0">
+              <a:spAutoFit/>
+            </a:bodyPr>
+            <a:lstStyle/>
+            <a:p>
+              <a:r>
+                <a:rPr lang="fr-FR" sz="1200" dirty="0"/>
+                <a:t>Avancement Diapositive:</a:t>
+              </a:r>
+            </a:p>
+            <a:p>
+              <a:pPr marL="400050" indent="-400050">
+                <a:buAutoNum type="romanUcParenR"/>
+              </a:pPr>
+              <a:endParaRPr lang="fr-FR" sz="1200" b="1" dirty="0"/>
+            </a:p>
+            <a:p>
+              <a:pPr marL="400050" indent="-400050">
+                <a:buAutoNum type="romanUcParenR"/>
+              </a:pPr>
+              <a:endParaRPr lang="fr-FR" sz="1200" b="1" dirty="0"/>
+            </a:p>
+            <a:p>
+              <a:pPr marL="400050" indent="-400050">
+                <a:buAutoNum type="romanUcParenR"/>
+              </a:pPr>
+              <a:r>
+                <a:rPr lang="fr-FR" sz="1200" i="1" dirty="0"/>
+                <a:t>Organisation du projet</a:t>
+              </a:r>
+            </a:p>
+            <a:p>
+              <a:pPr marL="400050" indent="-400050">
+                <a:buAutoNum type="romanUcParenR"/>
+              </a:pPr>
+              <a:endParaRPr lang="fr-FR" sz="1200" dirty="0"/>
+            </a:p>
+            <a:p>
+              <a:pPr marL="400050" indent="-400050">
+                <a:buAutoNum type="romanUcParenR"/>
+              </a:pPr>
+              <a:r>
+                <a:rPr lang="fr-FR" sz="1200" i="1" dirty="0"/>
+                <a:t>Présentation des modules</a:t>
+              </a:r>
+            </a:p>
+            <a:p>
+              <a:pPr marL="971550" lvl="1" indent="-514350">
+                <a:buFont typeface="+mj-lt"/>
+                <a:buAutoNum type="alphaLcParenR"/>
+              </a:pPr>
+              <a:r>
+                <a:rPr lang="fr-FR" sz="1100" i="1" dirty="0"/>
+                <a:t>Module 1</a:t>
+              </a:r>
+            </a:p>
+            <a:p>
+              <a:pPr marL="971550" lvl="1" indent="-514350">
+                <a:buFont typeface="+mj-lt"/>
+                <a:buAutoNum type="alphaLcParenR"/>
+              </a:pPr>
+              <a:r>
+                <a:rPr lang="fr-FR" sz="1100" i="1" dirty="0"/>
+                <a:t>Module 2</a:t>
+              </a:r>
+            </a:p>
+            <a:p>
+              <a:pPr marL="971550" lvl="1" indent="-514350">
+                <a:buFont typeface="+mj-lt"/>
+                <a:buAutoNum type="alphaLcParenR"/>
+              </a:pPr>
+              <a:r>
+                <a:rPr lang="fr-FR" sz="1100" i="1" dirty="0"/>
+                <a:t>Module 3</a:t>
+              </a:r>
+            </a:p>
+            <a:p>
+              <a:pPr marL="971550" lvl="1" indent="-514350">
+                <a:buFont typeface="+mj-lt"/>
+                <a:buAutoNum type="alphaLcParenR"/>
+              </a:pPr>
+              <a:r>
+                <a:rPr lang="fr-FR" sz="1100" i="1" dirty="0"/>
+                <a:t>Module 4</a:t>
+              </a:r>
+            </a:p>
+            <a:p>
+              <a:pPr lvl="1"/>
+              <a:endParaRPr lang="fr-FR" sz="1200" i="1" dirty="0"/>
+            </a:p>
+            <a:p>
+              <a:pPr marL="400050" indent="-400050">
+                <a:buAutoNum type="romanUcParenR"/>
+              </a:pPr>
+              <a:r>
+                <a:rPr lang="fr-FR" sz="1200" b="1" dirty="0"/>
+                <a:t>Bilan des modules</a:t>
+              </a:r>
+            </a:p>
+            <a:p>
+              <a:pPr marL="400050" indent="-400050">
+                <a:buAutoNum type="romanUcParenR"/>
+              </a:pPr>
+              <a:endParaRPr lang="fr-FR" sz="1200" b="1" i="1" dirty="0"/>
+            </a:p>
+            <a:p>
+              <a:pPr marL="400050" indent="-400050">
+                <a:buAutoNum type="romanUcParenR"/>
+              </a:pPr>
+              <a:r>
+                <a:rPr lang="fr-FR" sz="1200" dirty="0"/>
+                <a:t>Visualisation direct du projet</a:t>
+              </a:r>
+            </a:p>
+            <a:p>
+              <a:pPr marL="400050" indent="-400050">
+                <a:buAutoNum type="romanUcParenR"/>
+              </a:pPr>
+              <a:endParaRPr lang="fr-FR" sz="1200" dirty="0"/>
+            </a:p>
+            <a:p>
+              <a:pPr marL="400050" indent="-400050">
+                <a:buAutoNum type="romanUcParenR"/>
+              </a:pPr>
+              <a:r>
+                <a:rPr lang="fr-FR" sz="1200" i="1" dirty="0"/>
+                <a:t>Conclusion</a:t>
+              </a:r>
+            </a:p>
+          </p:txBody>
+        </p:sp>
+        <p:sp>
+          <p:nvSpPr>
+            <p:cNvPr id="30" name="Rectangle 29">
+              <a:extLst>
+                <a:ext uri="{FF2B5EF4-FFF2-40B4-BE49-F238E27FC236}">
+                  <a16:creationId xmlns:a16="http://schemas.microsoft.com/office/drawing/2014/main" id="{F52D2A8B-B009-4120-B5A1-4163CF35F807}"/>
+                </a:ext>
+              </a:extLst>
+            </p:cNvPr>
+            <p:cNvSpPr/>
+            <p:nvPr/>
+          </p:nvSpPr>
+          <p:spPr>
+            <a:xfrm>
+              <a:off x="9680418" y="783893"/>
+              <a:ext cx="2379215" cy="5554831"/>
+            </a:xfrm>
+            <a:prstGeom prst="rect">
+              <a:avLst/>
+            </a:prstGeom>
+            <a:noFill/>
+            <a:ln>
+              <a:solidFill>
+                <a:schemeClr val="tx1"/>
+              </a:solidFill>
+            </a:ln>
+          </p:spPr>
+          <p:style>
+            <a:lnRef idx="2">
+              <a:schemeClr val="accent1">
+                <a:shade val="50000"/>
+              </a:schemeClr>
+            </a:lnRef>
+            <a:fillRef idx="1">
+              <a:schemeClr val="accent1"/>
+            </a:fillRef>
+            <a:effectRef idx="0">
+              <a:schemeClr val="accent1"/>
+            </a:effectRef>
+            <a:fontRef idx="minor">
+              <a:schemeClr val="lt1"/>
+            </a:fontRef>
+          </p:style>
+          <p:txBody>
+            <a:bodyPr rtlCol="0" anchor="ctr"/>
+            <a:lstStyle/>
+            <a:p>
+              <a:pPr algn="ctr"/>
+              <a:endParaRPr lang="fr-FR" dirty="0"/>
+            </a:p>
+          </p:txBody>
+        </p:sp>
+      </p:grpSp>
     </p:spTree>
     <p:extLst>
       <p:ext uri="{BB962C8B-B14F-4D97-AF65-F5344CB8AC3E}">

--- a/PROJET 1 UE 1 diapositive.pptx
+++ b/PROJET 1 UE 1 diapositive.pptx
@@ -3424,13 +3424,13 @@
               </a:rPr>
             </a:br>
             <a:r>
-              <a:rPr lang="fr-FR" sz="4900" dirty="0">
+              <a:rPr lang="fr-FR" sz="4900" i="1" dirty="0">
                 <a:latin typeface="Cambria Math" panose="02040503050406030204" pitchFamily="18" charset="0"/>
                 <a:ea typeface="Cambria Math" panose="02040503050406030204" pitchFamily="18" charset="0"/>
               </a:rPr>
               <a:t>Projet n°1</a:t>
             </a:r>
-            <a:endParaRPr lang="fr-FR" dirty="0">
+            <a:endParaRPr lang="fr-FR" i="1" dirty="0">
               <a:latin typeface="Cambria Math" panose="02040503050406030204" pitchFamily="18" charset="0"/>
               <a:ea typeface="Cambria Math" panose="02040503050406030204" pitchFamily="18" charset="0"/>
             </a:endParaRPr>
@@ -3669,49 +3669,6 @@
           <a:chExt cx="0" cy="0"/>
         </a:xfrm>
       </p:grpSpPr>
-      <p:sp>
-        <p:nvSpPr>
-          <p:cNvPr id="2" name="Titre 1">
-            <a:extLst>
-              <a:ext uri="{FF2B5EF4-FFF2-40B4-BE49-F238E27FC236}">
-                <a16:creationId xmlns:a16="http://schemas.microsoft.com/office/drawing/2014/main" id="{6765864F-B052-4150-96F0-D0009B8CEA6D}"/>
-              </a:ext>
-            </a:extLst>
-          </p:cNvPr>
-          <p:cNvSpPr>
-            <a:spLocks noGrp="1"/>
-          </p:cNvSpPr>
-          <p:nvPr>
-            <p:ph type="title"/>
-          </p:nvPr>
-        </p:nvSpPr>
-        <p:spPr>
-          <a:xfrm>
-            <a:off x="132367" y="121111"/>
-            <a:ext cx="10515600" cy="1325563"/>
-          </a:xfrm>
-        </p:spPr>
-        <p:txBody>
-          <a:bodyPr>
-            <a:normAutofit/>
-          </a:bodyPr>
-          <a:lstStyle/>
-          <a:p>
-            <a:pPr algn="ctr"/>
-            <a:r>
-              <a:rPr lang="fr-FR" b="1" dirty="0"/>
-              <a:t>III) Bilan des modules</a:t>
-            </a:r>
-            <a:br>
-              <a:rPr lang="fr-FR" sz="1800" dirty="0"/>
-            </a:br>
-            <a:r>
-              <a:rPr lang="fr-FR" sz="1800" dirty="0"/>
-              <a:t>Aspect commercial (ce que notre produit vaut ) Avantage/inconvénients</a:t>
-            </a:r>
-          </a:p>
-        </p:txBody>
-      </p:sp>
       <p:grpSp>
         <p:nvGrpSpPr>
           <p:cNvPr id="4" name="Groupe 3">
@@ -3865,7 +3822,7 @@
                 <a:buAutoNum type="romanUcParenR"/>
               </a:pPr>
               <a:r>
-                <a:rPr lang="fr-FR" sz="1200" dirty="0"/>
+                <a:rPr lang="fr-FR" sz="1200" i="1" dirty="0"/>
                 <a:t>Visualisation direct du projet</a:t>
               </a:r>
             </a:p>
@@ -3939,6 +3896,68 @@
           </p:txBody>
         </p:sp>
       </p:grpSp>
+      <p:sp>
+        <p:nvSpPr>
+          <p:cNvPr id="8" name="Titre 1">
+            <a:extLst>
+              <a:ext uri="{FF2B5EF4-FFF2-40B4-BE49-F238E27FC236}">
+                <a16:creationId xmlns:a16="http://schemas.microsoft.com/office/drawing/2014/main" id="{94FF983A-041B-496B-976A-2CBBCAFABE25}"/>
+              </a:ext>
+            </a:extLst>
+          </p:cNvPr>
+          <p:cNvSpPr txBox="1">
+            <a:spLocks/>
+          </p:cNvSpPr>
+          <p:nvPr/>
+        </p:nvSpPr>
+        <p:spPr>
+          <a:xfrm>
+            <a:off x="-376634" y="65148"/>
+            <a:ext cx="10515600" cy="1325563"/>
+          </a:xfrm>
+          <a:prstGeom prst="rect">
+            <a:avLst/>
+          </a:prstGeom>
+        </p:spPr>
+        <p:txBody>
+          <a:bodyPr vert="horz" lIns="91440" tIns="45720" rIns="91440" bIns="45720" rtlCol="0" anchor="ctr">
+            <a:normAutofit/>
+          </a:bodyPr>
+          <a:lstStyle>
+            <a:lvl1pPr algn="l" defTabSz="914400" rtl="0" eaLnBrk="1" latinLnBrk="0" hangingPunct="1">
+              <a:lnSpc>
+                <a:spcPct val="90000"/>
+              </a:lnSpc>
+              <a:spcBef>
+                <a:spcPct val="0"/>
+              </a:spcBef>
+              <a:buNone/>
+              <a:defRPr sz="4400" kern="1200">
+                <a:solidFill>
+                  <a:schemeClr val="tx1"/>
+                </a:solidFill>
+                <a:latin typeface="+mj-lt"/>
+                <a:ea typeface="+mj-ea"/>
+                <a:cs typeface="+mj-cs"/>
+              </a:defRPr>
+            </a:lvl1pPr>
+          </a:lstStyle>
+          <a:p>
+            <a:pPr algn="ctr"/>
+            <a:r>
+              <a:rPr lang="fr-FR" sz="4000" dirty="0"/>
+              <a:t> III) Bilan des modules </a:t>
+            </a:r>
+          </a:p>
+          <a:p>
+            <a:pPr algn="ctr"/>
+            <a:r>
+              <a:rPr lang="fr-FR" sz="2400" dirty="0"/>
+              <a:t>Vision critique Avantages/ Inconvénients</a:t>
+            </a:r>
+          </a:p>
+        </p:txBody>
+      </p:sp>
     </p:spTree>
     <p:extLst>
       <p:ext uri="{BB962C8B-B14F-4D97-AF65-F5344CB8AC3E}">
@@ -3992,12 +4011,14 @@
           </a:xfrm>
         </p:spPr>
         <p:txBody>
-          <a:bodyPr/>
+          <a:bodyPr>
+            <a:normAutofit/>
+          </a:bodyPr>
           <a:lstStyle/>
           <a:p>
             <a:pPr algn="ctr"/>
             <a:r>
-              <a:rPr lang="fr-FR" dirty="0"/>
+              <a:rPr lang="fr-FR" sz="4000" dirty="0"/>
               <a:t>IV) Présentation direct ou vidéo du projet </a:t>
             </a:r>
           </a:p>
@@ -4055,8 +4076,8 @@
           <a:lstStyle/>
           <a:p>
             <a:r>
-              <a:rPr lang="fr-FR" dirty="0"/>
-              <a:t>Conclusion </a:t>
+              <a:rPr lang="fr-FR" sz="4000" dirty="0"/>
+              <a:t>V) Conclusion </a:t>
             </a:r>
           </a:p>
         </p:txBody>
@@ -4214,7 +4235,7 @@
                 <a:buAutoNum type="romanUcParenR"/>
               </a:pPr>
               <a:r>
-                <a:rPr lang="fr-FR" sz="1200" dirty="0"/>
+                <a:rPr lang="fr-FR" sz="1200" i="1" dirty="0"/>
                 <a:t>Visualisation direct du projet</a:t>
               </a:r>
             </a:p>
@@ -4594,7 +4615,9 @@
               <a:buAutoNum type="romanUcParenR"/>
             </a:pPr>
             <a:r>
-              <a:rPr lang="fr-FR" sz="2800" dirty="0"/>
+              <a:rPr lang="fr-FR" sz="2800" dirty="0">
+                <a:latin typeface="+mj-lt"/>
+              </a:rPr>
               <a:t>Organisation du projet</a:t>
             </a:r>
           </a:p>
@@ -4602,14 +4625,18 @@
             <a:pPr marL="400050" indent="-400050">
               <a:buAutoNum type="romanUcParenR"/>
             </a:pPr>
-            <a:endParaRPr lang="fr-FR" sz="2800" dirty="0"/>
+            <a:endParaRPr lang="fr-FR" sz="2800" dirty="0">
+              <a:latin typeface="+mj-lt"/>
+            </a:endParaRPr>
           </a:p>
           <a:p>
             <a:pPr marL="400050" indent="-400050">
               <a:buAutoNum type="romanUcParenR"/>
             </a:pPr>
             <a:r>
-              <a:rPr lang="fr-FR" sz="2800" dirty="0"/>
+              <a:rPr lang="fr-FR" sz="2800" dirty="0">
+                <a:latin typeface="+mj-lt"/>
+              </a:rPr>
               <a:t>Présentation des modules</a:t>
             </a:r>
           </a:p>
@@ -4619,7 +4646,9 @@
               <a:buAutoNum type="alphaLcParenR"/>
             </a:pPr>
             <a:r>
-              <a:rPr lang="fr-FR" sz="2000" dirty="0"/>
+              <a:rPr lang="fr-FR" sz="2000" dirty="0">
+                <a:latin typeface="+mj-lt"/>
+              </a:rPr>
               <a:t>Module 1</a:t>
             </a:r>
           </a:p>
@@ -4629,7 +4658,9 @@
               <a:buAutoNum type="alphaLcParenR"/>
             </a:pPr>
             <a:r>
-              <a:rPr lang="fr-FR" sz="2000" dirty="0"/>
+              <a:rPr lang="fr-FR" sz="2000" dirty="0">
+                <a:latin typeface="+mj-lt"/>
+              </a:rPr>
               <a:t>Module 2</a:t>
             </a:r>
           </a:p>
@@ -4639,7 +4670,9 @@
               <a:buAutoNum type="alphaLcParenR"/>
             </a:pPr>
             <a:r>
-              <a:rPr lang="fr-FR" sz="2000" dirty="0"/>
+              <a:rPr lang="fr-FR" sz="2000" dirty="0">
+                <a:latin typeface="+mj-lt"/>
+              </a:rPr>
               <a:t>Module 3</a:t>
             </a:r>
           </a:p>
@@ -4649,7 +4682,9 @@
               <a:buAutoNum type="alphaLcParenR"/>
             </a:pPr>
             <a:r>
-              <a:rPr lang="fr-FR" sz="2000" dirty="0"/>
+              <a:rPr lang="fr-FR" sz="2000" dirty="0">
+                <a:latin typeface="+mj-lt"/>
+              </a:rPr>
               <a:t>Module 4</a:t>
             </a:r>
           </a:p>
@@ -4657,14 +4692,18 @@
             <a:pPr marL="400050" indent="-400050">
               <a:buAutoNum type="romanUcParenR"/>
             </a:pPr>
-            <a:endParaRPr lang="fr-FR" sz="2800" dirty="0"/>
+            <a:endParaRPr lang="fr-FR" sz="2800" dirty="0">
+              <a:latin typeface="+mj-lt"/>
+            </a:endParaRPr>
           </a:p>
           <a:p>
             <a:pPr marL="400050" indent="-400050">
               <a:buAutoNum type="romanUcParenR"/>
             </a:pPr>
             <a:r>
-              <a:rPr lang="fr-FR" sz="2800" dirty="0"/>
+              <a:rPr lang="fr-FR" sz="2800" dirty="0">
+                <a:latin typeface="+mj-lt"/>
+              </a:rPr>
               <a:t>Bilan des modules</a:t>
             </a:r>
           </a:p>
@@ -4672,14 +4711,18 @@
             <a:pPr marL="400050" indent="-400050">
               <a:buAutoNum type="romanUcParenR"/>
             </a:pPr>
-            <a:endParaRPr lang="fr-FR" sz="2800" dirty="0"/>
+            <a:endParaRPr lang="fr-FR" sz="2800" dirty="0">
+              <a:latin typeface="+mj-lt"/>
+            </a:endParaRPr>
           </a:p>
           <a:p>
             <a:pPr marL="400050" indent="-400050">
               <a:buAutoNum type="romanUcParenR"/>
             </a:pPr>
             <a:r>
-              <a:rPr lang="fr-FR" sz="2800" dirty="0"/>
+              <a:rPr lang="fr-FR" sz="2800" dirty="0">
+                <a:latin typeface="+mj-lt"/>
+              </a:rPr>
               <a:t>Visualisation direct du Projet</a:t>
             </a:r>
           </a:p>
@@ -4687,14 +4730,18 @@
             <a:pPr marL="400050" indent="-400050">
               <a:buAutoNum type="romanUcParenR"/>
             </a:pPr>
-            <a:endParaRPr lang="fr-FR" sz="2800" dirty="0"/>
+            <a:endParaRPr lang="fr-FR" sz="2800" dirty="0">
+              <a:latin typeface="+mj-lt"/>
+            </a:endParaRPr>
           </a:p>
           <a:p>
             <a:pPr marL="400050" indent="-400050">
               <a:buAutoNum type="romanUcParenR"/>
             </a:pPr>
             <a:r>
-              <a:rPr lang="fr-FR" sz="2800" dirty="0"/>
+              <a:rPr lang="fr-FR" sz="2800" dirty="0">
+                <a:latin typeface="+mj-lt"/>
+              </a:rPr>
               <a:t>Conclusion</a:t>
             </a:r>
           </a:p>
@@ -4748,30 +4795,20 @@
         </p:nvSpPr>
         <p:spPr>
           <a:xfrm>
-            <a:off x="429827" y="121112"/>
+            <a:off x="-304126" y="22485"/>
             <a:ext cx="10515600" cy="1325563"/>
           </a:xfrm>
         </p:spPr>
         <p:txBody>
-          <a:bodyPr/>
+          <a:bodyPr>
+            <a:normAutofit/>
+          </a:bodyPr>
           <a:lstStyle/>
           <a:p>
             <a:pPr algn="ctr"/>
             <a:r>
-              <a:rPr lang="fr-FR" dirty="0">
-                <a:latin typeface="Freestyle Script" panose="030804020302050B0404" pitchFamily="66" charset="0"/>
-              </a:rPr>
-              <a:t> </a:t>
-            </a:r>
-            <a:r>
-              <a:rPr lang="fr-FR" dirty="0"/>
-              <a:t>I) </a:t>
-            </a:r>
-            <a:r>
-              <a:rPr lang="fr-FR" dirty="0">
-                <a:latin typeface="Freestyle Script" panose="030804020302050B0404" pitchFamily="66" charset="0"/>
-              </a:rPr>
-              <a:t>Organisation du projet </a:t>
+              <a:rPr lang="fr-FR" sz="4000" dirty="0"/>
+              <a:t> I) Organisation du projet </a:t>
             </a:r>
           </a:p>
         </p:txBody>
@@ -4950,7 +4987,7 @@
         </p:nvGrpSpPr>
         <p:grpSpPr>
           <a:xfrm>
-            <a:off x="6061549" y="1421106"/>
+            <a:off x="5606220" y="1482531"/>
             <a:ext cx="3403474" cy="2154173"/>
             <a:chOff x="7653527" y="1408143"/>
             <a:chExt cx="3403474" cy="2154173"/>
@@ -5243,7 +5280,7 @@
         </p:nvGrpSpPr>
         <p:grpSpPr>
           <a:xfrm>
-            <a:off x="6096000" y="4184551"/>
+            <a:off x="5581095" y="4184551"/>
             <a:ext cx="3389631" cy="2308324"/>
             <a:chOff x="7647886" y="4131916"/>
             <a:chExt cx="3389631" cy="2308324"/>
@@ -5529,10 +5566,9 @@
                 <a:buAutoNum type="romanUcParenR"/>
               </a:pPr>
               <a:r>
-                <a:rPr lang="fr-FR" sz="1200" dirty="0"/>
+                <a:rPr lang="fr-FR" sz="1200" i="1" dirty="0"/>
                 <a:t>Visualisation direct du projet</a:t>
               </a:r>
-              <a:endParaRPr lang="fr-FR" sz="1200" i="1" dirty="0"/>
             </a:p>
             <a:p>
               <a:pPr marL="400050" indent="-400050">
@@ -5634,35 +5670,6 @@
           <a:chExt cx="0" cy="0"/>
         </a:xfrm>
       </p:grpSpPr>
-      <p:sp>
-        <p:nvSpPr>
-          <p:cNvPr id="2" name="Titre 1">
-            <a:extLst>
-              <a:ext uri="{FF2B5EF4-FFF2-40B4-BE49-F238E27FC236}">
-                <a16:creationId xmlns:a16="http://schemas.microsoft.com/office/drawing/2014/main" id="{A8E04191-F4F5-4600-A581-3DF0B0AA7695}"/>
-              </a:ext>
-            </a:extLst>
-          </p:cNvPr>
-          <p:cNvSpPr>
-            <a:spLocks noGrp="1"/>
-          </p:cNvSpPr>
-          <p:nvPr>
-            <p:ph type="title"/>
-          </p:nvPr>
-        </p:nvSpPr>
-        <p:spPr/>
-        <p:txBody>
-          <a:bodyPr/>
-          <a:lstStyle/>
-          <a:p>
-            <a:pPr algn="ctr"/>
-            <a:r>
-              <a:rPr lang="fr-FR" b="1" dirty="0"/>
-              <a:t>Module 1</a:t>
-            </a:r>
-          </a:p>
-        </p:txBody>
-      </p:sp>
       <p:pic>
         <p:nvPicPr>
           <p:cNvPr id="5" name="Espace réservé du contenu 4">
@@ -5930,10 +5937,9 @@
                 <a:buAutoNum type="romanUcParenR"/>
               </a:pPr>
               <a:r>
-                <a:rPr lang="fr-FR" sz="1200" dirty="0"/>
+                <a:rPr lang="fr-FR" sz="1200" i="1" dirty="0"/>
                 <a:t>Visualisation direct du projet</a:t>
               </a:r>
-              <a:endParaRPr lang="fr-FR" sz="1200" i="1" dirty="0"/>
             </a:p>
             <a:p>
               <a:pPr marL="400050" indent="-400050">
@@ -6005,6 +6011,68 @@
           </p:txBody>
         </p:sp>
       </p:grpSp>
+      <p:sp>
+        <p:nvSpPr>
+          <p:cNvPr id="12" name="Titre 1">
+            <a:extLst>
+              <a:ext uri="{FF2B5EF4-FFF2-40B4-BE49-F238E27FC236}">
+                <a16:creationId xmlns:a16="http://schemas.microsoft.com/office/drawing/2014/main" id="{5C9E374B-4953-41A1-BAD8-0BD18B3F3EEF}"/>
+              </a:ext>
+            </a:extLst>
+          </p:cNvPr>
+          <p:cNvSpPr txBox="1">
+            <a:spLocks/>
+          </p:cNvSpPr>
+          <p:nvPr/>
+        </p:nvSpPr>
+        <p:spPr>
+          <a:xfrm>
+            <a:off x="-304126" y="22485"/>
+            <a:ext cx="10515600" cy="1325563"/>
+          </a:xfrm>
+          <a:prstGeom prst="rect">
+            <a:avLst/>
+          </a:prstGeom>
+        </p:spPr>
+        <p:txBody>
+          <a:bodyPr vert="horz" lIns="91440" tIns="45720" rIns="91440" bIns="45720" rtlCol="0" anchor="ctr">
+            <a:normAutofit/>
+          </a:bodyPr>
+          <a:lstStyle>
+            <a:lvl1pPr algn="l" defTabSz="914400" rtl="0" eaLnBrk="1" latinLnBrk="0" hangingPunct="1">
+              <a:lnSpc>
+                <a:spcPct val="90000"/>
+              </a:lnSpc>
+              <a:spcBef>
+                <a:spcPct val="0"/>
+              </a:spcBef>
+              <a:buNone/>
+              <a:defRPr sz="4400" kern="1200">
+                <a:solidFill>
+                  <a:schemeClr val="tx1"/>
+                </a:solidFill>
+                <a:latin typeface="+mj-lt"/>
+                <a:ea typeface="+mj-ea"/>
+                <a:cs typeface="+mj-cs"/>
+              </a:defRPr>
+            </a:lvl1pPr>
+          </a:lstStyle>
+          <a:p>
+            <a:pPr algn="ctr"/>
+            <a:r>
+              <a:rPr lang="fr-FR" sz="4000" dirty="0"/>
+              <a:t> II) Présentation des modules</a:t>
+            </a:r>
+          </a:p>
+          <a:p>
+            <a:pPr algn="ctr"/>
+            <a:r>
+              <a:rPr lang="fr-FR" sz="2400" dirty="0"/>
+              <a:t>a) Module 1</a:t>
+            </a:r>
+          </a:p>
+        </p:txBody>
+      </p:sp>
     </p:spTree>
     <p:extLst>
       <p:ext uri="{BB962C8B-B14F-4D97-AF65-F5344CB8AC3E}">
@@ -6035,40 +6103,6 @@
           <a:chExt cx="0" cy="0"/>
         </a:xfrm>
       </p:grpSpPr>
-      <p:sp>
-        <p:nvSpPr>
-          <p:cNvPr id="2" name="Titre 1">
-            <a:extLst>
-              <a:ext uri="{FF2B5EF4-FFF2-40B4-BE49-F238E27FC236}">
-                <a16:creationId xmlns:a16="http://schemas.microsoft.com/office/drawing/2014/main" id="{BE33852C-1FF3-4347-8F56-E491F37C7ADC}"/>
-              </a:ext>
-            </a:extLst>
-          </p:cNvPr>
-          <p:cNvSpPr>
-            <a:spLocks noGrp="1"/>
-          </p:cNvSpPr>
-          <p:nvPr>
-            <p:ph type="title"/>
-          </p:nvPr>
-        </p:nvSpPr>
-        <p:spPr>
-          <a:xfrm>
-            <a:off x="838200" y="365125"/>
-            <a:ext cx="10515600" cy="1325563"/>
-          </a:xfrm>
-        </p:spPr>
-        <p:txBody>
-          <a:bodyPr/>
-          <a:lstStyle/>
-          <a:p>
-            <a:pPr algn="ctr"/>
-            <a:r>
-              <a:rPr lang="fr-FR" b="1" dirty="0"/>
-              <a:t>Module 2</a:t>
-            </a:r>
-          </a:p>
-        </p:txBody>
-      </p:sp>
       <p:pic>
         <p:nvPicPr>
           <p:cNvPr id="4" name="Image 3">
@@ -6096,7 +6130,7 @@
         </p:blipFill>
         <p:spPr>
           <a:xfrm>
-            <a:off x="752475" y="1385551"/>
+            <a:off x="359080" y="1514792"/>
             <a:ext cx="4524375" cy="4703305"/>
           </a:xfrm>
           <a:prstGeom prst="rect">
@@ -6131,7 +6165,7 @@
         </p:blipFill>
         <p:spPr>
           <a:xfrm>
-            <a:off x="6189771" y="1514792"/>
+            <a:off x="6012491" y="1819928"/>
             <a:ext cx="3084822" cy="4093032"/>
           </a:xfrm>
           <a:prstGeom prst="rect">
@@ -6330,10 +6364,9 @@
                 <a:buAutoNum type="romanUcParenR"/>
               </a:pPr>
               <a:r>
-                <a:rPr lang="fr-FR" sz="1200" dirty="0"/>
+                <a:rPr lang="fr-FR" sz="1200" i="1" dirty="0"/>
                 <a:t>Visualisation direct du projet</a:t>
               </a:r>
-              <a:endParaRPr lang="fr-FR" sz="1200" i="1" dirty="0"/>
             </a:p>
             <a:p>
               <a:pPr marL="400050" indent="-400050">
@@ -6405,6 +6438,68 @@
           </p:txBody>
         </p:sp>
       </p:grpSp>
+      <p:sp>
+        <p:nvSpPr>
+          <p:cNvPr id="14" name="Titre 1">
+            <a:extLst>
+              <a:ext uri="{FF2B5EF4-FFF2-40B4-BE49-F238E27FC236}">
+                <a16:creationId xmlns:a16="http://schemas.microsoft.com/office/drawing/2014/main" id="{48ABC406-5C34-4BF8-950C-E87E1FEDC07A}"/>
+              </a:ext>
+            </a:extLst>
+          </p:cNvPr>
+          <p:cNvSpPr txBox="1">
+            <a:spLocks/>
+          </p:cNvSpPr>
+          <p:nvPr/>
+        </p:nvSpPr>
+        <p:spPr>
+          <a:xfrm>
+            <a:off x="-304126" y="22485"/>
+            <a:ext cx="10515600" cy="1325563"/>
+          </a:xfrm>
+          <a:prstGeom prst="rect">
+            <a:avLst/>
+          </a:prstGeom>
+        </p:spPr>
+        <p:txBody>
+          <a:bodyPr vert="horz" lIns="91440" tIns="45720" rIns="91440" bIns="45720" rtlCol="0" anchor="ctr">
+            <a:normAutofit/>
+          </a:bodyPr>
+          <a:lstStyle>
+            <a:lvl1pPr algn="l" defTabSz="914400" rtl="0" eaLnBrk="1" latinLnBrk="0" hangingPunct="1">
+              <a:lnSpc>
+                <a:spcPct val="90000"/>
+              </a:lnSpc>
+              <a:spcBef>
+                <a:spcPct val="0"/>
+              </a:spcBef>
+              <a:buNone/>
+              <a:defRPr sz="4400" kern="1200">
+                <a:solidFill>
+                  <a:schemeClr val="tx1"/>
+                </a:solidFill>
+                <a:latin typeface="+mj-lt"/>
+                <a:ea typeface="+mj-ea"/>
+                <a:cs typeface="+mj-cs"/>
+              </a:defRPr>
+            </a:lvl1pPr>
+          </a:lstStyle>
+          <a:p>
+            <a:pPr algn="ctr"/>
+            <a:r>
+              <a:rPr lang="fr-FR" sz="4000" dirty="0"/>
+              <a:t> II) Présentation des modules</a:t>
+            </a:r>
+          </a:p>
+          <a:p>
+            <a:pPr algn="ctr"/>
+            <a:r>
+              <a:rPr lang="fr-FR" sz="2400" dirty="0"/>
+              <a:t>b) Module 2</a:t>
+            </a:r>
+          </a:p>
+        </p:txBody>
+      </p:sp>
     </p:spTree>
     <p:extLst>
       <p:ext uri="{BB962C8B-B14F-4D97-AF65-F5344CB8AC3E}">
@@ -6435,35 +6530,6 @@
           <a:chExt cx="0" cy="0"/>
         </a:xfrm>
       </p:grpSpPr>
-      <p:sp>
-        <p:nvSpPr>
-          <p:cNvPr id="2" name="Titre 1">
-            <a:extLst>
-              <a:ext uri="{FF2B5EF4-FFF2-40B4-BE49-F238E27FC236}">
-                <a16:creationId xmlns:a16="http://schemas.microsoft.com/office/drawing/2014/main" id="{8F3ABFF0-FEEE-4A4C-8986-D3B56A272919}"/>
-              </a:ext>
-            </a:extLst>
-          </p:cNvPr>
-          <p:cNvSpPr>
-            <a:spLocks noGrp="1"/>
-          </p:cNvSpPr>
-          <p:nvPr>
-            <p:ph type="title"/>
-          </p:nvPr>
-        </p:nvSpPr>
-        <p:spPr/>
-        <p:txBody>
-          <a:bodyPr/>
-          <a:lstStyle/>
-          <a:p>
-            <a:pPr algn="ctr"/>
-            <a:r>
-              <a:rPr lang="fr-FR" b="1" dirty="0"/>
-              <a:t>Module 3</a:t>
-            </a:r>
-          </a:p>
-        </p:txBody>
-      </p:sp>
       <p:grpSp>
         <p:nvGrpSpPr>
           <p:cNvPr id="4" name="Groupe 3">
@@ -6620,10 +6686,9 @@
                 <a:buAutoNum type="romanUcParenR"/>
               </a:pPr>
               <a:r>
-                <a:rPr lang="fr-FR" sz="1200" dirty="0"/>
+                <a:rPr lang="fr-FR" sz="1200" i="1" dirty="0"/>
                 <a:t>Visualisation direct du projet</a:t>
               </a:r>
-              <a:endParaRPr lang="fr-FR" sz="1200" i="1" dirty="0"/>
             </a:p>
             <a:p>
               <a:pPr marL="400050" indent="-400050">
@@ -6695,6 +6760,68 @@
           </p:txBody>
         </p:sp>
       </p:grpSp>
+      <p:sp>
+        <p:nvSpPr>
+          <p:cNvPr id="8" name="Titre 1">
+            <a:extLst>
+              <a:ext uri="{FF2B5EF4-FFF2-40B4-BE49-F238E27FC236}">
+                <a16:creationId xmlns:a16="http://schemas.microsoft.com/office/drawing/2014/main" id="{42403171-3CBE-4C6F-B798-5423560EBA31}"/>
+              </a:ext>
+            </a:extLst>
+          </p:cNvPr>
+          <p:cNvSpPr txBox="1">
+            <a:spLocks/>
+          </p:cNvSpPr>
+          <p:nvPr/>
+        </p:nvSpPr>
+        <p:spPr>
+          <a:xfrm>
+            <a:off x="-304126" y="22485"/>
+            <a:ext cx="10515600" cy="1325563"/>
+          </a:xfrm>
+          <a:prstGeom prst="rect">
+            <a:avLst/>
+          </a:prstGeom>
+        </p:spPr>
+        <p:txBody>
+          <a:bodyPr vert="horz" lIns="91440" tIns="45720" rIns="91440" bIns="45720" rtlCol="0" anchor="ctr">
+            <a:normAutofit/>
+          </a:bodyPr>
+          <a:lstStyle>
+            <a:lvl1pPr algn="l" defTabSz="914400" rtl="0" eaLnBrk="1" latinLnBrk="0" hangingPunct="1">
+              <a:lnSpc>
+                <a:spcPct val="90000"/>
+              </a:lnSpc>
+              <a:spcBef>
+                <a:spcPct val="0"/>
+              </a:spcBef>
+              <a:buNone/>
+              <a:defRPr sz="4400" kern="1200">
+                <a:solidFill>
+                  <a:schemeClr val="tx1"/>
+                </a:solidFill>
+                <a:latin typeface="+mj-lt"/>
+                <a:ea typeface="+mj-ea"/>
+                <a:cs typeface="+mj-cs"/>
+              </a:defRPr>
+            </a:lvl1pPr>
+          </a:lstStyle>
+          <a:p>
+            <a:pPr algn="ctr"/>
+            <a:r>
+              <a:rPr lang="fr-FR" sz="4000" dirty="0"/>
+              <a:t> II) Présentation des modules</a:t>
+            </a:r>
+          </a:p>
+          <a:p>
+            <a:pPr algn="ctr"/>
+            <a:r>
+              <a:rPr lang="fr-FR" sz="2400" dirty="0"/>
+              <a:t>c) Module 3</a:t>
+            </a:r>
+          </a:p>
+        </p:txBody>
+      </p:sp>
     </p:spTree>
     <p:extLst>
       <p:ext uri="{BB962C8B-B14F-4D97-AF65-F5344CB8AC3E}">
@@ -6725,35 +6852,6 @@
           <a:chExt cx="0" cy="0"/>
         </a:xfrm>
       </p:grpSpPr>
-      <p:sp>
-        <p:nvSpPr>
-          <p:cNvPr id="2" name="Titre 1">
-            <a:extLst>
-              <a:ext uri="{FF2B5EF4-FFF2-40B4-BE49-F238E27FC236}">
-                <a16:creationId xmlns:a16="http://schemas.microsoft.com/office/drawing/2014/main" id="{CE615859-364B-4466-AEE5-14A3471B6D22}"/>
-              </a:ext>
-            </a:extLst>
-          </p:cNvPr>
-          <p:cNvSpPr>
-            <a:spLocks noGrp="1"/>
-          </p:cNvSpPr>
-          <p:nvPr>
-            <p:ph type="title"/>
-          </p:nvPr>
-        </p:nvSpPr>
-        <p:spPr/>
-        <p:txBody>
-          <a:bodyPr/>
-          <a:lstStyle/>
-          <a:p>
-            <a:pPr algn="ctr"/>
-            <a:r>
-              <a:rPr lang="fr-FR" b="1" dirty="0"/>
-              <a:t>Module 4</a:t>
-            </a:r>
-          </a:p>
-        </p:txBody>
-      </p:sp>
       <p:sp>
         <p:nvSpPr>
           <p:cNvPr id="3" name="Espace réservé du contenu 2">
@@ -7144,10 +7242,9 @@
                 <a:buAutoNum type="romanUcParenR"/>
               </a:pPr>
               <a:r>
-                <a:rPr lang="fr-FR" sz="1200" dirty="0"/>
+                <a:rPr lang="fr-FR" sz="1200" i="1" dirty="0"/>
                 <a:t>Visualisation direct du projet</a:t>
               </a:r>
-              <a:endParaRPr lang="fr-FR" sz="1200" i="1" dirty="0"/>
             </a:p>
             <a:p>
               <a:pPr marL="400050" indent="-400050">
@@ -7219,6 +7316,68 @@
           </p:txBody>
         </p:sp>
       </p:grpSp>
+      <p:sp>
+        <p:nvSpPr>
+          <p:cNvPr id="10" name="Titre 1">
+            <a:extLst>
+              <a:ext uri="{FF2B5EF4-FFF2-40B4-BE49-F238E27FC236}">
+                <a16:creationId xmlns:a16="http://schemas.microsoft.com/office/drawing/2014/main" id="{A2F19B48-42D9-4C3A-B8E9-B6687BF8739E}"/>
+              </a:ext>
+            </a:extLst>
+          </p:cNvPr>
+          <p:cNvSpPr txBox="1">
+            <a:spLocks/>
+          </p:cNvSpPr>
+          <p:nvPr/>
+        </p:nvSpPr>
+        <p:spPr>
+          <a:xfrm>
+            <a:off x="-304126" y="22485"/>
+            <a:ext cx="10515600" cy="1325563"/>
+          </a:xfrm>
+          <a:prstGeom prst="rect">
+            <a:avLst/>
+          </a:prstGeom>
+        </p:spPr>
+        <p:txBody>
+          <a:bodyPr vert="horz" lIns="91440" tIns="45720" rIns="91440" bIns="45720" rtlCol="0" anchor="ctr">
+            <a:normAutofit/>
+          </a:bodyPr>
+          <a:lstStyle>
+            <a:lvl1pPr algn="l" defTabSz="914400" rtl="0" eaLnBrk="1" latinLnBrk="0" hangingPunct="1">
+              <a:lnSpc>
+                <a:spcPct val="90000"/>
+              </a:lnSpc>
+              <a:spcBef>
+                <a:spcPct val="0"/>
+              </a:spcBef>
+              <a:buNone/>
+              <a:defRPr sz="4400" kern="1200">
+                <a:solidFill>
+                  <a:schemeClr val="tx1"/>
+                </a:solidFill>
+                <a:latin typeface="+mj-lt"/>
+                <a:ea typeface="+mj-ea"/>
+                <a:cs typeface="+mj-cs"/>
+              </a:defRPr>
+            </a:lvl1pPr>
+          </a:lstStyle>
+          <a:p>
+            <a:pPr algn="ctr"/>
+            <a:r>
+              <a:rPr lang="fr-FR" sz="4000" dirty="0"/>
+              <a:t> II) Présentation des modules</a:t>
+            </a:r>
+          </a:p>
+          <a:p>
+            <a:pPr algn="ctr"/>
+            <a:r>
+              <a:rPr lang="fr-FR" sz="2400" dirty="0"/>
+              <a:t>d) Module 4</a:t>
+            </a:r>
+          </a:p>
+        </p:txBody>
+      </p:sp>
     </p:spTree>
     <p:extLst>
       <p:ext uri="{BB962C8B-B14F-4D97-AF65-F5344CB8AC3E}">
@@ -7249,48 +7408,6 @@
           <a:chExt cx="0" cy="0"/>
         </a:xfrm>
       </p:grpSpPr>
-      <p:sp>
-        <p:nvSpPr>
-          <p:cNvPr id="2" name="Titre 1">
-            <a:extLst>
-              <a:ext uri="{FF2B5EF4-FFF2-40B4-BE49-F238E27FC236}">
-                <a16:creationId xmlns:a16="http://schemas.microsoft.com/office/drawing/2014/main" id="{82046BD9-1B3E-447A-AF9F-A08BF1E00288}"/>
-              </a:ext>
-            </a:extLst>
-          </p:cNvPr>
-          <p:cNvSpPr>
-            <a:spLocks noGrp="1"/>
-          </p:cNvSpPr>
-          <p:nvPr>
-            <p:ph type="title"/>
-          </p:nvPr>
-        </p:nvSpPr>
-        <p:spPr>
-          <a:xfrm>
-            <a:off x="132367" y="98277"/>
-            <a:ext cx="10515600" cy="1325563"/>
-          </a:xfrm>
-        </p:spPr>
-        <p:txBody>
-          <a:bodyPr/>
-          <a:lstStyle/>
-          <a:p>
-            <a:pPr algn="ctr"/>
-            <a:r>
-              <a:rPr lang="fr-FR" b="1" dirty="0"/>
-              <a:t>III) Bilan des modules</a:t>
-            </a:r>
-            <a:br>
-              <a:rPr lang="fr-FR" b="1" dirty="0"/>
-            </a:br>
-            <a:r>
-              <a:rPr lang="fr-FR" sz="1800" b="1" dirty="0"/>
-              <a:t>Mise en relation</a:t>
-            </a:r>
-            <a:endParaRPr lang="fr-FR" b="1" dirty="0"/>
-          </a:p>
-        </p:txBody>
-      </p:sp>
       <p:grpSp>
         <p:nvGrpSpPr>
           <p:cNvPr id="5" name="Groupe 4">
@@ -7305,7 +7422,7 @@
         </p:nvGrpSpPr>
         <p:grpSpPr>
           <a:xfrm>
-            <a:off x="838200" y="1534323"/>
+            <a:off x="555192" y="1433374"/>
             <a:ext cx="8651948" cy="5071769"/>
             <a:chOff x="1867769" y="1445546"/>
             <a:chExt cx="8651948" cy="5071769"/>
@@ -8481,7 +8598,7 @@
                 <a:buAutoNum type="romanUcParenR"/>
               </a:pPr>
               <a:r>
-                <a:rPr lang="fr-FR" sz="1200" dirty="0"/>
+                <a:rPr lang="fr-FR" sz="1200" i="1" dirty="0"/>
                 <a:t>Visualisation direct du projet</a:t>
               </a:r>
             </a:p>
@@ -8555,6 +8672,124 @@
           </p:txBody>
         </p:sp>
       </p:grpSp>
+      <p:sp>
+        <p:nvSpPr>
+          <p:cNvPr id="31" name="Titre 1">
+            <a:extLst>
+              <a:ext uri="{FF2B5EF4-FFF2-40B4-BE49-F238E27FC236}">
+                <a16:creationId xmlns:a16="http://schemas.microsoft.com/office/drawing/2014/main" id="{792801AA-CDE4-4B09-8A7D-7C3C013794E4}"/>
+              </a:ext>
+            </a:extLst>
+          </p:cNvPr>
+          <p:cNvSpPr txBox="1">
+            <a:spLocks/>
+          </p:cNvSpPr>
+          <p:nvPr/>
+        </p:nvSpPr>
+        <p:spPr>
+          <a:xfrm>
+            <a:off x="-304126" y="22485"/>
+            <a:ext cx="10515600" cy="1325563"/>
+          </a:xfrm>
+          <a:prstGeom prst="rect">
+            <a:avLst/>
+          </a:prstGeom>
+        </p:spPr>
+        <p:txBody>
+          <a:bodyPr vert="horz" lIns="91440" tIns="45720" rIns="91440" bIns="45720" rtlCol="0" anchor="ctr">
+            <a:normAutofit/>
+          </a:bodyPr>
+          <a:lstStyle>
+            <a:lvl1pPr algn="l" defTabSz="914400" rtl="0" eaLnBrk="1" latinLnBrk="0" hangingPunct="1">
+              <a:lnSpc>
+                <a:spcPct val="90000"/>
+              </a:lnSpc>
+              <a:spcBef>
+                <a:spcPct val="0"/>
+              </a:spcBef>
+              <a:buNone/>
+              <a:defRPr sz="4400" kern="1200">
+                <a:solidFill>
+                  <a:schemeClr val="tx1"/>
+                </a:solidFill>
+                <a:latin typeface="+mj-lt"/>
+                <a:ea typeface="+mj-ea"/>
+                <a:cs typeface="+mj-cs"/>
+              </a:defRPr>
+            </a:lvl1pPr>
+          </a:lstStyle>
+          <a:p>
+            <a:pPr algn="ctr"/>
+            <a:r>
+              <a:rPr lang="fr-FR" sz="4000" dirty="0"/>
+              <a:t> </a:t>
+            </a:r>
+            <a:endParaRPr lang="fr-FR" sz="2400" dirty="0"/>
+          </a:p>
+        </p:txBody>
+      </p:sp>
+      <p:sp>
+        <p:nvSpPr>
+          <p:cNvPr id="32" name="Titre 1">
+            <a:extLst>
+              <a:ext uri="{FF2B5EF4-FFF2-40B4-BE49-F238E27FC236}">
+                <a16:creationId xmlns:a16="http://schemas.microsoft.com/office/drawing/2014/main" id="{C2BE5BE8-39AC-4D7F-9AE4-380904EFCCAA}"/>
+              </a:ext>
+            </a:extLst>
+          </p:cNvPr>
+          <p:cNvSpPr txBox="1">
+            <a:spLocks/>
+          </p:cNvSpPr>
+          <p:nvPr/>
+        </p:nvSpPr>
+        <p:spPr>
+          <a:xfrm>
+            <a:off x="-376634" y="65148"/>
+            <a:ext cx="10515600" cy="1325563"/>
+          </a:xfrm>
+          <a:prstGeom prst="rect">
+            <a:avLst/>
+          </a:prstGeom>
+        </p:spPr>
+        <p:txBody>
+          <a:bodyPr vert="horz" lIns="91440" tIns="45720" rIns="91440" bIns="45720" rtlCol="0" anchor="ctr">
+            <a:normAutofit/>
+          </a:bodyPr>
+          <a:lstStyle>
+            <a:lvl1pPr algn="l" defTabSz="914400" rtl="0" eaLnBrk="1" latinLnBrk="0" hangingPunct="1">
+              <a:lnSpc>
+                <a:spcPct val="90000"/>
+              </a:lnSpc>
+              <a:spcBef>
+                <a:spcPct val="0"/>
+              </a:spcBef>
+              <a:buNone/>
+              <a:defRPr sz="4400" kern="1200">
+                <a:solidFill>
+                  <a:schemeClr val="tx1"/>
+                </a:solidFill>
+                <a:latin typeface="+mj-lt"/>
+                <a:ea typeface="+mj-ea"/>
+                <a:cs typeface="+mj-cs"/>
+              </a:defRPr>
+            </a:lvl1pPr>
+          </a:lstStyle>
+          <a:p>
+            <a:pPr algn="ctr"/>
+            <a:r>
+              <a:rPr lang="fr-FR" sz="4000" dirty="0"/>
+              <a:t> III) Bilan des modules </a:t>
+            </a:r>
+          </a:p>
+          <a:p>
+            <a:pPr algn="ctr"/>
+            <a:r>
+              <a:rPr lang="fr-FR" sz="2400" dirty="0"/>
+              <a:t>Mise en relation</a:t>
+            </a:r>
+          </a:p>
+        </p:txBody>
+      </p:sp>
     </p:spTree>
     <p:extLst>
       <p:ext uri="{BB962C8B-B14F-4D97-AF65-F5344CB8AC3E}">

--- a/PROJET 1 UE 1 diapositive.pptx
+++ b/PROJET 1 UE 1 diapositive.pptx
@@ -134,8 +134,43 @@
 </p:presentation>
 </file>
 
+<file path=ppt/commentAuthors.xml><?xml version="1.0" encoding="utf-8"?>
+<p:cmAuthorLst xmlns:a="http://schemas.openxmlformats.org/drawingml/2006/main" xmlns:r="http://schemas.openxmlformats.org/officeDocument/2006/relationships" xmlns:p="http://schemas.openxmlformats.org/presentationml/2006/main">
+  <p:cmAuthor id="1" name="Vincent ONFRAY" initials="VO" lastIdx="2" clrIdx="0">
+    <p:extLst>
+      <p:ext uri="{19B8F6BF-5375-455C-9EA6-DF929625EA0E}">
+        <p15:presenceInfo xmlns:p15="http://schemas.microsoft.com/office/powerpoint/2012/main" userId="Vincent ONFRAY" providerId="None"/>
+      </p:ext>
+    </p:extLst>
+  </p:cmAuthor>
+</p:cmAuthorLst>
+</file>
+
 <file path=ppt/revisionInfo.xml><?xml version="1.0" encoding="utf-8"?>
 <p1510:revInfo xmlns:a="http://schemas.openxmlformats.org/drawingml/2006/main" xmlns:r="http://schemas.openxmlformats.org/officeDocument/2006/relationships" xmlns:p1510="http://schemas.microsoft.com/office/powerpoint/2015/10/main"/>
+</file>
+
+<file path=ppt/comments/comment1.xml><?xml version="1.0" encoding="utf-8"?>
+<p:cmLst xmlns:a="http://schemas.openxmlformats.org/drawingml/2006/main" xmlns:r="http://schemas.openxmlformats.org/officeDocument/2006/relationships" xmlns:p="http://schemas.openxmlformats.org/presentationml/2006/main">
+  <p:cm authorId="1" dt="2017-11-19T18:29:17.447" idx="1">
+    <p:pos x="10" y="10"/>
+    <p:text/>
+    <p:extLst>
+      <p:ext uri="{C676402C-5697-4E1C-873F-D02D1690AC5C}">
+        <p15:threadingInfo xmlns:p15="http://schemas.microsoft.com/office/powerpoint/2012/main" timeZoneBias="-60"/>
+      </p:ext>
+    </p:extLst>
+  </p:cm>
+  <p:cm authorId="1" dt="2017-11-19T18:29:18.808" idx="2">
+    <p:pos x="146" y="146"/>
+    <p:text/>
+    <p:extLst>
+      <p:ext uri="{C676402C-5697-4E1C-873F-D02D1690AC5C}">
+        <p15:threadingInfo xmlns:p15="http://schemas.microsoft.com/office/powerpoint/2012/main" timeZoneBias="-60"/>
+      </p:ext>
+    </p:extLst>
+  </p:cm>
+</p:cmLst>
 </file>
 
 <file path=ppt/slideLayouts/slideLayout1.xml><?xml version="1.0" encoding="utf-8"?>
@@ -3952,7 +3987,7 @@
           <a:p>
             <a:pPr algn="ctr"/>
             <a:r>
-              <a:rPr lang="fr-FR" sz="2400" dirty="0"/>
+              <a:rPr lang="fr-FR" sz="3200" dirty="0"/>
               <a:t>Vision critique Avantages/ Inconvénients</a:t>
             </a:r>
           </a:p>
@@ -4072,12 +4107,60 @@
         </p:nvSpPr>
         <p:spPr/>
         <p:txBody>
-          <a:bodyPr/>
+          <a:bodyPr>
+            <a:normAutofit fontScale="90000"/>
+          </a:bodyPr>
           <a:lstStyle/>
           <a:p>
-            <a:r>
+            <a:br>
               <a:rPr lang="fr-FR" sz="4000" dirty="0"/>
-              <a:t>V) Conclusion </a:t>
+            </a:br>
+            <a:br>
+              <a:rPr lang="fr-FR" sz="4000" dirty="0"/>
+            </a:br>
+            <a:br>
+              <a:rPr lang="fr-FR" sz="4000" dirty="0"/>
+            </a:br>
+            <a:br>
+              <a:rPr lang="fr-FR" sz="4000" dirty="0"/>
+            </a:br>
+            <a:r>
+              <a:rPr lang="fr-FR" sz="4000" dirty="0"/>
+              <a:t>		</a:t>
+            </a:r>
+            <a:br>
+              <a:rPr lang="fr-FR" sz="4000" dirty="0"/>
+            </a:br>
+            <a:r>
+              <a:rPr lang="fr-FR" sz="4000" dirty="0"/>
+              <a:t>		</a:t>
+            </a:r>
+            <a:r>
+              <a:rPr lang="fr-FR" sz="4000" b="1" dirty="0"/>
+              <a:t>MERCI POUR VOTRE ATTENTION</a:t>
+            </a:r>
+            <a:br>
+              <a:rPr lang="fr-FR" sz="4000" dirty="0"/>
+            </a:br>
+            <a:br>
+              <a:rPr lang="fr-FR" sz="4000" dirty="0"/>
+            </a:br>
+            <a:br>
+              <a:rPr lang="fr-FR" sz="4000" dirty="0"/>
+            </a:br>
+            <a:br>
+              <a:rPr lang="fr-FR" sz="4000" dirty="0"/>
+            </a:br>
+            <a:br>
+              <a:rPr lang="fr-FR" sz="4000"/>
+            </a:br>
+            <a:r>
+              <a:rPr lang="fr-FR" sz="4000"/>
+              <a:t>Des Questions</a:t>
+            </a:r>
+            <a:r>
+              <a:rPr lang="fr-FR" sz="4000" dirty="0"/>
+              <a:t>? </a:t>
             </a:r>
           </a:p>
         </p:txBody>
@@ -6073,6 +6156,40 @@
           </a:p>
         </p:txBody>
       </p:sp>
+      <p:pic>
+        <p:nvPicPr>
+          <p:cNvPr id="13" name="Image 12">
+            <a:extLst>
+              <a:ext uri="{FF2B5EF4-FFF2-40B4-BE49-F238E27FC236}">
+                <a16:creationId xmlns:a16="http://schemas.microsoft.com/office/drawing/2014/main" id="{BAD1B42D-06AD-4A07-8C98-790580B0F057}"/>
+              </a:ext>
+            </a:extLst>
+          </p:cNvPr>
+          <p:cNvPicPr/>
+          <p:nvPr/>
+        </p:nvPicPr>
+        <p:blipFill>
+          <a:blip r:embed="rId3">
+            <a:extLst>
+              <a:ext uri="{28A0092B-C50C-407E-A947-70E740481C1C}">
+                <a14:useLocalDpi xmlns:a14="http://schemas.microsoft.com/office/drawing/2010/main" val="0"/>
+              </a:ext>
+            </a:extLst>
+          </a:blip>
+          <a:stretch>
+            <a:fillRect/>
+          </a:stretch>
+        </p:blipFill>
+        <p:spPr>
+          <a:xfrm>
+            <a:off x="86492" y="2266130"/>
+            <a:ext cx="5760720" cy="2769870"/>
+          </a:xfrm>
+          <a:prstGeom prst="rect">
+            <a:avLst/>
+          </a:prstGeom>
+        </p:spPr>
+      </p:pic>
     </p:spTree>
     <p:extLst>
       <p:ext uri="{BB962C8B-B14F-4D97-AF65-F5344CB8AC3E}">
@@ -6818,6 +6935,87 @@
             <a:r>
               <a:rPr lang="fr-FR" sz="2400" dirty="0"/>
               <a:t>c) Module 3</a:t>
+            </a:r>
+          </a:p>
+        </p:txBody>
+      </p:sp>
+      <p:pic>
+        <p:nvPicPr>
+          <p:cNvPr id="3" name="Image 2">
+            <a:extLst>
+              <a:ext uri="{FF2B5EF4-FFF2-40B4-BE49-F238E27FC236}">
+                <a16:creationId xmlns:a16="http://schemas.microsoft.com/office/drawing/2014/main" id="{2A416AA4-E8D4-4ABA-B113-12E53FA03F75}"/>
+              </a:ext>
+            </a:extLst>
+          </p:cNvPr>
+          <p:cNvPicPr>
+            <a:picLocks noChangeAspect="1"/>
+          </p:cNvPicPr>
+          <p:nvPr/>
+        </p:nvPicPr>
+        <p:blipFill>
+          <a:blip r:embed="rId2">
+            <a:extLst>
+              <a:ext uri="{28A0092B-C50C-407E-A947-70E740481C1C}">
+                <a14:useLocalDpi xmlns:a14="http://schemas.microsoft.com/office/drawing/2010/main" val="0"/>
+              </a:ext>
+            </a:extLst>
+          </a:blip>
+          <a:stretch>
+            <a:fillRect/>
+          </a:stretch>
+        </p:blipFill>
+        <p:spPr>
+          <a:xfrm>
+            <a:off x="1233997" y="1245353"/>
+            <a:ext cx="2219418" cy="2219418"/>
+          </a:xfrm>
+          <a:prstGeom prst="rect">
+            <a:avLst/>
+          </a:prstGeom>
+        </p:spPr>
+      </p:pic>
+      <p:sp>
+        <p:nvSpPr>
+          <p:cNvPr id="9" name="ZoneTexte 8">
+            <a:extLst>
+              <a:ext uri="{FF2B5EF4-FFF2-40B4-BE49-F238E27FC236}">
+                <a16:creationId xmlns:a16="http://schemas.microsoft.com/office/drawing/2014/main" id="{DA1F9D4A-4BA9-4860-9EB3-B97B98AFE969}"/>
+              </a:ext>
+            </a:extLst>
+          </p:cNvPr>
+          <p:cNvSpPr txBox="1"/>
+          <p:nvPr/>
+        </p:nvSpPr>
+        <p:spPr>
+          <a:xfrm>
+            <a:off x="3906175" y="1899821"/>
+            <a:ext cx="2219418" cy="923330"/>
+          </a:xfrm>
+          <a:prstGeom prst="rect">
+            <a:avLst/>
+          </a:prstGeom>
+          <a:noFill/>
+        </p:spPr>
+        <p:txBody>
+          <a:bodyPr wrap="square" rtlCol="0">
+            <a:spAutoFit/>
+          </a:bodyPr>
+          <a:lstStyle/>
+          <a:p>
+            <a:r>
+              <a:rPr lang="fr-FR" dirty="0" err="1"/>
+              <a:t>Processing</a:t>
+            </a:r>
+            <a:endParaRPr lang="fr-FR" dirty="0"/>
+          </a:p>
+          <a:p>
+            <a:endParaRPr lang="fr-FR" dirty="0"/>
+          </a:p>
+          <a:p>
+            <a:r>
+              <a:rPr lang="fr-FR" dirty="0"/>
+              <a:t>Interface Arduino/PC</a:t>
             </a:r>
           </a:p>
         </p:txBody>

--- a/PROJET 1 UE 1 diapositive.pptx
+++ b/PROJET 1 UE 1 diapositive.pptx
@@ -14,9 +14,8 @@
     <p:sldId id="263" r:id="rId8"/>
     <p:sldId id="267" r:id="rId9"/>
     <p:sldId id="268" r:id="rId10"/>
-    <p:sldId id="265" r:id="rId11"/>
-    <p:sldId id="264" r:id="rId12"/>
-    <p:sldId id="266" r:id="rId13"/>
+    <p:sldId id="264" r:id="rId11"/>
+    <p:sldId id="266" r:id="rId12"/>
   </p:sldIdLst>
   <p:sldSz cx="12192000" cy="6858000"/>
   <p:notesSz cx="6858000" cy="9144000"/>
@@ -148,29 +147,6 @@
 
 <file path=ppt/revisionInfo.xml><?xml version="1.0" encoding="utf-8"?>
 <p1510:revInfo xmlns:a="http://schemas.openxmlformats.org/drawingml/2006/main" xmlns:r="http://schemas.openxmlformats.org/officeDocument/2006/relationships" xmlns:p1510="http://schemas.microsoft.com/office/powerpoint/2015/10/main"/>
-</file>
-
-<file path=ppt/comments/comment1.xml><?xml version="1.0" encoding="utf-8"?>
-<p:cmLst xmlns:a="http://schemas.openxmlformats.org/drawingml/2006/main" xmlns:r="http://schemas.openxmlformats.org/officeDocument/2006/relationships" xmlns:p="http://schemas.openxmlformats.org/presentationml/2006/main">
-  <p:cm authorId="1" dt="2017-11-19T18:29:17.447" idx="1">
-    <p:pos x="10" y="10"/>
-    <p:text/>
-    <p:extLst>
-      <p:ext uri="{C676402C-5697-4E1C-873F-D02D1690AC5C}">
-        <p15:threadingInfo xmlns:p15="http://schemas.microsoft.com/office/powerpoint/2012/main" timeZoneBias="-60"/>
-      </p:ext>
-    </p:extLst>
-  </p:cm>
-  <p:cm authorId="1" dt="2017-11-19T18:29:18.808" idx="2">
-    <p:pos x="146" y="146"/>
-    <p:text/>
-    <p:extLst>
-      <p:ext uri="{C676402C-5697-4E1C-873F-D02D1690AC5C}">
-        <p15:threadingInfo xmlns:p15="http://schemas.microsoft.com/office/powerpoint/2012/main" timeZoneBias="-60"/>
-      </p:ext>
-    </p:extLst>
-  </p:cm>
-</p:cmLst>
 </file>
 
 <file path=ppt/slideLayouts/slideLayout1.xml><?xml version="1.0" encoding="utf-8"?>
@@ -3704,291 +3680,38 @@
           <a:chExt cx="0" cy="0"/>
         </a:xfrm>
       </p:grpSpPr>
-      <p:grpSp>
-        <p:nvGrpSpPr>
-          <p:cNvPr id="4" name="Groupe 3">
-            <a:extLst>
-              <a:ext uri="{FF2B5EF4-FFF2-40B4-BE49-F238E27FC236}">
-                <a16:creationId xmlns:a16="http://schemas.microsoft.com/office/drawing/2014/main" id="{081DB0A4-63FE-4873-B3DA-7D5352C360A3}"/>
-              </a:ext>
-            </a:extLst>
-          </p:cNvPr>
-          <p:cNvGrpSpPr/>
-          <p:nvPr/>
-        </p:nvGrpSpPr>
-        <p:grpSpPr>
-          <a:xfrm>
-            <a:off x="9680418" y="783893"/>
-            <a:ext cx="2451723" cy="5554831"/>
-            <a:chOff x="9680418" y="783893"/>
-            <a:chExt cx="2451723" cy="5554831"/>
-          </a:xfrm>
-        </p:grpSpPr>
-        <p:sp>
-          <p:nvSpPr>
-            <p:cNvPr id="5" name="ZoneTexte 4">
-              <a:extLst>
-                <a:ext uri="{FF2B5EF4-FFF2-40B4-BE49-F238E27FC236}">
-                  <a16:creationId xmlns:a16="http://schemas.microsoft.com/office/drawing/2014/main" id="{A4ABC17C-FEDE-40CA-9BA8-AF91D79859F8}"/>
-                </a:ext>
-              </a:extLst>
-            </p:cNvPr>
-            <p:cNvSpPr txBox="1"/>
-            <p:nvPr/>
-          </p:nvSpPr>
-          <p:spPr>
-            <a:xfrm>
-              <a:off x="9758713" y="783893"/>
-              <a:ext cx="2373428" cy="2985433"/>
-            </a:xfrm>
-            <a:prstGeom prst="rect">
-              <a:avLst/>
-            </a:prstGeom>
-            <a:noFill/>
-          </p:spPr>
-          <p:txBody>
-            <a:bodyPr wrap="square" rtlCol="0">
-              <a:spAutoFit/>
-            </a:bodyPr>
-            <a:lstStyle/>
-            <a:p>
-              <a:r>
-                <a:rPr lang="fr-FR" sz="1200" dirty="0"/>
-                <a:t>Avancement Diapositive:</a:t>
-              </a:r>
-            </a:p>
-            <a:p>
-              <a:pPr marL="400050" indent="-400050">
-                <a:buAutoNum type="romanUcParenR"/>
-              </a:pPr>
-              <a:endParaRPr lang="fr-FR" sz="1200" b="1" dirty="0"/>
-            </a:p>
-            <a:p>
-              <a:pPr marL="400050" indent="-400050">
-                <a:buAutoNum type="romanUcParenR"/>
-              </a:pPr>
-              <a:endParaRPr lang="fr-FR" sz="1200" b="1" dirty="0"/>
-            </a:p>
-            <a:p>
-              <a:pPr marL="400050" indent="-400050">
-                <a:buAutoNum type="romanUcParenR"/>
-              </a:pPr>
-              <a:r>
-                <a:rPr lang="fr-FR" sz="1200" i="1" dirty="0"/>
-                <a:t>Organisation du projet</a:t>
-              </a:r>
-            </a:p>
-            <a:p>
-              <a:pPr marL="400050" indent="-400050">
-                <a:buAutoNum type="romanUcParenR"/>
-              </a:pPr>
-              <a:endParaRPr lang="fr-FR" sz="1200" dirty="0"/>
-            </a:p>
-            <a:p>
-              <a:pPr marL="400050" indent="-400050">
-                <a:buAutoNum type="romanUcParenR"/>
-              </a:pPr>
-              <a:r>
-                <a:rPr lang="fr-FR" sz="1200" i="1" dirty="0"/>
-                <a:t>Présentation des modules</a:t>
-              </a:r>
-            </a:p>
-            <a:p>
-              <a:pPr marL="971550" lvl="1" indent="-514350">
-                <a:buFont typeface="+mj-lt"/>
-                <a:buAutoNum type="alphaLcParenR"/>
-              </a:pPr>
-              <a:r>
-                <a:rPr lang="fr-FR" sz="1100" i="1" dirty="0"/>
-                <a:t>Module 1</a:t>
-              </a:r>
-            </a:p>
-            <a:p>
-              <a:pPr marL="971550" lvl="1" indent="-514350">
-                <a:buFont typeface="+mj-lt"/>
-                <a:buAutoNum type="alphaLcParenR"/>
-              </a:pPr>
-              <a:r>
-                <a:rPr lang="fr-FR" sz="1100" i="1" dirty="0"/>
-                <a:t>Module 2</a:t>
-              </a:r>
-            </a:p>
-            <a:p>
-              <a:pPr marL="971550" lvl="1" indent="-514350">
-                <a:buFont typeface="+mj-lt"/>
-                <a:buAutoNum type="alphaLcParenR"/>
-              </a:pPr>
-              <a:r>
-                <a:rPr lang="fr-FR" sz="1100" i="1" dirty="0"/>
-                <a:t>Module 3</a:t>
-              </a:r>
-            </a:p>
-            <a:p>
-              <a:pPr marL="971550" lvl="1" indent="-514350">
-                <a:buFont typeface="+mj-lt"/>
-                <a:buAutoNum type="alphaLcParenR"/>
-              </a:pPr>
-              <a:r>
-                <a:rPr lang="fr-FR" sz="1100" i="1" dirty="0"/>
-                <a:t>Module 4</a:t>
-              </a:r>
-            </a:p>
-            <a:p>
-              <a:pPr lvl="1"/>
-              <a:endParaRPr lang="fr-FR" sz="1200" i="1" dirty="0"/>
-            </a:p>
-            <a:p>
-              <a:pPr marL="400050" indent="-400050">
-                <a:buAutoNum type="romanUcParenR"/>
-              </a:pPr>
-              <a:r>
-                <a:rPr lang="fr-FR" sz="1200" b="1" dirty="0"/>
-                <a:t>Bilan des modules</a:t>
-              </a:r>
-            </a:p>
-            <a:p>
-              <a:pPr marL="400050" indent="-400050">
-                <a:buAutoNum type="romanUcParenR"/>
-              </a:pPr>
-              <a:endParaRPr lang="fr-FR" sz="1200" b="1" i="1" dirty="0"/>
-            </a:p>
-            <a:p>
-              <a:pPr marL="400050" indent="-400050">
-                <a:buAutoNum type="romanUcParenR"/>
-              </a:pPr>
-              <a:r>
-                <a:rPr lang="fr-FR" sz="1200" i="1" dirty="0"/>
-                <a:t>Visualisation direct du projet</a:t>
-              </a:r>
-            </a:p>
-            <a:p>
-              <a:pPr marL="400050" indent="-400050">
-                <a:buAutoNum type="romanUcParenR"/>
-              </a:pPr>
-              <a:endParaRPr lang="fr-FR" sz="1200" dirty="0"/>
-            </a:p>
-            <a:p>
-              <a:pPr marL="400050" indent="-400050">
-                <a:buAutoNum type="romanUcParenR"/>
-              </a:pPr>
-              <a:r>
-                <a:rPr lang="fr-FR" sz="1200" i="1" dirty="0"/>
-                <a:t>Conclusion</a:t>
-              </a:r>
-            </a:p>
-          </p:txBody>
-        </p:sp>
-        <p:sp>
-          <p:nvSpPr>
-            <p:cNvPr id="6" name="Rectangle 5">
-              <a:extLst>
-                <a:ext uri="{FF2B5EF4-FFF2-40B4-BE49-F238E27FC236}">
-                  <a16:creationId xmlns:a16="http://schemas.microsoft.com/office/drawing/2014/main" id="{56E222FE-3FE3-496C-827B-FC0161402FFE}"/>
-                </a:ext>
-              </a:extLst>
-            </p:cNvPr>
-            <p:cNvSpPr/>
-            <p:nvPr/>
-          </p:nvSpPr>
-          <p:spPr>
-            <a:xfrm>
-              <a:off x="9680418" y="783893"/>
-              <a:ext cx="2379215" cy="5554831"/>
-            </a:xfrm>
-            <a:prstGeom prst="rect">
-              <a:avLst/>
-            </a:prstGeom>
-            <a:noFill/>
-            <a:ln>
-              <a:solidFill>
-                <a:schemeClr val="tx1"/>
-              </a:solidFill>
-            </a:ln>
-          </p:spPr>
-          <p:style>
-            <a:lnRef idx="2">
-              <a:schemeClr val="accent1">
-                <a:shade val="50000"/>
-              </a:schemeClr>
-            </a:lnRef>
-            <a:fillRef idx="1">
-              <a:schemeClr val="accent1"/>
-            </a:fillRef>
-            <a:effectRef idx="0">
-              <a:schemeClr val="accent1"/>
-            </a:effectRef>
-            <a:fontRef idx="minor">
-              <a:schemeClr val="lt1"/>
-            </a:fontRef>
-          </p:style>
-          <p:txBody>
-            <a:bodyPr rtlCol="0" anchor="ctr"/>
-            <a:lstStyle/>
-            <a:p>
-              <a:pPr algn="ctr"/>
-              <a:endParaRPr lang="fr-FR" dirty="0"/>
-            </a:p>
-          </p:txBody>
-        </p:sp>
-      </p:grpSp>
       <p:sp>
         <p:nvSpPr>
-          <p:cNvPr id="8" name="Titre 1">
-            <a:extLst>
-              <a:ext uri="{FF2B5EF4-FFF2-40B4-BE49-F238E27FC236}">
-                <a16:creationId xmlns:a16="http://schemas.microsoft.com/office/drawing/2014/main" id="{94FF983A-041B-496B-976A-2CBBCAFABE25}"/>
-              </a:ext>
-            </a:extLst>
-          </p:cNvPr>
-          <p:cNvSpPr txBox="1">
-            <a:spLocks/>
+          <p:cNvPr id="2" name="Titre 1">
+            <a:extLst>
+              <a:ext uri="{FF2B5EF4-FFF2-40B4-BE49-F238E27FC236}">
+                <a16:creationId xmlns:a16="http://schemas.microsoft.com/office/drawing/2014/main" id="{3DE045EF-6B6A-4766-812D-EC4BD0F4B1CB}"/>
+              </a:ext>
+            </a:extLst>
+          </p:cNvPr>
+          <p:cNvSpPr>
+            <a:spLocks noGrp="1"/>
           </p:cNvSpPr>
-          <p:nvPr/>
+          <p:nvPr>
+            <p:ph type="title"/>
+          </p:nvPr>
         </p:nvSpPr>
         <p:spPr>
           <a:xfrm>
-            <a:off x="-376634" y="65148"/>
-            <a:ext cx="10515600" cy="1325563"/>
+            <a:off x="1104530" y="2766218"/>
+            <a:ext cx="9726227" cy="1325563"/>
           </a:xfrm>
-          <a:prstGeom prst="rect">
-            <a:avLst/>
-          </a:prstGeom>
         </p:spPr>
         <p:txBody>
-          <a:bodyPr vert="horz" lIns="91440" tIns="45720" rIns="91440" bIns="45720" rtlCol="0" anchor="ctr">
+          <a:bodyPr>
             <a:normAutofit/>
           </a:bodyPr>
-          <a:lstStyle>
-            <a:lvl1pPr algn="l" defTabSz="914400" rtl="0" eaLnBrk="1" latinLnBrk="0" hangingPunct="1">
-              <a:lnSpc>
-                <a:spcPct val="90000"/>
-              </a:lnSpc>
-              <a:spcBef>
-                <a:spcPct val="0"/>
-              </a:spcBef>
-              <a:buNone/>
-              <a:defRPr sz="4400" kern="1200">
-                <a:solidFill>
-                  <a:schemeClr val="tx1"/>
-                </a:solidFill>
-                <a:latin typeface="+mj-lt"/>
-                <a:ea typeface="+mj-ea"/>
-                <a:cs typeface="+mj-cs"/>
-              </a:defRPr>
-            </a:lvl1pPr>
-          </a:lstStyle>
+          <a:lstStyle/>
           <a:p>
             <a:pPr algn="ctr"/>
             <a:r>
               <a:rPr lang="fr-FR" sz="4000" dirty="0"/>
-              <a:t> III) Bilan des modules </a:t>
-            </a:r>
-          </a:p>
-          <a:p>
-            <a:pPr algn="ctr"/>
-            <a:r>
-              <a:rPr lang="fr-FR" sz="3200" dirty="0"/>
-              <a:t>Vision critique Avantages/ Inconvénients</a:t>
+              <a:t>IV) Démonstration des modules</a:t>
             </a:r>
           </a:p>
         </p:txBody>
@@ -3996,7 +3719,7 @@
     </p:spTree>
     <p:extLst>
       <p:ext uri="{BB962C8B-B14F-4D97-AF65-F5344CB8AC3E}">
-        <p14:creationId xmlns:p14="http://schemas.microsoft.com/office/powerpoint/2010/main" val="1965814407"/>
+        <p14:creationId xmlns:p14="http://schemas.microsoft.com/office/powerpoint/2010/main" val="615297589"/>
       </p:ext>
     </p:extLst>
   </p:cSld>
@@ -4028,72 +3751,6 @@
           <p:cNvPr id="2" name="Titre 1">
             <a:extLst>
               <a:ext uri="{FF2B5EF4-FFF2-40B4-BE49-F238E27FC236}">
-                <a16:creationId xmlns:a16="http://schemas.microsoft.com/office/drawing/2014/main" id="{3DE045EF-6B6A-4766-812D-EC4BD0F4B1CB}"/>
-              </a:ext>
-            </a:extLst>
-          </p:cNvPr>
-          <p:cNvSpPr>
-            <a:spLocks noGrp="1"/>
-          </p:cNvSpPr>
-          <p:nvPr>
-            <p:ph type="title"/>
-          </p:nvPr>
-        </p:nvSpPr>
-        <p:spPr>
-          <a:xfrm>
-            <a:off x="1104530" y="2766218"/>
-            <a:ext cx="9726227" cy="1325563"/>
-          </a:xfrm>
-        </p:spPr>
-        <p:txBody>
-          <a:bodyPr>
-            <a:normAutofit/>
-          </a:bodyPr>
-          <a:lstStyle/>
-          <a:p>
-            <a:pPr algn="ctr"/>
-            <a:r>
-              <a:rPr lang="fr-FR" sz="4000" dirty="0"/>
-              <a:t>IV) Présentation direct ou vidéo du projet </a:t>
-            </a:r>
-          </a:p>
-        </p:txBody>
-      </p:sp>
-    </p:spTree>
-    <p:extLst>
-      <p:ext uri="{BB962C8B-B14F-4D97-AF65-F5344CB8AC3E}">
-        <p14:creationId xmlns:p14="http://schemas.microsoft.com/office/powerpoint/2010/main" val="615297589"/>
-      </p:ext>
-    </p:extLst>
-  </p:cSld>
-  <p:clrMapOvr>
-    <a:masterClrMapping/>
-  </p:clrMapOvr>
-</p:sld>
-</file>
-
-<file path=ppt/slides/slide12.xml><?xml version="1.0" encoding="utf-8"?>
-<p:sld xmlns:a="http://schemas.openxmlformats.org/drawingml/2006/main" xmlns:r="http://schemas.openxmlformats.org/officeDocument/2006/relationships" xmlns:p="http://schemas.openxmlformats.org/presentationml/2006/main">
-  <p:cSld>
-    <p:spTree>
-      <p:nvGrpSpPr>
-        <p:cNvPr id="1" name=""/>
-        <p:cNvGrpSpPr/>
-        <p:nvPr/>
-      </p:nvGrpSpPr>
-      <p:grpSpPr>
-        <a:xfrm>
-          <a:off x="0" y="0"/>
-          <a:ext cx="0" cy="0"/>
-          <a:chOff x="0" y="0"/>
-          <a:chExt cx="0" cy="0"/>
-        </a:xfrm>
-      </p:grpSpPr>
-      <p:sp>
-        <p:nvSpPr>
-          <p:cNvPr id="2" name="Titre 1">
-            <a:extLst>
-              <a:ext uri="{FF2B5EF4-FFF2-40B4-BE49-F238E27FC236}">
                 <a16:creationId xmlns:a16="http://schemas.microsoft.com/office/drawing/2014/main" id="{457EB037-F01F-47A7-B5F5-983C07B919BC}"/>
               </a:ext>
             </a:extLst>
@@ -4152,15 +3809,11 @@
               <a:rPr lang="fr-FR" sz="4000" dirty="0"/>
             </a:br>
             <a:br>
-              <a:rPr lang="fr-FR" sz="4000"/>
+              <a:rPr lang="fr-FR" sz="4000" dirty="0"/>
             </a:br>
             <a:r>
-              <a:rPr lang="fr-FR" sz="4000"/>
-              <a:t>Des Questions</a:t>
-            </a:r>
-            <a:r>
               <a:rPr lang="fr-FR" sz="4000" dirty="0"/>
-              <a:t>? </a:t>
+              <a:t>			Des Questions? </a:t>
             </a:r>
           </a:p>
         </p:txBody>
@@ -4680,8 +4333,8 @@
         </p:nvSpPr>
         <p:spPr>
           <a:xfrm>
-            <a:off x="1563210" y="1690688"/>
-            <a:ext cx="8752642" cy="5201424"/>
+            <a:off x="1719679" y="1722338"/>
+            <a:ext cx="8752642" cy="4770537"/>
           </a:xfrm>
           <a:prstGeom prst="rect">
             <a:avLst/>
@@ -4803,30 +4456,14 @@
               <a:buAutoNum type="romanUcParenR"/>
             </a:pPr>
             <a:r>
-              <a:rPr lang="fr-FR" sz="2800" dirty="0">
-                <a:latin typeface="+mj-lt"/>
-              </a:rPr>
-              <a:t>Visualisation direct du Projet</a:t>
-            </a:r>
-          </a:p>
-          <a:p>
-            <a:pPr marL="400050" indent="-400050">
-              <a:buAutoNum type="romanUcParenR"/>
-            </a:pPr>
+              <a:rPr lang="fr-FR" sz="2800" i="1" dirty="0"/>
+              <a:t>Démonstration des modules</a:t>
+            </a:r>
+          </a:p>
+          <a:p>
             <a:endParaRPr lang="fr-FR" sz="2800" dirty="0">
               <a:latin typeface="+mj-lt"/>
             </a:endParaRPr>
-          </a:p>
-          <a:p>
-            <a:pPr marL="400050" indent="-400050">
-              <a:buAutoNum type="romanUcParenR"/>
-            </a:pPr>
-            <a:r>
-              <a:rPr lang="fr-FR" sz="2800" dirty="0">
-                <a:latin typeface="+mj-lt"/>
-              </a:rPr>
-              <a:t>Conclusion</a:t>
-            </a:r>
           </a:p>
         </p:txBody>
       </p:sp>
@@ -5528,7 +5165,7 @@
           <p:spPr>
             <a:xfrm>
               <a:off x="9758713" y="783893"/>
-              <a:ext cx="2373428" cy="2985433"/>
+              <a:ext cx="2373428" cy="2800767"/>
             </a:xfrm>
             <a:prstGeom prst="rect">
               <a:avLst/>
@@ -5645,28 +5282,15 @@
             </a:p>
             <a:p>
               <a:pPr marL="400050" indent="-400050">
-                <a:buFontTx/>
                 <a:buAutoNum type="romanUcParenR"/>
               </a:pPr>
               <a:r>
                 <a:rPr lang="fr-FR" sz="1200" i="1" dirty="0"/>
-                <a:t>Visualisation direct du projet</a:t>
+                <a:t>Démonstration des modules</a:t>
               </a:r>
             </a:p>
             <a:p>
-              <a:pPr marL="400050" indent="-400050">
-                <a:buAutoNum type="romanUcParenR"/>
-              </a:pPr>
               <a:endParaRPr lang="fr-FR" sz="1200" i="1" dirty="0"/>
-            </a:p>
-            <a:p>
-              <a:pPr marL="400050" indent="-400050">
-                <a:buAutoNum type="romanUcParenR"/>
-              </a:pPr>
-              <a:r>
-                <a:rPr lang="fr-FR" sz="1200" i="1" dirty="0"/>
-                <a:t>Conclusion</a:t>
-              </a:r>
             </a:p>
           </p:txBody>
         </p:sp>
@@ -5899,7 +5523,7 @@
           <p:spPr>
             <a:xfrm>
               <a:off x="9758713" y="783893"/>
-              <a:ext cx="2373428" cy="2985433"/>
+              <a:ext cx="2373428" cy="2800767"/>
             </a:xfrm>
             <a:prstGeom prst="rect">
               <a:avLst/>
@@ -6025,19 +5649,7 @@
               </a:r>
             </a:p>
             <a:p>
-              <a:pPr marL="400050" indent="-400050">
-                <a:buAutoNum type="romanUcParenR"/>
-              </a:pPr>
               <a:endParaRPr lang="fr-FR" sz="1200" i="1" dirty="0"/>
-            </a:p>
-            <a:p>
-              <a:pPr marL="400050" indent="-400050">
-                <a:buAutoNum type="romanUcParenR"/>
-              </a:pPr>
-              <a:r>
-                <a:rPr lang="fr-FR" sz="1200" i="1" dirty="0"/>
-                <a:t>Conclusion</a:t>
-              </a:r>
             </a:p>
           </p:txBody>
         </p:sp>
@@ -6360,7 +5972,7 @@
           <p:spPr>
             <a:xfrm>
               <a:off x="9758713" y="783893"/>
-              <a:ext cx="2373428" cy="2985433"/>
+              <a:ext cx="2373428" cy="2800767"/>
             </a:xfrm>
             <a:prstGeom prst="rect">
               <a:avLst/>
@@ -6477,28 +6089,15 @@
             </a:p>
             <a:p>
               <a:pPr marL="400050" indent="-400050">
-                <a:buFontTx/>
                 <a:buAutoNum type="romanUcParenR"/>
               </a:pPr>
               <a:r>
                 <a:rPr lang="fr-FR" sz="1200" i="1" dirty="0"/>
-                <a:t>Visualisation direct du projet</a:t>
+                <a:t>Démonstration des modules</a:t>
               </a:r>
             </a:p>
             <a:p>
-              <a:pPr marL="400050" indent="-400050">
-                <a:buAutoNum type="romanUcParenR"/>
-              </a:pPr>
               <a:endParaRPr lang="fr-FR" sz="1200" i="1" dirty="0"/>
-            </a:p>
-            <a:p>
-              <a:pPr marL="400050" indent="-400050">
-                <a:buAutoNum type="romanUcParenR"/>
-              </a:pPr>
-              <a:r>
-                <a:rPr lang="fr-FR" sz="1200" i="1" dirty="0"/>
-                <a:t>Conclusion</a:t>
-              </a:r>
             </a:p>
           </p:txBody>
         </p:sp>
@@ -6682,7 +6281,7 @@
           <p:spPr>
             <a:xfrm>
               <a:off x="9758713" y="783893"/>
-              <a:ext cx="2373428" cy="2985433"/>
+              <a:ext cx="2373428" cy="2800767"/>
             </a:xfrm>
             <a:prstGeom prst="rect">
               <a:avLst/>
@@ -6799,28 +6398,15 @@
             </a:p>
             <a:p>
               <a:pPr marL="400050" indent="-400050">
-                <a:buFontTx/>
                 <a:buAutoNum type="romanUcParenR"/>
               </a:pPr>
               <a:r>
                 <a:rPr lang="fr-FR" sz="1200" i="1" dirty="0"/>
-                <a:t>Visualisation direct du projet</a:t>
+                <a:t>Démonstration des modules</a:t>
               </a:r>
             </a:p>
             <a:p>
-              <a:pPr marL="400050" indent="-400050">
-                <a:buAutoNum type="romanUcParenR"/>
-              </a:pPr>
               <a:endParaRPr lang="fr-FR" sz="1200" i="1" dirty="0"/>
-            </a:p>
-            <a:p>
-              <a:pPr marL="400050" indent="-400050">
-                <a:buAutoNum type="romanUcParenR"/>
-              </a:pPr>
-              <a:r>
-                <a:rPr lang="fr-FR" sz="1200" i="1" dirty="0"/>
-                <a:t>Conclusion</a:t>
-              </a:r>
             </a:p>
           </p:txBody>
         </p:sp>
@@ -6990,7 +6576,7 @@
         <p:spPr>
           <a:xfrm>
             <a:off x="3906175" y="1899821"/>
-            <a:ext cx="2219418" cy="923330"/>
+            <a:ext cx="2219418" cy="1477328"/>
           </a:xfrm>
           <a:prstGeom prst="rect">
             <a:avLst/>
@@ -7004,10 +6590,10 @@
           <a:lstStyle/>
           <a:p>
             <a:r>
-              <a:rPr lang="fr-FR" dirty="0" err="1"/>
+              <a:rPr lang="fr-FR" b="1" dirty="0" err="1"/>
               <a:t>Processing</a:t>
             </a:r>
-            <a:endParaRPr lang="fr-FR" dirty="0"/>
+            <a:endParaRPr lang="fr-FR" b="1" dirty="0"/>
           </a:p>
           <a:p>
             <a:endParaRPr lang="fr-FR" dirty="0"/>
@@ -7016,6 +6602,15 @@
             <a:r>
               <a:rPr lang="fr-FR" dirty="0"/>
               <a:t>Interface Arduino/PC</a:t>
+            </a:r>
+          </a:p>
+          <a:p>
+            <a:endParaRPr lang="fr-FR" dirty="0"/>
+          </a:p>
+          <a:p>
+            <a:r>
+              <a:rPr lang="fr-FR" dirty="0"/>
+              <a:t>Fichier CSV</a:t>
             </a:r>
           </a:p>
         </p:txBody>
@@ -7298,10 +6893,10 @@
         </p:nvGrpSpPr>
         <p:grpSpPr>
           <a:xfrm>
-            <a:off x="9680418" y="783893"/>
-            <a:ext cx="2451723" cy="5554831"/>
+            <a:off x="9704767" y="837159"/>
+            <a:ext cx="2379215" cy="5554831"/>
             <a:chOff x="9680418" y="783893"/>
-            <a:chExt cx="2451723" cy="5554831"/>
+            <a:chExt cx="2379215" cy="5554831"/>
           </a:xfrm>
         </p:grpSpPr>
         <p:sp>
@@ -7318,8 +6913,8 @@
           </p:nvSpPr>
           <p:spPr>
             <a:xfrm>
-              <a:off x="9758713" y="783893"/>
-              <a:ext cx="2373428" cy="2985433"/>
+              <a:off x="9686205" y="945207"/>
+              <a:ext cx="2373428" cy="2616101"/>
             </a:xfrm>
             <a:prstGeom prst="rect">
               <a:avLst/>
@@ -7432,32 +7027,13 @@
               <a:pPr marL="400050" indent="-400050">
                 <a:buAutoNum type="romanUcParenR"/>
               </a:pPr>
-              <a:endParaRPr lang="fr-FR" sz="1200" i="1" dirty="0"/>
-            </a:p>
-            <a:p>
-              <a:pPr marL="400050" indent="-400050">
-                <a:buFontTx/>
-                <a:buAutoNum type="romanUcParenR"/>
-              </a:pPr>
               <a:r>
                 <a:rPr lang="fr-FR" sz="1200" i="1" dirty="0"/>
-                <a:t>Visualisation direct du projet</a:t>
+                <a:t>Démonstration des modules</a:t>
               </a:r>
             </a:p>
             <a:p>
-              <a:pPr marL="400050" indent="-400050">
-                <a:buAutoNum type="romanUcParenR"/>
-              </a:pPr>
               <a:endParaRPr lang="fr-FR" sz="1200" i="1" dirty="0"/>
-            </a:p>
-            <a:p>
-              <a:pPr marL="400050" indent="-400050">
-                <a:buAutoNum type="romanUcParenR"/>
-              </a:pPr>
-              <a:r>
-                <a:rPr lang="fr-FR" sz="1200" i="1" dirty="0"/>
-                <a:t>Conclusion</a:t>
-              </a:r>
             </a:p>
           </p:txBody>
         </p:sp>
@@ -7620,7 +7196,7 @@
         </p:nvGrpSpPr>
         <p:grpSpPr>
           <a:xfrm>
-            <a:off x="555192" y="1433374"/>
+            <a:off x="627700" y="1433374"/>
             <a:ext cx="8651948" cy="5071769"/>
             <a:chOff x="1867769" y="1445546"/>
             <a:chExt cx="8651948" cy="5071769"/>
@@ -8797,23 +8373,14 @@
               </a:pPr>
               <a:r>
                 <a:rPr lang="fr-FR" sz="1200" i="1" dirty="0"/>
-                <a:t>Visualisation direct du projet</a:t>
+                <a:t>Démonstration des modules</a:t>
               </a:r>
             </a:p>
             <a:p>
-              <a:pPr marL="400050" indent="-400050">
-                <a:buAutoNum type="romanUcParenR"/>
-              </a:pPr>
+              <a:endParaRPr lang="fr-FR" sz="1200" i="1" dirty="0"/>
+            </a:p>
+            <a:p>
               <a:endParaRPr lang="fr-FR" sz="1200" dirty="0"/>
-            </a:p>
-            <a:p>
-              <a:pPr marL="400050" indent="-400050">
-                <a:buAutoNum type="romanUcParenR"/>
-              </a:pPr>
-              <a:r>
-                <a:rPr lang="fr-FR" sz="1200" i="1" dirty="0"/>
-                <a:t>Conclusion</a:t>
-              </a:r>
             </a:p>
           </p:txBody>
         </p:sp>

--- a/PROJET 1 UE 1 diapositive.pptx
+++ b/PROJET 1 UE 1 diapositive.pptx
@@ -4456,7 +4456,9 @@
               <a:buAutoNum type="romanUcParenR"/>
             </a:pPr>
             <a:r>
-              <a:rPr lang="fr-FR" sz="2800" i="1" dirty="0"/>
+              <a:rPr lang="fr-FR" sz="2800" dirty="0">
+                <a:latin typeface="+mj-lt"/>
+              </a:rPr>
               <a:t>Démonstration des modules</a:t>
             </a:r>
           </a:p>

--- a/PROJET 1 UE 1 diapositive.pptx
+++ b/PROJET 1 UE 1 diapositive.pptx
@@ -3853,7 +3853,7 @@
           <p:spPr>
             <a:xfrm>
               <a:off x="9758713" y="783893"/>
-              <a:ext cx="2373428" cy="2985433"/>
+              <a:ext cx="2373428" cy="2800767"/>
             </a:xfrm>
             <a:prstGeom prst="rect">
               <a:avLst/>
@@ -3976,19 +3976,7 @@
               </a:r>
             </a:p>
             <a:p>
-              <a:pPr marL="400050" indent="-400050">
-                <a:buAutoNum type="romanUcParenR"/>
-              </a:pPr>
               <a:endParaRPr lang="fr-FR" sz="1200" dirty="0"/>
-            </a:p>
-            <a:p>
-              <a:pPr marL="400050" indent="-400050">
-                <a:buAutoNum type="romanUcParenR"/>
-              </a:pPr>
-              <a:r>
-                <a:rPr lang="fr-FR" sz="1200" b="1" dirty="0"/>
-                <a:t>Conclusion</a:t>
-              </a:r>
             </a:p>
           </p:txBody>
         </p:sp>
@@ -6647,47 +6635,223 @@
           <a:chExt cx="0" cy="0"/>
         </a:xfrm>
       </p:grpSpPr>
+      <p:grpSp>
+        <p:nvGrpSpPr>
+          <p:cNvPr id="5" name="Groupe 4">
+            <a:extLst>
+              <a:ext uri="{FF2B5EF4-FFF2-40B4-BE49-F238E27FC236}">
+                <a16:creationId xmlns:a16="http://schemas.microsoft.com/office/drawing/2014/main" id="{53C70ED9-8381-4C86-B0D4-A10EB4D155D1}"/>
+              </a:ext>
+            </a:extLst>
+          </p:cNvPr>
+          <p:cNvGrpSpPr/>
+          <p:nvPr/>
+        </p:nvGrpSpPr>
+        <p:grpSpPr>
+          <a:xfrm>
+            <a:off x="9704767" y="837159"/>
+            <a:ext cx="2379215" cy="5554831"/>
+            <a:chOff x="9680418" y="783893"/>
+            <a:chExt cx="2379215" cy="5554831"/>
+          </a:xfrm>
+        </p:grpSpPr>
+        <p:sp>
+          <p:nvSpPr>
+            <p:cNvPr id="6" name="ZoneTexte 5">
+              <a:extLst>
+                <a:ext uri="{FF2B5EF4-FFF2-40B4-BE49-F238E27FC236}">
+                  <a16:creationId xmlns:a16="http://schemas.microsoft.com/office/drawing/2014/main" id="{AD3A37EC-2A01-4BA8-9970-A97F1BE72E92}"/>
+                </a:ext>
+              </a:extLst>
+            </p:cNvPr>
+            <p:cNvSpPr txBox="1"/>
+            <p:nvPr/>
+          </p:nvSpPr>
+          <p:spPr>
+            <a:xfrm>
+              <a:off x="9686205" y="945207"/>
+              <a:ext cx="2373428" cy="2616101"/>
+            </a:xfrm>
+            <a:prstGeom prst="rect">
+              <a:avLst/>
+            </a:prstGeom>
+            <a:noFill/>
+          </p:spPr>
+          <p:txBody>
+            <a:bodyPr wrap="square" rtlCol="0">
+              <a:spAutoFit/>
+            </a:bodyPr>
+            <a:lstStyle/>
+            <a:p>
+              <a:r>
+                <a:rPr lang="fr-FR" sz="1200" dirty="0"/>
+                <a:t>Avancement Diapositive:</a:t>
+              </a:r>
+            </a:p>
+            <a:p>
+              <a:pPr marL="400050" indent="-400050">
+                <a:buAutoNum type="romanUcParenR"/>
+              </a:pPr>
+              <a:endParaRPr lang="fr-FR" sz="1200" b="1" dirty="0"/>
+            </a:p>
+            <a:p>
+              <a:pPr marL="400050" indent="-400050">
+                <a:buAutoNum type="romanUcParenR"/>
+              </a:pPr>
+              <a:endParaRPr lang="fr-FR" sz="1200" b="1" dirty="0"/>
+            </a:p>
+            <a:p>
+              <a:pPr marL="400050" indent="-400050">
+                <a:buAutoNum type="romanUcParenR"/>
+              </a:pPr>
+              <a:r>
+                <a:rPr lang="fr-FR" sz="1200" i="1" dirty="0"/>
+                <a:t>Organisation du projet</a:t>
+              </a:r>
+            </a:p>
+            <a:p>
+              <a:pPr marL="400050" indent="-400050">
+                <a:buAutoNum type="romanUcParenR"/>
+              </a:pPr>
+              <a:endParaRPr lang="fr-FR" sz="1200" dirty="0"/>
+            </a:p>
+            <a:p>
+              <a:pPr marL="400050" indent="-400050">
+                <a:buAutoNum type="romanUcParenR"/>
+              </a:pPr>
+              <a:r>
+                <a:rPr lang="fr-FR" sz="1200" b="1" dirty="0"/>
+                <a:t>Présentation des modules</a:t>
+              </a:r>
+            </a:p>
+            <a:p>
+              <a:pPr marL="971550" lvl="1" indent="-514350">
+                <a:buFont typeface="+mj-lt"/>
+                <a:buAutoNum type="alphaLcParenR"/>
+              </a:pPr>
+              <a:r>
+                <a:rPr lang="fr-FR" sz="1100" i="1" dirty="0"/>
+                <a:t>Module 1</a:t>
+              </a:r>
+            </a:p>
+            <a:p>
+              <a:pPr marL="971550" lvl="1" indent="-514350">
+                <a:buFont typeface="+mj-lt"/>
+                <a:buAutoNum type="alphaLcParenR"/>
+              </a:pPr>
+              <a:r>
+                <a:rPr lang="fr-FR" sz="1100" i="1" dirty="0"/>
+                <a:t>Module 2</a:t>
+              </a:r>
+            </a:p>
+            <a:p>
+              <a:pPr marL="971550" lvl="1" indent="-514350">
+                <a:buFont typeface="+mj-lt"/>
+                <a:buAutoNum type="alphaLcParenR"/>
+              </a:pPr>
+              <a:r>
+                <a:rPr lang="fr-FR" sz="1100" i="1" dirty="0"/>
+                <a:t>Module 3</a:t>
+              </a:r>
+            </a:p>
+            <a:p>
+              <a:pPr marL="971550" lvl="1" indent="-514350">
+                <a:buFont typeface="+mj-lt"/>
+                <a:buAutoNum type="alphaLcParenR"/>
+              </a:pPr>
+              <a:r>
+                <a:rPr lang="fr-FR" sz="1100" b="1" dirty="0"/>
+                <a:t>Module 4</a:t>
+              </a:r>
+            </a:p>
+            <a:p>
+              <a:pPr marL="400050" indent="-400050">
+                <a:buAutoNum type="romanUcParenR"/>
+              </a:pPr>
+              <a:endParaRPr lang="fr-FR" sz="1200" i="1" dirty="0"/>
+            </a:p>
+            <a:p>
+              <a:pPr marL="400050" indent="-400050">
+                <a:buAutoNum type="romanUcParenR"/>
+              </a:pPr>
+              <a:r>
+                <a:rPr lang="fr-FR" sz="1200" i="1" dirty="0"/>
+                <a:t>Bilan des modules</a:t>
+              </a:r>
+            </a:p>
+            <a:p>
+              <a:pPr marL="400050" indent="-400050">
+                <a:buAutoNum type="romanUcParenR"/>
+              </a:pPr>
+              <a:r>
+                <a:rPr lang="fr-FR" sz="1200" i="1" dirty="0"/>
+                <a:t>Démonstration des modules</a:t>
+              </a:r>
+            </a:p>
+            <a:p>
+              <a:endParaRPr lang="fr-FR" sz="1200" i="1" dirty="0"/>
+            </a:p>
+          </p:txBody>
+        </p:sp>
+        <p:sp>
+          <p:nvSpPr>
+            <p:cNvPr id="7" name="Rectangle 6">
+              <a:extLst>
+                <a:ext uri="{FF2B5EF4-FFF2-40B4-BE49-F238E27FC236}">
+                  <a16:creationId xmlns:a16="http://schemas.microsoft.com/office/drawing/2014/main" id="{F8DA615B-423B-4F53-A96D-069E79FD9917}"/>
+                </a:ext>
+              </a:extLst>
+            </p:cNvPr>
+            <p:cNvSpPr/>
+            <p:nvPr/>
+          </p:nvSpPr>
+          <p:spPr>
+            <a:xfrm>
+              <a:off x="9680418" y="783893"/>
+              <a:ext cx="2379215" cy="5554831"/>
+            </a:xfrm>
+            <a:prstGeom prst="rect">
+              <a:avLst/>
+            </a:prstGeom>
+            <a:noFill/>
+            <a:ln>
+              <a:solidFill>
+                <a:schemeClr val="tx1"/>
+              </a:solidFill>
+            </a:ln>
+          </p:spPr>
+          <p:style>
+            <a:lnRef idx="2">
+              <a:schemeClr val="accent1">
+                <a:shade val="50000"/>
+              </a:schemeClr>
+            </a:lnRef>
+            <a:fillRef idx="1">
+              <a:schemeClr val="accent1"/>
+            </a:fillRef>
+            <a:effectRef idx="0">
+              <a:schemeClr val="accent1"/>
+            </a:effectRef>
+            <a:fontRef idx="minor">
+              <a:schemeClr val="lt1"/>
+            </a:fontRef>
+          </p:style>
+          <p:txBody>
+            <a:bodyPr rtlCol="0" anchor="ctr"/>
+            <a:lstStyle/>
+            <a:p>
+              <a:pPr algn="ctr"/>
+              <a:endParaRPr lang="fr-FR" dirty="0"/>
+            </a:p>
+          </p:txBody>
+        </p:sp>
+      </p:grpSp>
       <p:sp>
         <p:nvSpPr>
-          <p:cNvPr id="3" name="Espace réservé du contenu 2">
-            <a:extLst>
-              <a:ext uri="{FF2B5EF4-FFF2-40B4-BE49-F238E27FC236}">
-                <a16:creationId xmlns:a16="http://schemas.microsoft.com/office/drawing/2014/main" id="{838E2D00-5BA8-4DCA-8B04-B87937D757E1}"/>
-              </a:ext>
-            </a:extLst>
-          </p:cNvPr>
-          <p:cNvSpPr>
-            <a:spLocks noGrp="1"/>
-          </p:cNvSpPr>
-          <p:nvPr>
-            <p:ph idx="1"/>
-          </p:nvPr>
-        </p:nvSpPr>
-        <p:spPr>
-          <a:xfrm>
-            <a:off x="740544" y="1690688"/>
-            <a:ext cx="3653903" cy="795060"/>
-          </a:xfrm>
-        </p:spPr>
-        <p:txBody>
-          <a:bodyPr>
-            <a:normAutofit/>
-          </a:bodyPr>
-          <a:lstStyle/>
-          <a:p>
-            <a:r>
-              <a:rPr lang="fr-FR" dirty="0"/>
-              <a:t>Organisation du code:</a:t>
-            </a:r>
-          </a:p>
-        </p:txBody>
-      </p:sp>
-      <p:sp>
-        <p:nvSpPr>
-          <p:cNvPr id="4" name="Espace réservé du contenu 2">
-            <a:extLst>
-              <a:ext uri="{FF2B5EF4-FFF2-40B4-BE49-F238E27FC236}">
-                <a16:creationId xmlns:a16="http://schemas.microsoft.com/office/drawing/2014/main" id="{A476CDD7-04DC-4C13-8259-13582BE27190}"/>
+          <p:cNvPr id="10" name="Titre 1">
+            <a:extLst>
+              <a:ext uri="{FF2B5EF4-FFF2-40B4-BE49-F238E27FC236}">
+                <a16:creationId xmlns:a16="http://schemas.microsoft.com/office/drawing/2014/main" id="{A2F19B48-42D9-4C3A-B8E9-B6687BF8739E}"/>
               </a:ext>
             </a:extLst>
           </p:cNvPr>
@@ -6698,8 +6862,70 @@
         </p:nvSpPr>
         <p:spPr>
           <a:xfrm>
-            <a:off x="6548020" y="1690688"/>
-            <a:ext cx="3723444" cy="795060"/>
+            <a:off x="-304126" y="22485"/>
+            <a:ext cx="10515600" cy="1325563"/>
+          </a:xfrm>
+          <a:prstGeom prst="rect">
+            <a:avLst/>
+          </a:prstGeom>
+        </p:spPr>
+        <p:txBody>
+          <a:bodyPr vert="horz" lIns="91440" tIns="45720" rIns="91440" bIns="45720" rtlCol="0" anchor="ctr">
+            <a:normAutofit/>
+          </a:bodyPr>
+          <a:lstStyle>
+            <a:lvl1pPr algn="l" defTabSz="914400" rtl="0" eaLnBrk="1" latinLnBrk="0" hangingPunct="1">
+              <a:lnSpc>
+                <a:spcPct val="90000"/>
+              </a:lnSpc>
+              <a:spcBef>
+                <a:spcPct val="0"/>
+              </a:spcBef>
+              <a:buNone/>
+              <a:defRPr sz="4400" kern="1200">
+                <a:solidFill>
+                  <a:schemeClr val="tx1"/>
+                </a:solidFill>
+                <a:latin typeface="+mj-lt"/>
+                <a:ea typeface="+mj-ea"/>
+                <a:cs typeface="+mj-cs"/>
+              </a:defRPr>
+            </a:lvl1pPr>
+          </a:lstStyle>
+          <a:p>
+            <a:pPr algn="ctr"/>
+            <a:r>
+              <a:rPr lang="fr-FR" sz="4000" dirty="0"/>
+              <a:t> II) Présentation des modules</a:t>
+            </a:r>
+          </a:p>
+          <a:p>
+            <a:pPr algn="ctr"/>
+            <a:r>
+              <a:rPr lang="fr-FR" sz="2400" dirty="0"/>
+              <a:t>d) Module 4</a:t>
+            </a:r>
+          </a:p>
+        </p:txBody>
+      </p:sp>
+      <p:sp>
+        <p:nvSpPr>
+          <p:cNvPr id="11" name="Espace réservé du contenu 2">
+            <a:extLst>
+              <a:ext uri="{FF2B5EF4-FFF2-40B4-BE49-F238E27FC236}">
+                <a16:creationId xmlns:a16="http://schemas.microsoft.com/office/drawing/2014/main" id="{85FB5040-7E15-4CA9-BC9B-4036E3DF773C}"/>
+              </a:ext>
+            </a:extLst>
+          </p:cNvPr>
+          <p:cNvSpPr>
+            <a:spLocks noGrp="1"/>
+          </p:cNvSpPr>
+          <p:nvPr/>
+        </p:nvSpPr>
+        <p:spPr>
+          <a:xfrm>
+            <a:off x="400202" y="1558380"/>
+            <a:ext cx="3653903" cy="795060"/>
           </a:xfrm>
           <a:prstGeom prst="rect">
             <a:avLst/>
@@ -6876,228 +7102,17 @@
           <a:p>
             <a:r>
               <a:rPr lang="fr-FR" dirty="0"/>
-              <a:t>O</a:t>
+              <a:t>Organisation du code:</a:t>
             </a:r>
           </a:p>
         </p:txBody>
       </p:sp>
-      <p:grpSp>
-        <p:nvGrpSpPr>
-          <p:cNvPr id="5" name="Groupe 4">
-            <a:extLst>
-              <a:ext uri="{FF2B5EF4-FFF2-40B4-BE49-F238E27FC236}">
-                <a16:creationId xmlns:a16="http://schemas.microsoft.com/office/drawing/2014/main" id="{53C70ED9-8381-4C86-B0D4-A10EB4D155D1}"/>
-              </a:ext>
-            </a:extLst>
-          </p:cNvPr>
-          <p:cNvGrpSpPr/>
-          <p:nvPr/>
-        </p:nvGrpSpPr>
-        <p:grpSpPr>
-          <a:xfrm>
-            <a:off x="9704767" y="837159"/>
-            <a:ext cx="2379215" cy="5554831"/>
-            <a:chOff x="9680418" y="783893"/>
-            <a:chExt cx="2379215" cy="5554831"/>
-          </a:xfrm>
-        </p:grpSpPr>
-        <p:sp>
-          <p:nvSpPr>
-            <p:cNvPr id="6" name="ZoneTexte 5">
-              <a:extLst>
-                <a:ext uri="{FF2B5EF4-FFF2-40B4-BE49-F238E27FC236}">
-                  <a16:creationId xmlns:a16="http://schemas.microsoft.com/office/drawing/2014/main" id="{AD3A37EC-2A01-4BA8-9970-A97F1BE72E92}"/>
-                </a:ext>
-              </a:extLst>
-            </p:cNvPr>
-            <p:cNvSpPr txBox="1"/>
-            <p:nvPr/>
-          </p:nvSpPr>
-          <p:spPr>
-            <a:xfrm>
-              <a:off x="9686205" y="945207"/>
-              <a:ext cx="2373428" cy="2616101"/>
-            </a:xfrm>
-            <a:prstGeom prst="rect">
-              <a:avLst/>
-            </a:prstGeom>
-            <a:noFill/>
-          </p:spPr>
-          <p:txBody>
-            <a:bodyPr wrap="square" rtlCol="0">
-              <a:spAutoFit/>
-            </a:bodyPr>
-            <a:lstStyle/>
-            <a:p>
-              <a:r>
-                <a:rPr lang="fr-FR" sz="1200" dirty="0"/>
-                <a:t>Avancement Diapositive:</a:t>
-              </a:r>
-            </a:p>
-            <a:p>
-              <a:pPr marL="400050" indent="-400050">
-                <a:buAutoNum type="romanUcParenR"/>
-              </a:pPr>
-              <a:endParaRPr lang="fr-FR" sz="1200" b="1" dirty="0"/>
-            </a:p>
-            <a:p>
-              <a:pPr marL="400050" indent="-400050">
-                <a:buAutoNum type="romanUcParenR"/>
-              </a:pPr>
-              <a:endParaRPr lang="fr-FR" sz="1200" b="1" dirty="0"/>
-            </a:p>
-            <a:p>
-              <a:pPr marL="400050" indent="-400050">
-                <a:buAutoNum type="romanUcParenR"/>
-              </a:pPr>
-              <a:r>
-                <a:rPr lang="fr-FR" sz="1200" i="1" dirty="0"/>
-                <a:t>Organisation du projet</a:t>
-              </a:r>
-            </a:p>
-            <a:p>
-              <a:pPr marL="400050" indent="-400050">
-                <a:buAutoNum type="romanUcParenR"/>
-              </a:pPr>
-              <a:endParaRPr lang="fr-FR" sz="1200" dirty="0"/>
-            </a:p>
-            <a:p>
-              <a:pPr marL="400050" indent="-400050">
-                <a:buAutoNum type="romanUcParenR"/>
-              </a:pPr>
-              <a:r>
-                <a:rPr lang="fr-FR" sz="1200" b="1" dirty="0"/>
-                <a:t>Présentation des modules</a:t>
-              </a:r>
-            </a:p>
-            <a:p>
-              <a:pPr marL="971550" lvl="1" indent="-514350">
-                <a:buFont typeface="+mj-lt"/>
-                <a:buAutoNum type="alphaLcParenR"/>
-              </a:pPr>
-              <a:r>
-                <a:rPr lang="fr-FR" sz="1100" i="1" dirty="0"/>
-                <a:t>Module 1</a:t>
-              </a:r>
-            </a:p>
-            <a:p>
-              <a:pPr marL="971550" lvl="1" indent="-514350">
-                <a:buFont typeface="+mj-lt"/>
-                <a:buAutoNum type="alphaLcParenR"/>
-              </a:pPr>
-              <a:r>
-                <a:rPr lang="fr-FR" sz="1100" i="1" dirty="0"/>
-                <a:t>Module 2</a:t>
-              </a:r>
-            </a:p>
-            <a:p>
-              <a:pPr marL="971550" lvl="1" indent="-514350">
-                <a:buFont typeface="+mj-lt"/>
-                <a:buAutoNum type="alphaLcParenR"/>
-              </a:pPr>
-              <a:r>
-                <a:rPr lang="fr-FR" sz="1100" i="1" dirty="0"/>
-                <a:t>Module 3</a:t>
-              </a:r>
-            </a:p>
-            <a:p>
-              <a:pPr marL="971550" lvl="1" indent="-514350">
-                <a:buFont typeface="+mj-lt"/>
-                <a:buAutoNum type="alphaLcParenR"/>
-              </a:pPr>
-              <a:r>
-                <a:rPr lang="fr-FR" sz="1100" b="1" dirty="0"/>
-                <a:t>Module 4</a:t>
-              </a:r>
-            </a:p>
-            <a:p>
-              <a:pPr marL="400050" indent="-400050">
-                <a:buAutoNum type="romanUcParenR"/>
-              </a:pPr>
-              <a:endParaRPr lang="fr-FR" sz="1200" i="1" dirty="0"/>
-            </a:p>
-            <a:p>
-              <a:pPr marL="400050" indent="-400050">
-                <a:buAutoNum type="romanUcParenR"/>
-              </a:pPr>
-              <a:r>
-                <a:rPr lang="fr-FR" sz="1200" i="1" dirty="0"/>
-                <a:t>Bilan des modules</a:t>
-              </a:r>
-            </a:p>
-            <a:p>
-              <a:pPr marL="400050" indent="-400050">
-                <a:buAutoNum type="romanUcParenR"/>
-              </a:pPr>
-              <a:r>
-                <a:rPr lang="fr-FR" sz="1200" i="1" dirty="0"/>
-                <a:t>Démonstration des modules</a:t>
-              </a:r>
-            </a:p>
-            <a:p>
-              <a:endParaRPr lang="fr-FR" sz="1200" i="1" dirty="0"/>
-            </a:p>
-          </p:txBody>
-        </p:sp>
-        <p:sp>
-          <p:nvSpPr>
-            <p:cNvPr id="7" name="Rectangle 6">
-              <a:extLst>
-                <a:ext uri="{FF2B5EF4-FFF2-40B4-BE49-F238E27FC236}">
-                  <a16:creationId xmlns:a16="http://schemas.microsoft.com/office/drawing/2014/main" id="{F8DA615B-423B-4F53-A96D-069E79FD9917}"/>
-                </a:ext>
-              </a:extLst>
-            </p:cNvPr>
-            <p:cNvSpPr/>
-            <p:nvPr/>
-          </p:nvSpPr>
-          <p:spPr>
-            <a:xfrm>
-              <a:off x="9680418" y="783893"/>
-              <a:ext cx="2379215" cy="5554831"/>
-            </a:xfrm>
-            <a:prstGeom prst="rect">
-              <a:avLst/>
-            </a:prstGeom>
-            <a:noFill/>
-            <a:ln>
-              <a:solidFill>
-                <a:schemeClr val="tx1"/>
-              </a:solidFill>
-            </a:ln>
-          </p:spPr>
-          <p:style>
-            <a:lnRef idx="2">
-              <a:schemeClr val="accent1">
-                <a:shade val="50000"/>
-              </a:schemeClr>
-            </a:lnRef>
-            <a:fillRef idx="1">
-              <a:schemeClr val="accent1"/>
-            </a:fillRef>
-            <a:effectRef idx="0">
-              <a:schemeClr val="accent1"/>
-            </a:effectRef>
-            <a:fontRef idx="minor">
-              <a:schemeClr val="lt1"/>
-            </a:fontRef>
-          </p:style>
-          <p:txBody>
-            <a:bodyPr rtlCol="0" anchor="ctr"/>
-            <a:lstStyle/>
-            <a:p>
-              <a:pPr algn="ctr"/>
-              <a:endParaRPr lang="fr-FR" dirty="0"/>
-            </a:p>
-          </p:txBody>
-        </p:sp>
-      </p:grpSp>
       <p:sp>
         <p:nvSpPr>
-          <p:cNvPr id="10" name="Titre 1">
-            <a:extLst>
-              <a:ext uri="{FF2B5EF4-FFF2-40B4-BE49-F238E27FC236}">
-                <a16:creationId xmlns:a16="http://schemas.microsoft.com/office/drawing/2014/main" id="{A2F19B48-42D9-4C3A-B8E9-B6687BF8739E}"/>
+          <p:cNvPr id="12" name="Espace réservé du contenu 2">
+            <a:extLst>
+              <a:ext uri="{FF2B5EF4-FFF2-40B4-BE49-F238E27FC236}">
+                <a16:creationId xmlns:a16="http://schemas.microsoft.com/office/drawing/2014/main" id="{DF5C842F-ED1D-4FFB-8656-74463A06AB1F}"/>
               </a:ext>
             </a:extLst>
           </p:cNvPr>
@@ -7108,49 +7123,246 @@
         </p:nvSpPr>
         <p:spPr>
           <a:xfrm>
-            <a:off x="-304126" y="22485"/>
-            <a:ext cx="10515600" cy="1325563"/>
+            <a:off x="6096000" y="1457220"/>
+            <a:ext cx="3723444" cy="795060"/>
           </a:xfrm>
           <a:prstGeom prst="rect">
             <a:avLst/>
           </a:prstGeom>
         </p:spPr>
         <p:txBody>
-          <a:bodyPr vert="horz" lIns="91440" tIns="45720" rIns="91440" bIns="45720" rtlCol="0" anchor="ctr">
+          <a:bodyPr vert="horz" lIns="91440" tIns="45720" rIns="91440" bIns="45720" rtlCol="0">
             <a:normAutofit/>
           </a:bodyPr>
           <a:lstStyle>
-            <a:lvl1pPr algn="l" defTabSz="914400" rtl="0" eaLnBrk="1" latinLnBrk="0" hangingPunct="1">
-              <a:lnSpc>
-                <a:spcPct val="90000"/>
-              </a:lnSpc>
-              <a:spcBef>
-                <a:spcPct val="0"/>
-              </a:spcBef>
-              <a:buNone/>
-              <a:defRPr sz="4400" kern="1200">
+            <a:defPPr>
+              <a:defRPr lang="fr-FR"/>
+            </a:defPPr>
+            <a:lvl1pPr marL="0" algn="l" defTabSz="914400" rtl="0" eaLnBrk="1" latinLnBrk="0" hangingPunct="1">
+              <a:defRPr sz="1800" kern="1200">
                 <a:solidFill>
                   <a:schemeClr val="tx1"/>
                 </a:solidFill>
-                <a:latin typeface="+mj-lt"/>
-                <a:ea typeface="+mj-ea"/>
-                <a:cs typeface="+mj-cs"/>
+                <a:latin typeface="+mn-lt"/>
+                <a:ea typeface="+mn-ea"/>
+                <a:cs typeface="+mn-cs"/>
               </a:defRPr>
             </a:lvl1pPr>
+            <a:lvl2pPr marL="457200" algn="l" defTabSz="914400" rtl="0" eaLnBrk="1" latinLnBrk="0" hangingPunct="1">
+              <a:defRPr sz="1800" kern="1200">
+                <a:solidFill>
+                  <a:schemeClr val="tx1"/>
+                </a:solidFill>
+                <a:latin typeface="+mn-lt"/>
+                <a:ea typeface="+mn-ea"/>
+                <a:cs typeface="+mn-cs"/>
+              </a:defRPr>
+            </a:lvl2pPr>
+            <a:lvl3pPr marL="914400" algn="l" defTabSz="914400" rtl="0" eaLnBrk="1" latinLnBrk="0" hangingPunct="1">
+              <a:defRPr sz="1800" kern="1200">
+                <a:solidFill>
+                  <a:schemeClr val="tx1"/>
+                </a:solidFill>
+                <a:latin typeface="+mn-lt"/>
+                <a:ea typeface="+mn-ea"/>
+                <a:cs typeface="+mn-cs"/>
+              </a:defRPr>
+            </a:lvl3pPr>
+            <a:lvl4pPr marL="1371600" algn="l" defTabSz="914400" rtl="0" eaLnBrk="1" latinLnBrk="0" hangingPunct="1">
+              <a:defRPr sz="1800" kern="1200">
+                <a:solidFill>
+                  <a:schemeClr val="tx1"/>
+                </a:solidFill>
+                <a:latin typeface="+mn-lt"/>
+                <a:ea typeface="+mn-ea"/>
+                <a:cs typeface="+mn-cs"/>
+              </a:defRPr>
+            </a:lvl4pPr>
+            <a:lvl5pPr marL="1828800" algn="l" defTabSz="914400" rtl="0" eaLnBrk="1" latinLnBrk="0" hangingPunct="1">
+              <a:defRPr sz="1800" kern="1200">
+                <a:solidFill>
+                  <a:schemeClr val="tx1"/>
+                </a:solidFill>
+                <a:latin typeface="+mn-lt"/>
+                <a:ea typeface="+mn-ea"/>
+                <a:cs typeface="+mn-cs"/>
+              </a:defRPr>
+            </a:lvl5pPr>
+            <a:lvl6pPr marL="2286000" algn="l" defTabSz="914400" rtl="0" eaLnBrk="1" latinLnBrk="0" hangingPunct="1">
+              <a:defRPr sz="1800" kern="1200">
+                <a:solidFill>
+                  <a:schemeClr val="tx1"/>
+                </a:solidFill>
+                <a:latin typeface="+mn-lt"/>
+                <a:ea typeface="+mn-ea"/>
+                <a:cs typeface="+mn-cs"/>
+              </a:defRPr>
+            </a:lvl6pPr>
+            <a:lvl7pPr marL="2743200" algn="l" defTabSz="914400" rtl="0" eaLnBrk="1" latinLnBrk="0" hangingPunct="1">
+              <a:defRPr sz="1800" kern="1200">
+                <a:solidFill>
+                  <a:schemeClr val="tx1"/>
+                </a:solidFill>
+                <a:latin typeface="+mn-lt"/>
+                <a:ea typeface="+mn-ea"/>
+                <a:cs typeface="+mn-cs"/>
+              </a:defRPr>
+            </a:lvl7pPr>
+            <a:lvl8pPr marL="3200400" algn="l" defTabSz="914400" rtl="0" eaLnBrk="1" latinLnBrk="0" hangingPunct="1">
+              <a:defRPr sz="1800" kern="1200">
+                <a:solidFill>
+                  <a:schemeClr val="tx1"/>
+                </a:solidFill>
+                <a:latin typeface="+mn-lt"/>
+                <a:ea typeface="+mn-ea"/>
+                <a:cs typeface="+mn-cs"/>
+              </a:defRPr>
+            </a:lvl8pPr>
+            <a:lvl9pPr marL="3657600" algn="l" defTabSz="914400" rtl="0" eaLnBrk="1" latinLnBrk="0" hangingPunct="1">
+              <a:defRPr sz="1800" kern="1200">
+                <a:solidFill>
+                  <a:schemeClr val="tx1"/>
+                </a:solidFill>
+                <a:latin typeface="+mn-lt"/>
+                <a:ea typeface="+mn-ea"/>
+                <a:cs typeface="+mn-cs"/>
+              </a:defRPr>
+            </a:lvl9pPr>
           </a:lstStyle>
           <a:p>
-            <a:pPr algn="ctr"/>
-            <a:r>
-              <a:rPr lang="fr-FR" sz="4000" dirty="0"/>
-              <a:t> II) Présentation des modules</a:t>
-            </a:r>
-          </a:p>
-          <a:p>
-            <a:pPr algn="ctr"/>
-            <a:r>
-              <a:rPr lang="fr-FR" sz="2400" dirty="0"/>
-              <a:t>d) Module 4</a:t>
-            </a:r>
+            <a:pPr marL="285750" indent="-285750">
+              <a:buFont typeface="Arial" panose="020B0604020202020204" pitchFamily="34" charset="0"/>
+              <a:buChar char="•"/>
+            </a:pPr>
+            <a:r>
+              <a:rPr lang="fr-FR" sz="2800" dirty="0"/>
+              <a:t>Avis sur le code:</a:t>
+            </a:r>
+          </a:p>
+        </p:txBody>
+      </p:sp>
+      <p:pic>
+        <p:nvPicPr>
+          <p:cNvPr id="16" name="Image 15">
+            <a:extLst>
+              <a:ext uri="{FF2B5EF4-FFF2-40B4-BE49-F238E27FC236}">
+                <a16:creationId xmlns:a16="http://schemas.microsoft.com/office/drawing/2014/main" id="{408C6223-82E3-4AFA-ABB1-7395542FFE3A}"/>
+              </a:ext>
+            </a:extLst>
+          </p:cNvPr>
+          <p:cNvPicPr>
+            <a:picLocks noChangeAspect="1"/>
+          </p:cNvPicPr>
+          <p:nvPr/>
+        </p:nvPicPr>
+        <p:blipFill>
+          <a:blip r:embed="rId2"/>
+          <a:stretch>
+            <a:fillRect/>
+          </a:stretch>
+        </p:blipFill>
+        <p:spPr>
+          <a:xfrm>
+            <a:off x="466210" y="2252280"/>
+            <a:ext cx="3953299" cy="2353439"/>
+          </a:xfrm>
+          <a:prstGeom prst="rect">
+            <a:avLst/>
+          </a:prstGeom>
+        </p:spPr>
+      </p:pic>
+      <p:sp>
+        <p:nvSpPr>
+          <p:cNvPr id="17" name="ZoneTexte 16">
+            <a:extLst>
+              <a:ext uri="{FF2B5EF4-FFF2-40B4-BE49-F238E27FC236}">
+                <a16:creationId xmlns:a16="http://schemas.microsoft.com/office/drawing/2014/main" id="{C92C0DF9-8DD2-42AD-A59D-EB9B33C6F326}"/>
+              </a:ext>
+            </a:extLst>
+          </p:cNvPr>
+          <p:cNvSpPr txBox="1"/>
+          <p:nvPr/>
+        </p:nvSpPr>
+        <p:spPr>
+          <a:xfrm>
+            <a:off x="5305425" y="2252280"/>
+            <a:ext cx="3669247" cy="2585323"/>
+          </a:xfrm>
+          <a:prstGeom prst="rect">
+            <a:avLst/>
+          </a:prstGeom>
+          <a:noFill/>
+        </p:spPr>
+        <p:txBody>
+          <a:bodyPr wrap="square" rtlCol="0">
+            <a:spAutoFit/>
+          </a:bodyPr>
+          <a:lstStyle/>
+          <a:p>
+            <a:r>
+              <a:rPr lang="fr-FR" dirty="0"/>
+              <a:t>Structure:</a:t>
+            </a:r>
+          </a:p>
+          <a:p>
+            <a:pPr marL="342900" indent="-342900">
+              <a:buFont typeface="+mj-lt"/>
+              <a:buAutoNum type="arabicPeriod"/>
+            </a:pPr>
+            <a:r>
+              <a:rPr lang="fr-FR" dirty="0"/>
+              <a:t>Moyen d’améliorer la structure.</a:t>
+            </a:r>
+          </a:p>
+          <a:p>
+            <a:pPr marL="342900" indent="-342900">
+              <a:buFont typeface="+mj-lt"/>
+              <a:buAutoNum type="arabicPeriod"/>
+            </a:pPr>
+            <a:r>
+              <a:rPr lang="fr-FR" dirty="0"/>
+              <a:t>Meilleur programmation défensive.</a:t>
+            </a:r>
+          </a:p>
+          <a:p>
+            <a:pPr marL="342900" indent="-342900">
+              <a:buFont typeface="+mj-lt"/>
+              <a:buAutoNum type="arabicPeriod"/>
+            </a:pPr>
+            <a:endParaRPr lang="fr-FR" dirty="0"/>
+          </a:p>
+          <a:p>
+            <a:r>
+              <a:rPr lang="fr-FR" dirty="0"/>
+              <a:t>Fonctions:</a:t>
+            </a:r>
+          </a:p>
+          <a:p>
+            <a:pPr marL="342900" indent="-342900">
+              <a:buFont typeface="+mj-lt"/>
+              <a:buAutoNum type="arabicPeriod"/>
+            </a:pPr>
+            <a:r>
+              <a:rPr lang="fr-FR" dirty="0"/>
+              <a:t>Fonction ‘’Recherche’’ non réalisé</a:t>
+            </a:r>
+          </a:p>
+          <a:p>
+            <a:pPr marL="342900" indent="-342900">
+              <a:buFont typeface="+mj-lt"/>
+              <a:buAutoNum type="arabicPeriod"/>
+            </a:pPr>
+            <a:r>
+              <a:rPr lang="fr-FR" dirty="0"/>
+              <a:t>Amélioration d’une fonction</a:t>
+            </a:r>
+          </a:p>
+          <a:p>
+            <a:pPr marL="342900" indent="-342900">
+              <a:buFont typeface="+mj-lt"/>
+              <a:buAutoNum type="arabicPeriod"/>
+            </a:pPr>
+            <a:endParaRPr lang="fr-FR" dirty="0"/>
           </a:p>
         </p:txBody>
       </p:sp>

--- a/PROJET 1 UE 1 diapositive.pptx
+++ b/PROJET 1 UE 1 diapositive.pptx
@@ -13,9 +13,10 @@
     <p:sldId id="262" r:id="rId7"/>
     <p:sldId id="263" r:id="rId8"/>
     <p:sldId id="267" r:id="rId9"/>
-    <p:sldId id="268" r:id="rId10"/>
-    <p:sldId id="264" r:id="rId11"/>
-    <p:sldId id="266" r:id="rId12"/>
+    <p:sldId id="269" r:id="rId10"/>
+    <p:sldId id="268" r:id="rId11"/>
+    <p:sldId id="264" r:id="rId12"/>
+    <p:sldId id="266" r:id="rId13"/>
   </p:sldIdLst>
   <p:sldSz cx="12192000" cy="6858000"/>
   <p:notesSz cx="6858000" cy="9144000"/>
@@ -3664,3722 +3665,6 @@
 </file>
 
 <file path=ppt/slides/slide10.xml><?xml version="1.0" encoding="utf-8"?>
-<p:sld xmlns:a="http://schemas.openxmlformats.org/drawingml/2006/main" xmlns:r="http://schemas.openxmlformats.org/officeDocument/2006/relationships" xmlns:p="http://schemas.openxmlformats.org/presentationml/2006/main">
-  <p:cSld>
-    <p:spTree>
-      <p:nvGrpSpPr>
-        <p:cNvPr id="1" name=""/>
-        <p:cNvGrpSpPr/>
-        <p:nvPr/>
-      </p:nvGrpSpPr>
-      <p:grpSpPr>
-        <a:xfrm>
-          <a:off x="0" y="0"/>
-          <a:ext cx="0" cy="0"/>
-          <a:chOff x="0" y="0"/>
-          <a:chExt cx="0" cy="0"/>
-        </a:xfrm>
-      </p:grpSpPr>
-      <p:sp>
-        <p:nvSpPr>
-          <p:cNvPr id="2" name="Titre 1">
-            <a:extLst>
-              <a:ext uri="{FF2B5EF4-FFF2-40B4-BE49-F238E27FC236}">
-                <a16:creationId xmlns:a16="http://schemas.microsoft.com/office/drawing/2014/main" id="{3DE045EF-6B6A-4766-812D-EC4BD0F4B1CB}"/>
-              </a:ext>
-            </a:extLst>
-          </p:cNvPr>
-          <p:cNvSpPr>
-            <a:spLocks noGrp="1"/>
-          </p:cNvSpPr>
-          <p:nvPr>
-            <p:ph type="title"/>
-          </p:nvPr>
-        </p:nvSpPr>
-        <p:spPr>
-          <a:xfrm>
-            <a:off x="1104530" y="2766218"/>
-            <a:ext cx="9726227" cy="1325563"/>
-          </a:xfrm>
-        </p:spPr>
-        <p:txBody>
-          <a:bodyPr>
-            <a:normAutofit/>
-          </a:bodyPr>
-          <a:lstStyle/>
-          <a:p>
-            <a:pPr algn="ctr"/>
-            <a:r>
-              <a:rPr lang="fr-FR" sz="4000" dirty="0"/>
-              <a:t>IV) Démonstration des modules</a:t>
-            </a:r>
-          </a:p>
-        </p:txBody>
-      </p:sp>
-    </p:spTree>
-    <p:extLst>
-      <p:ext uri="{BB962C8B-B14F-4D97-AF65-F5344CB8AC3E}">
-        <p14:creationId xmlns:p14="http://schemas.microsoft.com/office/powerpoint/2010/main" val="615297589"/>
-      </p:ext>
-    </p:extLst>
-  </p:cSld>
-  <p:clrMapOvr>
-    <a:masterClrMapping/>
-  </p:clrMapOvr>
-</p:sld>
-</file>
-
-<file path=ppt/slides/slide11.xml><?xml version="1.0" encoding="utf-8"?>
-<p:sld xmlns:a="http://schemas.openxmlformats.org/drawingml/2006/main" xmlns:r="http://schemas.openxmlformats.org/officeDocument/2006/relationships" xmlns:p="http://schemas.openxmlformats.org/presentationml/2006/main">
-  <p:cSld>
-    <p:spTree>
-      <p:nvGrpSpPr>
-        <p:cNvPr id="1" name=""/>
-        <p:cNvGrpSpPr/>
-        <p:nvPr/>
-      </p:nvGrpSpPr>
-      <p:grpSpPr>
-        <a:xfrm>
-          <a:off x="0" y="0"/>
-          <a:ext cx="0" cy="0"/>
-          <a:chOff x="0" y="0"/>
-          <a:chExt cx="0" cy="0"/>
-        </a:xfrm>
-      </p:grpSpPr>
-      <p:sp>
-        <p:nvSpPr>
-          <p:cNvPr id="2" name="Titre 1">
-            <a:extLst>
-              <a:ext uri="{FF2B5EF4-FFF2-40B4-BE49-F238E27FC236}">
-                <a16:creationId xmlns:a16="http://schemas.microsoft.com/office/drawing/2014/main" id="{457EB037-F01F-47A7-B5F5-983C07B919BC}"/>
-              </a:ext>
-            </a:extLst>
-          </p:cNvPr>
-          <p:cNvSpPr>
-            <a:spLocks noGrp="1"/>
-          </p:cNvSpPr>
-          <p:nvPr>
-            <p:ph type="title"/>
-          </p:nvPr>
-        </p:nvSpPr>
-        <p:spPr/>
-        <p:txBody>
-          <a:bodyPr>
-            <a:normAutofit fontScale="90000"/>
-          </a:bodyPr>
-          <a:lstStyle/>
-          <a:p>
-            <a:br>
-              <a:rPr lang="fr-FR" sz="4000" dirty="0"/>
-            </a:br>
-            <a:br>
-              <a:rPr lang="fr-FR" sz="4000" dirty="0"/>
-            </a:br>
-            <a:br>
-              <a:rPr lang="fr-FR" sz="4000" dirty="0"/>
-            </a:br>
-            <a:br>
-              <a:rPr lang="fr-FR" sz="4000" dirty="0"/>
-            </a:br>
-            <a:r>
-              <a:rPr lang="fr-FR" sz="4000" dirty="0"/>
-              <a:t>		</a:t>
-            </a:r>
-            <a:br>
-              <a:rPr lang="fr-FR" sz="4000" dirty="0"/>
-            </a:br>
-            <a:r>
-              <a:rPr lang="fr-FR" sz="4000" dirty="0"/>
-              <a:t>		</a:t>
-            </a:r>
-            <a:r>
-              <a:rPr lang="fr-FR" sz="4000" b="1" dirty="0"/>
-              <a:t>MERCI POUR VOTRE ATTENTION</a:t>
-            </a:r>
-            <a:br>
-              <a:rPr lang="fr-FR" sz="4000" dirty="0"/>
-            </a:br>
-            <a:br>
-              <a:rPr lang="fr-FR" sz="4000" dirty="0"/>
-            </a:br>
-            <a:br>
-              <a:rPr lang="fr-FR" sz="4000" dirty="0"/>
-            </a:br>
-            <a:br>
-              <a:rPr lang="fr-FR" sz="4000" dirty="0"/>
-            </a:br>
-            <a:br>
-              <a:rPr lang="fr-FR" sz="4000" dirty="0"/>
-            </a:br>
-            <a:r>
-              <a:rPr lang="fr-FR" sz="4000" dirty="0"/>
-              <a:t>			Des Questions? </a:t>
-            </a:r>
-          </a:p>
-        </p:txBody>
-      </p:sp>
-      <p:grpSp>
-        <p:nvGrpSpPr>
-          <p:cNvPr id="4" name="Groupe 3">
-            <a:extLst>
-              <a:ext uri="{FF2B5EF4-FFF2-40B4-BE49-F238E27FC236}">
-                <a16:creationId xmlns:a16="http://schemas.microsoft.com/office/drawing/2014/main" id="{296BA9D9-A348-40FD-8DD1-B9F22F75D262}"/>
-              </a:ext>
-            </a:extLst>
-          </p:cNvPr>
-          <p:cNvGrpSpPr/>
-          <p:nvPr/>
-        </p:nvGrpSpPr>
-        <p:grpSpPr>
-          <a:xfrm>
-            <a:off x="9680418" y="783893"/>
-            <a:ext cx="2451723" cy="5554831"/>
-            <a:chOff x="9680418" y="783893"/>
-            <a:chExt cx="2451723" cy="5554831"/>
-          </a:xfrm>
-        </p:grpSpPr>
-        <p:sp>
-          <p:nvSpPr>
-            <p:cNvPr id="5" name="ZoneTexte 4">
-              <a:extLst>
-                <a:ext uri="{FF2B5EF4-FFF2-40B4-BE49-F238E27FC236}">
-                  <a16:creationId xmlns:a16="http://schemas.microsoft.com/office/drawing/2014/main" id="{FD6D8AAF-E90F-4758-A7AC-3F2B3A1539A4}"/>
-                </a:ext>
-              </a:extLst>
-            </p:cNvPr>
-            <p:cNvSpPr txBox="1"/>
-            <p:nvPr/>
-          </p:nvSpPr>
-          <p:spPr>
-            <a:xfrm>
-              <a:off x="9758713" y="783893"/>
-              <a:ext cx="2373428" cy="2800767"/>
-            </a:xfrm>
-            <a:prstGeom prst="rect">
-              <a:avLst/>
-            </a:prstGeom>
-            <a:noFill/>
-          </p:spPr>
-          <p:txBody>
-            <a:bodyPr wrap="square" rtlCol="0">
-              <a:spAutoFit/>
-            </a:bodyPr>
-            <a:lstStyle/>
-            <a:p>
-              <a:r>
-                <a:rPr lang="fr-FR" sz="1200" dirty="0"/>
-                <a:t>Avancement Diapositive:</a:t>
-              </a:r>
-            </a:p>
-            <a:p>
-              <a:pPr marL="400050" indent="-400050">
-                <a:buAutoNum type="romanUcParenR"/>
-              </a:pPr>
-              <a:endParaRPr lang="fr-FR" sz="1200" b="1" dirty="0"/>
-            </a:p>
-            <a:p>
-              <a:pPr marL="400050" indent="-400050">
-                <a:buAutoNum type="romanUcParenR"/>
-              </a:pPr>
-              <a:endParaRPr lang="fr-FR" sz="1200" b="1" dirty="0"/>
-            </a:p>
-            <a:p>
-              <a:pPr marL="400050" indent="-400050">
-                <a:buAutoNum type="romanUcParenR"/>
-              </a:pPr>
-              <a:r>
-                <a:rPr lang="fr-FR" sz="1200" i="1" dirty="0"/>
-                <a:t>Organisation du projet</a:t>
-              </a:r>
-            </a:p>
-            <a:p>
-              <a:pPr marL="400050" indent="-400050">
-                <a:buAutoNum type="romanUcParenR"/>
-              </a:pPr>
-              <a:endParaRPr lang="fr-FR" sz="1200" dirty="0"/>
-            </a:p>
-            <a:p>
-              <a:pPr marL="400050" indent="-400050">
-                <a:buAutoNum type="romanUcParenR"/>
-              </a:pPr>
-              <a:r>
-                <a:rPr lang="fr-FR" sz="1200" i="1" dirty="0"/>
-                <a:t>Présentation des modules</a:t>
-              </a:r>
-            </a:p>
-            <a:p>
-              <a:pPr marL="971550" lvl="1" indent="-514350">
-                <a:buFont typeface="+mj-lt"/>
-                <a:buAutoNum type="alphaLcParenR"/>
-              </a:pPr>
-              <a:r>
-                <a:rPr lang="fr-FR" sz="1100" i="1" dirty="0"/>
-                <a:t>Module 1</a:t>
-              </a:r>
-            </a:p>
-            <a:p>
-              <a:pPr marL="971550" lvl="1" indent="-514350">
-                <a:buFont typeface="+mj-lt"/>
-                <a:buAutoNum type="alphaLcParenR"/>
-              </a:pPr>
-              <a:r>
-                <a:rPr lang="fr-FR" sz="1100" i="1" dirty="0"/>
-                <a:t>Module 2</a:t>
-              </a:r>
-            </a:p>
-            <a:p>
-              <a:pPr marL="971550" lvl="1" indent="-514350">
-                <a:buFont typeface="+mj-lt"/>
-                <a:buAutoNum type="alphaLcParenR"/>
-              </a:pPr>
-              <a:r>
-                <a:rPr lang="fr-FR" sz="1100" i="1" dirty="0"/>
-                <a:t>Module 3</a:t>
-              </a:r>
-            </a:p>
-            <a:p>
-              <a:pPr marL="971550" lvl="1" indent="-514350">
-                <a:buFont typeface="+mj-lt"/>
-                <a:buAutoNum type="alphaLcParenR"/>
-              </a:pPr>
-              <a:r>
-                <a:rPr lang="fr-FR" sz="1100" i="1" dirty="0"/>
-                <a:t>Module 4</a:t>
-              </a:r>
-            </a:p>
-            <a:p>
-              <a:pPr lvl="1"/>
-              <a:endParaRPr lang="fr-FR" sz="1200" i="1" dirty="0"/>
-            </a:p>
-            <a:p>
-              <a:pPr marL="400050" indent="-400050">
-                <a:buAutoNum type="romanUcParenR"/>
-              </a:pPr>
-              <a:r>
-                <a:rPr lang="fr-FR" sz="1200" i="1" dirty="0"/>
-                <a:t>Bilan des modules</a:t>
-              </a:r>
-            </a:p>
-            <a:p>
-              <a:pPr marL="400050" indent="-400050">
-                <a:buAutoNum type="romanUcParenR"/>
-              </a:pPr>
-              <a:endParaRPr lang="fr-FR" sz="1200" b="1" i="1" dirty="0"/>
-            </a:p>
-            <a:p>
-              <a:pPr marL="400050" indent="-400050">
-                <a:buAutoNum type="romanUcParenR"/>
-              </a:pPr>
-              <a:r>
-                <a:rPr lang="fr-FR" sz="1200" i="1" dirty="0"/>
-                <a:t>Visualisation direct du projet</a:t>
-              </a:r>
-            </a:p>
-            <a:p>
-              <a:endParaRPr lang="fr-FR" sz="1200" dirty="0"/>
-            </a:p>
-          </p:txBody>
-        </p:sp>
-        <p:sp>
-          <p:nvSpPr>
-            <p:cNvPr id="6" name="Rectangle 5">
-              <a:extLst>
-                <a:ext uri="{FF2B5EF4-FFF2-40B4-BE49-F238E27FC236}">
-                  <a16:creationId xmlns:a16="http://schemas.microsoft.com/office/drawing/2014/main" id="{CF7E21B7-3DBF-41AA-B5BF-E10892D2F1EA}"/>
-                </a:ext>
-              </a:extLst>
-            </p:cNvPr>
-            <p:cNvSpPr/>
-            <p:nvPr/>
-          </p:nvSpPr>
-          <p:spPr>
-            <a:xfrm>
-              <a:off x="9680418" y="783893"/>
-              <a:ext cx="2379215" cy="5554831"/>
-            </a:xfrm>
-            <a:prstGeom prst="rect">
-              <a:avLst/>
-            </a:prstGeom>
-            <a:noFill/>
-            <a:ln>
-              <a:solidFill>
-                <a:schemeClr val="tx1"/>
-              </a:solidFill>
-            </a:ln>
-          </p:spPr>
-          <p:style>
-            <a:lnRef idx="2">
-              <a:schemeClr val="accent1">
-                <a:shade val="50000"/>
-              </a:schemeClr>
-            </a:lnRef>
-            <a:fillRef idx="1">
-              <a:schemeClr val="accent1"/>
-            </a:fillRef>
-            <a:effectRef idx="0">
-              <a:schemeClr val="accent1"/>
-            </a:effectRef>
-            <a:fontRef idx="minor">
-              <a:schemeClr val="lt1"/>
-            </a:fontRef>
-          </p:style>
-          <p:txBody>
-            <a:bodyPr rtlCol="0" anchor="ctr"/>
-            <a:lstStyle/>
-            <a:p>
-              <a:pPr algn="ctr"/>
-              <a:endParaRPr lang="fr-FR" dirty="0"/>
-            </a:p>
-          </p:txBody>
-        </p:sp>
-      </p:grpSp>
-    </p:spTree>
-    <p:extLst>
-      <p:ext uri="{BB962C8B-B14F-4D97-AF65-F5344CB8AC3E}">
-        <p14:creationId xmlns:p14="http://schemas.microsoft.com/office/powerpoint/2010/main" val="1548387988"/>
-      </p:ext>
-    </p:extLst>
-  </p:cSld>
-  <p:clrMapOvr>
-    <a:masterClrMapping/>
-  </p:clrMapOvr>
-</p:sld>
-</file>
-
-<file path=ppt/slides/slide2.xml><?xml version="1.0" encoding="utf-8"?>
-<p:sld xmlns:a="http://schemas.openxmlformats.org/drawingml/2006/main" xmlns:r="http://schemas.openxmlformats.org/officeDocument/2006/relationships" xmlns:p="http://schemas.openxmlformats.org/presentationml/2006/main">
-  <p:cSld>
-    <p:spTree>
-      <p:nvGrpSpPr>
-        <p:cNvPr id="1" name=""/>
-        <p:cNvGrpSpPr/>
-        <p:nvPr/>
-      </p:nvGrpSpPr>
-      <p:grpSpPr>
-        <a:xfrm>
-          <a:off x="0" y="0"/>
-          <a:ext cx="0" cy="0"/>
-          <a:chOff x="0" y="0"/>
-          <a:chExt cx="0" cy="0"/>
-        </a:xfrm>
-      </p:grpSpPr>
-      <p:sp>
-        <p:nvSpPr>
-          <p:cNvPr id="2" name="Titre 1">
-            <a:extLst>
-              <a:ext uri="{FF2B5EF4-FFF2-40B4-BE49-F238E27FC236}">
-                <a16:creationId xmlns:a16="http://schemas.microsoft.com/office/drawing/2014/main" id="{BE6A3094-7DE2-45A9-9BD1-AD103989AE94}"/>
-              </a:ext>
-            </a:extLst>
-          </p:cNvPr>
-          <p:cNvSpPr>
-            <a:spLocks noGrp="1"/>
-          </p:cNvSpPr>
-          <p:nvPr>
-            <p:ph type="title"/>
-          </p:nvPr>
-        </p:nvSpPr>
-        <p:spPr>
-          <a:xfrm>
-            <a:off x="838200" y="403225"/>
-            <a:ext cx="10515600" cy="1325563"/>
-          </a:xfrm>
-        </p:spPr>
-        <p:txBody>
-          <a:bodyPr>
-            <a:normAutofit/>
-          </a:bodyPr>
-          <a:lstStyle/>
-          <a:p>
-            <a:pPr algn="ctr"/>
-            <a:r>
-              <a:rPr lang="fr-FR" sz="5400" dirty="0">
-                <a:latin typeface="Freestyle Script" panose="030804020302050B0404" pitchFamily="66" charset="0"/>
-              </a:rPr>
-              <a:t>Contexte du Projet</a:t>
-            </a:r>
-          </a:p>
-        </p:txBody>
-      </p:sp>
-      <p:pic>
-        <p:nvPicPr>
-          <p:cNvPr id="4" name="Image 3">
-            <a:extLst>
-              <a:ext uri="{FF2B5EF4-FFF2-40B4-BE49-F238E27FC236}">
-                <a16:creationId xmlns:a16="http://schemas.microsoft.com/office/drawing/2014/main" id="{DA515569-7D2D-4F3C-8051-04ACDF883021}"/>
-              </a:ext>
-            </a:extLst>
-          </p:cNvPr>
-          <p:cNvPicPr>
-            <a:picLocks noChangeAspect="1"/>
-          </p:cNvPicPr>
-          <p:nvPr/>
-        </p:nvPicPr>
-        <p:blipFill>
-          <a:blip r:embed="rId2">
-            <a:extLst>
-              <a:ext uri="{28A0092B-C50C-407E-A947-70E740481C1C}">
-                <a14:useLocalDpi xmlns:a14="http://schemas.microsoft.com/office/drawing/2010/main" val="0"/>
-              </a:ext>
-            </a:extLst>
-          </a:blip>
-          <a:stretch>
-            <a:fillRect/>
-          </a:stretch>
-        </p:blipFill>
-        <p:spPr>
-          <a:xfrm>
-            <a:off x="1333500" y="2470383"/>
-            <a:ext cx="3423606" cy="1246770"/>
-          </a:xfrm>
-          <a:prstGeom prst="rect">
-            <a:avLst/>
-          </a:prstGeom>
-        </p:spPr>
-      </p:pic>
-      <p:sp>
-        <p:nvSpPr>
-          <p:cNvPr id="3" name="ZoneTexte 2">
-            <a:extLst>
-              <a:ext uri="{FF2B5EF4-FFF2-40B4-BE49-F238E27FC236}">
-                <a16:creationId xmlns:a16="http://schemas.microsoft.com/office/drawing/2014/main" id="{8A0F63F3-EAB4-426A-90CB-1690CA0424E4}"/>
-              </a:ext>
-            </a:extLst>
-          </p:cNvPr>
-          <p:cNvSpPr txBox="1"/>
-          <p:nvPr/>
-        </p:nvSpPr>
-        <p:spPr>
-          <a:xfrm>
-            <a:off x="6373368" y="2673324"/>
-            <a:ext cx="4599432" cy="1938992"/>
-          </a:xfrm>
-          <a:prstGeom prst="rect">
-            <a:avLst/>
-          </a:prstGeom>
-          <a:noFill/>
-        </p:spPr>
-        <p:txBody>
-          <a:bodyPr wrap="square" rtlCol="0">
-            <a:spAutoFit/>
-          </a:bodyPr>
-          <a:lstStyle/>
-          <a:p>
-            <a:pPr marL="285750" indent="-285750">
-              <a:buFont typeface="Arial" panose="020B0604020202020204" pitchFamily="34" charset="0"/>
-              <a:buChar char="•"/>
-            </a:pPr>
-            <a:r>
-              <a:rPr lang="fr-FR" sz="2400" dirty="0"/>
-              <a:t>Projet de santé prometteur </a:t>
-            </a:r>
-          </a:p>
-          <a:p>
-            <a:pPr marL="285750" indent="-285750">
-              <a:buFont typeface="Arial" panose="020B0604020202020204" pitchFamily="34" charset="0"/>
-              <a:buChar char="•"/>
-            </a:pPr>
-            <a:endParaRPr lang="fr-FR" sz="2400" dirty="0"/>
-          </a:p>
-          <a:p>
-            <a:pPr marL="285750" indent="-285750">
-              <a:buFont typeface="Arial" panose="020B0604020202020204" pitchFamily="34" charset="0"/>
-              <a:buChar char="•"/>
-            </a:pPr>
-            <a:r>
-              <a:rPr lang="fr-FR" sz="2400" dirty="0"/>
-              <a:t>Sabotage</a:t>
-            </a:r>
-          </a:p>
-          <a:p>
-            <a:pPr marL="285750" indent="-285750">
-              <a:buFont typeface="Arial" panose="020B0604020202020204" pitchFamily="34" charset="0"/>
-              <a:buChar char="•"/>
-            </a:pPr>
-            <a:endParaRPr lang="fr-FR" sz="2400" dirty="0"/>
-          </a:p>
-          <a:p>
-            <a:pPr marL="285750" indent="-285750">
-              <a:buFont typeface="Arial" panose="020B0604020202020204" pitchFamily="34" charset="0"/>
-              <a:buChar char="•"/>
-            </a:pPr>
-            <a:r>
-              <a:rPr lang="fr-FR" sz="2400" dirty="0"/>
-              <a:t>Proposition d’aide d’Exia </a:t>
-            </a:r>
-          </a:p>
-        </p:txBody>
-      </p:sp>
-      <p:pic>
-        <p:nvPicPr>
-          <p:cNvPr id="5" name="Image 4">
-            <a:extLst>
-              <a:ext uri="{FF2B5EF4-FFF2-40B4-BE49-F238E27FC236}">
-                <a16:creationId xmlns:a16="http://schemas.microsoft.com/office/drawing/2014/main" id="{9C518AA9-6E9C-463E-BFBD-A3D075C61CD1}"/>
-              </a:ext>
-            </a:extLst>
-          </p:cNvPr>
-          <p:cNvPicPr>
-            <a:picLocks noChangeAspect="1"/>
-          </p:cNvPicPr>
-          <p:nvPr/>
-        </p:nvPicPr>
-        <p:blipFill>
-          <a:blip r:embed="rId3"/>
-          <a:stretch>
-            <a:fillRect/>
-          </a:stretch>
-        </p:blipFill>
-        <p:spPr>
-          <a:xfrm>
-            <a:off x="2005013" y="4176410"/>
-            <a:ext cx="1881188" cy="1046042"/>
-          </a:xfrm>
-          <a:prstGeom prst="rect">
-            <a:avLst/>
-          </a:prstGeom>
-        </p:spPr>
-      </p:pic>
-    </p:spTree>
-    <p:extLst>
-      <p:ext uri="{BB962C8B-B14F-4D97-AF65-F5344CB8AC3E}">
-        <p14:creationId xmlns:p14="http://schemas.microsoft.com/office/powerpoint/2010/main" val="3170070844"/>
-      </p:ext>
-    </p:extLst>
-  </p:cSld>
-  <p:clrMapOvr>
-    <a:masterClrMapping/>
-  </p:clrMapOvr>
-</p:sld>
-</file>
-
-<file path=ppt/slides/slide3.xml><?xml version="1.0" encoding="utf-8"?>
-<p:sld xmlns:a="http://schemas.openxmlformats.org/drawingml/2006/main" xmlns:r="http://schemas.openxmlformats.org/officeDocument/2006/relationships" xmlns:p="http://schemas.openxmlformats.org/presentationml/2006/main">
-  <p:cSld>
-    <p:spTree>
-      <p:nvGrpSpPr>
-        <p:cNvPr id="1" name=""/>
-        <p:cNvGrpSpPr/>
-        <p:nvPr/>
-      </p:nvGrpSpPr>
-      <p:grpSpPr>
-        <a:xfrm>
-          <a:off x="0" y="0"/>
-          <a:ext cx="0" cy="0"/>
-          <a:chOff x="0" y="0"/>
-          <a:chExt cx="0" cy="0"/>
-        </a:xfrm>
-      </p:grpSpPr>
-      <p:sp>
-        <p:nvSpPr>
-          <p:cNvPr id="2" name="Titre 1">
-            <a:extLst>
-              <a:ext uri="{FF2B5EF4-FFF2-40B4-BE49-F238E27FC236}">
-                <a16:creationId xmlns:a16="http://schemas.microsoft.com/office/drawing/2014/main" id="{78F3E729-8EAC-4212-8402-F92B2CF18DE6}"/>
-              </a:ext>
-            </a:extLst>
-          </p:cNvPr>
-          <p:cNvSpPr>
-            <a:spLocks noGrp="1"/>
-          </p:cNvSpPr>
-          <p:nvPr>
-            <p:ph type="title"/>
-          </p:nvPr>
-        </p:nvSpPr>
-        <p:spPr/>
-        <p:txBody>
-          <a:bodyPr>
-            <a:normAutofit/>
-          </a:bodyPr>
-          <a:lstStyle/>
-          <a:p>
-            <a:pPr algn="ctr"/>
-            <a:r>
-              <a:rPr lang="fr-FR" sz="5400" dirty="0">
-                <a:latin typeface="Freestyle Script" panose="030804020302050B0404" pitchFamily="66" charset="0"/>
-              </a:rPr>
-              <a:t>Sommaire</a:t>
-            </a:r>
-            <a:r>
-              <a:rPr lang="fr-FR" sz="5400" dirty="0"/>
-              <a:t> </a:t>
-            </a:r>
-          </a:p>
-        </p:txBody>
-      </p:sp>
-      <p:sp>
-        <p:nvSpPr>
-          <p:cNvPr id="3" name="ZoneTexte 2">
-            <a:extLst>
-              <a:ext uri="{FF2B5EF4-FFF2-40B4-BE49-F238E27FC236}">
-                <a16:creationId xmlns:a16="http://schemas.microsoft.com/office/drawing/2014/main" id="{4BEABE51-8DBF-49E7-8DEF-DA63C7661893}"/>
-              </a:ext>
-            </a:extLst>
-          </p:cNvPr>
-          <p:cNvSpPr txBox="1"/>
-          <p:nvPr/>
-        </p:nvSpPr>
-        <p:spPr>
-          <a:xfrm>
-            <a:off x="1719679" y="1722338"/>
-            <a:ext cx="8752642" cy="4770537"/>
-          </a:xfrm>
-          <a:prstGeom prst="rect">
-            <a:avLst/>
-          </a:prstGeom>
-          <a:noFill/>
-        </p:spPr>
-        <p:txBody>
-          <a:bodyPr wrap="square" rtlCol="0">
-            <a:spAutoFit/>
-          </a:bodyPr>
-          <a:lstStyle/>
-          <a:p>
-            <a:pPr marL="400050" indent="-400050">
-              <a:buAutoNum type="romanUcParenR"/>
-            </a:pPr>
-            <a:r>
-              <a:rPr lang="fr-FR" sz="2800" dirty="0">
-                <a:latin typeface="+mj-lt"/>
-              </a:rPr>
-              <a:t>Organisation du projet</a:t>
-            </a:r>
-          </a:p>
-          <a:p>
-            <a:pPr marL="400050" indent="-400050">
-              <a:buAutoNum type="romanUcParenR"/>
-            </a:pPr>
-            <a:endParaRPr lang="fr-FR" sz="2800" dirty="0">
-              <a:latin typeface="+mj-lt"/>
-            </a:endParaRPr>
-          </a:p>
-          <a:p>
-            <a:pPr marL="400050" indent="-400050">
-              <a:buAutoNum type="romanUcParenR"/>
-            </a:pPr>
-            <a:r>
-              <a:rPr lang="fr-FR" sz="2800" dirty="0">
-                <a:latin typeface="+mj-lt"/>
-              </a:rPr>
-              <a:t>Présentation des modules</a:t>
-            </a:r>
-          </a:p>
-          <a:p>
-            <a:pPr marL="971550" lvl="1" indent="-514350">
-              <a:buFont typeface="+mj-lt"/>
-              <a:buAutoNum type="alphaLcParenR"/>
-            </a:pPr>
-            <a:r>
-              <a:rPr lang="fr-FR" sz="2000" dirty="0">
-                <a:latin typeface="+mj-lt"/>
-              </a:rPr>
-              <a:t>Module 1</a:t>
-            </a:r>
-          </a:p>
-          <a:p>
-            <a:pPr marL="971550" lvl="1" indent="-514350">
-              <a:buFont typeface="+mj-lt"/>
-              <a:buAutoNum type="alphaLcParenR"/>
-            </a:pPr>
-            <a:r>
-              <a:rPr lang="fr-FR" sz="2000" dirty="0">
-                <a:latin typeface="+mj-lt"/>
-              </a:rPr>
-              <a:t>Module 2</a:t>
-            </a:r>
-          </a:p>
-          <a:p>
-            <a:pPr marL="971550" lvl="1" indent="-514350">
-              <a:buFont typeface="+mj-lt"/>
-              <a:buAutoNum type="alphaLcParenR"/>
-            </a:pPr>
-            <a:r>
-              <a:rPr lang="fr-FR" sz="2000" dirty="0">
-                <a:latin typeface="+mj-lt"/>
-              </a:rPr>
-              <a:t>Module 3</a:t>
-            </a:r>
-          </a:p>
-          <a:p>
-            <a:pPr marL="971550" lvl="1" indent="-514350">
-              <a:buFont typeface="+mj-lt"/>
-              <a:buAutoNum type="alphaLcParenR"/>
-            </a:pPr>
-            <a:r>
-              <a:rPr lang="fr-FR" sz="2000" dirty="0">
-                <a:latin typeface="+mj-lt"/>
-              </a:rPr>
-              <a:t>Module 4</a:t>
-            </a:r>
-          </a:p>
-          <a:p>
-            <a:pPr marL="400050" indent="-400050">
-              <a:buAutoNum type="romanUcParenR"/>
-            </a:pPr>
-            <a:endParaRPr lang="fr-FR" sz="2800" dirty="0">
-              <a:latin typeface="+mj-lt"/>
-            </a:endParaRPr>
-          </a:p>
-          <a:p>
-            <a:pPr marL="400050" indent="-400050">
-              <a:buAutoNum type="romanUcParenR"/>
-            </a:pPr>
-            <a:r>
-              <a:rPr lang="fr-FR" sz="2800" dirty="0">
-                <a:latin typeface="+mj-lt"/>
-              </a:rPr>
-              <a:t>Bilan des modules</a:t>
-            </a:r>
-          </a:p>
-          <a:p>
-            <a:pPr marL="400050" indent="-400050">
-              <a:buAutoNum type="romanUcParenR"/>
-            </a:pPr>
-            <a:endParaRPr lang="fr-FR" sz="2800" dirty="0">
-              <a:latin typeface="+mj-lt"/>
-            </a:endParaRPr>
-          </a:p>
-          <a:p>
-            <a:pPr marL="400050" indent="-400050">
-              <a:buAutoNum type="romanUcParenR"/>
-            </a:pPr>
-            <a:r>
-              <a:rPr lang="fr-FR" sz="2800" dirty="0">
-                <a:latin typeface="+mj-lt"/>
-              </a:rPr>
-              <a:t>Démonstration des modules</a:t>
-            </a:r>
-          </a:p>
-          <a:p>
-            <a:endParaRPr lang="fr-FR" sz="2800" dirty="0">
-              <a:latin typeface="+mj-lt"/>
-            </a:endParaRPr>
-          </a:p>
-        </p:txBody>
-      </p:sp>
-    </p:spTree>
-    <p:extLst>
-      <p:ext uri="{BB962C8B-B14F-4D97-AF65-F5344CB8AC3E}">
-        <p14:creationId xmlns:p14="http://schemas.microsoft.com/office/powerpoint/2010/main" val="1447497508"/>
-      </p:ext>
-    </p:extLst>
-  </p:cSld>
-  <p:clrMapOvr>
-    <a:masterClrMapping/>
-  </p:clrMapOvr>
-</p:sld>
-</file>
-
-<file path=ppt/slides/slide4.xml><?xml version="1.0" encoding="utf-8"?>
-<p:sld xmlns:a="http://schemas.openxmlformats.org/drawingml/2006/main" xmlns:r="http://schemas.openxmlformats.org/officeDocument/2006/relationships" xmlns:p="http://schemas.openxmlformats.org/presentationml/2006/main">
-  <p:cSld>
-    <p:spTree>
-      <p:nvGrpSpPr>
-        <p:cNvPr id="1" name=""/>
-        <p:cNvGrpSpPr/>
-        <p:nvPr/>
-      </p:nvGrpSpPr>
-      <p:grpSpPr>
-        <a:xfrm>
-          <a:off x="0" y="0"/>
-          <a:ext cx="0" cy="0"/>
-          <a:chOff x="0" y="0"/>
-          <a:chExt cx="0" cy="0"/>
-        </a:xfrm>
-      </p:grpSpPr>
-      <p:sp>
-        <p:nvSpPr>
-          <p:cNvPr id="2" name="Titre 1">
-            <a:extLst>
-              <a:ext uri="{FF2B5EF4-FFF2-40B4-BE49-F238E27FC236}">
-                <a16:creationId xmlns:a16="http://schemas.microsoft.com/office/drawing/2014/main" id="{D7A5B520-2B4F-4A07-8B93-D9117D6C274B}"/>
-              </a:ext>
-            </a:extLst>
-          </p:cNvPr>
-          <p:cNvSpPr>
-            <a:spLocks noGrp="1"/>
-          </p:cNvSpPr>
-          <p:nvPr>
-            <p:ph type="title"/>
-          </p:nvPr>
-        </p:nvSpPr>
-        <p:spPr>
-          <a:xfrm>
-            <a:off x="-304126" y="22485"/>
-            <a:ext cx="10515600" cy="1325563"/>
-          </a:xfrm>
-        </p:spPr>
-        <p:txBody>
-          <a:bodyPr>
-            <a:normAutofit/>
-          </a:bodyPr>
-          <a:lstStyle/>
-          <a:p>
-            <a:pPr algn="ctr"/>
-            <a:r>
-              <a:rPr lang="fr-FR" sz="4000" dirty="0"/>
-              <a:t> I) Organisation du projet </a:t>
-            </a:r>
-          </a:p>
-        </p:txBody>
-      </p:sp>
-      <p:grpSp>
-        <p:nvGrpSpPr>
-          <p:cNvPr id="15" name="Groupe 14">
-            <a:extLst>
-              <a:ext uri="{FF2B5EF4-FFF2-40B4-BE49-F238E27FC236}">
-                <a16:creationId xmlns:a16="http://schemas.microsoft.com/office/drawing/2014/main" id="{00F80F0D-0D3F-42EC-8150-32A9ECF05937}"/>
-              </a:ext>
-            </a:extLst>
-          </p:cNvPr>
-          <p:cNvGrpSpPr/>
-          <p:nvPr/>
-        </p:nvGrpSpPr>
-        <p:grpSpPr>
-          <a:xfrm>
-            <a:off x="867431" y="1458627"/>
-            <a:ext cx="3403474" cy="2154201"/>
-            <a:chOff x="2340101" y="1408143"/>
-            <a:chExt cx="3403474" cy="2154201"/>
-          </a:xfrm>
-        </p:grpSpPr>
-        <p:sp>
-          <p:nvSpPr>
-            <p:cNvPr id="16" name="Rectangle 15">
-              <a:extLst>
-                <a:ext uri="{FF2B5EF4-FFF2-40B4-BE49-F238E27FC236}">
-                  <a16:creationId xmlns:a16="http://schemas.microsoft.com/office/drawing/2014/main" id="{3C78294C-81DF-4146-B3C4-53FDBD8441F0}"/>
-                </a:ext>
-              </a:extLst>
-            </p:cNvPr>
-            <p:cNvSpPr/>
-            <p:nvPr/>
-          </p:nvSpPr>
-          <p:spPr>
-            <a:xfrm>
-              <a:off x="2340101" y="1408143"/>
-              <a:ext cx="3403474" cy="2154201"/>
-            </a:xfrm>
-            <a:prstGeom prst="rect">
-              <a:avLst/>
-            </a:prstGeom>
-            <a:gradFill>
-              <a:gsLst>
-                <a:gs pos="0">
-                  <a:srgbClr val="FF7979"/>
-                </a:gs>
-                <a:gs pos="50000">
-                  <a:srgbClr val="FF4F4F"/>
-                </a:gs>
-                <a:gs pos="100000">
-                  <a:srgbClr val="FF0000"/>
-                </a:gs>
-              </a:gsLst>
-              <a:lin ang="5400000" scaled="0"/>
-            </a:gradFill>
-            <a:ln>
-              <a:noFill/>
-            </a:ln>
-            <a:effectLst>
-              <a:outerShdw blurRad="50800" dist="38100" dir="2700000" algn="tl" rotWithShape="0">
-                <a:prstClr val="black">
-                  <a:alpha val="40000"/>
-                </a:prstClr>
-              </a:outerShdw>
-              <a:softEdge rad="31750"/>
-            </a:effectLst>
-          </p:spPr>
-          <p:style>
-            <a:lnRef idx="0">
-              <a:schemeClr val="accent2"/>
-            </a:lnRef>
-            <a:fillRef idx="3">
-              <a:schemeClr val="accent2"/>
-            </a:fillRef>
-            <a:effectRef idx="3">
-              <a:schemeClr val="accent2"/>
-            </a:effectRef>
-            <a:fontRef idx="minor">
-              <a:schemeClr val="lt1"/>
-            </a:fontRef>
-          </p:style>
-          <p:txBody>
-            <a:bodyPr rtlCol="0" anchor="ctr"/>
-            <a:lstStyle/>
-            <a:p>
-              <a:pPr algn="ctr"/>
-              <a:endParaRPr lang="fr-FR" dirty="0"/>
-            </a:p>
-          </p:txBody>
-        </p:sp>
-        <p:sp>
-          <p:nvSpPr>
-            <p:cNvPr id="17" name="ZoneTexte 16">
-              <a:extLst>
-                <a:ext uri="{FF2B5EF4-FFF2-40B4-BE49-F238E27FC236}">
-                  <a16:creationId xmlns:a16="http://schemas.microsoft.com/office/drawing/2014/main" id="{18F2B7EB-CA6F-431D-9D34-BE8BB210E064}"/>
-                </a:ext>
-              </a:extLst>
-            </p:cNvPr>
-            <p:cNvSpPr txBox="1"/>
-            <p:nvPr/>
-          </p:nvSpPr>
-          <p:spPr>
-            <a:xfrm>
-              <a:off x="2375322" y="1432047"/>
-              <a:ext cx="3325179" cy="2031325"/>
-            </a:xfrm>
-            <a:prstGeom prst="rect">
-              <a:avLst/>
-            </a:prstGeom>
-            <a:noFill/>
-          </p:spPr>
-          <p:txBody>
-            <a:bodyPr wrap="square" rtlCol="0">
-              <a:spAutoFit/>
-            </a:bodyPr>
-            <a:lstStyle/>
-            <a:p>
-              <a:r>
-                <a:rPr lang="fr-FR" dirty="0">
-                  <a:solidFill>
-                    <a:schemeClr val="bg1"/>
-                  </a:solidFill>
-                </a:rPr>
-                <a:t>Module 1: Cardiofréquencemètre</a:t>
-              </a:r>
-            </a:p>
-            <a:p>
-              <a:endParaRPr lang="fr-FR" dirty="0"/>
-            </a:p>
-            <a:p>
-              <a:endParaRPr lang="fr-FR" dirty="0"/>
-            </a:p>
-            <a:p>
-              <a:pPr algn="ctr"/>
-              <a:r>
-                <a:rPr lang="fr-FR" dirty="0">
-                  <a:solidFill>
-                    <a:schemeClr val="bg1"/>
-                  </a:solidFill>
-                </a:rPr>
-                <a:t>Dispositif du cardio fréquencemètre </a:t>
-              </a:r>
-            </a:p>
-            <a:p>
-              <a:pPr algn="ctr"/>
-              <a:r>
-                <a:rPr lang="fr-FR" dirty="0">
-                  <a:solidFill>
-                    <a:schemeClr val="bg1"/>
-                  </a:solidFill>
-                </a:rPr>
-                <a:t>+ Code Arduino</a:t>
-              </a:r>
-            </a:p>
-            <a:p>
-              <a:endParaRPr lang="fr-FR" dirty="0"/>
-            </a:p>
-          </p:txBody>
-        </p:sp>
-      </p:grpSp>
-      <p:grpSp>
-        <p:nvGrpSpPr>
-          <p:cNvPr id="18" name="Groupe 17">
-            <a:extLst>
-              <a:ext uri="{FF2B5EF4-FFF2-40B4-BE49-F238E27FC236}">
-                <a16:creationId xmlns:a16="http://schemas.microsoft.com/office/drawing/2014/main" id="{AD3F651E-43E7-40A5-B247-38251EC52A2D}"/>
-              </a:ext>
-            </a:extLst>
-          </p:cNvPr>
-          <p:cNvGrpSpPr/>
-          <p:nvPr/>
-        </p:nvGrpSpPr>
-        <p:grpSpPr>
-          <a:xfrm>
-            <a:off x="5606220" y="1482531"/>
-            <a:ext cx="3403474" cy="2154173"/>
-            <a:chOff x="7653527" y="1408143"/>
-            <a:chExt cx="3403474" cy="2154173"/>
-          </a:xfrm>
-        </p:grpSpPr>
-        <p:sp>
-          <p:nvSpPr>
-            <p:cNvPr id="19" name="Rectangle 18">
-              <a:extLst>
-                <a:ext uri="{FF2B5EF4-FFF2-40B4-BE49-F238E27FC236}">
-                  <a16:creationId xmlns:a16="http://schemas.microsoft.com/office/drawing/2014/main" id="{7F273982-6C97-4993-BE39-69A31AFF3083}"/>
-                </a:ext>
-              </a:extLst>
-            </p:cNvPr>
-            <p:cNvSpPr/>
-            <p:nvPr/>
-          </p:nvSpPr>
-          <p:spPr>
-            <a:xfrm>
-              <a:off x="7653527" y="1408143"/>
-              <a:ext cx="3403474" cy="2154173"/>
-            </a:xfrm>
-            <a:prstGeom prst="rect">
-              <a:avLst/>
-            </a:prstGeom>
-            <a:ln/>
-            <a:effectLst>
-              <a:outerShdw blurRad="50800" dist="38100" dir="2700000" algn="tl" rotWithShape="0">
-                <a:prstClr val="black">
-                  <a:alpha val="40000"/>
-                </a:prstClr>
-              </a:outerShdw>
-              <a:softEdge rad="31750"/>
-            </a:effectLst>
-          </p:spPr>
-          <p:style>
-            <a:lnRef idx="0">
-              <a:schemeClr val="accent1"/>
-            </a:lnRef>
-            <a:fillRef idx="3">
-              <a:schemeClr val="accent1"/>
-            </a:fillRef>
-            <a:effectRef idx="3">
-              <a:schemeClr val="accent1"/>
-            </a:effectRef>
-            <a:fontRef idx="minor">
-              <a:schemeClr val="lt1"/>
-            </a:fontRef>
-          </p:style>
-          <p:txBody>
-            <a:bodyPr rtlCol="0" anchor="ctr"/>
-            <a:lstStyle/>
-            <a:p>
-              <a:pPr algn="ctr"/>
-              <a:endParaRPr lang="fr-FR" dirty="0"/>
-            </a:p>
-          </p:txBody>
-        </p:sp>
-        <p:sp>
-          <p:nvSpPr>
-            <p:cNvPr id="20" name="ZoneTexte 19">
-              <a:extLst>
-                <a:ext uri="{FF2B5EF4-FFF2-40B4-BE49-F238E27FC236}">
-                  <a16:creationId xmlns:a16="http://schemas.microsoft.com/office/drawing/2014/main" id="{1885C0AB-DF9B-4D02-A0A9-45607AF118EB}"/>
-                </a:ext>
-              </a:extLst>
-            </p:cNvPr>
-            <p:cNvSpPr txBox="1"/>
-            <p:nvPr/>
-          </p:nvSpPr>
-          <p:spPr>
-            <a:xfrm>
-              <a:off x="7673011" y="1435161"/>
-              <a:ext cx="3305695" cy="2031325"/>
-            </a:xfrm>
-            <a:prstGeom prst="rect">
-              <a:avLst/>
-            </a:prstGeom>
-            <a:noFill/>
-          </p:spPr>
-          <p:txBody>
-            <a:bodyPr wrap="square" rtlCol="0">
-              <a:spAutoFit/>
-            </a:bodyPr>
-            <a:lstStyle/>
-            <a:p>
-              <a:r>
-                <a:rPr lang="fr-FR" dirty="0">
-                  <a:solidFill>
-                    <a:schemeClr val="bg1"/>
-                  </a:solidFill>
-                </a:rPr>
-                <a:t>Module 2: Cœur de LED</a:t>
-              </a:r>
-            </a:p>
-            <a:p>
-              <a:endParaRPr lang="fr-FR" dirty="0"/>
-            </a:p>
-            <a:p>
-              <a:endParaRPr lang="fr-FR" dirty="0"/>
-            </a:p>
-            <a:p>
-              <a:pPr algn="ctr"/>
-              <a:r>
-                <a:rPr lang="fr-FR" dirty="0">
-                  <a:solidFill>
-                    <a:schemeClr val="bg1"/>
-                  </a:solidFill>
-                </a:rPr>
-                <a:t>Visualisation des battements détectées</a:t>
-              </a:r>
-            </a:p>
-            <a:p>
-              <a:pPr algn="ctr"/>
-              <a:r>
-                <a:rPr lang="fr-FR" dirty="0">
-                  <a:solidFill>
-                    <a:schemeClr val="bg1"/>
-                  </a:solidFill>
-                </a:rPr>
-                <a:t>+Code Arduino</a:t>
-              </a:r>
-            </a:p>
-            <a:p>
-              <a:endParaRPr lang="fr-FR" dirty="0"/>
-            </a:p>
-          </p:txBody>
-        </p:sp>
-      </p:grpSp>
-      <p:grpSp>
-        <p:nvGrpSpPr>
-          <p:cNvPr id="21" name="Groupe 20">
-            <a:extLst>
-              <a:ext uri="{FF2B5EF4-FFF2-40B4-BE49-F238E27FC236}">
-                <a16:creationId xmlns:a16="http://schemas.microsoft.com/office/drawing/2014/main" id="{AD1BDA66-5347-4963-9F46-C0C24C09C7CE}"/>
-              </a:ext>
-            </a:extLst>
-          </p:cNvPr>
-          <p:cNvGrpSpPr/>
-          <p:nvPr/>
-        </p:nvGrpSpPr>
-        <p:grpSpPr>
-          <a:xfrm>
-            <a:off x="838200" y="4184551"/>
-            <a:ext cx="3389631" cy="2154174"/>
-            <a:chOff x="2355659" y="4131916"/>
-            <a:chExt cx="3389631" cy="2154174"/>
-          </a:xfrm>
-        </p:grpSpPr>
-        <p:sp>
-          <p:nvSpPr>
-            <p:cNvPr id="22" name="Rectangle 21">
-              <a:extLst>
-                <a:ext uri="{FF2B5EF4-FFF2-40B4-BE49-F238E27FC236}">
-                  <a16:creationId xmlns:a16="http://schemas.microsoft.com/office/drawing/2014/main" id="{45C59CC3-6744-48CD-89BD-ECB9112857DA}"/>
-                </a:ext>
-              </a:extLst>
-            </p:cNvPr>
-            <p:cNvSpPr/>
-            <p:nvPr/>
-          </p:nvSpPr>
-          <p:spPr>
-            <a:xfrm>
-              <a:off x="2355659" y="4131917"/>
-              <a:ext cx="3364506" cy="2154173"/>
-            </a:xfrm>
-            <a:prstGeom prst="rect">
-              <a:avLst/>
-            </a:prstGeom>
-            <a:ln/>
-            <a:effectLst>
-              <a:outerShdw blurRad="50800" dist="38100" dir="2700000" algn="tl" rotWithShape="0">
-                <a:prstClr val="black">
-                  <a:alpha val="40000"/>
-                </a:prstClr>
-              </a:outerShdw>
-              <a:softEdge rad="31750"/>
-            </a:effectLst>
-          </p:spPr>
-          <p:style>
-            <a:lnRef idx="0">
-              <a:schemeClr val="accent6"/>
-            </a:lnRef>
-            <a:fillRef idx="3">
-              <a:schemeClr val="accent6"/>
-            </a:fillRef>
-            <a:effectRef idx="3">
-              <a:schemeClr val="accent6"/>
-            </a:effectRef>
-            <a:fontRef idx="minor">
-              <a:schemeClr val="lt1"/>
-            </a:fontRef>
-          </p:style>
-          <p:txBody>
-            <a:bodyPr rtlCol="0" anchor="ctr"/>
-            <a:lstStyle/>
-            <a:p>
-              <a:pPr algn="ctr"/>
-              <a:endParaRPr lang="fr-FR" dirty="0"/>
-            </a:p>
-          </p:txBody>
-        </p:sp>
-        <p:sp>
-          <p:nvSpPr>
-            <p:cNvPr id="23" name="ZoneTexte 22">
-              <a:extLst>
-                <a:ext uri="{FF2B5EF4-FFF2-40B4-BE49-F238E27FC236}">
-                  <a16:creationId xmlns:a16="http://schemas.microsoft.com/office/drawing/2014/main" id="{411381C7-7918-446E-B4FE-27D37AD8DE1F}"/>
-                </a:ext>
-              </a:extLst>
-            </p:cNvPr>
-            <p:cNvSpPr txBox="1"/>
-            <p:nvPr/>
-          </p:nvSpPr>
-          <p:spPr>
-            <a:xfrm>
-              <a:off x="2375322" y="4131916"/>
-              <a:ext cx="3369968" cy="1754326"/>
-            </a:xfrm>
-            <a:prstGeom prst="rect">
-              <a:avLst/>
-            </a:prstGeom>
-            <a:noFill/>
-          </p:spPr>
-          <p:txBody>
-            <a:bodyPr wrap="square" rtlCol="0">
-              <a:spAutoFit/>
-            </a:bodyPr>
-            <a:lstStyle/>
-            <a:p>
-              <a:r>
-                <a:rPr lang="fr-FR" dirty="0">
-                  <a:solidFill>
-                    <a:schemeClr val="bg1"/>
-                  </a:solidFill>
-                </a:rPr>
-                <a:t>Module 3: Processing</a:t>
-              </a:r>
-            </a:p>
-            <a:p>
-              <a:endParaRPr lang="fr-FR" dirty="0"/>
-            </a:p>
-            <a:p>
-              <a:pPr algn="ctr"/>
-              <a:endParaRPr lang="fr-FR" dirty="0">
-                <a:solidFill>
-                  <a:schemeClr val="bg1"/>
-                </a:solidFill>
-              </a:endParaRPr>
-            </a:p>
-            <a:p>
-              <a:pPr algn="ctr"/>
-              <a:r>
-                <a:rPr lang="fr-FR" dirty="0">
-                  <a:solidFill>
-                    <a:schemeClr val="bg1"/>
-                  </a:solidFill>
-                </a:rPr>
-                <a:t>Sauvegarde des données /</a:t>
-              </a:r>
-            </a:p>
-            <a:p>
-              <a:pPr algn="ctr"/>
-              <a:r>
-                <a:rPr lang="fr-FR" dirty="0">
-                  <a:solidFill>
-                    <a:schemeClr val="bg1"/>
-                  </a:solidFill>
-                </a:rPr>
-                <a:t>Mise sous format csv</a:t>
-              </a:r>
-            </a:p>
-            <a:p>
-              <a:endParaRPr lang="fr-FR" dirty="0"/>
-            </a:p>
-          </p:txBody>
-        </p:sp>
-      </p:grpSp>
-      <p:grpSp>
-        <p:nvGrpSpPr>
-          <p:cNvPr id="24" name="Groupe 23">
-            <a:extLst>
-              <a:ext uri="{FF2B5EF4-FFF2-40B4-BE49-F238E27FC236}">
-                <a16:creationId xmlns:a16="http://schemas.microsoft.com/office/drawing/2014/main" id="{DB85436B-66F9-473C-8ABA-FCFFD4484DFD}"/>
-              </a:ext>
-            </a:extLst>
-          </p:cNvPr>
-          <p:cNvGrpSpPr/>
-          <p:nvPr/>
-        </p:nvGrpSpPr>
-        <p:grpSpPr>
-          <a:xfrm>
-            <a:off x="5581095" y="4184551"/>
-            <a:ext cx="3389631" cy="2308324"/>
-            <a:chOff x="7647886" y="4131916"/>
-            <a:chExt cx="3389631" cy="2308324"/>
-          </a:xfrm>
-        </p:grpSpPr>
-        <p:sp>
-          <p:nvSpPr>
-            <p:cNvPr id="25" name="Rectangle 24">
-              <a:extLst>
-                <a:ext uri="{FF2B5EF4-FFF2-40B4-BE49-F238E27FC236}">
-                  <a16:creationId xmlns:a16="http://schemas.microsoft.com/office/drawing/2014/main" id="{2FFF0DB1-4B50-4CCC-8DCC-A1A20DCB091E}"/>
-                </a:ext>
-              </a:extLst>
-            </p:cNvPr>
-            <p:cNvSpPr/>
-            <p:nvPr/>
-          </p:nvSpPr>
-          <p:spPr>
-            <a:xfrm>
-              <a:off x="7673011" y="4131916"/>
-              <a:ext cx="3364506" cy="2154173"/>
-            </a:xfrm>
-            <a:prstGeom prst="rect">
-              <a:avLst/>
-            </a:prstGeom>
-            <a:ln/>
-            <a:effectLst>
-              <a:outerShdw blurRad="50800" dist="38100" dir="2700000" algn="tl" rotWithShape="0">
-                <a:prstClr val="black">
-                  <a:alpha val="40000"/>
-                </a:prstClr>
-              </a:outerShdw>
-              <a:softEdge rad="31750"/>
-            </a:effectLst>
-          </p:spPr>
-          <p:style>
-            <a:lnRef idx="0">
-              <a:schemeClr val="accent4"/>
-            </a:lnRef>
-            <a:fillRef idx="3">
-              <a:schemeClr val="accent4"/>
-            </a:fillRef>
-            <a:effectRef idx="3">
-              <a:schemeClr val="accent4"/>
-            </a:effectRef>
-            <a:fontRef idx="minor">
-              <a:schemeClr val="lt1"/>
-            </a:fontRef>
-          </p:style>
-          <p:txBody>
-            <a:bodyPr rtlCol="0" anchor="ctr"/>
-            <a:lstStyle/>
-            <a:p>
-              <a:pPr algn="ctr"/>
-              <a:endParaRPr lang="fr-FR" dirty="0"/>
-            </a:p>
-          </p:txBody>
-        </p:sp>
-        <p:sp>
-          <p:nvSpPr>
-            <p:cNvPr id="26" name="ZoneTexte 25">
-              <a:extLst>
-                <a:ext uri="{FF2B5EF4-FFF2-40B4-BE49-F238E27FC236}">
-                  <a16:creationId xmlns:a16="http://schemas.microsoft.com/office/drawing/2014/main" id="{AE889869-A5DF-4250-83AA-C3D8507A9275}"/>
-                </a:ext>
-              </a:extLst>
-            </p:cNvPr>
-            <p:cNvSpPr txBox="1"/>
-            <p:nvPr/>
-          </p:nvSpPr>
-          <p:spPr>
-            <a:xfrm>
-              <a:off x="7647886" y="4131916"/>
-              <a:ext cx="3364506" cy="2308324"/>
-            </a:xfrm>
-            <a:prstGeom prst="rect">
-              <a:avLst/>
-            </a:prstGeom>
-            <a:noFill/>
-          </p:spPr>
-          <p:txBody>
-            <a:bodyPr wrap="square" rtlCol="0">
-              <a:spAutoFit/>
-            </a:bodyPr>
-            <a:lstStyle/>
-            <a:p>
-              <a:r>
-                <a:rPr lang="fr-FR" dirty="0">
-                  <a:solidFill>
-                    <a:schemeClr val="bg1"/>
-                  </a:solidFill>
-                </a:rPr>
-                <a:t>Module 4: Visualisation et Manipulation </a:t>
-              </a:r>
-            </a:p>
-            <a:p>
-              <a:endParaRPr lang="fr-FR" dirty="0">
-                <a:solidFill>
-                  <a:schemeClr val="bg1"/>
-                </a:solidFill>
-              </a:endParaRPr>
-            </a:p>
-            <a:p>
-              <a:pPr algn="ctr"/>
-              <a:r>
-                <a:rPr lang="fr-FR" dirty="0">
-                  <a:solidFill>
-                    <a:schemeClr val="bg1"/>
-                  </a:solidFill>
-                </a:rPr>
-                <a:t>Programmation pour manipuler et visualiser certaines données</a:t>
-              </a:r>
-            </a:p>
-            <a:p>
-              <a:endParaRPr lang="fr-FR" dirty="0">
-                <a:solidFill>
-                  <a:schemeClr val="bg1"/>
-                </a:solidFill>
-              </a:endParaRPr>
-            </a:p>
-            <a:p>
-              <a:endParaRPr lang="fr-FR" dirty="0"/>
-            </a:p>
-            <a:p>
-              <a:endParaRPr lang="fr-FR" dirty="0"/>
-            </a:p>
-          </p:txBody>
-        </p:sp>
-      </p:grpSp>
-      <p:grpSp>
-        <p:nvGrpSpPr>
-          <p:cNvPr id="4" name="Groupe 3">
-            <a:extLst>
-              <a:ext uri="{FF2B5EF4-FFF2-40B4-BE49-F238E27FC236}">
-                <a16:creationId xmlns:a16="http://schemas.microsoft.com/office/drawing/2014/main" id="{CB63E7C4-5B7B-4E40-937B-17BCCD467098}"/>
-              </a:ext>
-            </a:extLst>
-          </p:cNvPr>
-          <p:cNvGrpSpPr/>
-          <p:nvPr/>
-        </p:nvGrpSpPr>
-        <p:grpSpPr>
-          <a:xfrm>
-            <a:off x="9680418" y="783893"/>
-            <a:ext cx="2451723" cy="5554831"/>
-            <a:chOff x="9680418" y="783893"/>
-            <a:chExt cx="2451723" cy="5554831"/>
-          </a:xfrm>
-        </p:grpSpPr>
-        <p:sp>
-          <p:nvSpPr>
-            <p:cNvPr id="27" name="ZoneTexte 26">
-              <a:extLst>
-                <a:ext uri="{FF2B5EF4-FFF2-40B4-BE49-F238E27FC236}">
-                  <a16:creationId xmlns:a16="http://schemas.microsoft.com/office/drawing/2014/main" id="{100DA9DE-40C6-408B-B766-928AEF7786BF}"/>
-                </a:ext>
-              </a:extLst>
-            </p:cNvPr>
-            <p:cNvSpPr txBox="1"/>
-            <p:nvPr/>
-          </p:nvSpPr>
-          <p:spPr>
-            <a:xfrm>
-              <a:off x="9758713" y="783893"/>
-              <a:ext cx="2373428" cy="2800767"/>
-            </a:xfrm>
-            <a:prstGeom prst="rect">
-              <a:avLst/>
-            </a:prstGeom>
-            <a:noFill/>
-          </p:spPr>
-          <p:txBody>
-            <a:bodyPr wrap="square" rtlCol="0">
-              <a:spAutoFit/>
-            </a:bodyPr>
-            <a:lstStyle/>
-            <a:p>
-              <a:r>
-                <a:rPr lang="fr-FR" sz="1200" dirty="0"/>
-                <a:t>Avancement Diapositive:</a:t>
-              </a:r>
-            </a:p>
-            <a:p>
-              <a:pPr marL="400050" indent="-400050">
-                <a:buAutoNum type="romanUcParenR"/>
-              </a:pPr>
-              <a:endParaRPr lang="fr-FR" sz="1200" b="1" dirty="0"/>
-            </a:p>
-            <a:p>
-              <a:pPr marL="400050" indent="-400050">
-                <a:buAutoNum type="romanUcParenR"/>
-              </a:pPr>
-              <a:endParaRPr lang="fr-FR" sz="1200" b="1" dirty="0"/>
-            </a:p>
-            <a:p>
-              <a:pPr marL="400050" indent="-400050">
-                <a:buAutoNum type="romanUcParenR"/>
-              </a:pPr>
-              <a:r>
-                <a:rPr lang="fr-FR" sz="1200" b="1" dirty="0"/>
-                <a:t>Organisation du projet</a:t>
-              </a:r>
-            </a:p>
-            <a:p>
-              <a:pPr marL="400050" indent="-400050">
-                <a:buAutoNum type="romanUcParenR"/>
-              </a:pPr>
-              <a:endParaRPr lang="fr-FR" sz="1200" dirty="0"/>
-            </a:p>
-            <a:p>
-              <a:pPr marL="400050" indent="-400050">
-                <a:buAutoNum type="romanUcParenR"/>
-              </a:pPr>
-              <a:r>
-                <a:rPr lang="fr-FR" sz="1200" i="1" dirty="0"/>
-                <a:t>Présentation des modules</a:t>
-              </a:r>
-            </a:p>
-            <a:p>
-              <a:pPr marL="971550" lvl="1" indent="-514350">
-                <a:buFont typeface="+mj-lt"/>
-                <a:buAutoNum type="alphaLcParenR"/>
-              </a:pPr>
-              <a:r>
-                <a:rPr lang="fr-FR" sz="1100" i="1" dirty="0"/>
-                <a:t>Module 1</a:t>
-              </a:r>
-            </a:p>
-            <a:p>
-              <a:pPr marL="971550" lvl="1" indent="-514350">
-                <a:buFont typeface="+mj-lt"/>
-                <a:buAutoNum type="alphaLcParenR"/>
-              </a:pPr>
-              <a:r>
-                <a:rPr lang="fr-FR" sz="1100" i="1" dirty="0"/>
-                <a:t>Module 2</a:t>
-              </a:r>
-            </a:p>
-            <a:p>
-              <a:pPr marL="971550" lvl="1" indent="-514350">
-                <a:buFont typeface="+mj-lt"/>
-                <a:buAutoNum type="alphaLcParenR"/>
-              </a:pPr>
-              <a:r>
-                <a:rPr lang="fr-FR" sz="1100" i="1" dirty="0"/>
-                <a:t>Module 3</a:t>
-              </a:r>
-            </a:p>
-            <a:p>
-              <a:pPr marL="971550" lvl="1" indent="-514350">
-                <a:buFont typeface="+mj-lt"/>
-                <a:buAutoNum type="alphaLcParenR"/>
-              </a:pPr>
-              <a:r>
-                <a:rPr lang="fr-FR" sz="1100" i="1" dirty="0"/>
-                <a:t>Module 4</a:t>
-              </a:r>
-            </a:p>
-            <a:p>
-              <a:pPr marL="400050" indent="-400050">
-                <a:buAutoNum type="romanUcParenR"/>
-              </a:pPr>
-              <a:endParaRPr lang="fr-FR" sz="1200" i="1" dirty="0"/>
-            </a:p>
-            <a:p>
-              <a:pPr marL="400050" indent="-400050">
-                <a:buAutoNum type="romanUcParenR"/>
-              </a:pPr>
-              <a:r>
-                <a:rPr lang="fr-FR" sz="1200" i="1" dirty="0"/>
-                <a:t>Bilan des modules</a:t>
-              </a:r>
-            </a:p>
-            <a:p>
-              <a:pPr marL="400050" indent="-400050">
-                <a:buAutoNum type="romanUcParenR"/>
-              </a:pPr>
-              <a:endParaRPr lang="fr-FR" sz="1200" i="1" dirty="0"/>
-            </a:p>
-            <a:p>
-              <a:pPr marL="400050" indent="-400050">
-                <a:buAutoNum type="romanUcParenR"/>
-              </a:pPr>
-              <a:r>
-                <a:rPr lang="fr-FR" sz="1200" i="1" dirty="0"/>
-                <a:t>Démonstration des modules</a:t>
-              </a:r>
-            </a:p>
-            <a:p>
-              <a:endParaRPr lang="fr-FR" sz="1200" i="1" dirty="0"/>
-            </a:p>
-          </p:txBody>
-        </p:sp>
-        <p:sp>
-          <p:nvSpPr>
-            <p:cNvPr id="3" name="Rectangle 2">
-              <a:extLst>
-                <a:ext uri="{FF2B5EF4-FFF2-40B4-BE49-F238E27FC236}">
-                  <a16:creationId xmlns:a16="http://schemas.microsoft.com/office/drawing/2014/main" id="{CE0F541B-DD61-4FA8-87CD-72A6405CB2FF}"/>
-                </a:ext>
-              </a:extLst>
-            </p:cNvPr>
-            <p:cNvSpPr/>
-            <p:nvPr/>
-          </p:nvSpPr>
-          <p:spPr>
-            <a:xfrm>
-              <a:off x="9680418" y="783893"/>
-              <a:ext cx="2379215" cy="5554831"/>
-            </a:xfrm>
-            <a:prstGeom prst="rect">
-              <a:avLst/>
-            </a:prstGeom>
-            <a:noFill/>
-            <a:ln>
-              <a:solidFill>
-                <a:schemeClr val="tx1"/>
-              </a:solidFill>
-            </a:ln>
-          </p:spPr>
-          <p:style>
-            <a:lnRef idx="2">
-              <a:schemeClr val="accent1">
-                <a:shade val="50000"/>
-              </a:schemeClr>
-            </a:lnRef>
-            <a:fillRef idx="1">
-              <a:schemeClr val="accent1"/>
-            </a:fillRef>
-            <a:effectRef idx="0">
-              <a:schemeClr val="accent1"/>
-            </a:effectRef>
-            <a:fontRef idx="minor">
-              <a:schemeClr val="lt1"/>
-            </a:fontRef>
-          </p:style>
-          <p:txBody>
-            <a:bodyPr rtlCol="0" anchor="ctr"/>
-            <a:lstStyle/>
-            <a:p>
-              <a:pPr algn="ctr"/>
-              <a:endParaRPr lang="fr-FR" dirty="0"/>
-            </a:p>
-          </p:txBody>
-        </p:sp>
-      </p:grpSp>
-    </p:spTree>
-    <p:extLst>
-      <p:ext uri="{BB962C8B-B14F-4D97-AF65-F5344CB8AC3E}">
-        <p14:creationId xmlns:p14="http://schemas.microsoft.com/office/powerpoint/2010/main" val="2031645628"/>
-      </p:ext>
-    </p:extLst>
-  </p:cSld>
-  <p:clrMapOvr>
-    <a:masterClrMapping/>
-  </p:clrMapOvr>
-</p:sld>
-</file>
-
-<file path=ppt/slides/slide5.xml><?xml version="1.0" encoding="utf-8"?>
-<p:sld xmlns:a="http://schemas.openxmlformats.org/drawingml/2006/main" xmlns:r="http://schemas.openxmlformats.org/officeDocument/2006/relationships" xmlns:p="http://schemas.openxmlformats.org/presentationml/2006/main">
-  <p:cSld>
-    <p:spTree>
-      <p:nvGrpSpPr>
-        <p:cNvPr id="1" name=""/>
-        <p:cNvGrpSpPr/>
-        <p:nvPr/>
-      </p:nvGrpSpPr>
-      <p:grpSpPr>
-        <a:xfrm>
-          <a:off x="0" y="0"/>
-          <a:ext cx="0" cy="0"/>
-          <a:chOff x="0" y="0"/>
-          <a:chExt cx="0" cy="0"/>
-        </a:xfrm>
-      </p:grpSpPr>
-      <p:pic>
-        <p:nvPicPr>
-          <p:cNvPr id="5" name="Espace réservé du contenu 4">
-            <a:extLst>
-              <a:ext uri="{FF2B5EF4-FFF2-40B4-BE49-F238E27FC236}">
-                <a16:creationId xmlns:a16="http://schemas.microsoft.com/office/drawing/2014/main" id="{1E9EA255-BDA7-4EFA-A18D-4BD344CB30CC}"/>
-              </a:ext>
-            </a:extLst>
-          </p:cNvPr>
-          <p:cNvPicPr>
-            <a:picLocks noGrp="1" noChangeAspect="1"/>
-          </p:cNvPicPr>
-          <p:nvPr>
-            <p:ph idx="1"/>
-          </p:nvPr>
-        </p:nvPicPr>
-        <p:blipFill>
-          <a:blip r:embed="rId2">
-            <a:extLst>
-              <a:ext uri="{28A0092B-C50C-407E-A947-70E740481C1C}">
-                <a14:useLocalDpi xmlns:a14="http://schemas.microsoft.com/office/drawing/2010/main" val="0"/>
-              </a:ext>
-            </a:extLst>
-          </a:blip>
-          <a:stretch>
-            <a:fillRect/>
-          </a:stretch>
-        </p:blipFill>
-        <p:spPr>
-          <a:xfrm>
-            <a:off x="6277253" y="1889205"/>
-            <a:ext cx="2866748" cy="4439040"/>
-          </a:xfrm>
-        </p:spPr>
-      </p:pic>
-      <p:sp>
-        <p:nvSpPr>
-          <p:cNvPr id="6" name="ZoneTexte 5">
-            <a:extLst>
-              <a:ext uri="{FF2B5EF4-FFF2-40B4-BE49-F238E27FC236}">
-                <a16:creationId xmlns:a16="http://schemas.microsoft.com/office/drawing/2014/main" id="{B726EDAA-0B35-46F2-8E17-CBA3E2CBB965}"/>
-              </a:ext>
-            </a:extLst>
-          </p:cNvPr>
-          <p:cNvSpPr txBox="1"/>
-          <p:nvPr/>
-        </p:nvSpPr>
-        <p:spPr>
-          <a:xfrm>
-            <a:off x="6578353" y="1393794"/>
-            <a:ext cx="2840855" cy="646331"/>
-          </a:xfrm>
-          <a:prstGeom prst="rect">
-            <a:avLst/>
-          </a:prstGeom>
-          <a:noFill/>
-        </p:spPr>
-        <p:txBody>
-          <a:bodyPr wrap="square" rtlCol="0">
-            <a:spAutoFit/>
-          </a:bodyPr>
-          <a:lstStyle/>
-          <a:p>
-            <a:r>
-              <a:rPr lang="fr-FR" dirty="0"/>
-              <a:t>Code Arduino</a:t>
-            </a:r>
-          </a:p>
-          <a:p>
-            <a:endParaRPr lang="fr-FR" dirty="0"/>
-          </a:p>
-        </p:txBody>
-      </p:sp>
-      <p:sp>
-        <p:nvSpPr>
-          <p:cNvPr id="7" name="ZoneTexte 6">
-            <a:extLst>
-              <a:ext uri="{FF2B5EF4-FFF2-40B4-BE49-F238E27FC236}">
-                <a16:creationId xmlns:a16="http://schemas.microsoft.com/office/drawing/2014/main" id="{0B55CE87-B3E6-4D8A-B81A-C8A53C4DA052}"/>
-              </a:ext>
-            </a:extLst>
-          </p:cNvPr>
-          <p:cNvSpPr txBox="1"/>
-          <p:nvPr/>
-        </p:nvSpPr>
-        <p:spPr>
-          <a:xfrm>
-            <a:off x="1216241" y="1393794"/>
-            <a:ext cx="2866748" cy="646331"/>
-          </a:xfrm>
-          <a:prstGeom prst="rect">
-            <a:avLst/>
-          </a:prstGeom>
-          <a:noFill/>
-        </p:spPr>
-        <p:txBody>
-          <a:bodyPr wrap="square" rtlCol="0">
-            <a:spAutoFit/>
-          </a:bodyPr>
-          <a:lstStyle/>
-          <a:p>
-            <a:r>
-              <a:rPr lang="fr-FR" dirty="0"/>
-              <a:t>Montage</a:t>
-            </a:r>
-          </a:p>
-          <a:p>
-            <a:endParaRPr lang="fr-FR" dirty="0"/>
-          </a:p>
-        </p:txBody>
-      </p:sp>
-      <p:grpSp>
-        <p:nvGrpSpPr>
-          <p:cNvPr id="9" name="Groupe 8">
-            <a:extLst>
-              <a:ext uri="{FF2B5EF4-FFF2-40B4-BE49-F238E27FC236}">
-                <a16:creationId xmlns:a16="http://schemas.microsoft.com/office/drawing/2014/main" id="{76B53B8A-CE4E-4013-881C-78FB087A962D}"/>
-              </a:ext>
-            </a:extLst>
-          </p:cNvPr>
-          <p:cNvGrpSpPr/>
-          <p:nvPr/>
-        </p:nvGrpSpPr>
-        <p:grpSpPr>
-          <a:xfrm>
-            <a:off x="9653785" y="773414"/>
-            <a:ext cx="2451723" cy="5554831"/>
-            <a:chOff x="9680418" y="783893"/>
-            <a:chExt cx="2451723" cy="5554831"/>
-          </a:xfrm>
-        </p:grpSpPr>
-        <p:sp>
-          <p:nvSpPr>
-            <p:cNvPr id="10" name="ZoneTexte 9">
-              <a:extLst>
-                <a:ext uri="{FF2B5EF4-FFF2-40B4-BE49-F238E27FC236}">
-                  <a16:creationId xmlns:a16="http://schemas.microsoft.com/office/drawing/2014/main" id="{9C4AA679-DEEE-4E41-91B6-B4F369E77D8E}"/>
-                </a:ext>
-              </a:extLst>
-            </p:cNvPr>
-            <p:cNvSpPr txBox="1"/>
-            <p:nvPr/>
-          </p:nvSpPr>
-          <p:spPr>
-            <a:xfrm>
-              <a:off x="9758713" y="783893"/>
-              <a:ext cx="2373428" cy="2800767"/>
-            </a:xfrm>
-            <a:prstGeom prst="rect">
-              <a:avLst/>
-            </a:prstGeom>
-            <a:noFill/>
-          </p:spPr>
-          <p:txBody>
-            <a:bodyPr wrap="square" rtlCol="0">
-              <a:spAutoFit/>
-            </a:bodyPr>
-            <a:lstStyle/>
-            <a:p>
-              <a:r>
-                <a:rPr lang="fr-FR" sz="1200" dirty="0"/>
-                <a:t>Avancement Diapositive:</a:t>
-              </a:r>
-            </a:p>
-            <a:p>
-              <a:pPr marL="400050" indent="-400050">
-                <a:buAutoNum type="romanUcParenR"/>
-              </a:pPr>
-              <a:endParaRPr lang="fr-FR" sz="1200" b="1" dirty="0"/>
-            </a:p>
-            <a:p>
-              <a:pPr marL="400050" indent="-400050">
-                <a:buAutoNum type="romanUcParenR"/>
-              </a:pPr>
-              <a:endParaRPr lang="fr-FR" sz="1200" b="1" dirty="0"/>
-            </a:p>
-            <a:p>
-              <a:pPr marL="400050" indent="-400050">
-                <a:buAutoNum type="romanUcParenR"/>
-              </a:pPr>
-              <a:r>
-                <a:rPr lang="fr-FR" sz="1200" i="1" dirty="0"/>
-                <a:t>Organisation du projet</a:t>
-              </a:r>
-            </a:p>
-            <a:p>
-              <a:pPr marL="400050" indent="-400050">
-                <a:buAutoNum type="romanUcParenR"/>
-              </a:pPr>
-              <a:endParaRPr lang="fr-FR" sz="1200" dirty="0"/>
-            </a:p>
-            <a:p>
-              <a:pPr marL="400050" indent="-400050">
-                <a:buAutoNum type="romanUcParenR"/>
-              </a:pPr>
-              <a:r>
-                <a:rPr lang="fr-FR" sz="1200" b="1" dirty="0"/>
-                <a:t>Présentation des modules</a:t>
-              </a:r>
-            </a:p>
-            <a:p>
-              <a:pPr marL="971550" lvl="1" indent="-514350">
-                <a:buFont typeface="+mj-lt"/>
-                <a:buAutoNum type="alphaLcParenR"/>
-              </a:pPr>
-              <a:r>
-                <a:rPr lang="fr-FR" sz="1100" b="1" dirty="0"/>
-                <a:t>Module 1</a:t>
-              </a:r>
-            </a:p>
-            <a:p>
-              <a:pPr marL="971550" lvl="1" indent="-514350">
-                <a:buFont typeface="+mj-lt"/>
-                <a:buAutoNum type="alphaLcParenR"/>
-              </a:pPr>
-              <a:r>
-                <a:rPr lang="fr-FR" sz="1100" i="1" dirty="0"/>
-                <a:t>Module 2</a:t>
-              </a:r>
-            </a:p>
-            <a:p>
-              <a:pPr marL="971550" lvl="1" indent="-514350">
-                <a:buFont typeface="+mj-lt"/>
-                <a:buAutoNum type="alphaLcParenR"/>
-              </a:pPr>
-              <a:r>
-                <a:rPr lang="fr-FR" sz="1100" i="1" dirty="0"/>
-                <a:t>Module 3</a:t>
-              </a:r>
-            </a:p>
-            <a:p>
-              <a:pPr marL="971550" lvl="1" indent="-514350">
-                <a:buFont typeface="+mj-lt"/>
-                <a:buAutoNum type="alphaLcParenR"/>
-              </a:pPr>
-              <a:r>
-                <a:rPr lang="fr-FR" sz="1100" i="1" dirty="0"/>
-                <a:t>Module 4</a:t>
-              </a:r>
-            </a:p>
-            <a:p>
-              <a:pPr marL="400050" indent="-400050">
-                <a:buAutoNum type="romanUcParenR"/>
-              </a:pPr>
-              <a:endParaRPr lang="fr-FR" sz="1200" i="1" dirty="0"/>
-            </a:p>
-            <a:p>
-              <a:pPr marL="400050" indent="-400050">
-                <a:buAutoNum type="romanUcParenR"/>
-              </a:pPr>
-              <a:r>
-                <a:rPr lang="fr-FR" sz="1200" i="1" dirty="0"/>
-                <a:t>Bilan des modules</a:t>
-              </a:r>
-            </a:p>
-            <a:p>
-              <a:pPr marL="400050" indent="-400050">
-                <a:buAutoNum type="romanUcParenR"/>
-              </a:pPr>
-              <a:endParaRPr lang="fr-FR" sz="1200" i="1" dirty="0"/>
-            </a:p>
-            <a:p>
-              <a:pPr marL="400050" indent="-400050">
-                <a:buFontTx/>
-                <a:buAutoNum type="romanUcParenR"/>
-              </a:pPr>
-              <a:r>
-                <a:rPr lang="fr-FR" sz="1200" i="1" dirty="0"/>
-                <a:t>Visualisation direct du projet</a:t>
-              </a:r>
-            </a:p>
-            <a:p>
-              <a:endParaRPr lang="fr-FR" sz="1200" i="1" dirty="0"/>
-            </a:p>
-          </p:txBody>
-        </p:sp>
-        <p:sp>
-          <p:nvSpPr>
-            <p:cNvPr id="11" name="Rectangle 10">
-              <a:extLst>
-                <a:ext uri="{FF2B5EF4-FFF2-40B4-BE49-F238E27FC236}">
-                  <a16:creationId xmlns:a16="http://schemas.microsoft.com/office/drawing/2014/main" id="{77F2145F-B31D-4DF7-A801-91456748F98C}"/>
-                </a:ext>
-              </a:extLst>
-            </p:cNvPr>
-            <p:cNvSpPr/>
-            <p:nvPr/>
-          </p:nvSpPr>
-          <p:spPr>
-            <a:xfrm>
-              <a:off x="9680418" y="783893"/>
-              <a:ext cx="2379215" cy="5554831"/>
-            </a:xfrm>
-            <a:prstGeom prst="rect">
-              <a:avLst/>
-            </a:prstGeom>
-            <a:noFill/>
-            <a:ln>
-              <a:solidFill>
-                <a:schemeClr val="tx1"/>
-              </a:solidFill>
-            </a:ln>
-          </p:spPr>
-          <p:style>
-            <a:lnRef idx="2">
-              <a:schemeClr val="accent1">
-                <a:shade val="50000"/>
-              </a:schemeClr>
-            </a:lnRef>
-            <a:fillRef idx="1">
-              <a:schemeClr val="accent1"/>
-            </a:fillRef>
-            <a:effectRef idx="0">
-              <a:schemeClr val="accent1"/>
-            </a:effectRef>
-            <a:fontRef idx="minor">
-              <a:schemeClr val="lt1"/>
-            </a:fontRef>
-          </p:style>
-          <p:txBody>
-            <a:bodyPr rtlCol="0" anchor="ctr"/>
-            <a:lstStyle/>
-            <a:p>
-              <a:pPr algn="ctr"/>
-              <a:endParaRPr lang="fr-FR" dirty="0"/>
-            </a:p>
-          </p:txBody>
-        </p:sp>
-      </p:grpSp>
-      <p:sp>
-        <p:nvSpPr>
-          <p:cNvPr id="12" name="Titre 1">
-            <a:extLst>
-              <a:ext uri="{FF2B5EF4-FFF2-40B4-BE49-F238E27FC236}">
-                <a16:creationId xmlns:a16="http://schemas.microsoft.com/office/drawing/2014/main" id="{5C9E374B-4953-41A1-BAD8-0BD18B3F3EEF}"/>
-              </a:ext>
-            </a:extLst>
-          </p:cNvPr>
-          <p:cNvSpPr txBox="1">
-            <a:spLocks/>
-          </p:cNvSpPr>
-          <p:nvPr/>
-        </p:nvSpPr>
-        <p:spPr>
-          <a:xfrm>
-            <a:off x="-304126" y="22485"/>
-            <a:ext cx="10515600" cy="1325563"/>
-          </a:xfrm>
-          <a:prstGeom prst="rect">
-            <a:avLst/>
-          </a:prstGeom>
-        </p:spPr>
-        <p:txBody>
-          <a:bodyPr vert="horz" lIns="91440" tIns="45720" rIns="91440" bIns="45720" rtlCol="0" anchor="ctr">
-            <a:normAutofit/>
-          </a:bodyPr>
-          <a:lstStyle>
-            <a:lvl1pPr algn="l" defTabSz="914400" rtl="0" eaLnBrk="1" latinLnBrk="0" hangingPunct="1">
-              <a:lnSpc>
-                <a:spcPct val="90000"/>
-              </a:lnSpc>
-              <a:spcBef>
-                <a:spcPct val="0"/>
-              </a:spcBef>
-              <a:buNone/>
-              <a:defRPr sz="4400" kern="1200">
-                <a:solidFill>
-                  <a:schemeClr val="tx1"/>
-                </a:solidFill>
-                <a:latin typeface="+mj-lt"/>
-                <a:ea typeface="+mj-ea"/>
-                <a:cs typeface="+mj-cs"/>
-              </a:defRPr>
-            </a:lvl1pPr>
-          </a:lstStyle>
-          <a:p>
-            <a:pPr algn="ctr"/>
-            <a:r>
-              <a:rPr lang="fr-FR" sz="4000" dirty="0"/>
-              <a:t> II) Présentation des modules</a:t>
-            </a:r>
-          </a:p>
-          <a:p>
-            <a:pPr algn="ctr"/>
-            <a:r>
-              <a:rPr lang="fr-FR" sz="2400" dirty="0"/>
-              <a:t>a) Module 1</a:t>
-            </a:r>
-          </a:p>
-        </p:txBody>
-      </p:sp>
-      <p:pic>
-        <p:nvPicPr>
-          <p:cNvPr id="13" name="Image 12">
-            <a:extLst>
-              <a:ext uri="{FF2B5EF4-FFF2-40B4-BE49-F238E27FC236}">
-                <a16:creationId xmlns:a16="http://schemas.microsoft.com/office/drawing/2014/main" id="{BAD1B42D-06AD-4A07-8C98-790580B0F057}"/>
-              </a:ext>
-            </a:extLst>
-          </p:cNvPr>
-          <p:cNvPicPr/>
-          <p:nvPr/>
-        </p:nvPicPr>
-        <p:blipFill>
-          <a:blip r:embed="rId3">
-            <a:extLst>
-              <a:ext uri="{28A0092B-C50C-407E-A947-70E740481C1C}">
-                <a14:useLocalDpi xmlns:a14="http://schemas.microsoft.com/office/drawing/2010/main" val="0"/>
-              </a:ext>
-            </a:extLst>
-          </a:blip>
-          <a:stretch>
-            <a:fillRect/>
-          </a:stretch>
-        </p:blipFill>
-        <p:spPr>
-          <a:xfrm>
-            <a:off x="86492" y="2266130"/>
-            <a:ext cx="5760720" cy="2769870"/>
-          </a:xfrm>
-          <a:prstGeom prst="rect">
-            <a:avLst/>
-          </a:prstGeom>
-        </p:spPr>
-      </p:pic>
-    </p:spTree>
-    <p:extLst>
-      <p:ext uri="{BB962C8B-B14F-4D97-AF65-F5344CB8AC3E}">
-        <p14:creationId xmlns:p14="http://schemas.microsoft.com/office/powerpoint/2010/main" val="2582437949"/>
-      </p:ext>
-    </p:extLst>
-  </p:cSld>
-  <p:clrMapOvr>
-    <a:masterClrMapping/>
-  </p:clrMapOvr>
-</p:sld>
-</file>
-
-<file path=ppt/slides/slide6.xml><?xml version="1.0" encoding="utf-8"?>
-<p:sld xmlns:a="http://schemas.openxmlformats.org/drawingml/2006/main" xmlns:r="http://schemas.openxmlformats.org/officeDocument/2006/relationships" xmlns:p="http://schemas.openxmlformats.org/presentationml/2006/main">
-  <p:cSld>
-    <p:spTree>
-      <p:nvGrpSpPr>
-        <p:cNvPr id="1" name=""/>
-        <p:cNvGrpSpPr/>
-        <p:nvPr/>
-      </p:nvGrpSpPr>
-      <p:grpSpPr>
-        <a:xfrm>
-          <a:off x="0" y="0"/>
-          <a:ext cx="0" cy="0"/>
-          <a:chOff x="0" y="0"/>
-          <a:chExt cx="0" cy="0"/>
-        </a:xfrm>
-      </p:grpSpPr>
-      <p:pic>
-        <p:nvPicPr>
-          <p:cNvPr id="4" name="Image 3">
-            <a:extLst>
-              <a:ext uri="{FF2B5EF4-FFF2-40B4-BE49-F238E27FC236}">
-                <a16:creationId xmlns:a16="http://schemas.microsoft.com/office/drawing/2014/main" id="{96E93A0F-CBAA-4173-BCEE-882C17BD8500}"/>
-              </a:ext>
-            </a:extLst>
-          </p:cNvPr>
-          <p:cNvPicPr>
-            <a:picLocks noChangeAspect="1"/>
-          </p:cNvPicPr>
-          <p:nvPr/>
-        </p:nvPicPr>
-        <p:blipFill rotWithShape="1">
-          <a:blip r:embed="rId2">
-            <a:extLst>
-              <a:ext uri="{28A0092B-C50C-407E-A947-70E740481C1C}">
-                <a14:useLocalDpi xmlns:a14="http://schemas.microsoft.com/office/drawing/2010/main" val="0"/>
-              </a:ext>
-            </a:extLst>
-          </a:blip>
-          <a:srcRect l="285" t="-84" r="48868" b="1210"/>
-          <a:stretch/>
-        </p:blipFill>
-        <p:spPr>
-          <a:xfrm>
-            <a:off x="359080" y="1514792"/>
-            <a:ext cx="4524375" cy="4703305"/>
-          </a:xfrm>
-          <a:prstGeom prst="rect">
-            <a:avLst/>
-          </a:prstGeom>
-        </p:spPr>
-      </p:pic>
-      <p:pic>
-        <p:nvPicPr>
-          <p:cNvPr id="5" name="Image 4">
-            <a:extLst>
-              <a:ext uri="{FF2B5EF4-FFF2-40B4-BE49-F238E27FC236}">
-                <a16:creationId xmlns:a16="http://schemas.microsoft.com/office/drawing/2014/main" id="{445DEDB0-9AD7-4E0D-A9ED-2DC4D588BDE2}"/>
-              </a:ext>
-            </a:extLst>
-          </p:cNvPr>
-          <p:cNvPicPr>
-            <a:picLocks noChangeAspect="1"/>
-          </p:cNvPicPr>
-          <p:nvPr/>
-        </p:nvPicPr>
-        <p:blipFill rotWithShape="1">
-          <a:blip r:embed="rId2">
-            <a:extLst>
-              <a:ext uri="{28A0092B-C50C-407E-A947-70E740481C1C}">
-                <a14:useLocalDpi xmlns:a14="http://schemas.microsoft.com/office/drawing/2010/main" val="0"/>
-              </a:ext>
-            </a:extLst>
-          </a:blip>
-          <a:srcRect l="60133" t="1170" r="606" b="1390"/>
-          <a:stretch/>
-        </p:blipFill>
-        <p:spPr>
-          <a:xfrm>
-            <a:off x="6012491" y="1819928"/>
-            <a:ext cx="3084822" cy="4093032"/>
-          </a:xfrm>
-          <a:prstGeom prst="rect">
-            <a:avLst/>
-          </a:prstGeom>
-        </p:spPr>
-      </p:pic>
-      <p:sp>
-        <p:nvSpPr>
-          <p:cNvPr id="3" name="ZoneTexte 2">
-            <a:extLst>
-              <a:ext uri="{FF2B5EF4-FFF2-40B4-BE49-F238E27FC236}">
-                <a16:creationId xmlns:a16="http://schemas.microsoft.com/office/drawing/2014/main" id="{F14F6C69-4A46-4993-9BB1-8DD65BC43E0B}"/>
-              </a:ext>
-            </a:extLst>
-          </p:cNvPr>
-          <p:cNvSpPr txBox="1"/>
-          <p:nvPr/>
-        </p:nvSpPr>
-        <p:spPr>
-          <a:xfrm>
-            <a:off x="6226025" y="5320798"/>
-            <a:ext cx="3084822" cy="276999"/>
-          </a:xfrm>
-          <a:prstGeom prst="rect">
-            <a:avLst/>
-          </a:prstGeom>
-          <a:noFill/>
-        </p:spPr>
-        <p:txBody>
-          <a:bodyPr wrap="square" rtlCol="0">
-            <a:spAutoFit/>
-          </a:bodyPr>
-          <a:lstStyle/>
-          <a:p>
-            <a:r>
-              <a:rPr lang="fr-FR" sz="1200" i="1" dirty="0"/>
-              <a:t>Montage  du cœur de  LED</a:t>
-            </a:r>
-          </a:p>
-        </p:txBody>
-      </p:sp>
-      <p:grpSp>
-        <p:nvGrpSpPr>
-          <p:cNvPr id="6" name="Groupe 5">
-            <a:extLst>
-              <a:ext uri="{FF2B5EF4-FFF2-40B4-BE49-F238E27FC236}">
-                <a16:creationId xmlns:a16="http://schemas.microsoft.com/office/drawing/2014/main" id="{3F3071B1-3910-4BCF-B36E-46B7EC9F8EFF}"/>
-              </a:ext>
-            </a:extLst>
-          </p:cNvPr>
-          <p:cNvGrpSpPr/>
-          <p:nvPr/>
-        </p:nvGrpSpPr>
-        <p:grpSpPr>
-          <a:xfrm>
-            <a:off x="9680418" y="783893"/>
-            <a:ext cx="2451723" cy="5554831"/>
-            <a:chOff x="9680418" y="783893"/>
-            <a:chExt cx="2451723" cy="5554831"/>
-          </a:xfrm>
-        </p:grpSpPr>
-        <p:sp>
-          <p:nvSpPr>
-            <p:cNvPr id="7" name="ZoneTexte 6">
-              <a:extLst>
-                <a:ext uri="{FF2B5EF4-FFF2-40B4-BE49-F238E27FC236}">
-                  <a16:creationId xmlns:a16="http://schemas.microsoft.com/office/drawing/2014/main" id="{A33185E2-6D38-4206-BEFC-4CAF57EDDEB0}"/>
-                </a:ext>
-              </a:extLst>
-            </p:cNvPr>
-            <p:cNvSpPr txBox="1"/>
-            <p:nvPr/>
-          </p:nvSpPr>
-          <p:spPr>
-            <a:xfrm>
-              <a:off x="9758713" y="783893"/>
-              <a:ext cx="2373428" cy="2800767"/>
-            </a:xfrm>
-            <a:prstGeom prst="rect">
-              <a:avLst/>
-            </a:prstGeom>
-            <a:noFill/>
-          </p:spPr>
-          <p:txBody>
-            <a:bodyPr wrap="square" rtlCol="0">
-              <a:spAutoFit/>
-            </a:bodyPr>
-            <a:lstStyle/>
-            <a:p>
-              <a:r>
-                <a:rPr lang="fr-FR" sz="1200" dirty="0"/>
-                <a:t>Avancement Diapositive:</a:t>
-              </a:r>
-            </a:p>
-            <a:p>
-              <a:pPr marL="400050" indent="-400050">
-                <a:buAutoNum type="romanUcParenR"/>
-              </a:pPr>
-              <a:endParaRPr lang="fr-FR" sz="1200" b="1" dirty="0"/>
-            </a:p>
-            <a:p>
-              <a:pPr marL="400050" indent="-400050">
-                <a:buAutoNum type="romanUcParenR"/>
-              </a:pPr>
-              <a:endParaRPr lang="fr-FR" sz="1200" b="1" dirty="0"/>
-            </a:p>
-            <a:p>
-              <a:pPr marL="400050" indent="-400050">
-                <a:buAutoNum type="romanUcParenR"/>
-              </a:pPr>
-              <a:r>
-                <a:rPr lang="fr-FR" sz="1200" i="1" dirty="0"/>
-                <a:t>Organisation du projet</a:t>
-              </a:r>
-            </a:p>
-            <a:p>
-              <a:pPr marL="400050" indent="-400050">
-                <a:buAutoNum type="romanUcParenR"/>
-              </a:pPr>
-              <a:endParaRPr lang="fr-FR" sz="1200" dirty="0"/>
-            </a:p>
-            <a:p>
-              <a:pPr marL="400050" indent="-400050">
-                <a:buAutoNum type="romanUcParenR"/>
-              </a:pPr>
-              <a:r>
-                <a:rPr lang="fr-FR" sz="1200" b="1" dirty="0"/>
-                <a:t>Présentation des modules</a:t>
-              </a:r>
-            </a:p>
-            <a:p>
-              <a:pPr marL="971550" lvl="1" indent="-514350">
-                <a:buFont typeface="+mj-lt"/>
-                <a:buAutoNum type="alphaLcParenR"/>
-              </a:pPr>
-              <a:r>
-                <a:rPr lang="fr-FR" sz="1100" i="1" dirty="0"/>
-                <a:t>Module 1</a:t>
-              </a:r>
-            </a:p>
-            <a:p>
-              <a:pPr marL="971550" lvl="1" indent="-514350">
-                <a:buFont typeface="+mj-lt"/>
-                <a:buAutoNum type="alphaLcParenR"/>
-              </a:pPr>
-              <a:r>
-                <a:rPr lang="fr-FR" sz="1100" b="1" dirty="0"/>
-                <a:t>Module 2</a:t>
-              </a:r>
-            </a:p>
-            <a:p>
-              <a:pPr marL="971550" lvl="1" indent="-514350">
-                <a:buFont typeface="+mj-lt"/>
-                <a:buAutoNum type="alphaLcParenR"/>
-              </a:pPr>
-              <a:r>
-                <a:rPr lang="fr-FR" sz="1100" i="1" dirty="0"/>
-                <a:t>Module 3</a:t>
-              </a:r>
-            </a:p>
-            <a:p>
-              <a:pPr marL="971550" lvl="1" indent="-514350">
-                <a:buFont typeface="+mj-lt"/>
-                <a:buAutoNum type="alphaLcParenR"/>
-              </a:pPr>
-              <a:r>
-                <a:rPr lang="fr-FR" sz="1100" i="1" dirty="0"/>
-                <a:t>Module 4</a:t>
-              </a:r>
-            </a:p>
-            <a:p>
-              <a:pPr marL="400050" indent="-400050">
-                <a:buAutoNum type="romanUcParenR"/>
-              </a:pPr>
-              <a:endParaRPr lang="fr-FR" sz="1200" i="1" dirty="0"/>
-            </a:p>
-            <a:p>
-              <a:pPr marL="400050" indent="-400050">
-                <a:buAutoNum type="romanUcParenR"/>
-              </a:pPr>
-              <a:r>
-                <a:rPr lang="fr-FR" sz="1200" i="1" dirty="0"/>
-                <a:t>Bilan des modules</a:t>
-              </a:r>
-            </a:p>
-            <a:p>
-              <a:pPr marL="400050" indent="-400050">
-                <a:buAutoNum type="romanUcParenR"/>
-              </a:pPr>
-              <a:endParaRPr lang="fr-FR" sz="1200" i="1" dirty="0"/>
-            </a:p>
-            <a:p>
-              <a:pPr marL="400050" indent="-400050">
-                <a:buAutoNum type="romanUcParenR"/>
-              </a:pPr>
-              <a:r>
-                <a:rPr lang="fr-FR" sz="1200" i="1" dirty="0"/>
-                <a:t>Démonstration des modules</a:t>
-              </a:r>
-            </a:p>
-            <a:p>
-              <a:endParaRPr lang="fr-FR" sz="1200" i="1" dirty="0"/>
-            </a:p>
-          </p:txBody>
-        </p:sp>
-        <p:sp>
-          <p:nvSpPr>
-            <p:cNvPr id="8" name="Rectangle 7">
-              <a:extLst>
-                <a:ext uri="{FF2B5EF4-FFF2-40B4-BE49-F238E27FC236}">
-                  <a16:creationId xmlns:a16="http://schemas.microsoft.com/office/drawing/2014/main" id="{D3B73574-740A-4F87-A0B2-B82AD903FF54}"/>
-                </a:ext>
-              </a:extLst>
-            </p:cNvPr>
-            <p:cNvSpPr/>
-            <p:nvPr/>
-          </p:nvSpPr>
-          <p:spPr>
-            <a:xfrm>
-              <a:off x="9680418" y="783893"/>
-              <a:ext cx="2379215" cy="5554831"/>
-            </a:xfrm>
-            <a:prstGeom prst="rect">
-              <a:avLst/>
-            </a:prstGeom>
-            <a:noFill/>
-            <a:ln>
-              <a:solidFill>
-                <a:schemeClr val="tx1"/>
-              </a:solidFill>
-            </a:ln>
-          </p:spPr>
-          <p:style>
-            <a:lnRef idx="2">
-              <a:schemeClr val="accent1">
-                <a:shade val="50000"/>
-              </a:schemeClr>
-            </a:lnRef>
-            <a:fillRef idx="1">
-              <a:schemeClr val="accent1"/>
-            </a:fillRef>
-            <a:effectRef idx="0">
-              <a:schemeClr val="accent1"/>
-            </a:effectRef>
-            <a:fontRef idx="minor">
-              <a:schemeClr val="lt1"/>
-            </a:fontRef>
-          </p:style>
-          <p:txBody>
-            <a:bodyPr rtlCol="0" anchor="ctr"/>
-            <a:lstStyle/>
-            <a:p>
-              <a:pPr algn="ctr"/>
-              <a:endParaRPr lang="fr-FR" dirty="0"/>
-            </a:p>
-          </p:txBody>
-        </p:sp>
-      </p:grpSp>
-      <p:sp>
-        <p:nvSpPr>
-          <p:cNvPr id="14" name="Titre 1">
-            <a:extLst>
-              <a:ext uri="{FF2B5EF4-FFF2-40B4-BE49-F238E27FC236}">
-                <a16:creationId xmlns:a16="http://schemas.microsoft.com/office/drawing/2014/main" id="{48ABC406-5C34-4BF8-950C-E87E1FEDC07A}"/>
-              </a:ext>
-            </a:extLst>
-          </p:cNvPr>
-          <p:cNvSpPr txBox="1">
-            <a:spLocks/>
-          </p:cNvSpPr>
-          <p:nvPr/>
-        </p:nvSpPr>
-        <p:spPr>
-          <a:xfrm>
-            <a:off x="-304126" y="22485"/>
-            <a:ext cx="10515600" cy="1325563"/>
-          </a:xfrm>
-          <a:prstGeom prst="rect">
-            <a:avLst/>
-          </a:prstGeom>
-        </p:spPr>
-        <p:txBody>
-          <a:bodyPr vert="horz" lIns="91440" tIns="45720" rIns="91440" bIns="45720" rtlCol="0" anchor="ctr">
-            <a:normAutofit/>
-          </a:bodyPr>
-          <a:lstStyle>
-            <a:lvl1pPr algn="l" defTabSz="914400" rtl="0" eaLnBrk="1" latinLnBrk="0" hangingPunct="1">
-              <a:lnSpc>
-                <a:spcPct val="90000"/>
-              </a:lnSpc>
-              <a:spcBef>
-                <a:spcPct val="0"/>
-              </a:spcBef>
-              <a:buNone/>
-              <a:defRPr sz="4400" kern="1200">
-                <a:solidFill>
-                  <a:schemeClr val="tx1"/>
-                </a:solidFill>
-                <a:latin typeface="+mj-lt"/>
-                <a:ea typeface="+mj-ea"/>
-                <a:cs typeface="+mj-cs"/>
-              </a:defRPr>
-            </a:lvl1pPr>
-          </a:lstStyle>
-          <a:p>
-            <a:pPr algn="ctr"/>
-            <a:r>
-              <a:rPr lang="fr-FR" sz="4000" dirty="0"/>
-              <a:t> II) Présentation des modules</a:t>
-            </a:r>
-          </a:p>
-          <a:p>
-            <a:pPr algn="ctr"/>
-            <a:r>
-              <a:rPr lang="fr-FR" sz="2400" dirty="0"/>
-              <a:t>b) Module 2</a:t>
-            </a:r>
-          </a:p>
-        </p:txBody>
-      </p:sp>
-    </p:spTree>
-    <p:extLst>
-      <p:ext uri="{BB962C8B-B14F-4D97-AF65-F5344CB8AC3E}">
-        <p14:creationId xmlns:p14="http://schemas.microsoft.com/office/powerpoint/2010/main" val="1203892518"/>
-      </p:ext>
-    </p:extLst>
-  </p:cSld>
-  <p:clrMapOvr>
-    <a:masterClrMapping/>
-  </p:clrMapOvr>
-</p:sld>
-</file>
-
-<file path=ppt/slides/slide7.xml><?xml version="1.0" encoding="utf-8"?>
-<p:sld xmlns:a="http://schemas.openxmlformats.org/drawingml/2006/main" xmlns:r="http://schemas.openxmlformats.org/officeDocument/2006/relationships" xmlns:p="http://schemas.openxmlformats.org/presentationml/2006/main">
-  <p:cSld>
-    <p:spTree>
-      <p:nvGrpSpPr>
-        <p:cNvPr id="1" name=""/>
-        <p:cNvGrpSpPr/>
-        <p:nvPr/>
-      </p:nvGrpSpPr>
-      <p:grpSpPr>
-        <a:xfrm>
-          <a:off x="0" y="0"/>
-          <a:ext cx="0" cy="0"/>
-          <a:chOff x="0" y="0"/>
-          <a:chExt cx="0" cy="0"/>
-        </a:xfrm>
-      </p:grpSpPr>
-      <p:grpSp>
-        <p:nvGrpSpPr>
-          <p:cNvPr id="4" name="Groupe 3">
-            <a:extLst>
-              <a:ext uri="{FF2B5EF4-FFF2-40B4-BE49-F238E27FC236}">
-                <a16:creationId xmlns:a16="http://schemas.microsoft.com/office/drawing/2014/main" id="{309864C7-E9C1-4D82-BB12-EC0C112B60EB}"/>
-              </a:ext>
-            </a:extLst>
-          </p:cNvPr>
-          <p:cNvGrpSpPr/>
-          <p:nvPr/>
-        </p:nvGrpSpPr>
-        <p:grpSpPr>
-          <a:xfrm>
-            <a:off x="9680418" y="783893"/>
-            <a:ext cx="2451723" cy="5554831"/>
-            <a:chOff x="9680418" y="783893"/>
-            <a:chExt cx="2451723" cy="5554831"/>
-          </a:xfrm>
-        </p:grpSpPr>
-        <p:sp>
-          <p:nvSpPr>
-            <p:cNvPr id="5" name="ZoneTexte 4">
-              <a:extLst>
-                <a:ext uri="{FF2B5EF4-FFF2-40B4-BE49-F238E27FC236}">
-                  <a16:creationId xmlns:a16="http://schemas.microsoft.com/office/drawing/2014/main" id="{DEC87599-5F64-417A-808C-4D8BB7FB81AA}"/>
-                </a:ext>
-              </a:extLst>
-            </p:cNvPr>
-            <p:cNvSpPr txBox="1"/>
-            <p:nvPr/>
-          </p:nvSpPr>
-          <p:spPr>
-            <a:xfrm>
-              <a:off x="9758713" y="783893"/>
-              <a:ext cx="2373428" cy="2800767"/>
-            </a:xfrm>
-            <a:prstGeom prst="rect">
-              <a:avLst/>
-            </a:prstGeom>
-            <a:noFill/>
-          </p:spPr>
-          <p:txBody>
-            <a:bodyPr wrap="square" rtlCol="0">
-              <a:spAutoFit/>
-            </a:bodyPr>
-            <a:lstStyle/>
-            <a:p>
-              <a:r>
-                <a:rPr lang="fr-FR" sz="1200" dirty="0"/>
-                <a:t>Avancement Diapositive:</a:t>
-              </a:r>
-            </a:p>
-            <a:p>
-              <a:pPr marL="400050" indent="-400050">
-                <a:buAutoNum type="romanUcParenR"/>
-              </a:pPr>
-              <a:endParaRPr lang="fr-FR" sz="1200" b="1" dirty="0"/>
-            </a:p>
-            <a:p>
-              <a:pPr marL="400050" indent="-400050">
-                <a:buAutoNum type="romanUcParenR"/>
-              </a:pPr>
-              <a:endParaRPr lang="fr-FR" sz="1200" b="1" dirty="0"/>
-            </a:p>
-            <a:p>
-              <a:pPr marL="400050" indent="-400050">
-                <a:buAutoNum type="romanUcParenR"/>
-              </a:pPr>
-              <a:r>
-                <a:rPr lang="fr-FR" sz="1200" i="1" dirty="0"/>
-                <a:t>Organisation du projet</a:t>
-              </a:r>
-            </a:p>
-            <a:p>
-              <a:pPr marL="400050" indent="-400050">
-                <a:buAutoNum type="romanUcParenR"/>
-              </a:pPr>
-              <a:endParaRPr lang="fr-FR" sz="1200" dirty="0"/>
-            </a:p>
-            <a:p>
-              <a:pPr marL="400050" indent="-400050">
-                <a:buAutoNum type="romanUcParenR"/>
-              </a:pPr>
-              <a:r>
-                <a:rPr lang="fr-FR" sz="1200" b="1" dirty="0"/>
-                <a:t>Présentation des modules</a:t>
-              </a:r>
-            </a:p>
-            <a:p>
-              <a:pPr marL="971550" lvl="1" indent="-514350">
-                <a:buFont typeface="+mj-lt"/>
-                <a:buAutoNum type="alphaLcParenR"/>
-              </a:pPr>
-              <a:r>
-                <a:rPr lang="fr-FR" sz="1100" i="1" dirty="0"/>
-                <a:t>Module 1</a:t>
-              </a:r>
-            </a:p>
-            <a:p>
-              <a:pPr marL="971550" lvl="1" indent="-514350">
-                <a:buFont typeface="+mj-lt"/>
-                <a:buAutoNum type="alphaLcParenR"/>
-              </a:pPr>
-              <a:r>
-                <a:rPr lang="fr-FR" sz="1100" i="1" dirty="0"/>
-                <a:t>Module 2</a:t>
-              </a:r>
-            </a:p>
-            <a:p>
-              <a:pPr marL="971550" lvl="1" indent="-514350">
-                <a:buFont typeface="+mj-lt"/>
-                <a:buAutoNum type="alphaLcParenR"/>
-              </a:pPr>
-              <a:r>
-                <a:rPr lang="fr-FR" sz="1100" b="1" dirty="0"/>
-                <a:t>Module 3</a:t>
-              </a:r>
-            </a:p>
-            <a:p>
-              <a:pPr marL="971550" lvl="1" indent="-514350">
-                <a:buFont typeface="+mj-lt"/>
-                <a:buAutoNum type="alphaLcParenR"/>
-              </a:pPr>
-              <a:r>
-                <a:rPr lang="fr-FR" sz="1100" i="1" dirty="0"/>
-                <a:t>Module 4</a:t>
-              </a:r>
-            </a:p>
-            <a:p>
-              <a:pPr marL="400050" indent="-400050">
-                <a:buAutoNum type="romanUcParenR"/>
-              </a:pPr>
-              <a:endParaRPr lang="fr-FR" sz="1200" i="1" dirty="0"/>
-            </a:p>
-            <a:p>
-              <a:pPr marL="400050" indent="-400050">
-                <a:buAutoNum type="romanUcParenR"/>
-              </a:pPr>
-              <a:r>
-                <a:rPr lang="fr-FR" sz="1200" i="1" dirty="0"/>
-                <a:t>Bilan des modules</a:t>
-              </a:r>
-            </a:p>
-            <a:p>
-              <a:pPr marL="400050" indent="-400050">
-                <a:buAutoNum type="romanUcParenR"/>
-              </a:pPr>
-              <a:endParaRPr lang="fr-FR" sz="1200" i="1" dirty="0"/>
-            </a:p>
-            <a:p>
-              <a:pPr marL="400050" indent="-400050">
-                <a:buAutoNum type="romanUcParenR"/>
-              </a:pPr>
-              <a:r>
-                <a:rPr lang="fr-FR" sz="1200" i="1" dirty="0"/>
-                <a:t>Démonstration des modules</a:t>
-              </a:r>
-            </a:p>
-            <a:p>
-              <a:endParaRPr lang="fr-FR" sz="1200" i="1" dirty="0"/>
-            </a:p>
-          </p:txBody>
-        </p:sp>
-        <p:sp>
-          <p:nvSpPr>
-            <p:cNvPr id="6" name="Rectangle 5">
-              <a:extLst>
-                <a:ext uri="{FF2B5EF4-FFF2-40B4-BE49-F238E27FC236}">
-                  <a16:creationId xmlns:a16="http://schemas.microsoft.com/office/drawing/2014/main" id="{42D334AC-8CF7-4032-BA4C-63E62DD36768}"/>
-                </a:ext>
-              </a:extLst>
-            </p:cNvPr>
-            <p:cNvSpPr/>
-            <p:nvPr/>
-          </p:nvSpPr>
-          <p:spPr>
-            <a:xfrm>
-              <a:off x="9680418" y="783893"/>
-              <a:ext cx="2379215" cy="5554831"/>
-            </a:xfrm>
-            <a:prstGeom prst="rect">
-              <a:avLst/>
-            </a:prstGeom>
-            <a:noFill/>
-            <a:ln>
-              <a:solidFill>
-                <a:schemeClr val="tx1"/>
-              </a:solidFill>
-            </a:ln>
-          </p:spPr>
-          <p:style>
-            <a:lnRef idx="2">
-              <a:schemeClr val="accent1">
-                <a:shade val="50000"/>
-              </a:schemeClr>
-            </a:lnRef>
-            <a:fillRef idx="1">
-              <a:schemeClr val="accent1"/>
-            </a:fillRef>
-            <a:effectRef idx="0">
-              <a:schemeClr val="accent1"/>
-            </a:effectRef>
-            <a:fontRef idx="minor">
-              <a:schemeClr val="lt1"/>
-            </a:fontRef>
-          </p:style>
-          <p:txBody>
-            <a:bodyPr rtlCol="0" anchor="ctr"/>
-            <a:lstStyle/>
-            <a:p>
-              <a:pPr algn="ctr"/>
-              <a:endParaRPr lang="fr-FR" dirty="0"/>
-            </a:p>
-          </p:txBody>
-        </p:sp>
-      </p:grpSp>
-      <p:sp>
-        <p:nvSpPr>
-          <p:cNvPr id="8" name="Titre 1">
-            <a:extLst>
-              <a:ext uri="{FF2B5EF4-FFF2-40B4-BE49-F238E27FC236}">
-                <a16:creationId xmlns:a16="http://schemas.microsoft.com/office/drawing/2014/main" id="{42403171-3CBE-4C6F-B798-5423560EBA31}"/>
-              </a:ext>
-            </a:extLst>
-          </p:cNvPr>
-          <p:cNvSpPr txBox="1">
-            <a:spLocks/>
-          </p:cNvSpPr>
-          <p:nvPr/>
-        </p:nvSpPr>
-        <p:spPr>
-          <a:xfrm>
-            <a:off x="-304126" y="22485"/>
-            <a:ext cx="10515600" cy="1325563"/>
-          </a:xfrm>
-          <a:prstGeom prst="rect">
-            <a:avLst/>
-          </a:prstGeom>
-        </p:spPr>
-        <p:txBody>
-          <a:bodyPr vert="horz" lIns="91440" tIns="45720" rIns="91440" bIns="45720" rtlCol="0" anchor="ctr">
-            <a:normAutofit/>
-          </a:bodyPr>
-          <a:lstStyle>
-            <a:lvl1pPr algn="l" defTabSz="914400" rtl="0" eaLnBrk="1" latinLnBrk="0" hangingPunct="1">
-              <a:lnSpc>
-                <a:spcPct val="90000"/>
-              </a:lnSpc>
-              <a:spcBef>
-                <a:spcPct val="0"/>
-              </a:spcBef>
-              <a:buNone/>
-              <a:defRPr sz="4400" kern="1200">
-                <a:solidFill>
-                  <a:schemeClr val="tx1"/>
-                </a:solidFill>
-                <a:latin typeface="+mj-lt"/>
-                <a:ea typeface="+mj-ea"/>
-                <a:cs typeface="+mj-cs"/>
-              </a:defRPr>
-            </a:lvl1pPr>
-          </a:lstStyle>
-          <a:p>
-            <a:pPr algn="ctr"/>
-            <a:r>
-              <a:rPr lang="fr-FR" sz="4000" dirty="0"/>
-              <a:t> II) Présentation des modules</a:t>
-            </a:r>
-          </a:p>
-          <a:p>
-            <a:pPr algn="ctr"/>
-            <a:r>
-              <a:rPr lang="fr-FR" sz="2400" dirty="0"/>
-              <a:t>c) Module 3</a:t>
-            </a:r>
-          </a:p>
-        </p:txBody>
-      </p:sp>
-      <p:pic>
-        <p:nvPicPr>
-          <p:cNvPr id="3" name="Image 2">
-            <a:extLst>
-              <a:ext uri="{FF2B5EF4-FFF2-40B4-BE49-F238E27FC236}">
-                <a16:creationId xmlns:a16="http://schemas.microsoft.com/office/drawing/2014/main" id="{2A416AA4-E8D4-4ABA-B113-12E53FA03F75}"/>
-              </a:ext>
-            </a:extLst>
-          </p:cNvPr>
-          <p:cNvPicPr>
-            <a:picLocks noChangeAspect="1"/>
-          </p:cNvPicPr>
-          <p:nvPr/>
-        </p:nvPicPr>
-        <p:blipFill>
-          <a:blip r:embed="rId2">
-            <a:extLst>
-              <a:ext uri="{28A0092B-C50C-407E-A947-70E740481C1C}">
-                <a14:useLocalDpi xmlns:a14="http://schemas.microsoft.com/office/drawing/2010/main" val="0"/>
-              </a:ext>
-            </a:extLst>
-          </a:blip>
-          <a:stretch>
-            <a:fillRect/>
-          </a:stretch>
-        </p:blipFill>
-        <p:spPr>
-          <a:xfrm>
-            <a:off x="1233997" y="1245353"/>
-            <a:ext cx="2219418" cy="2219418"/>
-          </a:xfrm>
-          <a:prstGeom prst="rect">
-            <a:avLst/>
-          </a:prstGeom>
-        </p:spPr>
-      </p:pic>
-      <p:sp>
-        <p:nvSpPr>
-          <p:cNvPr id="9" name="ZoneTexte 8">
-            <a:extLst>
-              <a:ext uri="{FF2B5EF4-FFF2-40B4-BE49-F238E27FC236}">
-                <a16:creationId xmlns:a16="http://schemas.microsoft.com/office/drawing/2014/main" id="{DA1F9D4A-4BA9-4860-9EB3-B97B98AFE969}"/>
-              </a:ext>
-            </a:extLst>
-          </p:cNvPr>
-          <p:cNvSpPr txBox="1"/>
-          <p:nvPr/>
-        </p:nvSpPr>
-        <p:spPr>
-          <a:xfrm>
-            <a:off x="3906175" y="1899821"/>
-            <a:ext cx="2219418" cy="1477328"/>
-          </a:xfrm>
-          <a:prstGeom prst="rect">
-            <a:avLst/>
-          </a:prstGeom>
-          <a:noFill/>
-        </p:spPr>
-        <p:txBody>
-          <a:bodyPr wrap="square" rtlCol="0">
-            <a:spAutoFit/>
-          </a:bodyPr>
-          <a:lstStyle/>
-          <a:p>
-            <a:r>
-              <a:rPr lang="fr-FR" b="1" dirty="0" err="1"/>
-              <a:t>Processing</a:t>
-            </a:r>
-            <a:endParaRPr lang="fr-FR" b="1" dirty="0"/>
-          </a:p>
-          <a:p>
-            <a:endParaRPr lang="fr-FR" dirty="0"/>
-          </a:p>
-          <a:p>
-            <a:r>
-              <a:rPr lang="fr-FR" dirty="0"/>
-              <a:t>Interface Arduino/PC</a:t>
-            </a:r>
-          </a:p>
-          <a:p>
-            <a:endParaRPr lang="fr-FR" dirty="0"/>
-          </a:p>
-          <a:p>
-            <a:r>
-              <a:rPr lang="fr-FR" dirty="0"/>
-              <a:t>Fichier CSV</a:t>
-            </a:r>
-          </a:p>
-        </p:txBody>
-      </p:sp>
-    </p:spTree>
-    <p:extLst>
-      <p:ext uri="{BB962C8B-B14F-4D97-AF65-F5344CB8AC3E}">
-        <p14:creationId xmlns:p14="http://schemas.microsoft.com/office/powerpoint/2010/main" val="2048495305"/>
-      </p:ext>
-    </p:extLst>
-  </p:cSld>
-  <p:clrMapOvr>
-    <a:masterClrMapping/>
-  </p:clrMapOvr>
-</p:sld>
-</file>
-
-<file path=ppt/slides/slide8.xml><?xml version="1.0" encoding="utf-8"?>
-<p:sld xmlns:a="http://schemas.openxmlformats.org/drawingml/2006/main" xmlns:r="http://schemas.openxmlformats.org/officeDocument/2006/relationships" xmlns:p="http://schemas.openxmlformats.org/presentationml/2006/main">
-  <p:cSld>
-    <p:spTree>
-      <p:nvGrpSpPr>
-        <p:cNvPr id="1" name=""/>
-        <p:cNvGrpSpPr/>
-        <p:nvPr/>
-      </p:nvGrpSpPr>
-      <p:grpSpPr>
-        <a:xfrm>
-          <a:off x="0" y="0"/>
-          <a:ext cx="0" cy="0"/>
-          <a:chOff x="0" y="0"/>
-          <a:chExt cx="0" cy="0"/>
-        </a:xfrm>
-      </p:grpSpPr>
-      <p:grpSp>
-        <p:nvGrpSpPr>
-          <p:cNvPr id="5" name="Groupe 4">
-            <a:extLst>
-              <a:ext uri="{FF2B5EF4-FFF2-40B4-BE49-F238E27FC236}">
-                <a16:creationId xmlns:a16="http://schemas.microsoft.com/office/drawing/2014/main" id="{53C70ED9-8381-4C86-B0D4-A10EB4D155D1}"/>
-              </a:ext>
-            </a:extLst>
-          </p:cNvPr>
-          <p:cNvGrpSpPr/>
-          <p:nvPr/>
-        </p:nvGrpSpPr>
-        <p:grpSpPr>
-          <a:xfrm>
-            <a:off x="9704767" y="837159"/>
-            <a:ext cx="2379215" cy="5554831"/>
-            <a:chOff x="9680418" y="783893"/>
-            <a:chExt cx="2379215" cy="5554831"/>
-          </a:xfrm>
-        </p:grpSpPr>
-        <p:sp>
-          <p:nvSpPr>
-            <p:cNvPr id="6" name="ZoneTexte 5">
-              <a:extLst>
-                <a:ext uri="{FF2B5EF4-FFF2-40B4-BE49-F238E27FC236}">
-                  <a16:creationId xmlns:a16="http://schemas.microsoft.com/office/drawing/2014/main" id="{AD3A37EC-2A01-4BA8-9970-A97F1BE72E92}"/>
-                </a:ext>
-              </a:extLst>
-            </p:cNvPr>
-            <p:cNvSpPr txBox="1"/>
-            <p:nvPr/>
-          </p:nvSpPr>
-          <p:spPr>
-            <a:xfrm>
-              <a:off x="9686205" y="945207"/>
-              <a:ext cx="2373428" cy="2616101"/>
-            </a:xfrm>
-            <a:prstGeom prst="rect">
-              <a:avLst/>
-            </a:prstGeom>
-            <a:noFill/>
-          </p:spPr>
-          <p:txBody>
-            <a:bodyPr wrap="square" rtlCol="0">
-              <a:spAutoFit/>
-            </a:bodyPr>
-            <a:lstStyle/>
-            <a:p>
-              <a:r>
-                <a:rPr lang="fr-FR" sz="1200" dirty="0"/>
-                <a:t>Avancement Diapositive:</a:t>
-              </a:r>
-            </a:p>
-            <a:p>
-              <a:pPr marL="400050" indent="-400050">
-                <a:buAutoNum type="romanUcParenR"/>
-              </a:pPr>
-              <a:endParaRPr lang="fr-FR" sz="1200" b="1" dirty="0"/>
-            </a:p>
-            <a:p>
-              <a:pPr marL="400050" indent="-400050">
-                <a:buAutoNum type="romanUcParenR"/>
-              </a:pPr>
-              <a:endParaRPr lang="fr-FR" sz="1200" b="1" dirty="0"/>
-            </a:p>
-            <a:p>
-              <a:pPr marL="400050" indent="-400050">
-                <a:buAutoNum type="romanUcParenR"/>
-              </a:pPr>
-              <a:r>
-                <a:rPr lang="fr-FR" sz="1200" i="1" dirty="0"/>
-                <a:t>Organisation du projet</a:t>
-              </a:r>
-            </a:p>
-            <a:p>
-              <a:pPr marL="400050" indent="-400050">
-                <a:buAutoNum type="romanUcParenR"/>
-              </a:pPr>
-              <a:endParaRPr lang="fr-FR" sz="1200" dirty="0"/>
-            </a:p>
-            <a:p>
-              <a:pPr marL="400050" indent="-400050">
-                <a:buAutoNum type="romanUcParenR"/>
-              </a:pPr>
-              <a:r>
-                <a:rPr lang="fr-FR" sz="1200" b="1" dirty="0"/>
-                <a:t>Présentation des modules</a:t>
-              </a:r>
-            </a:p>
-            <a:p>
-              <a:pPr marL="971550" lvl="1" indent="-514350">
-                <a:buFont typeface="+mj-lt"/>
-                <a:buAutoNum type="alphaLcParenR"/>
-              </a:pPr>
-              <a:r>
-                <a:rPr lang="fr-FR" sz="1100" i="1" dirty="0"/>
-                <a:t>Module 1</a:t>
-              </a:r>
-            </a:p>
-            <a:p>
-              <a:pPr marL="971550" lvl="1" indent="-514350">
-                <a:buFont typeface="+mj-lt"/>
-                <a:buAutoNum type="alphaLcParenR"/>
-              </a:pPr>
-              <a:r>
-                <a:rPr lang="fr-FR" sz="1100" i="1" dirty="0"/>
-                <a:t>Module 2</a:t>
-              </a:r>
-            </a:p>
-            <a:p>
-              <a:pPr marL="971550" lvl="1" indent="-514350">
-                <a:buFont typeface="+mj-lt"/>
-                <a:buAutoNum type="alphaLcParenR"/>
-              </a:pPr>
-              <a:r>
-                <a:rPr lang="fr-FR" sz="1100" i="1" dirty="0"/>
-                <a:t>Module 3</a:t>
-              </a:r>
-            </a:p>
-            <a:p>
-              <a:pPr marL="971550" lvl="1" indent="-514350">
-                <a:buFont typeface="+mj-lt"/>
-                <a:buAutoNum type="alphaLcParenR"/>
-              </a:pPr>
-              <a:r>
-                <a:rPr lang="fr-FR" sz="1100" b="1" dirty="0"/>
-                <a:t>Module 4</a:t>
-              </a:r>
-            </a:p>
-            <a:p>
-              <a:pPr marL="400050" indent="-400050">
-                <a:buAutoNum type="romanUcParenR"/>
-              </a:pPr>
-              <a:endParaRPr lang="fr-FR" sz="1200" i="1" dirty="0"/>
-            </a:p>
-            <a:p>
-              <a:pPr marL="400050" indent="-400050">
-                <a:buAutoNum type="romanUcParenR"/>
-              </a:pPr>
-              <a:r>
-                <a:rPr lang="fr-FR" sz="1200" i="1" dirty="0"/>
-                <a:t>Bilan des modules</a:t>
-              </a:r>
-            </a:p>
-            <a:p>
-              <a:pPr marL="400050" indent="-400050">
-                <a:buAutoNum type="romanUcParenR"/>
-              </a:pPr>
-              <a:r>
-                <a:rPr lang="fr-FR" sz="1200" i="1" dirty="0"/>
-                <a:t>Démonstration des modules</a:t>
-              </a:r>
-            </a:p>
-            <a:p>
-              <a:endParaRPr lang="fr-FR" sz="1200" i="1" dirty="0"/>
-            </a:p>
-          </p:txBody>
-        </p:sp>
-        <p:sp>
-          <p:nvSpPr>
-            <p:cNvPr id="7" name="Rectangle 6">
-              <a:extLst>
-                <a:ext uri="{FF2B5EF4-FFF2-40B4-BE49-F238E27FC236}">
-                  <a16:creationId xmlns:a16="http://schemas.microsoft.com/office/drawing/2014/main" id="{F8DA615B-423B-4F53-A96D-069E79FD9917}"/>
-                </a:ext>
-              </a:extLst>
-            </p:cNvPr>
-            <p:cNvSpPr/>
-            <p:nvPr/>
-          </p:nvSpPr>
-          <p:spPr>
-            <a:xfrm>
-              <a:off x="9680418" y="783893"/>
-              <a:ext cx="2379215" cy="5554831"/>
-            </a:xfrm>
-            <a:prstGeom prst="rect">
-              <a:avLst/>
-            </a:prstGeom>
-            <a:noFill/>
-            <a:ln>
-              <a:solidFill>
-                <a:schemeClr val="tx1"/>
-              </a:solidFill>
-            </a:ln>
-          </p:spPr>
-          <p:style>
-            <a:lnRef idx="2">
-              <a:schemeClr val="accent1">
-                <a:shade val="50000"/>
-              </a:schemeClr>
-            </a:lnRef>
-            <a:fillRef idx="1">
-              <a:schemeClr val="accent1"/>
-            </a:fillRef>
-            <a:effectRef idx="0">
-              <a:schemeClr val="accent1"/>
-            </a:effectRef>
-            <a:fontRef idx="minor">
-              <a:schemeClr val="lt1"/>
-            </a:fontRef>
-          </p:style>
-          <p:txBody>
-            <a:bodyPr rtlCol="0" anchor="ctr"/>
-            <a:lstStyle/>
-            <a:p>
-              <a:pPr algn="ctr"/>
-              <a:endParaRPr lang="fr-FR" dirty="0"/>
-            </a:p>
-          </p:txBody>
-        </p:sp>
-      </p:grpSp>
-      <p:sp>
-        <p:nvSpPr>
-          <p:cNvPr id="10" name="Titre 1">
-            <a:extLst>
-              <a:ext uri="{FF2B5EF4-FFF2-40B4-BE49-F238E27FC236}">
-                <a16:creationId xmlns:a16="http://schemas.microsoft.com/office/drawing/2014/main" id="{A2F19B48-42D9-4C3A-B8E9-B6687BF8739E}"/>
-              </a:ext>
-            </a:extLst>
-          </p:cNvPr>
-          <p:cNvSpPr txBox="1">
-            <a:spLocks/>
-          </p:cNvSpPr>
-          <p:nvPr/>
-        </p:nvSpPr>
-        <p:spPr>
-          <a:xfrm>
-            <a:off x="-304126" y="22485"/>
-            <a:ext cx="10515600" cy="1325563"/>
-          </a:xfrm>
-          <a:prstGeom prst="rect">
-            <a:avLst/>
-          </a:prstGeom>
-        </p:spPr>
-        <p:txBody>
-          <a:bodyPr vert="horz" lIns="91440" tIns="45720" rIns="91440" bIns="45720" rtlCol="0" anchor="ctr">
-            <a:normAutofit/>
-          </a:bodyPr>
-          <a:lstStyle>
-            <a:lvl1pPr algn="l" defTabSz="914400" rtl="0" eaLnBrk="1" latinLnBrk="0" hangingPunct="1">
-              <a:lnSpc>
-                <a:spcPct val="90000"/>
-              </a:lnSpc>
-              <a:spcBef>
-                <a:spcPct val="0"/>
-              </a:spcBef>
-              <a:buNone/>
-              <a:defRPr sz="4400" kern="1200">
-                <a:solidFill>
-                  <a:schemeClr val="tx1"/>
-                </a:solidFill>
-                <a:latin typeface="+mj-lt"/>
-                <a:ea typeface="+mj-ea"/>
-                <a:cs typeface="+mj-cs"/>
-              </a:defRPr>
-            </a:lvl1pPr>
-          </a:lstStyle>
-          <a:p>
-            <a:pPr algn="ctr"/>
-            <a:r>
-              <a:rPr lang="fr-FR" sz="4000" dirty="0"/>
-              <a:t> II) Présentation des modules</a:t>
-            </a:r>
-          </a:p>
-          <a:p>
-            <a:pPr algn="ctr"/>
-            <a:r>
-              <a:rPr lang="fr-FR" sz="2400" dirty="0"/>
-              <a:t>d) Module 4</a:t>
-            </a:r>
-          </a:p>
-        </p:txBody>
-      </p:sp>
-      <p:sp>
-        <p:nvSpPr>
-          <p:cNvPr id="11" name="Espace réservé du contenu 2">
-            <a:extLst>
-              <a:ext uri="{FF2B5EF4-FFF2-40B4-BE49-F238E27FC236}">
-                <a16:creationId xmlns:a16="http://schemas.microsoft.com/office/drawing/2014/main" id="{85FB5040-7E15-4CA9-BC9B-4036E3DF773C}"/>
-              </a:ext>
-            </a:extLst>
-          </p:cNvPr>
-          <p:cNvSpPr>
-            <a:spLocks noGrp="1"/>
-          </p:cNvSpPr>
-          <p:nvPr/>
-        </p:nvSpPr>
-        <p:spPr>
-          <a:xfrm>
-            <a:off x="400202" y="1558380"/>
-            <a:ext cx="3653903" cy="795060"/>
-          </a:xfrm>
-          <a:prstGeom prst="rect">
-            <a:avLst/>
-          </a:prstGeom>
-        </p:spPr>
-        <p:txBody>
-          <a:bodyPr vert="horz" lIns="91440" tIns="45720" rIns="91440" bIns="45720" rtlCol="0">
-            <a:normAutofit/>
-          </a:bodyPr>
-          <a:lstStyle>
-            <a:lvl1pPr marL="228600" indent="-228600" algn="l" defTabSz="914400" rtl="0" eaLnBrk="1" latinLnBrk="0" hangingPunct="1">
-              <a:lnSpc>
-                <a:spcPct val="90000"/>
-              </a:lnSpc>
-              <a:spcBef>
-                <a:spcPts val="1000"/>
-              </a:spcBef>
-              <a:buFont typeface="Arial" panose="020B0604020202020204" pitchFamily="34" charset="0"/>
-              <a:buChar char="•"/>
-              <a:defRPr sz="2800" kern="1200">
-                <a:solidFill>
-                  <a:schemeClr val="tx1"/>
-                </a:solidFill>
-                <a:latin typeface="+mn-lt"/>
-                <a:ea typeface="+mn-ea"/>
-                <a:cs typeface="+mn-cs"/>
-              </a:defRPr>
-            </a:lvl1pPr>
-            <a:lvl2pPr marL="685800" indent="-228600" algn="l" defTabSz="914400" rtl="0" eaLnBrk="1" latinLnBrk="0" hangingPunct="1">
-              <a:lnSpc>
-                <a:spcPct val="90000"/>
-              </a:lnSpc>
-              <a:spcBef>
-                <a:spcPts val="500"/>
-              </a:spcBef>
-              <a:buFont typeface="Arial" panose="020B0604020202020204" pitchFamily="34" charset="0"/>
-              <a:buChar char="•"/>
-              <a:defRPr sz="2400" kern="1200">
-                <a:solidFill>
-                  <a:schemeClr val="tx1"/>
-                </a:solidFill>
-                <a:latin typeface="+mn-lt"/>
-                <a:ea typeface="+mn-ea"/>
-                <a:cs typeface="+mn-cs"/>
-              </a:defRPr>
-            </a:lvl2pPr>
-            <a:lvl3pPr marL="1143000" indent="-228600" algn="l" defTabSz="914400" rtl="0" eaLnBrk="1" latinLnBrk="0" hangingPunct="1">
-              <a:lnSpc>
-                <a:spcPct val="90000"/>
-              </a:lnSpc>
-              <a:spcBef>
-                <a:spcPts val="500"/>
-              </a:spcBef>
-              <a:buFont typeface="Arial" panose="020B0604020202020204" pitchFamily="34" charset="0"/>
-              <a:buChar char="•"/>
-              <a:defRPr sz="2000" kern="1200">
-                <a:solidFill>
-                  <a:schemeClr val="tx1"/>
-                </a:solidFill>
-                <a:latin typeface="+mn-lt"/>
-                <a:ea typeface="+mn-ea"/>
-                <a:cs typeface="+mn-cs"/>
-              </a:defRPr>
-            </a:lvl3pPr>
-            <a:lvl4pPr marL="1600200" indent="-228600" algn="l" defTabSz="914400" rtl="0" eaLnBrk="1" latinLnBrk="0" hangingPunct="1">
-              <a:lnSpc>
-                <a:spcPct val="90000"/>
-              </a:lnSpc>
-              <a:spcBef>
-                <a:spcPts val="500"/>
-              </a:spcBef>
-              <a:buFont typeface="Arial" panose="020B0604020202020204" pitchFamily="34" charset="0"/>
-              <a:buChar char="•"/>
-              <a:defRPr sz="1800" kern="1200">
-                <a:solidFill>
-                  <a:schemeClr val="tx1"/>
-                </a:solidFill>
-                <a:latin typeface="+mn-lt"/>
-                <a:ea typeface="+mn-ea"/>
-                <a:cs typeface="+mn-cs"/>
-              </a:defRPr>
-            </a:lvl4pPr>
-            <a:lvl5pPr marL="2057400" indent="-228600" algn="l" defTabSz="914400" rtl="0" eaLnBrk="1" latinLnBrk="0" hangingPunct="1">
-              <a:lnSpc>
-                <a:spcPct val="90000"/>
-              </a:lnSpc>
-              <a:spcBef>
-                <a:spcPts val="500"/>
-              </a:spcBef>
-              <a:buFont typeface="Arial" panose="020B0604020202020204" pitchFamily="34" charset="0"/>
-              <a:buChar char="•"/>
-              <a:defRPr sz="1800" kern="1200">
-                <a:solidFill>
-                  <a:schemeClr val="tx1"/>
-                </a:solidFill>
-                <a:latin typeface="+mn-lt"/>
-                <a:ea typeface="+mn-ea"/>
-                <a:cs typeface="+mn-cs"/>
-              </a:defRPr>
-            </a:lvl5pPr>
-            <a:lvl6pPr marL="2514600" indent="-228600" algn="l" defTabSz="914400" rtl="0" eaLnBrk="1" latinLnBrk="0" hangingPunct="1">
-              <a:lnSpc>
-                <a:spcPct val="90000"/>
-              </a:lnSpc>
-              <a:spcBef>
-                <a:spcPts val="500"/>
-              </a:spcBef>
-              <a:buFont typeface="Arial" panose="020B0604020202020204" pitchFamily="34" charset="0"/>
-              <a:buChar char="•"/>
-              <a:defRPr sz="1800" kern="1200">
-                <a:solidFill>
-                  <a:schemeClr val="tx1"/>
-                </a:solidFill>
-                <a:latin typeface="+mn-lt"/>
-                <a:ea typeface="+mn-ea"/>
-                <a:cs typeface="+mn-cs"/>
-              </a:defRPr>
-            </a:lvl6pPr>
-            <a:lvl7pPr marL="2971800" indent="-228600" algn="l" defTabSz="914400" rtl="0" eaLnBrk="1" latinLnBrk="0" hangingPunct="1">
-              <a:lnSpc>
-                <a:spcPct val="90000"/>
-              </a:lnSpc>
-              <a:spcBef>
-                <a:spcPts val="500"/>
-              </a:spcBef>
-              <a:buFont typeface="Arial" panose="020B0604020202020204" pitchFamily="34" charset="0"/>
-              <a:buChar char="•"/>
-              <a:defRPr sz="1800" kern="1200">
-                <a:solidFill>
-                  <a:schemeClr val="tx1"/>
-                </a:solidFill>
-                <a:latin typeface="+mn-lt"/>
-                <a:ea typeface="+mn-ea"/>
-                <a:cs typeface="+mn-cs"/>
-              </a:defRPr>
-            </a:lvl7pPr>
-            <a:lvl8pPr marL="3429000" indent="-228600" algn="l" defTabSz="914400" rtl="0" eaLnBrk="1" latinLnBrk="0" hangingPunct="1">
-              <a:lnSpc>
-                <a:spcPct val="90000"/>
-              </a:lnSpc>
-              <a:spcBef>
-                <a:spcPts val="500"/>
-              </a:spcBef>
-              <a:buFont typeface="Arial" panose="020B0604020202020204" pitchFamily="34" charset="0"/>
-              <a:buChar char="•"/>
-              <a:defRPr sz="1800" kern="1200">
-                <a:solidFill>
-                  <a:schemeClr val="tx1"/>
-                </a:solidFill>
-                <a:latin typeface="+mn-lt"/>
-                <a:ea typeface="+mn-ea"/>
-                <a:cs typeface="+mn-cs"/>
-              </a:defRPr>
-            </a:lvl8pPr>
-            <a:lvl9pPr marL="3886200" indent="-228600" algn="l" defTabSz="914400" rtl="0" eaLnBrk="1" latinLnBrk="0" hangingPunct="1">
-              <a:lnSpc>
-                <a:spcPct val="90000"/>
-              </a:lnSpc>
-              <a:spcBef>
-                <a:spcPts val="500"/>
-              </a:spcBef>
-              <a:buFont typeface="Arial" panose="020B0604020202020204" pitchFamily="34" charset="0"/>
-              <a:buChar char="•"/>
-              <a:defRPr sz="1800" kern="1200">
-                <a:solidFill>
-                  <a:schemeClr val="tx1"/>
-                </a:solidFill>
-                <a:latin typeface="+mn-lt"/>
-                <a:ea typeface="+mn-ea"/>
-                <a:cs typeface="+mn-cs"/>
-              </a:defRPr>
-            </a:lvl9pPr>
-          </a:lstStyle>
-          <a:p>
-            <a:r>
-              <a:rPr lang="fr-FR" dirty="0"/>
-              <a:t>Organisation du code:</a:t>
-            </a:r>
-          </a:p>
-        </p:txBody>
-      </p:sp>
-      <p:sp>
-        <p:nvSpPr>
-          <p:cNvPr id="12" name="Espace réservé du contenu 2">
-            <a:extLst>
-              <a:ext uri="{FF2B5EF4-FFF2-40B4-BE49-F238E27FC236}">
-                <a16:creationId xmlns:a16="http://schemas.microsoft.com/office/drawing/2014/main" id="{DF5C842F-ED1D-4FFB-8656-74463A06AB1F}"/>
-              </a:ext>
-            </a:extLst>
-          </p:cNvPr>
-          <p:cNvSpPr txBox="1">
-            <a:spLocks/>
-          </p:cNvSpPr>
-          <p:nvPr/>
-        </p:nvSpPr>
-        <p:spPr>
-          <a:xfrm>
-            <a:off x="6096000" y="1457220"/>
-            <a:ext cx="3723444" cy="795060"/>
-          </a:xfrm>
-          <a:prstGeom prst="rect">
-            <a:avLst/>
-          </a:prstGeom>
-        </p:spPr>
-        <p:txBody>
-          <a:bodyPr vert="horz" lIns="91440" tIns="45720" rIns="91440" bIns="45720" rtlCol="0">
-            <a:normAutofit/>
-          </a:bodyPr>
-          <a:lstStyle>
-            <a:defPPr>
-              <a:defRPr lang="fr-FR"/>
-            </a:defPPr>
-            <a:lvl1pPr marL="0" algn="l" defTabSz="914400" rtl="0" eaLnBrk="1" latinLnBrk="0" hangingPunct="1">
-              <a:defRPr sz="1800" kern="1200">
-                <a:solidFill>
-                  <a:schemeClr val="tx1"/>
-                </a:solidFill>
-                <a:latin typeface="+mn-lt"/>
-                <a:ea typeface="+mn-ea"/>
-                <a:cs typeface="+mn-cs"/>
-              </a:defRPr>
-            </a:lvl1pPr>
-            <a:lvl2pPr marL="457200" algn="l" defTabSz="914400" rtl="0" eaLnBrk="1" latinLnBrk="0" hangingPunct="1">
-              <a:defRPr sz="1800" kern="1200">
-                <a:solidFill>
-                  <a:schemeClr val="tx1"/>
-                </a:solidFill>
-                <a:latin typeface="+mn-lt"/>
-                <a:ea typeface="+mn-ea"/>
-                <a:cs typeface="+mn-cs"/>
-              </a:defRPr>
-            </a:lvl2pPr>
-            <a:lvl3pPr marL="914400" algn="l" defTabSz="914400" rtl="0" eaLnBrk="1" latinLnBrk="0" hangingPunct="1">
-              <a:defRPr sz="1800" kern="1200">
-                <a:solidFill>
-                  <a:schemeClr val="tx1"/>
-                </a:solidFill>
-                <a:latin typeface="+mn-lt"/>
-                <a:ea typeface="+mn-ea"/>
-                <a:cs typeface="+mn-cs"/>
-              </a:defRPr>
-            </a:lvl3pPr>
-            <a:lvl4pPr marL="1371600" algn="l" defTabSz="914400" rtl="0" eaLnBrk="1" latinLnBrk="0" hangingPunct="1">
-              <a:defRPr sz="1800" kern="1200">
-                <a:solidFill>
-                  <a:schemeClr val="tx1"/>
-                </a:solidFill>
-                <a:latin typeface="+mn-lt"/>
-                <a:ea typeface="+mn-ea"/>
-                <a:cs typeface="+mn-cs"/>
-              </a:defRPr>
-            </a:lvl4pPr>
-            <a:lvl5pPr marL="1828800" algn="l" defTabSz="914400" rtl="0" eaLnBrk="1" latinLnBrk="0" hangingPunct="1">
-              <a:defRPr sz="1800" kern="1200">
-                <a:solidFill>
-                  <a:schemeClr val="tx1"/>
-                </a:solidFill>
-                <a:latin typeface="+mn-lt"/>
-                <a:ea typeface="+mn-ea"/>
-                <a:cs typeface="+mn-cs"/>
-              </a:defRPr>
-            </a:lvl5pPr>
-            <a:lvl6pPr marL="2286000" algn="l" defTabSz="914400" rtl="0" eaLnBrk="1" latinLnBrk="0" hangingPunct="1">
-              <a:defRPr sz="1800" kern="1200">
-                <a:solidFill>
-                  <a:schemeClr val="tx1"/>
-                </a:solidFill>
-                <a:latin typeface="+mn-lt"/>
-                <a:ea typeface="+mn-ea"/>
-                <a:cs typeface="+mn-cs"/>
-              </a:defRPr>
-            </a:lvl6pPr>
-            <a:lvl7pPr marL="2743200" algn="l" defTabSz="914400" rtl="0" eaLnBrk="1" latinLnBrk="0" hangingPunct="1">
-              <a:defRPr sz="1800" kern="1200">
-                <a:solidFill>
-                  <a:schemeClr val="tx1"/>
-                </a:solidFill>
-                <a:latin typeface="+mn-lt"/>
-                <a:ea typeface="+mn-ea"/>
-                <a:cs typeface="+mn-cs"/>
-              </a:defRPr>
-            </a:lvl7pPr>
-            <a:lvl8pPr marL="3200400" algn="l" defTabSz="914400" rtl="0" eaLnBrk="1" latinLnBrk="0" hangingPunct="1">
-              <a:defRPr sz="1800" kern="1200">
-                <a:solidFill>
-                  <a:schemeClr val="tx1"/>
-                </a:solidFill>
-                <a:latin typeface="+mn-lt"/>
-                <a:ea typeface="+mn-ea"/>
-                <a:cs typeface="+mn-cs"/>
-              </a:defRPr>
-            </a:lvl8pPr>
-            <a:lvl9pPr marL="3657600" algn="l" defTabSz="914400" rtl="0" eaLnBrk="1" latinLnBrk="0" hangingPunct="1">
-              <a:defRPr sz="1800" kern="1200">
-                <a:solidFill>
-                  <a:schemeClr val="tx1"/>
-                </a:solidFill>
-                <a:latin typeface="+mn-lt"/>
-                <a:ea typeface="+mn-ea"/>
-                <a:cs typeface="+mn-cs"/>
-              </a:defRPr>
-            </a:lvl9pPr>
-          </a:lstStyle>
-          <a:p>
-            <a:pPr marL="285750" indent="-285750">
-              <a:buFont typeface="Arial" panose="020B0604020202020204" pitchFamily="34" charset="0"/>
-              <a:buChar char="•"/>
-            </a:pPr>
-            <a:r>
-              <a:rPr lang="fr-FR" sz="2800" dirty="0"/>
-              <a:t>Avis sur le code:</a:t>
-            </a:r>
-          </a:p>
-        </p:txBody>
-      </p:sp>
-      <p:pic>
-        <p:nvPicPr>
-          <p:cNvPr id="16" name="Image 15">
-            <a:extLst>
-              <a:ext uri="{FF2B5EF4-FFF2-40B4-BE49-F238E27FC236}">
-                <a16:creationId xmlns:a16="http://schemas.microsoft.com/office/drawing/2014/main" id="{408C6223-82E3-4AFA-ABB1-7395542FFE3A}"/>
-              </a:ext>
-            </a:extLst>
-          </p:cNvPr>
-          <p:cNvPicPr>
-            <a:picLocks noChangeAspect="1"/>
-          </p:cNvPicPr>
-          <p:nvPr/>
-        </p:nvPicPr>
-        <p:blipFill>
-          <a:blip r:embed="rId2"/>
-          <a:stretch>
-            <a:fillRect/>
-          </a:stretch>
-        </p:blipFill>
-        <p:spPr>
-          <a:xfrm>
-            <a:off x="466210" y="2252280"/>
-            <a:ext cx="3953299" cy="2353439"/>
-          </a:xfrm>
-          <a:prstGeom prst="rect">
-            <a:avLst/>
-          </a:prstGeom>
-        </p:spPr>
-      </p:pic>
-      <p:sp>
-        <p:nvSpPr>
-          <p:cNvPr id="17" name="ZoneTexte 16">
-            <a:extLst>
-              <a:ext uri="{FF2B5EF4-FFF2-40B4-BE49-F238E27FC236}">
-                <a16:creationId xmlns:a16="http://schemas.microsoft.com/office/drawing/2014/main" id="{C92C0DF9-8DD2-42AD-A59D-EB9B33C6F326}"/>
-              </a:ext>
-            </a:extLst>
-          </p:cNvPr>
-          <p:cNvSpPr txBox="1"/>
-          <p:nvPr/>
-        </p:nvSpPr>
-        <p:spPr>
-          <a:xfrm>
-            <a:off x="5305425" y="2252280"/>
-            <a:ext cx="3669247" cy="2585323"/>
-          </a:xfrm>
-          <a:prstGeom prst="rect">
-            <a:avLst/>
-          </a:prstGeom>
-          <a:noFill/>
-        </p:spPr>
-        <p:txBody>
-          <a:bodyPr wrap="square" rtlCol="0">
-            <a:spAutoFit/>
-          </a:bodyPr>
-          <a:lstStyle/>
-          <a:p>
-            <a:r>
-              <a:rPr lang="fr-FR" dirty="0"/>
-              <a:t>Structure:</a:t>
-            </a:r>
-          </a:p>
-          <a:p>
-            <a:pPr marL="342900" indent="-342900">
-              <a:buFont typeface="+mj-lt"/>
-              <a:buAutoNum type="arabicPeriod"/>
-            </a:pPr>
-            <a:r>
-              <a:rPr lang="fr-FR" dirty="0"/>
-              <a:t>Moyen d’améliorer la structure.</a:t>
-            </a:r>
-          </a:p>
-          <a:p>
-            <a:pPr marL="342900" indent="-342900">
-              <a:buFont typeface="+mj-lt"/>
-              <a:buAutoNum type="arabicPeriod"/>
-            </a:pPr>
-            <a:r>
-              <a:rPr lang="fr-FR" dirty="0"/>
-              <a:t>Meilleur programmation défensive.</a:t>
-            </a:r>
-          </a:p>
-          <a:p>
-            <a:pPr marL="342900" indent="-342900">
-              <a:buFont typeface="+mj-lt"/>
-              <a:buAutoNum type="arabicPeriod"/>
-            </a:pPr>
-            <a:endParaRPr lang="fr-FR" dirty="0"/>
-          </a:p>
-          <a:p>
-            <a:r>
-              <a:rPr lang="fr-FR" dirty="0"/>
-              <a:t>Fonctions:</a:t>
-            </a:r>
-          </a:p>
-          <a:p>
-            <a:pPr marL="342900" indent="-342900">
-              <a:buFont typeface="+mj-lt"/>
-              <a:buAutoNum type="arabicPeriod"/>
-            </a:pPr>
-            <a:r>
-              <a:rPr lang="fr-FR" dirty="0"/>
-              <a:t>Fonction ‘’Recherche’’ non réalisé</a:t>
-            </a:r>
-          </a:p>
-          <a:p>
-            <a:pPr marL="342900" indent="-342900">
-              <a:buFont typeface="+mj-lt"/>
-              <a:buAutoNum type="arabicPeriod"/>
-            </a:pPr>
-            <a:r>
-              <a:rPr lang="fr-FR" dirty="0"/>
-              <a:t>Amélioration d’une fonction</a:t>
-            </a:r>
-          </a:p>
-          <a:p>
-            <a:pPr marL="342900" indent="-342900">
-              <a:buFont typeface="+mj-lt"/>
-              <a:buAutoNum type="arabicPeriod"/>
-            </a:pPr>
-            <a:endParaRPr lang="fr-FR" dirty="0"/>
-          </a:p>
-        </p:txBody>
-      </p:sp>
-    </p:spTree>
-    <p:extLst>
-      <p:ext uri="{BB962C8B-B14F-4D97-AF65-F5344CB8AC3E}">
-        <p14:creationId xmlns:p14="http://schemas.microsoft.com/office/powerpoint/2010/main" val="2678246170"/>
-      </p:ext>
-    </p:extLst>
-  </p:cSld>
-  <p:clrMapOvr>
-    <a:masterClrMapping/>
-  </p:clrMapOvr>
-</p:sld>
-</file>
-
-<file path=ppt/slides/slide9.xml><?xml version="1.0" encoding="utf-8"?>
 <p:sld xmlns:a="http://schemas.openxmlformats.org/drawingml/2006/main" xmlns:r="http://schemas.openxmlformats.org/officeDocument/2006/relationships" xmlns:p="http://schemas.openxmlformats.org/presentationml/2006/main">
   <p:cSld>
     <p:spTree>
@@ -8782,6 +5067,4084 @@
 </p:sld>
 </file>
 
+<file path=ppt/slides/slide11.xml><?xml version="1.0" encoding="utf-8"?>
+<p:sld xmlns:a="http://schemas.openxmlformats.org/drawingml/2006/main" xmlns:r="http://schemas.openxmlformats.org/officeDocument/2006/relationships" xmlns:p="http://schemas.openxmlformats.org/presentationml/2006/main">
+  <p:cSld>
+    <p:spTree>
+      <p:nvGrpSpPr>
+        <p:cNvPr id="1" name=""/>
+        <p:cNvGrpSpPr/>
+        <p:nvPr/>
+      </p:nvGrpSpPr>
+      <p:grpSpPr>
+        <a:xfrm>
+          <a:off x="0" y="0"/>
+          <a:ext cx="0" cy="0"/>
+          <a:chOff x="0" y="0"/>
+          <a:chExt cx="0" cy="0"/>
+        </a:xfrm>
+      </p:grpSpPr>
+      <p:sp>
+        <p:nvSpPr>
+          <p:cNvPr id="2" name="Titre 1">
+            <a:extLst>
+              <a:ext uri="{FF2B5EF4-FFF2-40B4-BE49-F238E27FC236}">
+                <a16:creationId xmlns:a16="http://schemas.microsoft.com/office/drawing/2014/main" id="{3DE045EF-6B6A-4766-812D-EC4BD0F4B1CB}"/>
+              </a:ext>
+            </a:extLst>
+          </p:cNvPr>
+          <p:cNvSpPr>
+            <a:spLocks noGrp="1"/>
+          </p:cNvSpPr>
+          <p:nvPr>
+            <p:ph type="title"/>
+          </p:nvPr>
+        </p:nvSpPr>
+        <p:spPr>
+          <a:xfrm>
+            <a:off x="1104530" y="2766218"/>
+            <a:ext cx="9726227" cy="1325563"/>
+          </a:xfrm>
+        </p:spPr>
+        <p:txBody>
+          <a:bodyPr>
+            <a:normAutofit/>
+          </a:bodyPr>
+          <a:lstStyle/>
+          <a:p>
+            <a:pPr algn="ctr"/>
+            <a:r>
+              <a:rPr lang="fr-FR" sz="4000" dirty="0"/>
+              <a:t>IV) Démonstration des modules</a:t>
+            </a:r>
+          </a:p>
+        </p:txBody>
+      </p:sp>
+    </p:spTree>
+    <p:extLst>
+      <p:ext uri="{BB962C8B-B14F-4D97-AF65-F5344CB8AC3E}">
+        <p14:creationId xmlns:p14="http://schemas.microsoft.com/office/powerpoint/2010/main" val="615297589"/>
+      </p:ext>
+    </p:extLst>
+  </p:cSld>
+  <p:clrMapOvr>
+    <a:masterClrMapping/>
+  </p:clrMapOvr>
+</p:sld>
+</file>
+
+<file path=ppt/slides/slide12.xml><?xml version="1.0" encoding="utf-8"?>
+<p:sld xmlns:a="http://schemas.openxmlformats.org/drawingml/2006/main" xmlns:r="http://schemas.openxmlformats.org/officeDocument/2006/relationships" xmlns:p="http://schemas.openxmlformats.org/presentationml/2006/main">
+  <p:cSld>
+    <p:spTree>
+      <p:nvGrpSpPr>
+        <p:cNvPr id="1" name=""/>
+        <p:cNvGrpSpPr/>
+        <p:nvPr/>
+      </p:nvGrpSpPr>
+      <p:grpSpPr>
+        <a:xfrm>
+          <a:off x="0" y="0"/>
+          <a:ext cx="0" cy="0"/>
+          <a:chOff x="0" y="0"/>
+          <a:chExt cx="0" cy="0"/>
+        </a:xfrm>
+      </p:grpSpPr>
+      <p:sp>
+        <p:nvSpPr>
+          <p:cNvPr id="2" name="Titre 1">
+            <a:extLst>
+              <a:ext uri="{FF2B5EF4-FFF2-40B4-BE49-F238E27FC236}">
+                <a16:creationId xmlns:a16="http://schemas.microsoft.com/office/drawing/2014/main" id="{457EB037-F01F-47A7-B5F5-983C07B919BC}"/>
+              </a:ext>
+            </a:extLst>
+          </p:cNvPr>
+          <p:cNvSpPr>
+            <a:spLocks noGrp="1"/>
+          </p:cNvSpPr>
+          <p:nvPr>
+            <p:ph type="title"/>
+          </p:nvPr>
+        </p:nvSpPr>
+        <p:spPr/>
+        <p:txBody>
+          <a:bodyPr>
+            <a:normAutofit fontScale="90000"/>
+          </a:bodyPr>
+          <a:lstStyle/>
+          <a:p>
+            <a:br>
+              <a:rPr lang="fr-FR" sz="4000" dirty="0"/>
+            </a:br>
+            <a:br>
+              <a:rPr lang="fr-FR" sz="4000" dirty="0"/>
+            </a:br>
+            <a:br>
+              <a:rPr lang="fr-FR" sz="4000" dirty="0"/>
+            </a:br>
+            <a:br>
+              <a:rPr lang="fr-FR" sz="4000" dirty="0"/>
+            </a:br>
+            <a:r>
+              <a:rPr lang="fr-FR" sz="4000" dirty="0"/>
+              <a:t>		</a:t>
+            </a:r>
+            <a:br>
+              <a:rPr lang="fr-FR" sz="4000" dirty="0"/>
+            </a:br>
+            <a:r>
+              <a:rPr lang="fr-FR" sz="4000" dirty="0"/>
+              <a:t>		</a:t>
+            </a:r>
+            <a:r>
+              <a:rPr lang="fr-FR" sz="4000" b="1" dirty="0"/>
+              <a:t>MERCI POUR VOTRE ATTENTION</a:t>
+            </a:r>
+            <a:br>
+              <a:rPr lang="fr-FR" sz="4000" dirty="0"/>
+            </a:br>
+            <a:br>
+              <a:rPr lang="fr-FR" sz="4000" dirty="0"/>
+            </a:br>
+            <a:br>
+              <a:rPr lang="fr-FR" sz="4000" dirty="0"/>
+            </a:br>
+            <a:br>
+              <a:rPr lang="fr-FR" sz="4000" dirty="0"/>
+            </a:br>
+            <a:br>
+              <a:rPr lang="fr-FR" sz="4000" dirty="0"/>
+            </a:br>
+            <a:r>
+              <a:rPr lang="fr-FR" sz="4000" dirty="0"/>
+              <a:t>			Des Questions? </a:t>
+            </a:r>
+          </a:p>
+        </p:txBody>
+      </p:sp>
+      <p:grpSp>
+        <p:nvGrpSpPr>
+          <p:cNvPr id="4" name="Groupe 3">
+            <a:extLst>
+              <a:ext uri="{FF2B5EF4-FFF2-40B4-BE49-F238E27FC236}">
+                <a16:creationId xmlns:a16="http://schemas.microsoft.com/office/drawing/2014/main" id="{296BA9D9-A348-40FD-8DD1-B9F22F75D262}"/>
+              </a:ext>
+            </a:extLst>
+          </p:cNvPr>
+          <p:cNvGrpSpPr/>
+          <p:nvPr/>
+        </p:nvGrpSpPr>
+        <p:grpSpPr>
+          <a:xfrm>
+            <a:off x="9680418" y="783893"/>
+            <a:ext cx="2451723" cy="5554831"/>
+            <a:chOff x="9680418" y="783893"/>
+            <a:chExt cx="2451723" cy="5554831"/>
+          </a:xfrm>
+        </p:grpSpPr>
+        <p:sp>
+          <p:nvSpPr>
+            <p:cNvPr id="5" name="ZoneTexte 4">
+              <a:extLst>
+                <a:ext uri="{FF2B5EF4-FFF2-40B4-BE49-F238E27FC236}">
+                  <a16:creationId xmlns:a16="http://schemas.microsoft.com/office/drawing/2014/main" id="{FD6D8AAF-E90F-4758-A7AC-3F2B3A1539A4}"/>
+                </a:ext>
+              </a:extLst>
+            </p:cNvPr>
+            <p:cNvSpPr txBox="1"/>
+            <p:nvPr/>
+          </p:nvSpPr>
+          <p:spPr>
+            <a:xfrm>
+              <a:off x="9758713" y="783893"/>
+              <a:ext cx="2373428" cy="2800767"/>
+            </a:xfrm>
+            <a:prstGeom prst="rect">
+              <a:avLst/>
+            </a:prstGeom>
+            <a:noFill/>
+          </p:spPr>
+          <p:txBody>
+            <a:bodyPr wrap="square" rtlCol="0">
+              <a:spAutoFit/>
+            </a:bodyPr>
+            <a:lstStyle/>
+            <a:p>
+              <a:r>
+                <a:rPr lang="fr-FR" sz="1200" dirty="0"/>
+                <a:t>Avancement Diapositive:</a:t>
+              </a:r>
+            </a:p>
+            <a:p>
+              <a:pPr marL="400050" indent="-400050">
+                <a:buAutoNum type="romanUcParenR"/>
+              </a:pPr>
+              <a:endParaRPr lang="fr-FR" sz="1200" b="1" dirty="0"/>
+            </a:p>
+            <a:p>
+              <a:pPr marL="400050" indent="-400050">
+                <a:buAutoNum type="romanUcParenR"/>
+              </a:pPr>
+              <a:endParaRPr lang="fr-FR" sz="1200" b="1" dirty="0"/>
+            </a:p>
+            <a:p>
+              <a:pPr marL="400050" indent="-400050">
+                <a:buAutoNum type="romanUcParenR"/>
+              </a:pPr>
+              <a:r>
+                <a:rPr lang="fr-FR" sz="1200" i="1" dirty="0"/>
+                <a:t>Organisation du projet</a:t>
+              </a:r>
+            </a:p>
+            <a:p>
+              <a:pPr marL="400050" indent="-400050">
+                <a:buAutoNum type="romanUcParenR"/>
+              </a:pPr>
+              <a:endParaRPr lang="fr-FR" sz="1200" dirty="0"/>
+            </a:p>
+            <a:p>
+              <a:pPr marL="400050" indent="-400050">
+                <a:buAutoNum type="romanUcParenR"/>
+              </a:pPr>
+              <a:r>
+                <a:rPr lang="fr-FR" sz="1200" i="1" dirty="0"/>
+                <a:t>Présentation des modules</a:t>
+              </a:r>
+            </a:p>
+            <a:p>
+              <a:pPr marL="971550" lvl="1" indent="-514350">
+                <a:buFont typeface="+mj-lt"/>
+                <a:buAutoNum type="alphaLcParenR"/>
+              </a:pPr>
+              <a:r>
+                <a:rPr lang="fr-FR" sz="1100" i="1" dirty="0"/>
+                <a:t>Module 1</a:t>
+              </a:r>
+            </a:p>
+            <a:p>
+              <a:pPr marL="971550" lvl="1" indent="-514350">
+                <a:buFont typeface="+mj-lt"/>
+                <a:buAutoNum type="alphaLcParenR"/>
+              </a:pPr>
+              <a:r>
+                <a:rPr lang="fr-FR" sz="1100" i="1" dirty="0"/>
+                <a:t>Module 2</a:t>
+              </a:r>
+            </a:p>
+            <a:p>
+              <a:pPr marL="971550" lvl="1" indent="-514350">
+                <a:buFont typeface="+mj-lt"/>
+                <a:buAutoNum type="alphaLcParenR"/>
+              </a:pPr>
+              <a:r>
+                <a:rPr lang="fr-FR" sz="1100" i="1" dirty="0"/>
+                <a:t>Module 3</a:t>
+              </a:r>
+            </a:p>
+            <a:p>
+              <a:pPr marL="971550" lvl="1" indent="-514350">
+                <a:buFont typeface="+mj-lt"/>
+                <a:buAutoNum type="alphaLcParenR"/>
+              </a:pPr>
+              <a:r>
+                <a:rPr lang="fr-FR" sz="1100" i="1" dirty="0"/>
+                <a:t>Module 4</a:t>
+              </a:r>
+            </a:p>
+            <a:p>
+              <a:pPr lvl="1"/>
+              <a:endParaRPr lang="fr-FR" sz="1200" i="1" dirty="0"/>
+            </a:p>
+            <a:p>
+              <a:pPr marL="400050" indent="-400050">
+                <a:buAutoNum type="romanUcParenR"/>
+              </a:pPr>
+              <a:r>
+                <a:rPr lang="fr-FR" sz="1200" i="1" dirty="0"/>
+                <a:t>Bilan des modules</a:t>
+              </a:r>
+            </a:p>
+            <a:p>
+              <a:pPr marL="400050" indent="-400050">
+                <a:buAutoNum type="romanUcParenR"/>
+              </a:pPr>
+              <a:endParaRPr lang="fr-FR" sz="1200" b="1" i="1" dirty="0"/>
+            </a:p>
+            <a:p>
+              <a:pPr marL="400050" indent="-400050">
+                <a:buAutoNum type="romanUcParenR"/>
+              </a:pPr>
+              <a:r>
+                <a:rPr lang="fr-FR" sz="1200" i="1" dirty="0"/>
+                <a:t>Visualisation direct du projet</a:t>
+              </a:r>
+            </a:p>
+            <a:p>
+              <a:endParaRPr lang="fr-FR" sz="1200" dirty="0"/>
+            </a:p>
+          </p:txBody>
+        </p:sp>
+        <p:sp>
+          <p:nvSpPr>
+            <p:cNvPr id="6" name="Rectangle 5">
+              <a:extLst>
+                <a:ext uri="{FF2B5EF4-FFF2-40B4-BE49-F238E27FC236}">
+                  <a16:creationId xmlns:a16="http://schemas.microsoft.com/office/drawing/2014/main" id="{CF7E21B7-3DBF-41AA-B5BF-E10892D2F1EA}"/>
+                </a:ext>
+              </a:extLst>
+            </p:cNvPr>
+            <p:cNvSpPr/>
+            <p:nvPr/>
+          </p:nvSpPr>
+          <p:spPr>
+            <a:xfrm>
+              <a:off x="9680418" y="783893"/>
+              <a:ext cx="2379215" cy="5554831"/>
+            </a:xfrm>
+            <a:prstGeom prst="rect">
+              <a:avLst/>
+            </a:prstGeom>
+            <a:noFill/>
+            <a:ln>
+              <a:solidFill>
+                <a:schemeClr val="tx1"/>
+              </a:solidFill>
+            </a:ln>
+          </p:spPr>
+          <p:style>
+            <a:lnRef idx="2">
+              <a:schemeClr val="accent1">
+                <a:shade val="50000"/>
+              </a:schemeClr>
+            </a:lnRef>
+            <a:fillRef idx="1">
+              <a:schemeClr val="accent1"/>
+            </a:fillRef>
+            <a:effectRef idx="0">
+              <a:schemeClr val="accent1"/>
+            </a:effectRef>
+            <a:fontRef idx="minor">
+              <a:schemeClr val="lt1"/>
+            </a:fontRef>
+          </p:style>
+          <p:txBody>
+            <a:bodyPr rtlCol="0" anchor="ctr"/>
+            <a:lstStyle/>
+            <a:p>
+              <a:pPr algn="ctr"/>
+              <a:endParaRPr lang="fr-FR" dirty="0"/>
+            </a:p>
+          </p:txBody>
+        </p:sp>
+      </p:grpSp>
+    </p:spTree>
+    <p:extLst>
+      <p:ext uri="{BB962C8B-B14F-4D97-AF65-F5344CB8AC3E}">
+        <p14:creationId xmlns:p14="http://schemas.microsoft.com/office/powerpoint/2010/main" val="1548387988"/>
+      </p:ext>
+    </p:extLst>
+  </p:cSld>
+  <p:clrMapOvr>
+    <a:masterClrMapping/>
+  </p:clrMapOvr>
+</p:sld>
+</file>
+
+<file path=ppt/slides/slide2.xml><?xml version="1.0" encoding="utf-8"?>
+<p:sld xmlns:a="http://schemas.openxmlformats.org/drawingml/2006/main" xmlns:r="http://schemas.openxmlformats.org/officeDocument/2006/relationships" xmlns:p="http://schemas.openxmlformats.org/presentationml/2006/main">
+  <p:cSld>
+    <p:spTree>
+      <p:nvGrpSpPr>
+        <p:cNvPr id="1" name=""/>
+        <p:cNvGrpSpPr/>
+        <p:nvPr/>
+      </p:nvGrpSpPr>
+      <p:grpSpPr>
+        <a:xfrm>
+          <a:off x="0" y="0"/>
+          <a:ext cx="0" cy="0"/>
+          <a:chOff x="0" y="0"/>
+          <a:chExt cx="0" cy="0"/>
+        </a:xfrm>
+      </p:grpSpPr>
+      <p:sp>
+        <p:nvSpPr>
+          <p:cNvPr id="2" name="Titre 1">
+            <a:extLst>
+              <a:ext uri="{FF2B5EF4-FFF2-40B4-BE49-F238E27FC236}">
+                <a16:creationId xmlns:a16="http://schemas.microsoft.com/office/drawing/2014/main" id="{BE6A3094-7DE2-45A9-9BD1-AD103989AE94}"/>
+              </a:ext>
+            </a:extLst>
+          </p:cNvPr>
+          <p:cNvSpPr>
+            <a:spLocks noGrp="1"/>
+          </p:cNvSpPr>
+          <p:nvPr>
+            <p:ph type="title"/>
+          </p:nvPr>
+        </p:nvSpPr>
+        <p:spPr>
+          <a:xfrm>
+            <a:off x="838200" y="403225"/>
+            <a:ext cx="10515600" cy="1325563"/>
+          </a:xfrm>
+        </p:spPr>
+        <p:txBody>
+          <a:bodyPr>
+            <a:normAutofit/>
+          </a:bodyPr>
+          <a:lstStyle/>
+          <a:p>
+            <a:pPr algn="ctr"/>
+            <a:r>
+              <a:rPr lang="fr-FR" sz="5400" dirty="0">
+                <a:latin typeface="Freestyle Script" panose="030804020302050B0404" pitchFamily="66" charset="0"/>
+              </a:rPr>
+              <a:t>Contexte du Projet</a:t>
+            </a:r>
+          </a:p>
+        </p:txBody>
+      </p:sp>
+      <p:pic>
+        <p:nvPicPr>
+          <p:cNvPr id="4" name="Image 3">
+            <a:extLst>
+              <a:ext uri="{FF2B5EF4-FFF2-40B4-BE49-F238E27FC236}">
+                <a16:creationId xmlns:a16="http://schemas.microsoft.com/office/drawing/2014/main" id="{DA515569-7D2D-4F3C-8051-04ACDF883021}"/>
+              </a:ext>
+            </a:extLst>
+          </p:cNvPr>
+          <p:cNvPicPr>
+            <a:picLocks noChangeAspect="1"/>
+          </p:cNvPicPr>
+          <p:nvPr/>
+        </p:nvPicPr>
+        <p:blipFill>
+          <a:blip r:embed="rId2">
+            <a:extLst>
+              <a:ext uri="{28A0092B-C50C-407E-A947-70E740481C1C}">
+                <a14:useLocalDpi xmlns:a14="http://schemas.microsoft.com/office/drawing/2010/main" val="0"/>
+              </a:ext>
+            </a:extLst>
+          </a:blip>
+          <a:stretch>
+            <a:fillRect/>
+          </a:stretch>
+        </p:blipFill>
+        <p:spPr>
+          <a:xfrm>
+            <a:off x="1333500" y="2470383"/>
+            <a:ext cx="3423606" cy="1246770"/>
+          </a:xfrm>
+          <a:prstGeom prst="rect">
+            <a:avLst/>
+          </a:prstGeom>
+        </p:spPr>
+      </p:pic>
+      <p:sp>
+        <p:nvSpPr>
+          <p:cNvPr id="3" name="ZoneTexte 2">
+            <a:extLst>
+              <a:ext uri="{FF2B5EF4-FFF2-40B4-BE49-F238E27FC236}">
+                <a16:creationId xmlns:a16="http://schemas.microsoft.com/office/drawing/2014/main" id="{8A0F63F3-EAB4-426A-90CB-1690CA0424E4}"/>
+              </a:ext>
+            </a:extLst>
+          </p:cNvPr>
+          <p:cNvSpPr txBox="1"/>
+          <p:nvPr/>
+        </p:nvSpPr>
+        <p:spPr>
+          <a:xfrm>
+            <a:off x="6373368" y="2673324"/>
+            <a:ext cx="4599432" cy="1938992"/>
+          </a:xfrm>
+          <a:prstGeom prst="rect">
+            <a:avLst/>
+          </a:prstGeom>
+          <a:noFill/>
+        </p:spPr>
+        <p:txBody>
+          <a:bodyPr wrap="square" rtlCol="0">
+            <a:spAutoFit/>
+          </a:bodyPr>
+          <a:lstStyle/>
+          <a:p>
+            <a:pPr marL="285750" indent="-285750">
+              <a:buFont typeface="Arial" panose="020B0604020202020204" pitchFamily="34" charset="0"/>
+              <a:buChar char="•"/>
+            </a:pPr>
+            <a:r>
+              <a:rPr lang="fr-FR" sz="2400" dirty="0"/>
+              <a:t>Projet de santé prometteur </a:t>
+            </a:r>
+          </a:p>
+          <a:p>
+            <a:pPr marL="285750" indent="-285750">
+              <a:buFont typeface="Arial" panose="020B0604020202020204" pitchFamily="34" charset="0"/>
+              <a:buChar char="•"/>
+            </a:pPr>
+            <a:endParaRPr lang="fr-FR" sz="2400" dirty="0"/>
+          </a:p>
+          <a:p>
+            <a:pPr marL="285750" indent="-285750">
+              <a:buFont typeface="Arial" panose="020B0604020202020204" pitchFamily="34" charset="0"/>
+              <a:buChar char="•"/>
+            </a:pPr>
+            <a:r>
+              <a:rPr lang="fr-FR" sz="2400" dirty="0"/>
+              <a:t>Sabotage</a:t>
+            </a:r>
+          </a:p>
+          <a:p>
+            <a:pPr marL="285750" indent="-285750">
+              <a:buFont typeface="Arial" panose="020B0604020202020204" pitchFamily="34" charset="0"/>
+              <a:buChar char="•"/>
+            </a:pPr>
+            <a:endParaRPr lang="fr-FR" sz="2400" dirty="0"/>
+          </a:p>
+          <a:p>
+            <a:pPr marL="285750" indent="-285750">
+              <a:buFont typeface="Arial" panose="020B0604020202020204" pitchFamily="34" charset="0"/>
+              <a:buChar char="•"/>
+            </a:pPr>
+            <a:r>
+              <a:rPr lang="fr-FR" sz="2400" dirty="0"/>
+              <a:t>Proposition d’aide d’Exia </a:t>
+            </a:r>
+          </a:p>
+        </p:txBody>
+      </p:sp>
+      <p:pic>
+        <p:nvPicPr>
+          <p:cNvPr id="5" name="Image 4">
+            <a:extLst>
+              <a:ext uri="{FF2B5EF4-FFF2-40B4-BE49-F238E27FC236}">
+                <a16:creationId xmlns:a16="http://schemas.microsoft.com/office/drawing/2014/main" id="{9C518AA9-6E9C-463E-BFBD-A3D075C61CD1}"/>
+              </a:ext>
+            </a:extLst>
+          </p:cNvPr>
+          <p:cNvPicPr>
+            <a:picLocks noChangeAspect="1"/>
+          </p:cNvPicPr>
+          <p:nvPr/>
+        </p:nvPicPr>
+        <p:blipFill>
+          <a:blip r:embed="rId3"/>
+          <a:stretch>
+            <a:fillRect/>
+          </a:stretch>
+        </p:blipFill>
+        <p:spPr>
+          <a:xfrm>
+            <a:off x="2005013" y="4176410"/>
+            <a:ext cx="1881188" cy="1046042"/>
+          </a:xfrm>
+          <a:prstGeom prst="rect">
+            <a:avLst/>
+          </a:prstGeom>
+        </p:spPr>
+      </p:pic>
+    </p:spTree>
+    <p:extLst>
+      <p:ext uri="{BB962C8B-B14F-4D97-AF65-F5344CB8AC3E}">
+        <p14:creationId xmlns:p14="http://schemas.microsoft.com/office/powerpoint/2010/main" val="3170070844"/>
+      </p:ext>
+    </p:extLst>
+  </p:cSld>
+  <p:clrMapOvr>
+    <a:masterClrMapping/>
+  </p:clrMapOvr>
+</p:sld>
+</file>
+
+<file path=ppt/slides/slide3.xml><?xml version="1.0" encoding="utf-8"?>
+<p:sld xmlns:a="http://schemas.openxmlformats.org/drawingml/2006/main" xmlns:r="http://schemas.openxmlformats.org/officeDocument/2006/relationships" xmlns:p="http://schemas.openxmlformats.org/presentationml/2006/main">
+  <p:cSld>
+    <p:spTree>
+      <p:nvGrpSpPr>
+        <p:cNvPr id="1" name=""/>
+        <p:cNvGrpSpPr/>
+        <p:nvPr/>
+      </p:nvGrpSpPr>
+      <p:grpSpPr>
+        <a:xfrm>
+          <a:off x="0" y="0"/>
+          <a:ext cx="0" cy="0"/>
+          <a:chOff x="0" y="0"/>
+          <a:chExt cx="0" cy="0"/>
+        </a:xfrm>
+      </p:grpSpPr>
+      <p:sp>
+        <p:nvSpPr>
+          <p:cNvPr id="2" name="Titre 1">
+            <a:extLst>
+              <a:ext uri="{FF2B5EF4-FFF2-40B4-BE49-F238E27FC236}">
+                <a16:creationId xmlns:a16="http://schemas.microsoft.com/office/drawing/2014/main" id="{78F3E729-8EAC-4212-8402-F92B2CF18DE6}"/>
+              </a:ext>
+            </a:extLst>
+          </p:cNvPr>
+          <p:cNvSpPr>
+            <a:spLocks noGrp="1"/>
+          </p:cNvSpPr>
+          <p:nvPr>
+            <p:ph type="title"/>
+          </p:nvPr>
+        </p:nvSpPr>
+        <p:spPr/>
+        <p:txBody>
+          <a:bodyPr>
+            <a:normAutofit/>
+          </a:bodyPr>
+          <a:lstStyle/>
+          <a:p>
+            <a:pPr algn="ctr"/>
+            <a:r>
+              <a:rPr lang="fr-FR" sz="5400" dirty="0">
+                <a:latin typeface="Freestyle Script" panose="030804020302050B0404" pitchFamily="66" charset="0"/>
+              </a:rPr>
+              <a:t>Sommaire</a:t>
+            </a:r>
+            <a:r>
+              <a:rPr lang="fr-FR" sz="5400" dirty="0"/>
+              <a:t> </a:t>
+            </a:r>
+          </a:p>
+        </p:txBody>
+      </p:sp>
+      <p:sp>
+        <p:nvSpPr>
+          <p:cNvPr id="3" name="ZoneTexte 2">
+            <a:extLst>
+              <a:ext uri="{FF2B5EF4-FFF2-40B4-BE49-F238E27FC236}">
+                <a16:creationId xmlns:a16="http://schemas.microsoft.com/office/drawing/2014/main" id="{4BEABE51-8DBF-49E7-8DEF-DA63C7661893}"/>
+              </a:ext>
+            </a:extLst>
+          </p:cNvPr>
+          <p:cNvSpPr txBox="1"/>
+          <p:nvPr/>
+        </p:nvSpPr>
+        <p:spPr>
+          <a:xfrm>
+            <a:off x="1719679" y="1722338"/>
+            <a:ext cx="8752642" cy="4770537"/>
+          </a:xfrm>
+          <a:prstGeom prst="rect">
+            <a:avLst/>
+          </a:prstGeom>
+          <a:noFill/>
+        </p:spPr>
+        <p:txBody>
+          <a:bodyPr wrap="square" rtlCol="0">
+            <a:spAutoFit/>
+          </a:bodyPr>
+          <a:lstStyle/>
+          <a:p>
+            <a:pPr marL="400050" indent="-400050">
+              <a:buAutoNum type="romanUcParenR"/>
+            </a:pPr>
+            <a:r>
+              <a:rPr lang="fr-FR" sz="2800" dirty="0">
+                <a:latin typeface="+mj-lt"/>
+              </a:rPr>
+              <a:t>Organisation du projet</a:t>
+            </a:r>
+          </a:p>
+          <a:p>
+            <a:pPr marL="400050" indent="-400050">
+              <a:buAutoNum type="romanUcParenR"/>
+            </a:pPr>
+            <a:endParaRPr lang="fr-FR" sz="2800" dirty="0">
+              <a:latin typeface="+mj-lt"/>
+            </a:endParaRPr>
+          </a:p>
+          <a:p>
+            <a:pPr marL="400050" indent="-400050">
+              <a:buAutoNum type="romanUcParenR"/>
+            </a:pPr>
+            <a:r>
+              <a:rPr lang="fr-FR" sz="2800" dirty="0">
+                <a:latin typeface="+mj-lt"/>
+              </a:rPr>
+              <a:t>Présentation des modules</a:t>
+            </a:r>
+          </a:p>
+          <a:p>
+            <a:pPr marL="971550" lvl="1" indent="-514350">
+              <a:buFont typeface="+mj-lt"/>
+              <a:buAutoNum type="alphaLcParenR"/>
+            </a:pPr>
+            <a:r>
+              <a:rPr lang="fr-FR" sz="2000" dirty="0">
+                <a:latin typeface="+mj-lt"/>
+              </a:rPr>
+              <a:t>Module 1</a:t>
+            </a:r>
+          </a:p>
+          <a:p>
+            <a:pPr marL="971550" lvl="1" indent="-514350">
+              <a:buFont typeface="+mj-lt"/>
+              <a:buAutoNum type="alphaLcParenR"/>
+            </a:pPr>
+            <a:r>
+              <a:rPr lang="fr-FR" sz="2000" dirty="0">
+                <a:latin typeface="+mj-lt"/>
+              </a:rPr>
+              <a:t>Module 2</a:t>
+            </a:r>
+          </a:p>
+          <a:p>
+            <a:pPr marL="971550" lvl="1" indent="-514350">
+              <a:buFont typeface="+mj-lt"/>
+              <a:buAutoNum type="alphaLcParenR"/>
+            </a:pPr>
+            <a:r>
+              <a:rPr lang="fr-FR" sz="2000" dirty="0">
+                <a:latin typeface="+mj-lt"/>
+              </a:rPr>
+              <a:t>Module 3</a:t>
+            </a:r>
+          </a:p>
+          <a:p>
+            <a:pPr marL="971550" lvl="1" indent="-514350">
+              <a:buFont typeface="+mj-lt"/>
+              <a:buAutoNum type="alphaLcParenR"/>
+            </a:pPr>
+            <a:r>
+              <a:rPr lang="fr-FR" sz="2000" dirty="0">
+                <a:latin typeface="+mj-lt"/>
+              </a:rPr>
+              <a:t>Module 4</a:t>
+            </a:r>
+          </a:p>
+          <a:p>
+            <a:pPr marL="400050" indent="-400050">
+              <a:buAutoNum type="romanUcParenR"/>
+            </a:pPr>
+            <a:endParaRPr lang="fr-FR" sz="2800" dirty="0">
+              <a:latin typeface="+mj-lt"/>
+            </a:endParaRPr>
+          </a:p>
+          <a:p>
+            <a:pPr marL="400050" indent="-400050">
+              <a:buAutoNum type="romanUcParenR"/>
+            </a:pPr>
+            <a:r>
+              <a:rPr lang="fr-FR" sz="2800" dirty="0">
+                <a:latin typeface="+mj-lt"/>
+              </a:rPr>
+              <a:t>Bilan des modules</a:t>
+            </a:r>
+          </a:p>
+          <a:p>
+            <a:pPr marL="400050" indent="-400050">
+              <a:buAutoNum type="romanUcParenR"/>
+            </a:pPr>
+            <a:endParaRPr lang="fr-FR" sz="2800" dirty="0">
+              <a:latin typeface="+mj-lt"/>
+            </a:endParaRPr>
+          </a:p>
+          <a:p>
+            <a:pPr marL="400050" indent="-400050">
+              <a:buAutoNum type="romanUcParenR"/>
+            </a:pPr>
+            <a:r>
+              <a:rPr lang="fr-FR" sz="2800" dirty="0">
+                <a:latin typeface="+mj-lt"/>
+              </a:rPr>
+              <a:t>Démonstration des modules</a:t>
+            </a:r>
+          </a:p>
+          <a:p>
+            <a:endParaRPr lang="fr-FR" sz="2800" dirty="0">
+              <a:latin typeface="+mj-lt"/>
+            </a:endParaRPr>
+          </a:p>
+        </p:txBody>
+      </p:sp>
+    </p:spTree>
+    <p:extLst>
+      <p:ext uri="{BB962C8B-B14F-4D97-AF65-F5344CB8AC3E}">
+        <p14:creationId xmlns:p14="http://schemas.microsoft.com/office/powerpoint/2010/main" val="1447497508"/>
+      </p:ext>
+    </p:extLst>
+  </p:cSld>
+  <p:clrMapOvr>
+    <a:masterClrMapping/>
+  </p:clrMapOvr>
+</p:sld>
+</file>
+
+<file path=ppt/slides/slide4.xml><?xml version="1.0" encoding="utf-8"?>
+<p:sld xmlns:a="http://schemas.openxmlformats.org/drawingml/2006/main" xmlns:r="http://schemas.openxmlformats.org/officeDocument/2006/relationships" xmlns:p="http://schemas.openxmlformats.org/presentationml/2006/main">
+  <p:cSld>
+    <p:spTree>
+      <p:nvGrpSpPr>
+        <p:cNvPr id="1" name=""/>
+        <p:cNvGrpSpPr/>
+        <p:nvPr/>
+      </p:nvGrpSpPr>
+      <p:grpSpPr>
+        <a:xfrm>
+          <a:off x="0" y="0"/>
+          <a:ext cx="0" cy="0"/>
+          <a:chOff x="0" y="0"/>
+          <a:chExt cx="0" cy="0"/>
+        </a:xfrm>
+      </p:grpSpPr>
+      <p:sp>
+        <p:nvSpPr>
+          <p:cNvPr id="2" name="Titre 1">
+            <a:extLst>
+              <a:ext uri="{FF2B5EF4-FFF2-40B4-BE49-F238E27FC236}">
+                <a16:creationId xmlns:a16="http://schemas.microsoft.com/office/drawing/2014/main" id="{D7A5B520-2B4F-4A07-8B93-D9117D6C274B}"/>
+              </a:ext>
+            </a:extLst>
+          </p:cNvPr>
+          <p:cNvSpPr>
+            <a:spLocks noGrp="1"/>
+          </p:cNvSpPr>
+          <p:nvPr>
+            <p:ph type="title"/>
+          </p:nvPr>
+        </p:nvSpPr>
+        <p:spPr>
+          <a:xfrm>
+            <a:off x="-304126" y="22485"/>
+            <a:ext cx="10515600" cy="1325563"/>
+          </a:xfrm>
+        </p:spPr>
+        <p:txBody>
+          <a:bodyPr>
+            <a:normAutofit/>
+          </a:bodyPr>
+          <a:lstStyle/>
+          <a:p>
+            <a:pPr algn="ctr"/>
+            <a:r>
+              <a:rPr lang="fr-FR" sz="4000" dirty="0"/>
+              <a:t> I) Organisation du projet </a:t>
+            </a:r>
+          </a:p>
+        </p:txBody>
+      </p:sp>
+      <p:grpSp>
+        <p:nvGrpSpPr>
+          <p:cNvPr id="15" name="Groupe 14">
+            <a:extLst>
+              <a:ext uri="{FF2B5EF4-FFF2-40B4-BE49-F238E27FC236}">
+                <a16:creationId xmlns:a16="http://schemas.microsoft.com/office/drawing/2014/main" id="{00F80F0D-0D3F-42EC-8150-32A9ECF05937}"/>
+              </a:ext>
+            </a:extLst>
+          </p:cNvPr>
+          <p:cNvGrpSpPr/>
+          <p:nvPr/>
+        </p:nvGrpSpPr>
+        <p:grpSpPr>
+          <a:xfrm>
+            <a:off x="867431" y="1458627"/>
+            <a:ext cx="3403474" cy="2154201"/>
+            <a:chOff x="2340101" y="1408143"/>
+            <a:chExt cx="3403474" cy="2154201"/>
+          </a:xfrm>
+        </p:grpSpPr>
+        <p:sp>
+          <p:nvSpPr>
+            <p:cNvPr id="16" name="Rectangle 15">
+              <a:extLst>
+                <a:ext uri="{FF2B5EF4-FFF2-40B4-BE49-F238E27FC236}">
+                  <a16:creationId xmlns:a16="http://schemas.microsoft.com/office/drawing/2014/main" id="{3C78294C-81DF-4146-B3C4-53FDBD8441F0}"/>
+                </a:ext>
+              </a:extLst>
+            </p:cNvPr>
+            <p:cNvSpPr/>
+            <p:nvPr/>
+          </p:nvSpPr>
+          <p:spPr>
+            <a:xfrm>
+              <a:off x="2340101" y="1408143"/>
+              <a:ext cx="3403474" cy="2154201"/>
+            </a:xfrm>
+            <a:prstGeom prst="rect">
+              <a:avLst/>
+            </a:prstGeom>
+            <a:gradFill>
+              <a:gsLst>
+                <a:gs pos="0">
+                  <a:srgbClr val="FF7979"/>
+                </a:gs>
+                <a:gs pos="50000">
+                  <a:srgbClr val="FF4F4F"/>
+                </a:gs>
+                <a:gs pos="100000">
+                  <a:srgbClr val="FF0000"/>
+                </a:gs>
+              </a:gsLst>
+              <a:lin ang="5400000" scaled="0"/>
+            </a:gradFill>
+            <a:ln>
+              <a:noFill/>
+            </a:ln>
+            <a:effectLst>
+              <a:outerShdw blurRad="50800" dist="38100" dir="2700000" algn="tl" rotWithShape="0">
+                <a:prstClr val="black">
+                  <a:alpha val="40000"/>
+                </a:prstClr>
+              </a:outerShdw>
+              <a:softEdge rad="31750"/>
+            </a:effectLst>
+          </p:spPr>
+          <p:style>
+            <a:lnRef idx="0">
+              <a:schemeClr val="accent2"/>
+            </a:lnRef>
+            <a:fillRef idx="3">
+              <a:schemeClr val="accent2"/>
+            </a:fillRef>
+            <a:effectRef idx="3">
+              <a:schemeClr val="accent2"/>
+            </a:effectRef>
+            <a:fontRef idx="minor">
+              <a:schemeClr val="lt1"/>
+            </a:fontRef>
+          </p:style>
+          <p:txBody>
+            <a:bodyPr rtlCol="0" anchor="ctr"/>
+            <a:lstStyle/>
+            <a:p>
+              <a:pPr algn="ctr"/>
+              <a:endParaRPr lang="fr-FR" dirty="0"/>
+            </a:p>
+          </p:txBody>
+        </p:sp>
+        <p:sp>
+          <p:nvSpPr>
+            <p:cNvPr id="17" name="ZoneTexte 16">
+              <a:extLst>
+                <a:ext uri="{FF2B5EF4-FFF2-40B4-BE49-F238E27FC236}">
+                  <a16:creationId xmlns:a16="http://schemas.microsoft.com/office/drawing/2014/main" id="{18F2B7EB-CA6F-431D-9D34-BE8BB210E064}"/>
+                </a:ext>
+              </a:extLst>
+            </p:cNvPr>
+            <p:cNvSpPr txBox="1"/>
+            <p:nvPr/>
+          </p:nvSpPr>
+          <p:spPr>
+            <a:xfrm>
+              <a:off x="2375322" y="1432047"/>
+              <a:ext cx="3325179" cy="2031325"/>
+            </a:xfrm>
+            <a:prstGeom prst="rect">
+              <a:avLst/>
+            </a:prstGeom>
+            <a:noFill/>
+          </p:spPr>
+          <p:txBody>
+            <a:bodyPr wrap="square" rtlCol="0">
+              <a:spAutoFit/>
+            </a:bodyPr>
+            <a:lstStyle/>
+            <a:p>
+              <a:r>
+                <a:rPr lang="fr-FR" dirty="0">
+                  <a:solidFill>
+                    <a:schemeClr val="bg1"/>
+                  </a:solidFill>
+                </a:rPr>
+                <a:t>Module 1: Cardiofréquencemètre</a:t>
+              </a:r>
+            </a:p>
+            <a:p>
+              <a:endParaRPr lang="fr-FR" dirty="0"/>
+            </a:p>
+            <a:p>
+              <a:endParaRPr lang="fr-FR" dirty="0"/>
+            </a:p>
+            <a:p>
+              <a:pPr algn="ctr"/>
+              <a:r>
+                <a:rPr lang="fr-FR" dirty="0">
+                  <a:solidFill>
+                    <a:schemeClr val="bg1"/>
+                  </a:solidFill>
+                </a:rPr>
+                <a:t>Dispositif du cardio fréquencemètre </a:t>
+              </a:r>
+            </a:p>
+            <a:p>
+              <a:pPr algn="ctr"/>
+              <a:r>
+                <a:rPr lang="fr-FR" dirty="0">
+                  <a:solidFill>
+                    <a:schemeClr val="bg1"/>
+                  </a:solidFill>
+                </a:rPr>
+                <a:t>+ Code Arduino</a:t>
+              </a:r>
+            </a:p>
+            <a:p>
+              <a:endParaRPr lang="fr-FR" dirty="0"/>
+            </a:p>
+          </p:txBody>
+        </p:sp>
+      </p:grpSp>
+      <p:grpSp>
+        <p:nvGrpSpPr>
+          <p:cNvPr id="18" name="Groupe 17">
+            <a:extLst>
+              <a:ext uri="{FF2B5EF4-FFF2-40B4-BE49-F238E27FC236}">
+                <a16:creationId xmlns:a16="http://schemas.microsoft.com/office/drawing/2014/main" id="{AD3F651E-43E7-40A5-B247-38251EC52A2D}"/>
+              </a:ext>
+            </a:extLst>
+          </p:cNvPr>
+          <p:cNvGrpSpPr/>
+          <p:nvPr/>
+        </p:nvGrpSpPr>
+        <p:grpSpPr>
+          <a:xfrm>
+            <a:off x="5606220" y="1482531"/>
+            <a:ext cx="3403474" cy="2154173"/>
+            <a:chOff x="7653527" y="1408143"/>
+            <a:chExt cx="3403474" cy="2154173"/>
+          </a:xfrm>
+        </p:grpSpPr>
+        <p:sp>
+          <p:nvSpPr>
+            <p:cNvPr id="19" name="Rectangle 18">
+              <a:extLst>
+                <a:ext uri="{FF2B5EF4-FFF2-40B4-BE49-F238E27FC236}">
+                  <a16:creationId xmlns:a16="http://schemas.microsoft.com/office/drawing/2014/main" id="{7F273982-6C97-4993-BE39-69A31AFF3083}"/>
+                </a:ext>
+              </a:extLst>
+            </p:cNvPr>
+            <p:cNvSpPr/>
+            <p:nvPr/>
+          </p:nvSpPr>
+          <p:spPr>
+            <a:xfrm>
+              <a:off x="7653527" y="1408143"/>
+              <a:ext cx="3403474" cy="2154173"/>
+            </a:xfrm>
+            <a:prstGeom prst="rect">
+              <a:avLst/>
+            </a:prstGeom>
+            <a:ln/>
+            <a:effectLst>
+              <a:outerShdw blurRad="50800" dist="38100" dir="2700000" algn="tl" rotWithShape="0">
+                <a:prstClr val="black">
+                  <a:alpha val="40000"/>
+                </a:prstClr>
+              </a:outerShdw>
+              <a:softEdge rad="31750"/>
+            </a:effectLst>
+          </p:spPr>
+          <p:style>
+            <a:lnRef idx="0">
+              <a:schemeClr val="accent1"/>
+            </a:lnRef>
+            <a:fillRef idx="3">
+              <a:schemeClr val="accent1"/>
+            </a:fillRef>
+            <a:effectRef idx="3">
+              <a:schemeClr val="accent1"/>
+            </a:effectRef>
+            <a:fontRef idx="minor">
+              <a:schemeClr val="lt1"/>
+            </a:fontRef>
+          </p:style>
+          <p:txBody>
+            <a:bodyPr rtlCol="0" anchor="ctr"/>
+            <a:lstStyle/>
+            <a:p>
+              <a:pPr algn="ctr"/>
+              <a:endParaRPr lang="fr-FR" dirty="0"/>
+            </a:p>
+          </p:txBody>
+        </p:sp>
+        <p:sp>
+          <p:nvSpPr>
+            <p:cNvPr id="20" name="ZoneTexte 19">
+              <a:extLst>
+                <a:ext uri="{FF2B5EF4-FFF2-40B4-BE49-F238E27FC236}">
+                  <a16:creationId xmlns:a16="http://schemas.microsoft.com/office/drawing/2014/main" id="{1885C0AB-DF9B-4D02-A0A9-45607AF118EB}"/>
+                </a:ext>
+              </a:extLst>
+            </p:cNvPr>
+            <p:cNvSpPr txBox="1"/>
+            <p:nvPr/>
+          </p:nvSpPr>
+          <p:spPr>
+            <a:xfrm>
+              <a:off x="7673011" y="1435161"/>
+              <a:ext cx="3305695" cy="2031325"/>
+            </a:xfrm>
+            <a:prstGeom prst="rect">
+              <a:avLst/>
+            </a:prstGeom>
+            <a:noFill/>
+          </p:spPr>
+          <p:txBody>
+            <a:bodyPr wrap="square" rtlCol="0">
+              <a:spAutoFit/>
+            </a:bodyPr>
+            <a:lstStyle/>
+            <a:p>
+              <a:r>
+                <a:rPr lang="fr-FR" dirty="0">
+                  <a:solidFill>
+                    <a:schemeClr val="bg1"/>
+                  </a:solidFill>
+                </a:rPr>
+                <a:t>Module 2: Cœur de LED</a:t>
+              </a:r>
+            </a:p>
+            <a:p>
+              <a:endParaRPr lang="fr-FR" dirty="0"/>
+            </a:p>
+            <a:p>
+              <a:endParaRPr lang="fr-FR" dirty="0"/>
+            </a:p>
+            <a:p>
+              <a:pPr algn="ctr"/>
+              <a:r>
+                <a:rPr lang="fr-FR" dirty="0">
+                  <a:solidFill>
+                    <a:schemeClr val="bg1"/>
+                  </a:solidFill>
+                </a:rPr>
+                <a:t>Visualisation des battements détectées</a:t>
+              </a:r>
+            </a:p>
+            <a:p>
+              <a:pPr algn="ctr"/>
+              <a:r>
+                <a:rPr lang="fr-FR" dirty="0">
+                  <a:solidFill>
+                    <a:schemeClr val="bg1"/>
+                  </a:solidFill>
+                </a:rPr>
+                <a:t>+Code Arduino</a:t>
+              </a:r>
+            </a:p>
+            <a:p>
+              <a:endParaRPr lang="fr-FR" dirty="0"/>
+            </a:p>
+          </p:txBody>
+        </p:sp>
+      </p:grpSp>
+      <p:grpSp>
+        <p:nvGrpSpPr>
+          <p:cNvPr id="21" name="Groupe 20">
+            <a:extLst>
+              <a:ext uri="{FF2B5EF4-FFF2-40B4-BE49-F238E27FC236}">
+                <a16:creationId xmlns:a16="http://schemas.microsoft.com/office/drawing/2014/main" id="{AD1BDA66-5347-4963-9F46-C0C24C09C7CE}"/>
+              </a:ext>
+            </a:extLst>
+          </p:cNvPr>
+          <p:cNvGrpSpPr/>
+          <p:nvPr/>
+        </p:nvGrpSpPr>
+        <p:grpSpPr>
+          <a:xfrm>
+            <a:off x="838200" y="4184551"/>
+            <a:ext cx="3389631" cy="2154174"/>
+            <a:chOff x="2355659" y="4131916"/>
+            <a:chExt cx="3389631" cy="2154174"/>
+          </a:xfrm>
+        </p:grpSpPr>
+        <p:sp>
+          <p:nvSpPr>
+            <p:cNvPr id="22" name="Rectangle 21">
+              <a:extLst>
+                <a:ext uri="{FF2B5EF4-FFF2-40B4-BE49-F238E27FC236}">
+                  <a16:creationId xmlns:a16="http://schemas.microsoft.com/office/drawing/2014/main" id="{45C59CC3-6744-48CD-89BD-ECB9112857DA}"/>
+                </a:ext>
+              </a:extLst>
+            </p:cNvPr>
+            <p:cNvSpPr/>
+            <p:nvPr/>
+          </p:nvSpPr>
+          <p:spPr>
+            <a:xfrm>
+              <a:off x="2355659" y="4131917"/>
+              <a:ext cx="3364506" cy="2154173"/>
+            </a:xfrm>
+            <a:prstGeom prst="rect">
+              <a:avLst/>
+            </a:prstGeom>
+            <a:ln/>
+            <a:effectLst>
+              <a:outerShdw blurRad="50800" dist="38100" dir="2700000" algn="tl" rotWithShape="0">
+                <a:prstClr val="black">
+                  <a:alpha val="40000"/>
+                </a:prstClr>
+              </a:outerShdw>
+              <a:softEdge rad="31750"/>
+            </a:effectLst>
+          </p:spPr>
+          <p:style>
+            <a:lnRef idx="0">
+              <a:schemeClr val="accent6"/>
+            </a:lnRef>
+            <a:fillRef idx="3">
+              <a:schemeClr val="accent6"/>
+            </a:fillRef>
+            <a:effectRef idx="3">
+              <a:schemeClr val="accent6"/>
+            </a:effectRef>
+            <a:fontRef idx="minor">
+              <a:schemeClr val="lt1"/>
+            </a:fontRef>
+          </p:style>
+          <p:txBody>
+            <a:bodyPr rtlCol="0" anchor="ctr"/>
+            <a:lstStyle/>
+            <a:p>
+              <a:pPr algn="ctr"/>
+              <a:endParaRPr lang="fr-FR" dirty="0"/>
+            </a:p>
+          </p:txBody>
+        </p:sp>
+        <p:sp>
+          <p:nvSpPr>
+            <p:cNvPr id="23" name="ZoneTexte 22">
+              <a:extLst>
+                <a:ext uri="{FF2B5EF4-FFF2-40B4-BE49-F238E27FC236}">
+                  <a16:creationId xmlns:a16="http://schemas.microsoft.com/office/drawing/2014/main" id="{411381C7-7918-446E-B4FE-27D37AD8DE1F}"/>
+                </a:ext>
+              </a:extLst>
+            </p:cNvPr>
+            <p:cNvSpPr txBox="1"/>
+            <p:nvPr/>
+          </p:nvSpPr>
+          <p:spPr>
+            <a:xfrm>
+              <a:off x="2375322" y="4131916"/>
+              <a:ext cx="3369968" cy="1754326"/>
+            </a:xfrm>
+            <a:prstGeom prst="rect">
+              <a:avLst/>
+            </a:prstGeom>
+            <a:noFill/>
+          </p:spPr>
+          <p:txBody>
+            <a:bodyPr wrap="square" rtlCol="0">
+              <a:spAutoFit/>
+            </a:bodyPr>
+            <a:lstStyle/>
+            <a:p>
+              <a:r>
+                <a:rPr lang="fr-FR" dirty="0">
+                  <a:solidFill>
+                    <a:schemeClr val="bg1"/>
+                  </a:solidFill>
+                </a:rPr>
+                <a:t>Module 3: Processing</a:t>
+              </a:r>
+            </a:p>
+            <a:p>
+              <a:endParaRPr lang="fr-FR" dirty="0"/>
+            </a:p>
+            <a:p>
+              <a:pPr algn="ctr"/>
+              <a:endParaRPr lang="fr-FR" dirty="0">
+                <a:solidFill>
+                  <a:schemeClr val="bg1"/>
+                </a:solidFill>
+              </a:endParaRPr>
+            </a:p>
+            <a:p>
+              <a:pPr algn="ctr"/>
+              <a:r>
+                <a:rPr lang="fr-FR" dirty="0">
+                  <a:solidFill>
+                    <a:schemeClr val="bg1"/>
+                  </a:solidFill>
+                </a:rPr>
+                <a:t>Sauvegarde des données /</a:t>
+              </a:r>
+            </a:p>
+            <a:p>
+              <a:pPr algn="ctr"/>
+              <a:r>
+                <a:rPr lang="fr-FR" dirty="0">
+                  <a:solidFill>
+                    <a:schemeClr val="bg1"/>
+                  </a:solidFill>
+                </a:rPr>
+                <a:t>Mise sous format csv</a:t>
+              </a:r>
+            </a:p>
+            <a:p>
+              <a:endParaRPr lang="fr-FR" dirty="0"/>
+            </a:p>
+          </p:txBody>
+        </p:sp>
+      </p:grpSp>
+      <p:grpSp>
+        <p:nvGrpSpPr>
+          <p:cNvPr id="24" name="Groupe 23">
+            <a:extLst>
+              <a:ext uri="{FF2B5EF4-FFF2-40B4-BE49-F238E27FC236}">
+                <a16:creationId xmlns:a16="http://schemas.microsoft.com/office/drawing/2014/main" id="{DB85436B-66F9-473C-8ABA-FCFFD4484DFD}"/>
+              </a:ext>
+            </a:extLst>
+          </p:cNvPr>
+          <p:cNvGrpSpPr/>
+          <p:nvPr/>
+        </p:nvGrpSpPr>
+        <p:grpSpPr>
+          <a:xfrm>
+            <a:off x="5581095" y="4184551"/>
+            <a:ext cx="3389631" cy="2308324"/>
+            <a:chOff x="7647886" y="4131916"/>
+            <a:chExt cx="3389631" cy="2308324"/>
+          </a:xfrm>
+        </p:grpSpPr>
+        <p:sp>
+          <p:nvSpPr>
+            <p:cNvPr id="25" name="Rectangle 24">
+              <a:extLst>
+                <a:ext uri="{FF2B5EF4-FFF2-40B4-BE49-F238E27FC236}">
+                  <a16:creationId xmlns:a16="http://schemas.microsoft.com/office/drawing/2014/main" id="{2FFF0DB1-4B50-4CCC-8DCC-A1A20DCB091E}"/>
+                </a:ext>
+              </a:extLst>
+            </p:cNvPr>
+            <p:cNvSpPr/>
+            <p:nvPr/>
+          </p:nvSpPr>
+          <p:spPr>
+            <a:xfrm>
+              <a:off x="7673011" y="4131916"/>
+              <a:ext cx="3364506" cy="2154173"/>
+            </a:xfrm>
+            <a:prstGeom prst="rect">
+              <a:avLst/>
+            </a:prstGeom>
+            <a:ln/>
+            <a:effectLst>
+              <a:outerShdw blurRad="50800" dist="38100" dir="2700000" algn="tl" rotWithShape="0">
+                <a:prstClr val="black">
+                  <a:alpha val="40000"/>
+                </a:prstClr>
+              </a:outerShdw>
+              <a:softEdge rad="31750"/>
+            </a:effectLst>
+          </p:spPr>
+          <p:style>
+            <a:lnRef idx="0">
+              <a:schemeClr val="accent4"/>
+            </a:lnRef>
+            <a:fillRef idx="3">
+              <a:schemeClr val="accent4"/>
+            </a:fillRef>
+            <a:effectRef idx="3">
+              <a:schemeClr val="accent4"/>
+            </a:effectRef>
+            <a:fontRef idx="minor">
+              <a:schemeClr val="lt1"/>
+            </a:fontRef>
+          </p:style>
+          <p:txBody>
+            <a:bodyPr rtlCol="0" anchor="ctr"/>
+            <a:lstStyle/>
+            <a:p>
+              <a:pPr algn="ctr"/>
+              <a:endParaRPr lang="fr-FR" dirty="0"/>
+            </a:p>
+          </p:txBody>
+        </p:sp>
+        <p:sp>
+          <p:nvSpPr>
+            <p:cNvPr id="26" name="ZoneTexte 25">
+              <a:extLst>
+                <a:ext uri="{FF2B5EF4-FFF2-40B4-BE49-F238E27FC236}">
+                  <a16:creationId xmlns:a16="http://schemas.microsoft.com/office/drawing/2014/main" id="{AE889869-A5DF-4250-83AA-C3D8507A9275}"/>
+                </a:ext>
+              </a:extLst>
+            </p:cNvPr>
+            <p:cNvSpPr txBox="1"/>
+            <p:nvPr/>
+          </p:nvSpPr>
+          <p:spPr>
+            <a:xfrm>
+              <a:off x="7647886" y="4131916"/>
+              <a:ext cx="3364506" cy="2308324"/>
+            </a:xfrm>
+            <a:prstGeom prst="rect">
+              <a:avLst/>
+            </a:prstGeom>
+            <a:noFill/>
+          </p:spPr>
+          <p:txBody>
+            <a:bodyPr wrap="square" rtlCol="0">
+              <a:spAutoFit/>
+            </a:bodyPr>
+            <a:lstStyle/>
+            <a:p>
+              <a:r>
+                <a:rPr lang="fr-FR" dirty="0">
+                  <a:solidFill>
+                    <a:schemeClr val="bg1"/>
+                  </a:solidFill>
+                </a:rPr>
+                <a:t>Module 4: Visualisation et Manipulation </a:t>
+              </a:r>
+            </a:p>
+            <a:p>
+              <a:endParaRPr lang="fr-FR" dirty="0">
+                <a:solidFill>
+                  <a:schemeClr val="bg1"/>
+                </a:solidFill>
+              </a:endParaRPr>
+            </a:p>
+            <a:p>
+              <a:pPr algn="ctr"/>
+              <a:r>
+                <a:rPr lang="fr-FR" dirty="0">
+                  <a:solidFill>
+                    <a:schemeClr val="bg1"/>
+                  </a:solidFill>
+                </a:rPr>
+                <a:t>Programmation pour manipuler et visualiser certaines données</a:t>
+              </a:r>
+            </a:p>
+            <a:p>
+              <a:endParaRPr lang="fr-FR" dirty="0">
+                <a:solidFill>
+                  <a:schemeClr val="bg1"/>
+                </a:solidFill>
+              </a:endParaRPr>
+            </a:p>
+            <a:p>
+              <a:endParaRPr lang="fr-FR" dirty="0"/>
+            </a:p>
+            <a:p>
+              <a:endParaRPr lang="fr-FR" dirty="0"/>
+            </a:p>
+          </p:txBody>
+        </p:sp>
+      </p:grpSp>
+      <p:grpSp>
+        <p:nvGrpSpPr>
+          <p:cNvPr id="4" name="Groupe 3">
+            <a:extLst>
+              <a:ext uri="{FF2B5EF4-FFF2-40B4-BE49-F238E27FC236}">
+                <a16:creationId xmlns:a16="http://schemas.microsoft.com/office/drawing/2014/main" id="{CB63E7C4-5B7B-4E40-937B-17BCCD467098}"/>
+              </a:ext>
+            </a:extLst>
+          </p:cNvPr>
+          <p:cNvGrpSpPr/>
+          <p:nvPr/>
+        </p:nvGrpSpPr>
+        <p:grpSpPr>
+          <a:xfrm>
+            <a:off x="9680418" y="783893"/>
+            <a:ext cx="2451723" cy="5554831"/>
+            <a:chOff x="9680418" y="783893"/>
+            <a:chExt cx="2451723" cy="5554831"/>
+          </a:xfrm>
+        </p:grpSpPr>
+        <p:sp>
+          <p:nvSpPr>
+            <p:cNvPr id="27" name="ZoneTexte 26">
+              <a:extLst>
+                <a:ext uri="{FF2B5EF4-FFF2-40B4-BE49-F238E27FC236}">
+                  <a16:creationId xmlns:a16="http://schemas.microsoft.com/office/drawing/2014/main" id="{100DA9DE-40C6-408B-B766-928AEF7786BF}"/>
+                </a:ext>
+              </a:extLst>
+            </p:cNvPr>
+            <p:cNvSpPr txBox="1"/>
+            <p:nvPr/>
+          </p:nvSpPr>
+          <p:spPr>
+            <a:xfrm>
+              <a:off x="9758713" y="783893"/>
+              <a:ext cx="2373428" cy="2800767"/>
+            </a:xfrm>
+            <a:prstGeom prst="rect">
+              <a:avLst/>
+            </a:prstGeom>
+            <a:noFill/>
+          </p:spPr>
+          <p:txBody>
+            <a:bodyPr wrap="square" rtlCol="0">
+              <a:spAutoFit/>
+            </a:bodyPr>
+            <a:lstStyle/>
+            <a:p>
+              <a:r>
+                <a:rPr lang="fr-FR" sz="1200" dirty="0"/>
+                <a:t>Avancement Diapositive:</a:t>
+              </a:r>
+            </a:p>
+            <a:p>
+              <a:pPr marL="400050" indent="-400050">
+                <a:buAutoNum type="romanUcParenR"/>
+              </a:pPr>
+              <a:endParaRPr lang="fr-FR" sz="1200" b="1" dirty="0"/>
+            </a:p>
+            <a:p>
+              <a:pPr marL="400050" indent="-400050">
+                <a:buAutoNum type="romanUcParenR"/>
+              </a:pPr>
+              <a:endParaRPr lang="fr-FR" sz="1200" b="1" dirty="0"/>
+            </a:p>
+            <a:p>
+              <a:pPr marL="400050" indent="-400050">
+                <a:buAutoNum type="romanUcParenR"/>
+              </a:pPr>
+              <a:r>
+                <a:rPr lang="fr-FR" sz="1200" b="1" dirty="0"/>
+                <a:t>Organisation du projet</a:t>
+              </a:r>
+            </a:p>
+            <a:p>
+              <a:pPr marL="400050" indent="-400050">
+                <a:buAutoNum type="romanUcParenR"/>
+              </a:pPr>
+              <a:endParaRPr lang="fr-FR" sz="1200" dirty="0"/>
+            </a:p>
+            <a:p>
+              <a:pPr marL="400050" indent="-400050">
+                <a:buAutoNum type="romanUcParenR"/>
+              </a:pPr>
+              <a:r>
+                <a:rPr lang="fr-FR" sz="1200" i="1" dirty="0"/>
+                <a:t>Présentation des modules</a:t>
+              </a:r>
+            </a:p>
+            <a:p>
+              <a:pPr marL="971550" lvl="1" indent="-514350">
+                <a:buFont typeface="+mj-lt"/>
+                <a:buAutoNum type="alphaLcParenR"/>
+              </a:pPr>
+              <a:r>
+                <a:rPr lang="fr-FR" sz="1100" i="1" dirty="0"/>
+                <a:t>Module 1</a:t>
+              </a:r>
+            </a:p>
+            <a:p>
+              <a:pPr marL="971550" lvl="1" indent="-514350">
+                <a:buFont typeface="+mj-lt"/>
+                <a:buAutoNum type="alphaLcParenR"/>
+              </a:pPr>
+              <a:r>
+                <a:rPr lang="fr-FR" sz="1100" i="1" dirty="0"/>
+                <a:t>Module 2</a:t>
+              </a:r>
+            </a:p>
+            <a:p>
+              <a:pPr marL="971550" lvl="1" indent="-514350">
+                <a:buFont typeface="+mj-lt"/>
+                <a:buAutoNum type="alphaLcParenR"/>
+              </a:pPr>
+              <a:r>
+                <a:rPr lang="fr-FR" sz="1100" i="1" dirty="0"/>
+                <a:t>Module 3</a:t>
+              </a:r>
+            </a:p>
+            <a:p>
+              <a:pPr marL="971550" lvl="1" indent="-514350">
+                <a:buFont typeface="+mj-lt"/>
+                <a:buAutoNum type="alphaLcParenR"/>
+              </a:pPr>
+              <a:r>
+                <a:rPr lang="fr-FR" sz="1100" i="1" dirty="0"/>
+                <a:t>Module 4</a:t>
+              </a:r>
+            </a:p>
+            <a:p>
+              <a:pPr marL="400050" indent="-400050">
+                <a:buAutoNum type="romanUcParenR"/>
+              </a:pPr>
+              <a:endParaRPr lang="fr-FR" sz="1200" i="1" dirty="0"/>
+            </a:p>
+            <a:p>
+              <a:pPr marL="400050" indent="-400050">
+                <a:buAutoNum type="romanUcParenR"/>
+              </a:pPr>
+              <a:r>
+                <a:rPr lang="fr-FR" sz="1200" i="1" dirty="0"/>
+                <a:t>Bilan des modules</a:t>
+              </a:r>
+            </a:p>
+            <a:p>
+              <a:pPr marL="400050" indent="-400050">
+                <a:buAutoNum type="romanUcParenR"/>
+              </a:pPr>
+              <a:endParaRPr lang="fr-FR" sz="1200" i="1" dirty="0"/>
+            </a:p>
+            <a:p>
+              <a:pPr marL="400050" indent="-400050">
+                <a:buAutoNum type="romanUcParenR"/>
+              </a:pPr>
+              <a:r>
+                <a:rPr lang="fr-FR" sz="1200" i="1" dirty="0"/>
+                <a:t>Démonstration des modules</a:t>
+              </a:r>
+            </a:p>
+            <a:p>
+              <a:endParaRPr lang="fr-FR" sz="1200" i="1" dirty="0"/>
+            </a:p>
+          </p:txBody>
+        </p:sp>
+        <p:sp>
+          <p:nvSpPr>
+            <p:cNvPr id="3" name="Rectangle 2">
+              <a:extLst>
+                <a:ext uri="{FF2B5EF4-FFF2-40B4-BE49-F238E27FC236}">
+                  <a16:creationId xmlns:a16="http://schemas.microsoft.com/office/drawing/2014/main" id="{CE0F541B-DD61-4FA8-87CD-72A6405CB2FF}"/>
+                </a:ext>
+              </a:extLst>
+            </p:cNvPr>
+            <p:cNvSpPr/>
+            <p:nvPr/>
+          </p:nvSpPr>
+          <p:spPr>
+            <a:xfrm>
+              <a:off x="9680418" y="783893"/>
+              <a:ext cx="2379215" cy="5554831"/>
+            </a:xfrm>
+            <a:prstGeom prst="rect">
+              <a:avLst/>
+            </a:prstGeom>
+            <a:noFill/>
+            <a:ln>
+              <a:solidFill>
+                <a:schemeClr val="tx1"/>
+              </a:solidFill>
+            </a:ln>
+          </p:spPr>
+          <p:style>
+            <a:lnRef idx="2">
+              <a:schemeClr val="accent1">
+                <a:shade val="50000"/>
+              </a:schemeClr>
+            </a:lnRef>
+            <a:fillRef idx="1">
+              <a:schemeClr val="accent1"/>
+            </a:fillRef>
+            <a:effectRef idx="0">
+              <a:schemeClr val="accent1"/>
+            </a:effectRef>
+            <a:fontRef idx="minor">
+              <a:schemeClr val="lt1"/>
+            </a:fontRef>
+          </p:style>
+          <p:txBody>
+            <a:bodyPr rtlCol="0" anchor="ctr"/>
+            <a:lstStyle/>
+            <a:p>
+              <a:pPr algn="ctr"/>
+              <a:endParaRPr lang="fr-FR" dirty="0"/>
+            </a:p>
+          </p:txBody>
+        </p:sp>
+      </p:grpSp>
+    </p:spTree>
+    <p:extLst>
+      <p:ext uri="{BB962C8B-B14F-4D97-AF65-F5344CB8AC3E}">
+        <p14:creationId xmlns:p14="http://schemas.microsoft.com/office/powerpoint/2010/main" val="2031645628"/>
+      </p:ext>
+    </p:extLst>
+  </p:cSld>
+  <p:clrMapOvr>
+    <a:masterClrMapping/>
+  </p:clrMapOvr>
+</p:sld>
+</file>
+
+<file path=ppt/slides/slide5.xml><?xml version="1.0" encoding="utf-8"?>
+<p:sld xmlns:a="http://schemas.openxmlformats.org/drawingml/2006/main" xmlns:r="http://schemas.openxmlformats.org/officeDocument/2006/relationships" xmlns:p="http://schemas.openxmlformats.org/presentationml/2006/main">
+  <p:cSld>
+    <p:spTree>
+      <p:nvGrpSpPr>
+        <p:cNvPr id="1" name=""/>
+        <p:cNvGrpSpPr/>
+        <p:nvPr/>
+      </p:nvGrpSpPr>
+      <p:grpSpPr>
+        <a:xfrm>
+          <a:off x="0" y="0"/>
+          <a:ext cx="0" cy="0"/>
+          <a:chOff x="0" y="0"/>
+          <a:chExt cx="0" cy="0"/>
+        </a:xfrm>
+      </p:grpSpPr>
+      <p:pic>
+        <p:nvPicPr>
+          <p:cNvPr id="5" name="Espace réservé du contenu 4">
+            <a:extLst>
+              <a:ext uri="{FF2B5EF4-FFF2-40B4-BE49-F238E27FC236}">
+                <a16:creationId xmlns:a16="http://schemas.microsoft.com/office/drawing/2014/main" id="{1E9EA255-BDA7-4EFA-A18D-4BD344CB30CC}"/>
+              </a:ext>
+            </a:extLst>
+          </p:cNvPr>
+          <p:cNvPicPr>
+            <a:picLocks noGrp="1" noChangeAspect="1"/>
+          </p:cNvPicPr>
+          <p:nvPr>
+            <p:ph idx="1"/>
+          </p:nvPr>
+        </p:nvPicPr>
+        <p:blipFill>
+          <a:blip r:embed="rId2">
+            <a:extLst>
+              <a:ext uri="{28A0092B-C50C-407E-A947-70E740481C1C}">
+                <a14:useLocalDpi xmlns:a14="http://schemas.microsoft.com/office/drawing/2010/main" val="0"/>
+              </a:ext>
+            </a:extLst>
+          </a:blip>
+          <a:stretch>
+            <a:fillRect/>
+          </a:stretch>
+        </p:blipFill>
+        <p:spPr>
+          <a:xfrm>
+            <a:off x="6277253" y="1889205"/>
+            <a:ext cx="2866748" cy="4439040"/>
+          </a:xfrm>
+        </p:spPr>
+      </p:pic>
+      <p:sp>
+        <p:nvSpPr>
+          <p:cNvPr id="6" name="ZoneTexte 5">
+            <a:extLst>
+              <a:ext uri="{FF2B5EF4-FFF2-40B4-BE49-F238E27FC236}">
+                <a16:creationId xmlns:a16="http://schemas.microsoft.com/office/drawing/2014/main" id="{B726EDAA-0B35-46F2-8E17-CBA3E2CBB965}"/>
+              </a:ext>
+            </a:extLst>
+          </p:cNvPr>
+          <p:cNvSpPr txBox="1"/>
+          <p:nvPr/>
+        </p:nvSpPr>
+        <p:spPr>
+          <a:xfrm>
+            <a:off x="6578353" y="1393794"/>
+            <a:ext cx="2840855" cy="646331"/>
+          </a:xfrm>
+          <a:prstGeom prst="rect">
+            <a:avLst/>
+          </a:prstGeom>
+          <a:noFill/>
+        </p:spPr>
+        <p:txBody>
+          <a:bodyPr wrap="square" rtlCol="0">
+            <a:spAutoFit/>
+          </a:bodyPr>
+          <a:lstStyle/>
+          <a:p>
+            <a:r>
+              <a:rPr lang="fr-FR" dirty="0"/>
+              <a:t>Code Arduino</a:t>
+            </a:r>
+          </a:p>
+          <a:p>
+            <a:endParaRPr lang="fr-FR" dirty="0"/>
+          </a:p>
+        </p:txBody>
+      </p:sp>
+      <p:sp>
+        <p:nvSpPr>
+          <p:cNvPr id="7" name="ZoneTexte 6">
+            <a:extLst>
+              <a:ext uri="{FF2B5EF4-FFF2-40B4-BE49-F238E27FC236}">
+                <a16:creationId xmlns:a16="http://schemas.microsoft.com/office/drawing/2014/main" id="{0B55CE87-B3E6-4D8A-B81A-C8A53C4DA052}"/>
+              </a:ext>
+            </a:extLst>
+          </p:cNvPr>
+          <p:cNvSpPr txBox="1"/>
+          <p:nvPr/>
+        </p:nvSpPr>
+        <p:spPr>
+          <a:xfrm>
+            <a:off x="1216241" y="1393794"/>
+            <a:ext cx="2866748" cy="646331"/>
+          </a:xfrm>
+          <a:prstGeom prst="rect">
+            <a:avLst/>
+          </a:prstGeom>
+          <a:noFill/>
+        </p:spPr>
+        <p:txBody>
+          <a:bodyPr wrap="square" rtlCol="0">
+            <a:spAutoFit/>
+          </a:bodyPr>
+          <a:lstStyle/>
+          <a:p>
+            <a:r>
+              <a:rPr lang="fr-FR" dirty="0"/>
+              <a:t>Montage</a:t>
+            </a:r>
+          </a:p>
+          <a:p>
+            <a:endParaRPr lang="fr-FR" dirty="0"/>
+          </a:p>
+        </p:txBody>
+      </p:sp>
+      <p:grpSp>
+        <p:nvGrpSpPr>
+          <p:cNvPr id="9" name="Groupe 8">
+            <a:extLst>
+              <a:ext uri="{FF2B5EF4-FFF2-40B4-BE49-F238E27FC236}">
+                <a16:creationId xmlns:a16="http://schemas.microsoft.com/office/drawing/2014/main" id="{76B53B8A-CE4E-4013-881C-78FB087A962D}"/>
+              </a:ext>
+            </a:extLst>
+          </p:cNvPr>
+          <p:cNvGrpSpPr/>
+          <p:nvPr/>
+        </p:nvGrpSpPr>
+        <p:grpSpPr>
+          <a:xfrm>
+            <a:off x="9653785" y="773414"/>
+            <a:ext cx="2451723" cy="5554831"/>
+            <a:chOff x="9680418" y="783893"/>
+            <a:chExt cx="2451723" cy="5554831"/>
+          </a:xfrm>
+        </p:grpSpPr>
+        <p:sp>
+          <p:nvSpPr>
+            <p:cNvPr id="10" name="ZoneTexte 9">
+              <a:extLst>
+                <a:ext uri="{FF2B5EF4-FFF2-40B4-BE49-F238E27FC236}">
+                  <a16:creationId xmlns:a16="http://schemas.microsoft.com/office/drawing/2014/main" id="{9C4AA679-DEEE-4E41-91B6-B4F369E77D8E}"/>
+                </a:ext>
+              </a:extLst>
+            </p:cNvPr>
+            <p:cNvSpPr txBox="1"/>
+            <p:nvPr/>
+          </p:nvSpPr>
+          <p:spPr>
+            <a:xfrm>
+              <a:off x="9758713" y="783893"/>
+              <a:ext cx="2373428" cy="2800767"/>
+            </a:xfrm>
+            <a:prstGeom prst="rect">
+              <a:avLst/>
+            </a:prstGeom>
+            <a:noFill/>
+          </p:spPr>
+          <p:txBody>
+            <a:bodyPr wrap="square" rtlCol="0">
+              <a:spAutoFit/>
+            </a:bodyPr>
+            <a:lstStyle/>
+            <a:p>
+              <a:r>
+                <a:rPr lang="fr-FR" sz="1200" dirty="0"/>
+                <a:t>Avancement Diapositive:</a:t>
+              </a:r>
+            </a:p>
+            <a:p>
+              <a:pPr marL="400050" indent="-400050">
+                <a:buAutoNum type="romanUcParenR"/>
+              </a:pPr>
+              <a:endParaRPr lang="fr-FR" sz="1200" b="1" dirty="0"/>
+            </a:p>
+            <a:p>
+              <a:pPr marL="400050" indent="-400050">
+                <a:buAutoNum type="romanUcParenR"/>
+              </a:pPr>
+              <a:endParaRPr lang="fr-FR" sz="1200" b="1" dirty="0"/>
+            </a:p>
+            <a:p>
+              <a:pPr marL="400050" indent="-400050">
+                <a:buAutoNum type="romanUcParenR"/>
+              </a:pPr>
+              <a:r>
+                <a:rPr lang="fr-FR" sz="1200" i="1" dirty="0"/>
+                <a:t>Organisation du projet</a:t>
+              </a:r>
+            </a:p>
+            <a:p>
+              <a:pPr marL="400050" indent="-400050">
+                <a:buAutoNum type="romanUcParenR"/>
+              </a:pPr>
+              <a:endParaRPr lang="fr-FR" sz="1200" dirty="0"/>
+            </a:p>
+            <a:p>
+              <a:pPr marL="400050" indent="-400050">
+                <a:buAutoNum type="romanUcParenR"/>
+              </a:pPr>
+              <a:r>
+                <a:rPr lang="fr-FR" sz="1200" b="1" dirty="0"/>
+                <a:t>Présentation des modules</a:t>
+              </a:r>
+            </a:p>
+            <a:p>
+              <a:pPr marL="971550" lvl="1" indent="-514350">
+                <a:buFont typeface="+mj-lt"/>
+                <a:buAutoNum type="alphaLcParenR"/>
+              </a:pPr>
+              <a:r>
+                <a:rPr lang="fr-FR" sz="1100" b="1" dirty="0"/>
+                <a:t>Module 1</a:t>
+              </a:r>
+            </a:p>
+            <a:p>
+              <a:pPr marL="971550" lvl="1" indent="-514350">
+                <a:buFont typeface="+mj-lt"/>
+                <a:buAutoNum type="alphaLcParenR"/>
+              </a:pPr>
+              <a:r>
+                <a:rPr lang="fr-FR" sz="1100" i="1" dirty="0"/>
+                <a:t>Module 2</a:t>
+              </a:r>
+            </a:p>
+            <a:p>
+              <a:pPr marL="971550" lvl="1" indent="-514350">
+                <a:buFont typeface="+mj-lt"/>
+                <a:buAutoNum type="alphaLcParenR"/>
+              </a:pPr>
+              <a:r>
+                <a:rPr lang="fr-FR" sz="1100" i="1" dirty="0"/>
+                <a:t>Module 3</a:t>
+              </a:r>
+            </a:p>
+            <a:p>
+              <a:pPr marL="971550" lvl="1" indent="-514350">
+                <a:buFont typeface="+mj-lt"/>
+                <a:buAutoNum type="alphaLcParenR"/>
+              </a:pPr>
+              <a:r>
+                <a:rPr lang="fr-FR" sz="1100" i="1" dirty="0"/>
+                <a:t>Module 4</a:t>
+              </a:r>
+            </a:p>
+            <a:p>
+              <a:pPr marL="400050" indent="-400050">
+                <a:buAutoNum type="romanUcParenR"/>
+              </a:pPr>
+              <a:endParaRPr lang="fr-FR" sz="1200" i="1" dirty="0"/>
+            </a:p>
+            <a:p>
+              <a:pPr marL="400050" indent="-400050">
+                <a:buAutoNum type="romanUcParenR"/>
+              </a:pPr>
+              <a:r>
+                <a:rPr lang="fr-FR" sz="1200" i="1" dirty="0"/>
+                <a:t>Bilan des modules</a:t>
+              </a:r>
+            </a:p>
+            <a:p>
+              <a:pPr marL="400050" indent="-400050">
+                <a:buAutoNum type="romanUcParenR"/>
+              </a:pPr>
+              <a:endParaRPr lang="fr-FR" sz="1200" i="1" dirty="0"/>
+            </a:p>
+            <a:p>
+              <a:pPr marL="400050" indent="-400050">
+                <a:buFontTx/>
+                <a:buAutoNum type="romanUcParenR"/>
+              </a:pPr>
+              <a:r>
+                <a:rPr lang="fr-FR" sz="1200" i="1" dirty="0"/>
+                <a:t>Visualisation direct du projet</a:t>
+              </a:r>
+            </a:p>
+            <a:p>
+              <a:endParaRPr lang="fr-FR" sz="1200" i="1" dirty="0"/>
+            </a:p>
+          </p:txBody>
+        </p:sp>
+        <p:sp>
+          <p:nvSpPr>
+            <p:cNvPr id="11" name="Rectangle 10">
+              <a:extLst>
+                <a:ext uri="{FF2B5EF4-FFF2-40B4-BE49-F238E27FC236}">
+                  <a16:creationId xmlns:a16="http://schemas.microsoft.com/office/drawing/2014/main" id="{77F2145F-B31D-4DF7-A801-91456748F98C}"/>
+                </a:ext>
+              </a:extLst>
+            </p:cNvPr>
+            <p:cNvSpPr/>
+            <p:nvPr/>
+          </p:nvSpPr>
+          <p:spPr>
+            <a:xfrm>
+              <a:off x="9680418" y="783893"/>
+              <a:ext cx="2379215" cy="5554831"/>
+            </a:xfrm>
+            <a:prstGeom prst="rect">
+              <a:avLst/>
+            </a:prstGeom>
+            <a:noFill/>
+            <a:ln>
+              <a:solidFill>
+                <a:schemeClr val="tx1"/>
+              </a:solidFill>
+            </a:ln>
+          </p:spPr>
+          <p:style>
+            <a:lnRef idx="2">
+              <a:schemeClr val="accent1">
+                <a:shade val="50000"/>
+              </a:schemeClr>
+            </a:lnRef>
+            <a:fillRef idx="1">
+              <a:schemeClr val="accent1"/>
+            </a:fillRef>
+            <a:effectRef idx="0">
+              <a:schemeClr val="accent1"/>
+            </a:effectRef>
+            <a:fontRef idx="minor">
+              <a:schemeClr val="lt1"/>
+            </a:fontRef>
+          </p:style>
+          <p:txBody>
+            <a:bodyPr rtlCol="0" anchor="ctr"/>
+            <a:lstStyle/>
+            <a:p>
+              <a:pPr algn="ctr"/>
+              <a:endParaRPr lang="fr-FR" dirty="0"/>
+            </a:p>
+          </p:txBody>
+        </p:sp>
+      </p:grpSp>
+      <p:sp>
+        <p:nvSpPr>
+          <p:cNvPr id="12" name="Titre 1">
+            <a:extLst>
+              <a:ext uri="{FF2B5EF4-FFF2-40B4-BE49-F238E27FC236}">
+                <a16:creationId xmlns:a16="http://schemas.microsoft.com/office/drawing/2014/main" id="{5C9E374B-4953-41A1-BAD8-0BD18B3F3EEF}"/>
+              </a:ext>
+            </a:extLst>
+          </p:cNvPr>
+          <p:cNvSpPr txBox="1">
+            <a:spLocks/>
+          </p:cNvSpPr>
+          <p:nvPr/>
+        </p:nvSpPr>
+        <p:spPr>
+          <a:xfrm>
+            <a:off x="-304126" y="22485"/>
+            <a:ext cx="10515600" cy="1325563"/>
+          </a:xfrm>
+          <a:prstGeom prst="rect">
+            <a:avLst/>
+          </a:prstGeom>
+        </p:spPr>
+        <p:txBody>
+          <a:bodyPr vert="horz" lIns="91440" tIns="45720" rIns="91440" bIns="45720" rtlCol="0" anchor="ctr">
+            <a:normAutofit/>
+          </a:bodyPr>
+          <a:lstStyle>
+            <a:lvl1pPr algn="l" defTabSz="914400" rtl="0" eaLnBrk="1" latinLnBrk="0" hangingPunct="1">
+              <a:lnSpc>
+                <a:spcPct val="90000"/>
+              </a:lnSpc>
+              <a:spcBef>
+                <a:spcPct val="0"/>
+              </a:spcBef>
+              <a:buNone/>
+              <a:defRPr sz="4400" kern="1200">
+                <a:solidFill>
+                  <a:schemeClr val="tx1"/>
+                </a:solidFill>
+                <a:latin typeface="+mj-lt"/>
+                <a:ea typeface="+mj-ea"/>
+                <a:cs typeface="+mj-cs"/>
+              </a:defRPr>
+            </a:lvl1pPr>
+          </a:lstStyle>
+          <a:p>
+            <a:pPr algn="ctr"/>
+            <a:r>
+              <a:rPr lang="fr-FR" sz="4000" dirty="0"/>
+              <a:t> II) Présentation des modules</a:t>
+            </a:r>
+          </a:p>
+          <a:p>
+            <a:pPr algn="ctr"/>
+            <a:r>
+              <a:rPr lang="fr-FR" sz="2400" dirty="0"/>
+              <a:t>a) Module 1</a:t>
+            </a:r>
+          </a:p>
+        </p:txBody>
+      </p:sp>
+      <p:pic>
+        <p:nvPicPr>
+          <p:cNvPr id="13" name="Image 12">
+            <a:extLst>
+              <a:ext uri="{FF2B5EF4-FFF2-40B4-BE49-F238E27FC236}">
+                <a16:creationId xmlns:a16="http://schemas.microsoft.com/office/drawing/2014/main" id="{BAD1B42D-06AD-4A07-8C98-790580B0F057}"/>
+              </a:ext>
+            </a:extLst>
+          </p:cNvPr>
+          <p:cNvPicPr/>
+          <p:nvPr/>
+        </p:nvPicPr>
+        <p:blipFill>
+          <a:blip r:embed="rId3">
+            <a:extLst>
+              <a:ext uri="{28A0092B-C50C-407E-A947-70E740481C1C}">
+                <a14:useLocalDpi xmlns:a14="http://schemas.microsoft.com/office/drawing/2010/main" val="0"/>
+              </a:ext>
+            </a:extLst>
+          </a:blip>
+          <a:stretch>
+            <a:fillRect/>
+          </a:stretch>
+        </p:blipFill>
+        <p:spPr>
+          <a:xfrm>
+            <a:off x="86492" y="2266130"/>
+            <a:ext cx="5760720" cy="2769870"/>
+          </a:xfrm>
+          <a:prstGeom prst="rect">
+            <a:avLst/>
+          </a:prstGeom>
+        </p:spPr>
+      </p:pic>
+    </p:spTree>
+    <p:extLst>
+      <p:ext uri="{BB962C8B-B14F-4D97-AF65-F5344CB8AC3E}">
+        <p14:creationId xmlns:p14="http://schemas.microsoft.com/office/powerpoint/2010/main" val="2582437949"/>
+      </p:ext>
+    </p:extLst>
+  </p:cSld>
+  <p:clrMapOvr>
+    <a:masterClrMapping/>
+  </p:clrMapOvr>
+</p:sld>
+</file>
+
+<file path=ppt/slides/slide6.xml><?xml version="1.0" encoding="utf-8"?>
+<p:sld xmlns:a="http://schemas.openxmlformats.org/drawingml/2006/main" xmlns:r="http://schemas.openxmlformats.org/officeDocument/2006/relationships" xmlns:p="http://schemas.openxmlformats.org/presentationml/2006/main">
+  <p:cSld>
+    <p:spTree>
+      <p:nvGrpSpPr>
+        <p:cNvPr id="1" name=""/>
+        <p:cNvGrpSpPr/>
+        <p:nvPr/>
+      </p:nvGrpSpPr>
+      <p:grpSpPr>
+        <a:xfrm>
+          <a:off x="0" y="0"/>
+          <a:ext cx="0" cy="0"/>
+          <a:chOff x="0" y="0"/>
+          <a:chExt cx="0" cy="0"/>
+        </a:xfrm>
+      </p:grpSpPr>
+      <p:pic>
+        <p:nvPicPr>
+          <p:cNvPr id="4" name="Image 3">
+            <a:extLst>
+              <a:ext uri="{FF2B5EF4-FFF2-40B4-BE49-F238E27FC236}">
+                <a16:creationId xmlns:a16="http://schemas.microsoft.com/office/drawing/2014/main" id="{96E93A0F-CBAA-4173-BCEE-882C17BD8500}"/>
+              </a:ext>
+            </a:extLst>
+          </p:cNvPr>
+          <p:cNvPicPr>
+            <a:picLocks noChangeAspect="1"/>
+          </p:cNvPicPr>
+          <p:nvPr/>
+        </p:nvPicPr>
+        <p:blipFill rotWithShape="1">
+          <a:blip r:embed="rId2">
+            <a:extLst>
+              <a:ext uri="{28A0092B-C50C-407E-A947-70E740481C1C}">
+                <a14:useLocalDpi xmlns:a14="http://schemas.microsoft.com/office/drawing/2010/main" val="0"/>
+              </a:ext>
+            </a:extLst>
+          </a:blip>
+          <a:srcRect l="285" t="-84" r="48868" b="1210"/>
+          <a:stretch/>
+        </p:blipFill>
+        <p:spPr>
+          <a:xfrm>
+            <a:off x="359080" y="1514792"/>
+            <a:ext cx="4524375" cy="4703305"/>
+          </a:xfrm>
+          <a:prstGeom prst="rect">
+            <a:avLst/>
+          </a:prstGeom>
+        </p:spPr>
+      </p:pic>
+      <p:pic>
+        <p:nvPicPr>
+          <p:cNvPr id="5" name="Image 4">
+            <a:extLst>
+              <a:ext uri="{FF2B5EF4-FFF2-40B4-BE49-F238E27FC236}">
+                <a16:creationId xmlns:a16="http://schemas.microsoft.com/office/drawing/2014/main" id="{445DEDB0-9AD7-4E0D-A9ED-2DC4D588BDE2}"/>
+              </a:ext>
+            </a:extLst>
+          </p:cNvPr>
+          <p:cNvPicPr>
+            <a:picLocks noChangeAspect="1"/>
+          </p:cNvPicPr>
+          <p:nvPr/>
+        </p:nvPicPr>
+        <p:blipFill rotWithShape="1">
+          <a:blip r:embed="rId2">
+            <a:extLst>
+              <a:ext uri="{28A0092B-C50C-407E-A947-70E740481C1C}">
+                <a14:useLocalDpi xmlns:a14="http://schemas.microsoft.com/office/drawing/2010/main" val="0"/>
+              </a:ext>
+            </a:extLst>
+          </a:blip>
+          <a:srcRect l="60133" t="1170" r="606" b="1390"/>
+          <a:stretch/>
+        </p:blipFill>
+        <p:spPr>
+          <a:xfrm>
+            <a:off x="6012491" y="1819928"/>
+            <a:ext cx="3084822" cy="4093032"/>
+          </a:xfrm>
+          <a:prstGeom prst="rect">
+            <a:avLst/>
+          </a:prstGeom>
+        </p:spPr>
+      </p:pic>
+      <p:sp>
+        <p:nvSpPr>
+          <p:cNvPr id="3" name="ZoneTexte 2">
+            <a:extLst>
+              <a:ext uri="{FF2B5EF4-FFF2-40B4-BE49-F238E27FC236}">
+                <a16:creationId xmlns:a16="http://schemas.microsoft.com/office/drawing/2014/main" id="{F14F6C69-4A46-4993-9BB1-8DD65BC43E0B}"/>
+              </a:ext>
+            </a:extLst>
+          </p:cNvPr>
+          <p:cNvSpPr txBox="1"/>
+          <p:nvPr/>
+        </p:nvSpPr>
+        <p:spPr>
+          <a:xfrm>
+            <a:off x="6226025" y="5320798"/>
+            <a:ext cx="3084822" cy="276999"/>
+          </a:xfrm>
+          <a:prstGeom prst="rect">
+            <a:avLst/>
+          </a:prstGeom>
+          <a:noFill/>
+        </p:spPr>
+        <p:txBody>
+          <a:bodyPr wrap="square" rtlCol="0">
+            <a:spAutoFit/>
+          </a:bodyPr>
+          <a:lstStyle/>
+          <a:p>
+            <a:r>
+              <a:rPr lang="fr-FR" sz="1200" i="1" dirty="0"/>
+              <a:t>Montage  du cœur de  LED</a:t>
+            </a:r>
+          </a:p>
+        </p:txBody>
+      </p:sp>
+      <p:grpSp>
+        <p:nvGrpSpPr>
+          <p:cNvPr id="6" name="Groupe 5">
+            <a:extLst>
+              <a:ext uri="{FF2B5EF4-FFF2-40B4-BE49-F238E27FC236}">
+                <a16:creationId xmlns:a16="http://schemas.microsoft.com/office/drawing/2014/main" id="{3F3071B1-3910-4BCF-B36E-46B7EC9F8EFF}"/>
+              </a:ext>
+            </a:extLst>
+          </p:cNvPr>
+          <p:cNvGrpSpPr/>
+          <p:nvPr/>
+        </p:nvGrpSpPr>
+        <p:grpSpPr>
+          <a:xfrm>
+            <a:off x="9680418" y="783893"/>
+            <a:ext cx="2451723" cy="5554831"/>
+            <a:chOff x="9680418" y="783893"/>
+            <a:chExt cx="2451723" cy="5554831"/>
+          </a:xfrm>
+        </p:grpSpPr>
+        <p:sp>
+          <p:nvSpPr>
+            <p:cNvPr id="7" name="ZoneTexte 6">
+              <a:extLst>
+                <a:ext uri="{FF2B5EF4-FFF2-40B4-BE49-F238E27FC236}">
+                  <a16:creationId xmlns:a16="http://schemas.microsoft.com/office/drawing/2014/main" id="{A33185E2-6D38-4206-BEFC-4CAF57EDDEB0}"/>
+                </a:ext>
+              </a:extLst>
+            </p:cNvPr>
+            <p:cNvSpPr txBox="1"/>
+            <p:nvPr/>
+          </p:nvSpPr>
+          <p:spPr>
+            <a:xfrm>
+              <a:off x="9758713" y="783893"/>
+              <a:ext cx="2373428" cy="2800767"/>
+            </a:xfrm>
+            <a:prstGeom prst="rect">
+              <a:avLst/>
+            </a:prstGeom>
+            <a:noFill/>
+          </p:spPr>
+          <p:txBody>
+            <a:bodyPr wrap="square" rtlCol="0">
+              <a:spAutoFit/>
+            </a:bodyPr>
+            <a:lstStyle/>
+            <a:p>
+              <a:r>
+                <a:rPr lang="fr-FR" sz="1200" dirty="0"/>
+                <a:t>Avancement Diapositive:</a:t>
+              </a:r>
+            </a:p>
+            <a:p>
+              <a:pPr marL="400050" indent="-400050">
+                <a:buAutoNum type="romanUcParenR"/>
+              </a:pPr>
+              <a:endParaRPr lang="fr-FR" sz="1200" b="1" dirty="0"/>
+            </a:p>
+            <a:p>
+              <a:pPr marL="400050" indent="-400050">
+                <a:buAutoNum type="romanUcParenR"/>
+              </a:pPr>
+              <a:endParaRPr lang="fr-FR" sz="1200" b="1" dirty="0"/>
+            </a:p>
+            <a:p>
+              <a:pPr marL="400050" indent="-400050">
+                <a:buAutoNum type="romanUcParenR"/>
+              </a:pPr>
+              <a:r>
+                <a:rPr lang="fr-FR" sz="1200" i="1" dirty="0"/>
+                <a:t>Organisation du projet</a:t>
+              </a:r>
+            </a:p>
+            <a:p>
+              <a:pPr marL="400050" indent="-400050">
+                <a:buAutoNum type="romanUcParenR"/>
+              </a:pPr>
+              <a:endParaRPr lang="fr-FR" sz="1200" dirty="0"/>
+            </a:p>
+            <a:p>
+              <a:pPr marL="400050" indent="-400050">
+                <a:buAutoNum type="romanUcParenR"/>
+              </a:pPr>
+              <a:r>
+                <a:rPr lang="fr-FR" sz="1200" b="1" dirty="0"/>
+                <a:t>Présentation des modules</a:t>
+              </a:r>
+            </a:p>
+            <a:p>
+              <a:pPr marL="971550" lvl="1" indent="-514350">
+                <a:buFont typeface="+mj-lt"/>
+                <a:buAutoNum type="alphaLcParenR"/>
+              </a:pPr>
+              <a:r>
+                <a:rPr lang="fr-FR" sz="1100" i="1" dirty="0"/>
+                <a:t>Module 1</a:t>
+              </a:r>
+            </a:p>
+            <a:p>
+              <a:pPr marL="971550" lvl="1" indent="-514350">
+                <a:buFont typeface="+mj-lt"/>
+                <a:buAutoNum type="alphaLcParenR"/>
+              </a:pPr>
+              <a:r>
+                <a:rPr lang="fr-FR" sz="1100" b="1" dirty="0"/>
+                <a:t>Module 2</a:t>
+              </a:r>
+            </a:p>
+            <a:p>
+              <a:pPr marL="971550" lvl="1" indent="-514350">
+                <a:buFont typeface="+mj-lt"/>
+                <a:buAutoNum type="alphaLcParenR"/>
+              </a:pPr>
+              <a:r>
+                <a:rPr lang="fr-FR" sz="1100" i="1" dirty="0"/>
+                <a:t>Module 3</a:t>
+              </a:r>
+            </a:p>
+            <a:p>
+              <a:pPr marL="971550" lvl="1" indent="-514350">
+                <a:buFont typeface="+mj-lt"/>
+                <a:buAutoNum type="alphaLcParenR"/>
+              </a:pPr>
+              <a:r>
+                <a:rPr lang="fr-FR" sz="1100" i="1" dirty="0"/>
+                <a:t>Module 4</a:t>
+              </a:r>
+            </a:p>
+            <a:p>
+              <a:pPr marL="400050" indent="-400050">
+                <a:buAutoNum type="romanUcParenR"/>
+              </a:pPr>
+              <a:endParaRPr lang="fr-FR" sz="1200" i="1" dirty="0"/>
+            </a:p>
+            <a:p>
+              <a:pPr marL="400050" indent="-400050">
+                <a:buAutoNum type="romanUcParenR"/>
+              </a:pPr>
+              <a:r>
+                <a:rPr lang="fr-FR" sz="1200" i="1" dirty="0"/>
+                <a:t>Bilan des modules</a:t>
+              </a:r>
+            </a:p>
+            <a:p>
+              <a:pPr marL="400050" indent="-400050">
+                <a:buAutoNum type="romanUcParenR"/>
+              </a:pPr>
+              <a:endParaRPr lang="fr-FR" sz="1200" i="1" dirty="0"/>
+            </a:p>
+            <a:p>
+              <a:pPr marL="400050" indent="-400050">
+                <a:buAutoNum type="romanUcParenR"/>
+              </a:pPr>
+              <a:r>
+                <a:rPr lang="fr-FR" sz="1200" i="1" dirty="0"/>
+                <a:t>Démonstration des modules</a:t>
+              </a:r>
+            </a:p>
+            <a:p>
+              <a:endParaRPr lang="fr-FR" sz="1200" i="1" dirty="0"/>
+            </a:p>
+          </p:txBody>
+        </p:sp>
+        <p:sp>
+          <p:nvSpPr>
+            <p:cNvPr id="8" name="Rectangle 7">
+              <a:extLst>
+                <a:ext uri="{FF2B5EF4-FFF2-40B4-BE49-F238E27FC236}">
+                  <a16:creationId xmlns:a16="http://schemas.microsoft.com/office/drawing/2014/main" id="{D3B73574-740A-4F87-A0B2-B82AD903FF54}"/>
+                </a:ext>
+              </a:extLst>
+            </p:cNvPr>
+            <p:cNvSpPr/>
+            <p:nvPr/>
+          </p:nvSpPr>
+          <p:spPr>
+            <a:xfrm>
+              <a:off x="9680418" y="783893"/>
+              <a:ext cx="2379215" cy="5554831"/>
+            </a:xfrm>
+            <a:prstGeom prst="rect">
+              <a:avLst/>
+            </a:prstGeom>
+            <a:noFill/>
+            <a:ln>
+              <a:solidFill>
+                <a:schemeClr val="tx1"/>
+              </a:solidFill>
+            </a:ln>
+          </p:spPr>
+          <p:style>
+            <a:lnRef idx="2">
+              <a:schemeClr val="accent1">
+                <a:shade val="50000"/>
+              </a:schemeClr>
+            </a:lnRef>
+            <a:fillRef idx="1">
+              <a:schemeClr val="accent1"/>
+            </a:fillRef>
+            <a:effectRef idx="0">
+              <a:schemeClr val="accent1"/>
+            </a:effectRef>
+            <a:fontRef idx="minor">
+              <a:schemeClr val="lt1"/>
+            </a:fontRef>
+          </p:style>
+          <p:txBody>
+            <a:bodyPr rtlCol="0" anchor="ctr"/>
+            <a:lstStyle/>
+            <a:p>
+              <a:pPr algn="ctr"/>
+              <a:endParaRPr lang="fr-FR" dirty="0"/>
+            </a:p>
+          </p:txBody>
+        </p:sp>
+      </p:grpSp>
+      <p:sp>
+        <p:nvSpPr>
+          <p:cNvPr id="14" name="Titre 1">
+            <a:extLst>
+              <a:ext uri="{FF2B5EF4-FFF2-40B4-BE49-F238E27FC236}">
+                <a16:creationId xmlns:a16="http://schemas.microsoft.com/office/drawing/2014/main" id="{48ABC406-5C34-4BF8-950C-E87E1FEDC07A}"/>
+              </a:ext>
+            </a:extLst>
+          </p:cNvPr>
+          <p:cNvSpPr txBox="1">
+            <a:spLocks/>
+          </p:cNvSpPr>
+          <p:nvPr/>
+        </p:nvSpPr>
+        <p:spPr>
+          <a:xfrm>
+            <a:off x="-304126" y="22485"/>
+            <a:ext cx="10515600" cy="1325563"/>
+          </a:xfrm>
+          <a:prstGeom prst="rect">
+            <a:avLst/>
+          </a:prstGeom>
+        </p:spPr>
+        <p:txBody>
+          <a:bodyPr vert="horz" lIns="91440" tIns="45720" rIns="91440" bIns="45720" rtlCol="0" anchor="ctr">
+            <a:normAutofit/>
+          </a:bodyPr>
+          <a:lstStyle>
+            <a:lvl1pPr algn="l" defTabSz="914400" rtl="0" eaLnBrk="1" latinLnBrk="0" hangingPunct="1">
+              <a:lnSpc>
+                <a:spcPct val="90000"/>
+              </a:lnSpc>
+              <a:spcBef>
+                <a:spcPct val="0"/>
+              </a:spcBef>
+              <a:buNone/>
+              <a:defRPr sz="4400" kern="1200">
+                <a:solidFill>
+                  <a:schemeClr val="tx1"/>
+                </a:solidFill>
+                <a:latin typeface="+mj-lt"/>
+                <a:ea typeface="+mj-ea"/>
+                <a:cs typeface="+mj-cs"/>
+              </a:defRPr>
+            </a:lvl1pPr>
+          </a:lstStyle>
+          <a:p>
+            <a:pPr algn="ctr"/>
+            <a:r>
+              <a:rPr lang="fr-FR" sz="4000" dirty="0"/>
+              <a:t> II) Présentation des modules</a:t>
+            </a:r>
+          </a:p>
+          <a:p>
+            <a:pPr algn="ctr"/>
+            <a:r>
+              <a:rPr lang="fr-FR" sz="2400" dirty="0"/>
+              <a:t>b) Module 2</a:t>
+            </a:r>
+          </a:p>
+        </p:txBody>
+      </p:sp>
+    </p:spTree>
+    <p:extLst>
+      <p:ext uri="{BB962C8B-B14F-4D97-AF65-F5344CB8AC3E}">
+        <p14:creationId xmlns:p14="http://schemas.microsoft.com/office/powerpoint/2010/main" val="1203892518"/>
+      </p:ext>
+    </p:extLst>
+  </p:cSld>
+  <p:clrMapOvr>
+    <a:masterClrMapping/>
+  </p:clrMapOvr>
+</p:sld>
+</file>
+
+<file path=ppt/slides/slide7.xml><?xml version="1.0" encoding="utf-8"?>
+<p:sld xmlns:a="http://schemas.openxmlformats.org/drawingml/2006/main" xmlns:r="http://schemas.openxmlformats.org/officeDocument/2006/relationships" xmlns:p="http://schemas.openxmlformats.org/presentationml/2006/main">
+  <p:cSld>
+    <p:spTree>
+      <p:nvGrpSpPr>
+        <p:cNvPr id="1" name=""/>
+        <p:cNvGrpSpPr/>
+        <p:nvPr/>
+      </p:nvGrpSpPr>
+      <p:grpSpPr>
+        <a:xfrm>
+          <a:off x="0" y="0"/>
+          <a:ext cx="0" cy="0"/>
+          <a:chOff x="0" y="0"/>
+          <a:chExt cx="0" cy="0"/>
+        </a:xfrm>
+      </p:grpSpPr>
+      <p:grpSp>
+        <p:nvGrpSpPr>
+          <p:cNvPr id="4" name="Groupe 3">
+            <a:extLst>
+              <a:ext uri="{FF2B5EF4-FFF2-40B4-BE49-F238E27FC236}">
+                <a16:creationId xmlns:a16="http://schemas.microsoft.com/office/drawing/2014/main" id="{309864C7-E9C1-4D82-BB12-EC0C112B60EB}"/>
+              </a:ext>
+            </a:extLst>
+          </p:cNvPr>
+          <p:cNvGrpSpPr/>
+          <p:nvPr/>
+        </p:nvGrpSpPr>
+        <p:grpSpPr>
+          <a:xfrm>
+            <a:off x="9680418" y="783893"/>
+            <a:ext cx="2451723" cy="5554831"/>
+            <a:chOff x="9680418" y="783893"/>
+            <a:chExt cx="2451723" cy="5554831"/>
+          </a:xfrm>
+        </p:grpSpPr>
+        <p:sp>
+          <p:nvSpPr>
+            <p:cNvPr id="5" name="ZoneTexte 4">
+              <a:extLst>
+                <a:ext uri="{FF2B5EF4-FFF2-40B4-BE49-F238E27FC236}">
+                  <a16:creationId xmlns:a16="http://schemas.microsoft.com/office/drawing/2014/main" id="{DEC87599-5F64-417A-808C-4D8BB7FB81AA}"/>
+                </a:ext>
+              </a:extLst>
+            </p:cNvPr>
+            <p:cNvSpPr txBox="1"/>
+            <p:nvPr/>
+          </p:nvSpPr>
+          <p:spPr>
+            <a:xfrm>
+              <a:off x="9758713" y="783893"/>
+              <a:ext cx="2373428" cy="2800767"/>
+            </a:xfrm>
+            <a:prstGeom prst="rect">
+              <a:avLst/>
+            </a:prstGeom>
+            <a:noFill/>
+          </p:spPr>
+          <p:txBody>
+            <a:bodyPr wrap="square" rtlCol="0">
+              <a:spAutoFit/>
+            </a:bodyPr>
+            <a:lstStyle/>
+            <a:p>
+              <a:r>
+                <a:rPr lang="fr-FR" sz="1200" dirty="0"/>
+                <a:t>Avancement Diapositive:</a:t>
+              </a:r>
+            </a:p>
+            <a:p>
+              <a:pPr marL="400050" indent="-400050">
+                <a:buAutoNum type="romanUcParenR"/>
+              </a:pPr>
+              <a:endParaRPr lang="fr-FR" sz="1200" b="1" dirty="0"/>
+            </a:p>
+            <a:p>
+              <a:pPr marL="400050" indent="-400050">
+                <a:buAutoNum type="romanUcParenR"/>
+              </a:pPr>
+              <a:endParaRPr lang="fr-FR" sz="1200" b="1" dirty="0"/>
+            </a:p>
+            <a:p>
+              <a:pPr marL="400050" indent="-400050">
+                <a:buAutoNum type="romanUcParenR"/>
+              </a:pPr>
+              <a:r>
+                <a:rPr lang="fr-FR" sz="1200" i="1" dirty="0"/>
+                <a:t>Organisation du projet</a:t>
+              </a:r>
+            </a:p>
+            <a:p>
+              <a:pPr marL="400050" indent="-400050">
+                <a:buAutoNum type="romanUcParenR"/>
+              </a:pPr>
+              <a:endParaRPr lang="fr-FR" sz="1200" dirty="0"/>
+            </a:p>
+            <a:p>
+              <a:pPr marL="400050" indent="-400050">
+                <a:buAutoNum type="romanUcParenR"/>
+              </a:pPr>
+              <a:r>
+                <a:rPr lang="fr-FR" sz="1200" b="1" dirty="0"/>
+                <a:t>Présentation des modules</a:t>
+              </a:r>
+            </a:p>
+            <a:p>
+              <a:pPr marL="971550" lvl="1" indent="-514350">
+                <a:buFont typeface="+mj-lt"/>
+                <a:buAutoNum type="alphaLcParenR"/>
+              </a:pPr>
+              <a:r>
+                <a:rPr lang="fr-FR" sz="1100" i="1" dirty="0"/>
+                <a:t>Module 1</a:t>
+              </a:r>
+            </a:p>
+            <a:p>
+              <a:pPr marL="971550" lvl="1" indent="-514350">
+                <a:buFont typeface="+mj-lt"/>
+                <a:buAutoNum type="alphaLcParenR"/>
+              </a:pPr>
+              <a:r>
+                <a:rPr lang="fr-FR" sz="1100" i="1" dirty="0"/>
+                <a:t>Module 2</a:t>
+              </a:r>
+            </a:p>
+            <a:p>
+              <a:pPr marL="971550" lvl="1" indent="-514350">
+                <a:buFont typeface="+mj-lt"/>
+                <a:buAutoNum type="alphaLcParenR"/>
+              </a:pPr>
+              <a:r>
+                <a:rPr lang="fr-FR" sz="1100" b="1" dirty="0"/>
+                <a:t>Module 3</a:t>
+              </a:r>
+            </a:p>
+            <a:p>
+              <a:pPr marL="971550" lvl="1" indent="-514350">
+                <a:buFont typeface="+mj-lt"/>
+                <a:buAutoNum type="alphaLcParenR"/>
+              </a:pPr>
+              <a:r>
+                <a:rPr lang="fr-FR" sz="1100" i="1" dirty="0"/>
+                <a:t>Module 4</a:t>
+              </a:r>
+            </a:p>
+            <a:p>
+              <a:pPr marL="400050" indent="-400050">
+                <a:buAutoNum type="romanUcParenR"/>
+              </a:pPr>
+              <a:endParaRPr lang="fr-FR" sz="1200" i="1" dirty="0"/>
+            </a:p>
+            <a:p>
+              <a:pPr marL="400050" indent="-400050">
+                <a:buAutoNum type="romanUcParenR"/>
+              </a:pPr>
+              <a:r>
+                <a:rPr lang="fr-FR" sz="1200" i="1" dirty="0"/>
+                <a:t>Bilan des modules</a:t>
+              </a:r>
+            </a:p>
+            <a:p>
+              <a:pPr marL="400050" indent="-400050">
+                <a:buAutoNum type="romanUcParenR"/>
+              </a:pPr>
+              <a:endParaRPr lang="fr-FR" sz="1200" i="1" dirty="0"/>
+            </a:p>
+            <a:p>
+              <a:pPr marL="400050" indent="-400050">
+                <a:buAutoNum type="romanUcParenR"/>
+              </a:pPr>
+              <a:r>
+                <a:rPr lang="fr-FR" sz="1200" i="1" dirty="0"/>
+                <a:t>Démonstration des modules</a:t>
+              </a:r>
+            </a:p>
+            <a:p>
+              <a:endParaRPr lang="fr-FR" sz="1200" i="1" dirty="0"/>
+            </a:p>
+          </p:txBody>
+        </p:sp>
+        <p:sp>
+          <p:nvSpPr>
+            <p:cNvPr id="6" name="Rectangle 5">
+              <a:extLst>
+                <a:ext uri="{FF2B5EF4-FFF2-40B4-BE49-F238E27FC236}">
+                  <a16:creationId xmlns:a16="http://schemas.microsoft.com/office/drawing/2014/main" id="{42D334AC-8CF7-4032-BA4C-63E62DD36768}"/>
+                </a:ext>
+              </a:extLst>
+            </p:cNvPr>
+            <p:cNvSpPr/>
+            <p:nvPr/>
+          </p:nvSpPr>
+          <p:spPr>
+            <a:xfrm>
+              <a:off x="9680418" y="783893"/>
+              <a:ext cx="2379215" cy="5554831"/>
+            </a:xfrm>
+            <a:prstGeom prst="rect">
+              <a:avLst/>
+            </a:prstGeom>
+            <a:noFill/>
+            <a:ln>
+              <a:solidFill>
+                <a:schemeClr val="tx1"/>
+              </a:solidFill>
+            </a:ln>
+          </p:spPr>
+          <p:style>
+            <a:lnRef idx="2">
+              <a:schemeClr val="accent1">
+                <a:shade val="50000"/>
+              </a:schemeClr>
+            </a:lnRef>
+            <a:fillRef idx="1">
+              <a:schemeClr val="accent1"/>
+            </a:fillRef>
+            <a:effectRef idx="0">
+              <a:schemeClr val="accent1"/>
+            </a:effectRef>
+            <a:fontRef idx="minor">
+              <a:schemeClr val="lt1"/>
+            </a:fontRef>
+          </p:style>
+          <p:txBody>
+            <a:bodyPr rtlCol="0" anchor="ctr"/>
+            <a:lstStyle/>
+            <a:p>
+              <a:pPr algn="ctr"/>
+              <a:endParaRPr lang="fr-FR" dirty="0"/>
+            </a:p>
+          </p:txBody>
+        </p:sp>
+      </p:grpSp>
+      <p:sp>
+        <p:nvSpPr>
+          <p:cNvPr id="8" name="Titre 1">
+            <a:extLst>
+              <a:ext uri="{FF2B5EF4-FFF2-40B4-BE49-F238E27FC236}">
+                <a16:creationId xmlns:a16="http://schemas.microsoft.com/office/drawing/2014/main" id="{42403171-3CBE-4C6F-B798-5423560EBA31}"/>
+              </a:ext>
+            </a:extLst>
+          </p:cNvPr>
+          <p:cNvSpPr txBox="1">
+            <a:spLocks/>
+          </p:cNvSpPr>
+          <p:nvPr/>
+        </p:nvSpPr>
+        <p:spPr>
+          <a:xfrm>
+            <a:off x="-304126" y="22485"/>
+            <a:ext cx="10515600" cy="1325563"/>
+          </a:xfrm>
+          <a:prstGeom prst="rect">
+            <a:avLst/>
+          </a:prstGeom>
+        </p:spPr>
+        <p:txBody>
+          <a:bodyPr vert="horz" lIns="91440" tIns="45720" rIns="91440" bIns="45720" rtlCol="0" anchor="ctr">
+            <a:normAutofit/>
+          </a:bodyPr>
+          <a:lstStyle>
+            <a:lvl1pPr algn="l" defTabSz="914400" rtl="0" eaLnBrk="1" latinLnBrk="0" hangingPunct="1">
+              <a:lnSpc>
+                <a:spcPct val="90000"/>
+              </a:lnSpc>
+              <a:spcBef>
+                <a:spcPct val="0"/>
+              </a:spcBef>
+              <a:buNone/>
+              <a:defRPr sz="4400" kern="1200">
+                <a:solidFill>
+                  <a:schemeClr val="tx1"/>
+                </a:solidFill>
+                <a:latin typeface="+mj-lt"/>
+                <a:ea typeface="+mj-ea"/>
+                <a:cs typeface="+mj-cs"/>
+              </a:defRPr>
+            </a:lvl1pPr>
+          </a:lstStyle>
+          <a:p>
+            <a:pPr algn="ctr"/>
+            <a:r>
+              <a:rPr lang="fr-FR" sz="4000" dirty="0"/>
+              <a:t> II) Présentation des modules</a:t>
+            </a:r>
+          </a:p>
+          <a:p>
+            <a:pPr algn="ctr"/>
+            <a:r>
+              <a:rPr lang="fr-FR" sz="2400" dirty="0"/>
+              <a:t>c) Module 3</a:t>
+            </a:r>
+          </a:p>
+        </p:txBody>
+      </p:sp>
+      <p:pic>
+        <p:nvPicPr>
+          <p:cNvPr id="3" name="Image 2">
+            <a:extLst>
+              <a:ext uri="{FF2B5EF4-FFF2-40B4-BE49-F238E27FC236}">
+                <a16:creationId xmlns:a16="http://schemas.microsoft.com/office/drawing/2014/main" id="{2A416AA4-E8D4-4ABA-B113-12E53FA03F75}"/>
+              </a:ext>
+            </a:extLst>
+          </p:cNvPr>
+          <p:cNvPicPr>
+            <a:picLocks noChangeAspect="1"/>
+          </p:cNvPicPr>
+          <p:nvPr/>
+        </p:nvPicPr>
+        <p:blipFill>
+          <a:blip r:embed="rId2">
+            <a:extLst>
+              <a:ext uri="{28A0092B-C50C-407E-A947-70E740481C1C}">
+                <a14:useLocalDpi xmlns:a14="http://schemas.microsoft.com/office/drawing/2010/main" val="0"/>
+              </a:ext>
+            </a:extLst>
+          </a:blip>
+          <a:stretch>
+            <a:fillRect/>
+          </a:stretch>
+        </p:blipFill>
+        <p:spPr>
+          <a:xfrm>
+            <a:off x="1233997" y="1245353"/>
+            <a:ext cx="2219418" cy="2219418"/>
+          </a:xfrm>
+          <a:prstGeom prst="rect">
+            <a:avLst/>
+          </a:prstGeom>
+        </p:spPr>
+      </p:pic>
+      <p:sp>
+        <p:nvSpPr>
+          <p:cNvPr id="9" name="ZoneTexte 8">
+            <a:extLst>
+              <a:ext uri="{FF2B5EF4-FFF2-40B4-BE49-F238E27FC236}">
+                <a16:creationId xmlns:a16="http://schemas.microsoft.com/office/drawing/2014/main" id="{DA1F9D4A-4BA9-4860-9EB3-B97B98AFE969}"/>
+              </a:ext>
+            </a:extLst>
+          </p:cNvPr>
+          <p:cNvSpPr txBox="1"/>
+          <p:nvPr/>
+        </p:nvSpPr>
+        <p:spPr>
+          <a:xfrm>
+            <a:off x="3906175" y="1899821"/>
+            <a:ext cx="2219418" cy="1477328"/>
+          </a:xfrm>
+          <a:prstGeom prst="rect">
+            <a:avLst/>
+          </a:prstGeom>
+          <a:noFill/>
+        </p:spPr>
+        <p:txBody>
+          <a:bodyPr wrap="square" rtlCol="0">
+            <a:spAutoFit/>
+          </a:bodyPr>
+          <a:lstStyle/>
+          <a:p>
+            <a:r>
+              <a:rPr lang="fr-FR" b="1" dirty="0" err="1"/>
+              <a:t>Processing</a:t>
+            </a:r>
+            <a:endParaRPr lang="fr-FR" b="1" dirty="0"/>
+          </a:p>
+          <a:p>
+            <a:endParaRPr lang="fr-FR" dirty="0"/>
+          </a:p>
+          <a:p>
+            <a:r>
+              <a:rPr lang="fr-FR" dirty="0"/>
+              <a:t>Interface Arduino/PC</a:t>
+            </a:r>
+          </a:p>
+          <a:p>
+            <a:endParaRPr lang="fr-FR" dirty="0"/>
+          </a:p>
+          <a:p>
+            <a:r>
+              <a:rPr lang="fr-FR" dirty="0"/>
+              <a:t>Fichier CSV</a:t>
+            </a:r>
+          </a:p>
+        </p:txBody>
+      </p:sp>
+    </p:spTree>
+    <p:extLst>
+      <p:ext uri="{BB962C8B-B14F-4D97-AF65-F5344CB8AC3E}">
+        <p14:creationId xmlns:p14="http://schemas.microsoft.com/office/powerpoint/2010/main" val="2048495305"/>
+      </p:ext>
+    </p:extLst>
+  </p:cSld>
+  <p:clrMapOvr>
+    <a:masterClrMapping/>
+  </p:clrMapOvr>
+</p:sld>
+</file>
+
+<file path=ppt/slides/slide8.xml><?xml version="1.0" encoding="utf-8"?>
+<p:sld xmlns:a="http://schemas.openxmlformats.org/drawingml/2006/main" xmlns:r="http://schemas.openxmlformats.org/officeDocument/2006/relationships" xmlns:p="http://schemas.openxmlformats.org/presentationml/2006/main">
+  <p:cSld>
+    <p:spTree>
+      <p:nvGrpSpPr>
+        <p:cNvPr id="1" name=""/>
+        <p:cNvGrpSpPr/>
+        <p:nvPr/>
+      </p:nvGrpSpPr>
+      <p:grpSpPr>
+        <a:xfrm>
+          <a:off x="0" y="0"/>
+          <a:ext cx="0" cy="0"/>
+          <a:chOff x="0" y="0"/>
+          <a:chExt cx="0" cy="0"/>
+        </a:xfrm>
+      </p:grpSpPr>
+      <p:grpSp>
+        <p:nvGrpSpPr>
+          <p:cNvPr id="5" name="Groupe 4">
+            <a:extLst>
+              <a:ext uri="{FF2B5EF4-FFF2-40B4-BE49-F238E27FC236}">
+                <a16:creationId xmlns:a16="http://schemas.microsoft.com/office/drawing/2014/main" id="{53C70ED9-8381-4C86-B0D4-A10EB4D155D1}"/>
+              </a:ext>
+            </a:extLst>
+          </p:cNvPr>
+          <p:cNvGrpSpPr/>
+          <p:nvPr/>
+        </p:nvGrpSpPr>
+        <p:grpSpPr>
+          <a:xfrm>
+            <a:off x="9704767" y="837159"/>
+            <a:ext cx="2379215" cy="5554831"/>
+            <a:chOff x="9680418" y="783893"/>
+            <a:chExt cx="2379215" cy="5554831"/>
+          </a:xfrm>
+        </p:grpSpPr>
+        <p:sp>
+          <p:nvSpPr>
+            <p:cNvPr id="6" name="ZoneTexte 5">
+              <a:extLst>
+                <a:ext uri="{FF2B5EF4-FFF2-40B4-BE49-F238E27FC236}">
+                  <a16:creationId xmlns:a16="http://schemas.microsoft.com/office/drawing/2014/main" id="{AD3A37EC-2A01-4BA8-9970-A97F1BE72E92}"/>
+                </a:ext>
+              </a:extLst>
+            </p:cNvPr>
+            <p:cNvSpPr txBox="1"/>
+            <p:nvPr/>
+          </p:nvSpPr>
+          <p:spPr>
+            <a:xfrm>
+              <a:off x="9686205" y="945207"/>
+              <a:ext cx="2373428" cy="2616101"/>
+            </a:xfrm>
+            <a:prstGeom prst="rect">
+              <a:avLst/>
+            </a:prstGeom>
+            <a:noFill/>
+          </p:spPr>
+          <p:txBody>
+            <a:bodyPr wrap="square" rtlCol="0">
+              <a:spAutoFit/>
+            </a:bodyPr>
+            <a:lstStyle/>
+            <a:p>
+              <a:r>
+                <a:rPr lang="fr-FR" sz="1200" dirty="0"/>
+                <a:t>Avancement Diapositive:</a:t>
+              </a:r>
+            </a:p>
+            <a:p>
+              <a:pPr marL="400050" indent="-400050">
+                <a:buAutoNum type="romanUcParenR"/>
+              </a:pPr>
+              <a:endParaRPr lang="fr-FR" sz="1200" b="1" dirty="0"/>
+            </a:p>
+            <a:p>
+              <a:pPr marL="400050" indent="-400050">
+                <a:buAutoNum type="romanUcParenR"/>
+              </a:pPr>
+              <a:endParaRPr lang="fr-FR" sz="1200" b="1" dirty="0"/>
+            </a:p>
+            <a:p>
+              <a:pPr marL="400050" indent="-400050">
+                <a:buAutoNum type="romanUcParenR"/>
+              </a:pPr>
+              <a:r>
+                <a:rPr lang="fr-FR" sz="1200" i="1" dirty="0"/>
+                <a:t>Organisation du projet</a:t>
+              </a:r>
+            </a:p>
+            <a:p>
+              <a:pPr marL="400050" indent="-400050">
+                <a:buAutoNum type="romanUcParenR"/>
+              </a:pPr>
+              <a:endParaRPr lang="fr-FR" sz="1200" dirty="0"/>
+            </a:p>
+            <a:p>
+              <a:pPr marL="400050" indent="-400050">
+                <a:buAutoNum type="romanUcParenR"/>
+              </a:pPr>
+              <a:r>
+                <a:rPr lang="fr-FR" sz="1200" b="1" dirty="0"/>
+                <a:t>Présentation des modules</a:t>
+              </a:r>
+            </a:p>
+            <a:p>
+              <a:pPr marL="971550" lvl="1" indent="-514350">
+                <a:buFont typeface="+mj-lt"/>
+                <a:buAutoNum type="alphaLcParenR"/>
+              </a:pPr>
+              <a:r>
+                <a:rPr lang="fr-FR" sz="1100" i="1" dirty="0"/>
+                <a:t>Module 1</a:t>
+              </a:r>
+            </a:p>
+            <a:p>
+              <a:pPr marL="971550" lvl="1" indent="-514350">
+                <a:buFont typeface="+mj-lt"/>
+                <a:buAutoNum type="alphaLcParenR"/>
+              </a:pPr>
+              <a:r>
+                <a:rPr lang="fr-FR" sz="1100" i="1" dirty="0"/>
+                <a:t>Module 2</a:t>
+              </a:r>
+            </a:p>
+            <a:p>
+              <a:pPr marL="971550" lvl="1" indent="-514350">
+                <a:buFont typeface="+mj-lt"/>
+                <a:buAutoNum type="alphaLcParenR"/>
+              </a:pPr>
+              <a:r>
+                <a:rPr lang="fr-FR" sz="1100" i="1" dirty="0"/>
+                <a:t>Module 3</a:t>
+              </a:r>
+            </a:p>
+            <a:p>
+              <a:pPr marL="971550" lvl="1" indent="-514350">
+                <a:buFont typeface="+mj-lt"/>
+                <a:buAutoNum type="alphaLcParenR"/>
+              </a:pPr>
+              <a:r>
+                <a:rPr lang="fr-FR" sz="1100" b="1" dirty="0"/>
+                <a:t>Module 4</a:t>
+              </a:r>
+            </a:p>
+            <a:p>
+              <a:pPr marL="400050" indent="-400050">
+                <a:buAutoNum type="romanUcParenR"/>
+              </a:pPr>
+              <a:endParaRPr lang="fr-FR" sz="1200" i="1" dirty="0"/>
+            </a:p>
+            <a:p>
+              <a:pPr marL="400050" indent="-400050">
+                <a:buAutoNum type="romanUcParenR"/>
+              </a:pPr>
+              <a:r>
+                <a:rPr lang="fr-FR" sz="1200" i="1" dirty="0"/>
+                <a:t>Bilan des modules</a:t>
+              </a:r>
+            </a:p>
+            <a:p>
+              <a:pPr marL="400050" indent="-400050">
+                <a:buAutoNum type="romanUcParenR"/>
+              </a:pPr>
+              <a:r>
+                <a:rPr lang="fr-FR" sz="1200" i="1" dirty="0"/>
+                <a:t>Démonstration des modules</a:t>
+              </a:r>
+            </a:p>
+            <a:p>
+              <a:endParaRPr lang="fr-FR" sz="1200" i="1" dirty="0"/>
+            </a:p>
+          </p:txBody>
+        </p:sp>
+        <p:sp>
+          <p:nvSpPr>
+            <p:cNvPr id="7" name="Rectangle 6">
+              <a:extLst>
+                <a:ext uri="{FF2B5EF4-FFF2-40B4-BE49-F238E27FC236}">
+                  <a16:creationId xmlns:a16="http://schemas.microsoft.com/office/drawing/2014/main" id="{F8DA615B-423B-4F53-A96D-069E79FD9917}"/>
+                </a:ext>
+              </a:extLst>
+            </p:cNvPr>
+            <p:cNvSpPr/>
+            <p:nvPr/>
+          </p:nvSpPr>
+          <p:spPr>
+            <a:xfrm>
+              <a:off x="9680418" y="783893"/>
+              <a:ext cx="2379215" cy="5554831"/>
+            </a:xfrm>
+            <a:prstGeom prst="rect">
+              <a:avLst/>
+            </a:prstGeom>
+            <a:noFill/>
+            <a:ln>
+              <a:solidFill>
+                <a:schemeClr val="tx1"/>
+              </a:solidFill>
+            </a:ln>
+          </p:spPr>
+          <p:style>
+            <a:lnRef idx="2">
+              <a:schemeClr val="accent1">
+                <a:shade val="50000"/>
+              </a:schemeClr>
+            </a:lnRef>
+            <a:fillRef idx="1">
+              <a:schemeClr val="accent1"/>
+            </a:fillRef>
+            <a:effectRef idx="0">
+              <a:schemeClr val="accent1"/>
+            </a:effectRef>
+            <a:fontRef idx="minor">
+              <a:schemeClr val="lt1"/>
+            </a:fontRef>
+          </p:style>
+          <p:txBody>
+            <a:bodyPr rtlCol="0" anchor="ctr"/>
+            <a:lstStyle/>
+            <a:p>
+              <a:pPr algn="ctr"/>
+              <a:endParaRPr lang="fr-FR" dirty="0"/>
+            </a:p>
+          </p:txBody>
+        </p:sp>
+      </p:grpSp>
+      <p:sp>
+        <p:nvSpPr>
+          <p:cNvPr id="10" name="Titre 1">
+            <a:extLst>
+              <a:ext uri="{FF2B5EF4-FFF2-40B4-BE49-F238E27FC236}">
+                <a16:creationId xmlns:a16="http://schemas.microsoft.com/office/drawing/2014/main" id="{A2F19B48-42D9-4C3A-B8E9-B6687BF8739E}"/>
+              </a:ext>
+            </a:extLst>
+          </p:cNvPr>
+          <p:cNvSpPr txBox="1">
+            <a:spLocks/>
+          </p:cNvSpPr>
+          <p:nvPr/>
+        </p:nvSpPr>
+        <p:spPr>
+          <a:xfrm>
+            <a:off x="-304126" y="4729"/>
+            <a:ext cx="10515600" cy="1325563"/>
+          </a:xfrm>
+          <a:prstGeom prst="rect">
+            <a:avLst/>
+          </a:prstGeom>
+        </p:spPr>
+        <p:txBody>
+          <a:bodyPr vert="horz" lIns="91440" tIns="45720" rIns="91440" bIns="45720" rtlCol="0" anchor="ctr">
+            <a:normAutofit/>
+          </a:bodyPr>
+          <a:lstStyle>
+            <a:lvl1pPr algn="l" defTabSz="914400" rtl="0" eaLnBrk="1" latinLnBrk="0" hangingPunct="1">
+              <a:lnSpc>
+                <a:spcPct val="90000"/>
+              </a:lnSpc>
+              <a:spcBef>
+                <a:spcPct val="0"/>
+              </a:spcBef>
+              <a:buNone/>
+              <a:defRPr sz="4400" kern="1200">
+                <a:solidFill>
+                  <a:schemeClr val="tx1"/>
+                </a:solidFill>
+                <a:latin typeface="+mj-lt"/>
+                <a:ea typeface="+mj-ea"/>
+                <a:cs typeface="+mj-cs"/>
+              </a:defRPr>
+            </a:lvl1pPr>
+          </a:lstStyle>
+          <a:p>
+            <a:pPr algn="ctr"/>
+            <a:r>
+              <a:rPr lang="fr-FR" sz="4000" dirty="0"/>
+              <a:t> II) Présentation des modules</a:t>
+            </a:r>
+          </a:p>
+          <a:p>
+            <a:pPr algn="ctr"/>
+            <a:r>
+              <a:rPr lang="fr-FR" sz="2400" dirty="0"/>
+              <a:t>d) Module 4</a:t>
+            </a:r>
+          </a:p>
+        </p:txBody>
+      </p:sp>
+      <p:sp>
+        <p:nvSpPr>
+          <p:cNvPr id="11" name="Espace réservé du contenu 2">
+            <a:extLst>
+              <a:ext uri="{FF2B5EF4-FFF2-40B4-BE49-F238E27FC236}">
+                <a16:creationId xmlns:a16="http://schemas.microsoft.com/office/drawing/2014/main" id="{85FB5040-7E15-4CA9-BC9B-4036E3DF773C}"/>
+              </a:ext>
+            </a:extLst>
+          </p:cNvPr>
+          <p:cNvSpPr>
+            <a:spLocks noGrp="1"/>
+          </p:cNvSpPr>
+          <p:nvPr/>
+        </p:nvSpPr>
+        <p:spPr>
+          <a:xfrm>
+            <a:off x="400202" y="1558380"/>
+            <a:ext cx="3653903" cy="795060"/>
+          </a:xfrm>
+          <a:prstGeom prst="rect">
+            <a:avLst/>
+          </a:prstGeom>
+        </p:spPr>
+        <p:txBody>
+          <a:bodyPr vert="horz" lIns="91440" tIns="45720" rIns="91440" bIns="45720" rtlCol="0">
+            <a:normAutofit/>
+          </a:bodyPr>
+          <a:lstStyle>
+            <a:lvl1pPr marL="228600" indent="-228600" algn="l" defTabSz="914400" rtl="0" eaLnBrk="1" latinLnBrk="0" hangingPunct="1">
+              <a:lnSpc>
+                <a:spcPct val="90000"/>
+              </a:lnSpc>
+              <a:spcBef>
+                <a:spcPts val="1000"/>
+              </a:spcBef>
+              <a:buFont typeface="Arial" panose="020B0604020202020204" pitchFamily="34" charset="0"/>
+              <a:buChar char="•"/>
+              <a:defRPr sz="2800" kern="1200">
+                <a:solidFill>
+                  <a:schemeClr val="tx1"/>
+                </a:solidFill>
+                <a:latin typeface="+mn-lt"/>
+                <a:ea typeface="+mn-ea"/>
+                <a:cs typeface="+mn-cs"/>
+              </a:defRPr>
+            </a:lvl1pPr>
+            <a:lvl2pPr marL="685800" indent="-228600" algn="l" defTabSz="914400" rtl="0" eaLnBrk="1" latinLnBrk="0" hangingPunct="1">
+              <a:lnSpc>
+                <a:spcPct val="90000"/>
+              </a:lnSpc>
+              <a:spcBef>
+                <a:spcPts val="500"/>
+              </a:spcBef>
+              <a:buFont typeface="Arial" panose="020B0604020202020204" pitchFamily="34" charset="0"/>
+              <a:buChar char="•"/>
+              <a:defRPr sz="2400" kern="1200">
+                <a:solidFill>
+                  <a:schemeClr val="tx1"/>
+                </a:solidFill>
+                <a:latin typeface="+mn-lt"/>
+                <a:ea typeface="+mn-ea"/>
+                <a:cs typeface="+mn-cs"/>
+              </a:defRPr>
+            </a:lvl2pPr>
+            <a:lvl3pPr marL="1143000" indent="-228600" algn="l" defTabSz="914400" rtl="0" eaLnBrk="1" latinLnBrk="0" hangingPunct="1">
+              <a:lnSpc>
+                <a:spcPct val="90000"/>
+              </a:lnSpc>
+              <a:spcBef>
+                <a:spcPts val="500"/>
+              </a:spcBef>
+              <a:buFont typeface="Arial" panose="020B0604020202020204" pitchFamily="34" charset="0"/>
+              <a:buChar char="•"/>
+              <a:defRPr sz="2000" kern="1200">
+                <a:solidFill>
+                  <a:schemeClr val="tx1"/>
+                </a:solidFill>
+                <a:latin typeface="+mn-lt"/>
+                <a:ea typeface="+mn-ea"/>
+                <a:cs typeface="+mn-cs"/>
+              </a:defRPr>
+            </a:lvl3pPr>
+            <a:lvl4pPr marL="1600200" indent="-228600" algn="l" defTabSz="914400" rtl="0" eaLnBrk="1" latinLnBrk="0" hangingPunct="1">
+              <a:lnSpc>
+                <a:spcPct val="90000"/>
+              </a:lnSpc>
+              <a:spcBef>
+                <a:spcPts val="500"/>
+              </a:spcBef>
+              <a:buFont typeface="Arial" panose="020B0604020202020204" pitchFamily="34" charset="0"/>
+              <a:buChar char="•"/>
+              <a:defRPr sz="1800" kern="1200">
+                <a:solidFill>
+                  <a:schemeClr val="tx1"/>
+                </a:solidFill>
+                <a:latin typeface="+mn-lt"/>
+                <a:ea typeface="+mn-ea"/>
+                <a:cs typeface="+mn-cs"/>
+              </a:defRPr>
+            </a:lvl4pPr>
+            <a:lvl5pPr marL="2057400" indent="-228600" algn="l" defTabSz="914400" rtl="0" eaLnBrk="1" latinLnBrk="0" hangingPunct="1">
+              <a:lnSpc>
+                <a:spcPct val="90000"/>
+              </a:lnSpc>
+              <a:spcBef>
+                <a:spcPts val="500"/>
+              </a:spcBef>
+              <a:buFont typeface="Arial" panose="020B0604020202020204" pitchFamily="34" charset="0"/>
+              <a:buChar char="•"/>
+              <a:defRPr sz="1800" kern="1200">
+                <a:solidFill>
+                  <a:schemeClr val="tx1"/>
+                </a:solidFill>
+                <a:latin typeface="+mn-lt"/>
+                <a:ea typeface="+mn-ea"/>
+                <a:cs typeface="+mn-cs"/>
+              </a:defRPr>
+            </a:lvl5pPr>
+            <a:lvl6pPr marL="2514600" indent="-228600" algn="l" defTabSz="914400" rtl="0" eaLnBrk="1" latinLnBrk="0" hangingPunct="1">
+              <a:lnSpc>
+                <a:spcPct val="90000"/>
+              </a:lnSpc>
+              <a:spcBef>
+                <a:spcPts val="500"/>
+              </a:spcBef>
+              <a:buFont typeface="Arial" panose="020B0604020202020204" pitchFamily="34" charset="0"/>
+              <a:buChar char="•"/>
+              <a:defRPr sz="1800" kern="1200">
+                <a:solidFill>
+                  <a:schemeClr val="tx1"/>
+                </a:solidFill>
+                <a:latin typeface="+mn-lt"/>
+                <a:ea typeface="+mn-ea"/>
+                <a:cs typeface="+mn-cs"/>
+              </a:defRPr>
+            </a:lvl6pPr>
+            <a:lvl7pPr marL="2971800" indent="-228600" algn="l" defTabSz="914400" rtl="0" eaLnBrk="1" latinLnBrk="0" hangingPunct="1">
+              <a:lnSpc>
+                <a:spcPct val="90000"/>
+              </a:lnSpc>
+              <a:spcBef>
+                <a:spcPts val="500"/>
+              </a:spcBef>
+              <a:buFont typeface="Arial" panose="020B0604020202020204" pitchFamily="34" charset="0"/>
+              <a:buChar char="•"/>
+              <a:defRPr sz="1800" kern="1200">
+                <a:solidFill>
+                  <a:schemeClr val="tx1"/>
+                </a:solidFill>
+                <a:latin typeface="+mn-lt"/>
+                <a:ea typeface="+mn-ea"/>
+                <a:cs typeface="+mn-cs"/>
+              </a:defRPr>
+            </a:lvl7pPr>
+            <a:lvl8pPr marL="3429000" indent="-228600" algn="l" defTabSz="914400" rtl="0" eaLnBrk="1" latinLnBrk="0" hangingPunct="1">
+              <a:lnSpc>
+                <a:spcPct val="90000"/>
+              </a:lnSpc>
+              <a:spcBef>
+                <a:spcPts val="500"/>
+              </a:spcBef>
+              <a:buFont typeface="Arial" panose="020B0604020202020204" pitchFamily="34" charset="0"/>
+              <a:buChar char="•"/>
+              <a:defRPr sz="1800" kern="1200">
+                <a:solidFill>
+                  <a:schemeClr val="tx1"/>
+                </a:solidFill>
+                <a:latin typeface="+mn-lt"/>
+                <a:ea typeface="+mn-ea"/>
+                <a:cs typeface="+mn-cs"/>
+              </a:defRPr>
+            </a:lvl8pPr>
+            <a:lvl9pPr marL="3886200" indent="-228600" algn="l" defTabSz="914400" rtl="0" eaLnBrk="1" latinLnBrk="0" hangingPunct="1">
+              <a:lnSpc>
+                <a:spcPct val="90000"/>
+              </a:lnSpc>
+              <a:spcBef>
+                <a:spcPts val="500"/>
+              </a:spcBef>
+              <a:buFont typeface="Arial" panose="020B0604020202020204" pitchFamily="34" charset="0"/>
+              <a:buChar char="•"/>
+              <a:defRPr sz="1800" kern="1200">
+                <a:solidFill>
+                  <a:schemeClr val="tx1"/>
+                </a:solidFill>
+                <a:latin typeface="+mn-lt"/>
+                <a:ea typeface="+mn-ea"/>
+                <a:cs typeface="+mn-cs"/>
+              </a:defRPr>
+            </a:lvl9pPr>
+          </a:lstStyle>
+          <a:p>
+            <a:r>
+              <a:rPr lang="fr-FR" dirty="0"/>
+              <a:t>Organisation du code:</a:t>
+            </a:r>
+          </a:p>
+        </p:txBody>
+      </p:sp>
+      <p:pic>
+        <p:nvPicPr>
+          <p:cNvPr id="16" name="Image 15">
+            <a:extLst>
+              <a:ext uri="{FF2B5EF4-FFF2-40B4-BE49-F238E27FC236}">
+                <a16:creationId xmlns:a16="http://schemas.microsoft.com/office/drawing/2014/main" id="{408C6223-82E3-4AFA-ABB1-7395542FFE3A}"/>
+              </a:ext>
+            </a:extLst>
+          </p:cNvPr>
+          <p:cNvPicPr>
+            <a:picLocks noChangeAspect="1"/>
+          </p:cNvPicPr>
+          <p:nvPr/>
+        </p:nvPicPr>
+        <p:blipFill>
+          <a:blip r:embed="rId2"/>
+          <a:stretch>
+            <a:fillRect/>
+          </a:stretch>
+        </p:blipFill>
+        <p:spPr>
+          <a:xfrm>
+            <a:off x="525710" y="1955910"/>
+            <a:ext cx="7452389" cy="4436483"/>
+          </a:xfrm>
+          <a:prstGeom prst="rect">
+            <a:avLst/>
+          </a:prstGeom>
+        </p:spPr>
+      </p:pic>
+    </p:spTree>
+    <p:extLst>
+      <p:ext uri="{BB962C8B-B14F-4D97-AF65-F5344CB8AC3E}">
+        <p14:creationId xmlns:p14="http://schemas.microsoft.com/office/powerpoint/2010/main" val="2678246170"/>
+      </p:ext>
+    </p:extLst>
+  </p:cSld>
+  <p:clrMapOvr>
+    <a:masterClrMapping/>
+  </p:clrMapOvr>
+</p:sld>
+</file>
+
+<file path=ppt/slides/slide9.xml><?xml version="1.0" encoding="utf-8"?>
+<p:sld xmlns:a="http://schemas.openxmlformats.org/drawingml/2006/main" xmlns:r="http://schemas.openxmlformats.org/officeDocument/2006/relationships" xmlns:p="http://schemas.openxmlformats.org/presentationml/2006/main">
+  <p:cSld>
+    <p:spTree>
+      <p:nvGrpSpPr>
+        <p:cNvPr id="1" name=""/>
+        <p:cNvGrpSpPr/>
+        <p:nvPr/>
+      </p:nvGrpSpPr>
+      <p:grpSpPr>
+        <a:xfrm>
+          <a:off x="0" y="0"/>
+          <a:ext cx="0" cy="0"/>
+          <a:chOff x="0" y="0"/>
+          <a:chExt cx="0" cy="0"/>
+        </a:xfrm>
+      </p:grpSpPr>
+      <p:grpSp>
+        <p:nvGrpSpPr>
+          <p:cNvPr id="4" name="Groupe 3">
+            <a:extLst>
+              <a:ext uri="{FF2B5EF4-FFF2-40B4-BE49-F238E27FC236}">
+                <a16:creationId xmlns:a16="http://schemas.microsoft.com/office/drawing/2014/main" id="{6D8C39A0-B843-4DF4-8947-FF442D6B48AA}"/>
+              </a:ext>
+            </a:extLst>
+          </p:cNvPr>
+          <p:cNvGrpSpPr/>
+          <p:nvPr/>
+        </p:nvGrpSpPr>
+        <p:grpSpPr>
+          <a:xfrm>
+            <a:off x="5305425" y="1474975"/>
+            <a:ext cx="4514019" cy="3362628"/>
+            <a:chOff x="5305425" y="1474975"/>
+            <a:chExt cx="4514019" cy="3362628"/>
+          </a:xfrm>
+        </p:grpSpPr>
+        <p:sp>
+          <p:nvSpPr>
+            <p:cNvPr id="5" name="Espace réservé du contenu 2">
+              <a:extLst>
+                <a:ext uri="{FF2B5EF4-FFF2-40B4-BE49-F238E27FC236}">
+                  <a16:creationId xmlns:a16="http://schemas.microsoft.com/office/drawing/2014/main" id="{996700B0-1BDC-4BEB-8626-D17A994078A8}"/>
+                </a:ext>
+              </a:extLst>
+            </p:cNvPr>
+            <p:cNvSpPr txBox="1">
+              <a:spLocks/>
+            </p:cNvSpPr>
+            <p:nvPr/>
+          </p:nvSpPr>
+          <p:spPr>
+            <a:xfrm>
+              <a:off x="6096000" y="1474975"/>
+              <a:ext cx="3723444" cy="795060"/>
+            </a:xfrm>
+            <a:prstGeom prst="rect">
+              <a:avLst/>
+            </a:prstGeom>
+          </p:spPr>
+          <p:txBody>
+            <a:bodyPr vert="horz" lIns="91440" tIns="45720" rIns="91440" bIns="45720" rtlCol="0">
+              <a:normAutofit/>
+            </a:bodyPr>
+            <a:lstStyle>
+              <a:defPPr>
+                <a:defRPr lang="fr-FR"/>
+              </a:defPPr>
+              <a:lvl1pPr marL="0" algn="l" defTabSz="914400" rtl="0" eaLnBrk="1" latinLnBrk="0" hangingPunct="1">
+                <a:defRPr sz="1800" kern="1200">
+                  <a:solidFill>
+                    <a:schemeClr val="tx1"/>
+                  </a:solidFill>
+                  <a:latin typeface="+mn-lt"/>
+                  <a:ea typeface="+mn-ea"/>
+                  <a:cs typeface="+mn-cs"/>
+                </a:defRPr>
+              </a:lvl1pPr>
+              <a:lvl2pPr marL="457200" algn="l" defTabSz="914400" rtl="0" eaLnBrk="1" latinLnBrk="0" hangingPunct="1">
+                <a:defRPr sz="1800" kern="1200">
+                  <a:solidFill>
+                    <a:schemeClr val="tx1"/>
+                  </a:solidFill>
+                  <a:latin typeface="+mn-lt"/>
+                  <a:ea typeface="+mn-ea"/>
+                  <a:cs typeface="+mn-cs"/>
+                </a:defRPr>
+              </a:lvl2pPr>
+              <a:lvl3pPr marL="914400" algn="l" defTabSz="914400" rtl="0" eaLnBrk="1" latinLnBrk="0" hangingPunct="1">
+                <a:defRPr sz="1800" kern="1200">
+                  <a:solidFill>
+                    <a:schemeClr val="tx1"/>
+                  </a:solidFill>
+                  <a:latin typeface="+mn-lt"/>
+                  <a:ea typeface="+mn-ea"/>
+                  <a:cs typeface="+mn-cs"/>
+                </a:defRPr>
+              </a:lvl3pPr>
+              <a:lvl4pPr marL="1371600" algn="l" defTabSz="914400" rtl="0" eaLnBrk="1" latinLnBrk="0" hangingPunct="1">
+                <a:defRPr sz="1800" kern="1200">
+                  <a:solidFill>
+                    <a:schemeClr val="tx1"/>
+                  </a:solidFill>
+                  <a:latin typeface="+mn-lt"/>
+                  <a:ea typeface="+mn-ea"/>
+                  <a:cs typeface="+mn-cs"/>
+                </a:defRPr>
+              </a:lvl4pPr>
+              <a:lvl5pPr marL="1828800" algn="l" defTabSz="914400" rtl="0" eaLnBrk="1" latinLnBrk="0" hangingPunct="1">
+                <a:defRPr sz="1800" kern="1200">
+                  <a:solidFill>
+                    <a:schemeClr val="tx1"/>
+                  </a:solidFill>
+                  <a:latin typeface="+mn-lt"/>
+                  <a:ea typeface="+mn-ea"/>
+                  <a:cs typeface="+mn-cs"/>
+                </a:defRPr>
+              </a:lvl5pPr>
+              <a:lvl6pPr marL="2286000" algn="l" defTabSz="914400" rtl="0" eaLnBrk="1" latinLnBrk="0" hangingPunct="1">
+                <a:defRPr sz="1800" kern="1200">
+                  <a:solidFill>
+                    <a:schemeClr val="tx1"/>
+                  </a:solidFill>
+                  <a:latin typeface="+mn-lt"/>
+                  <a:ea typeface="+mn-ea"/>
+                  <a:cs typeface="+mn-cs"/>
+                </a:defRPr>
+              </a:lvl6pPr>
+              <a:lvl7pPr marL="2743200" algn="l" defTabSz="914400" rtl="0" eaLnBrk="1" latinLnBrk="0" hangingPunct="1">
+                <a:defRPr sz="1800" kern="1200">
+                  <a:solidFill>
+                    <a:schemeClr val="tx1"/>
+                  </a:solidFill>
+                  <a:latin typeface="+mn-lt"/>
+                  <a:ea typeface="+mn-ea"/>
+                  <a:cs typeface="+mn-cs"/>
+                </a:defRPr>
+              </a:lvl7pPr>
+              <a:lvl8pPr marL="3200400" algn="l" defTabSz="914400" rtl="0" eaLnBrk="1" latinLnBrk="0" hangingPunct="1">
+                <a:defRPr sz="1800" kern="1200">
+                  <a:solidFill>
+                    <a:schemeClr val="tx1"/>
+                  </a:solidFill>
+                  <a:latin typeface="+mn-lt"/>
+                  <a:ea typeface="+mn-ea"/>
+                  <a:cs typeface="+mn-cs"/>
+                </a:defRPr>
+              </a:lvl8pPr>
+              <a:lvl9pPr marL="3657600" algn="l" defTabSz="914400" rtl="0" eaLnBrk="1" latinLnBrk="0" hangingPunct="1">
+                <a:defRPr sz="1800" kern="1200">
+                  <a:solidFill>
+                    <a:schemeClr val="tx1"/>
+                  </a:solidFill>
+                  <a:latin typeface="+mn-lt"/>
+                  <a:ea typeface="+mn-ea"/>
+                  <a:cs typeface="+mn-cs"/>
+                </a:defRPr>
+              </a:lvl9pPr>
+            </a:lstStyle>
+            <a:p>
+              <a:pPr marL="285750" indent="-285750">
+                <a:buFont typeface="Arial" panose="020B0604020202020204" pitchFamily="34" charset="0"/>
+                <a:buChar char="•"/>
+              </a:pPr>
+              <a:r>
+                <a:rPr lang="fr-FR" sz="2800" dirty="0"/>
+                <a:t>Avis sur le code:</a:t>
+              </a:r>
+            </a:p>
+          </p:txBody>
+        </p:sp>
+        <p:sp>
+          <p:nvSpPr>
+            <p:cNvPr id="6" name="ZoneTexte 5">
+              <a:extLst>
+                <a:ext uri="{FF2B5EF4-FFF2-40B4-BE49-F238E27FC236}">
+                  <a16:creationId xmlns:a16="http://schemas.microsoft.com/office/drawing/2014/main" id="{B357AB09-8423-428A-B789-91ADB850BF1B}"/>
+                </a:ext>
+              </a:extLst>
+            </p:cNvPr>
+            <p:cNvSpPr txBox="1"/>
+            <p:nvPr/>
+          </p:nvSpPr>
+          <p:spPr>
+            <a:xfrm>
+              <a:off x="5305425" y="2252280"/>
+              <a:ext cx="3669247" cy="2585323"/>
+            </a:xfrm>
+            <a:prstGeom prst="rect">
+              <a:avLst/>
+            </a:prstGeom>
+            <a:noFill/>
+          </p:spPr>
+          <p:txBody>
+            <a:bodyPr wrap="square" rtlCol="0">
+              <a:spAutoFit/>
+            </a:bodyPr>
+            <a:lstStyle/>
+            <a:p>
+              <a:r>
+                <a:rPr lang="fr-FR" dirty="0"/>
+                <a:t>Structure:</a:t>
+              </a:r>
+            </a:p>
+            <a:p>
+              <a:pPr marL="342900" indent="-342900">
+                <a:buFont typeface="+mj-lt"/>
+                <a:buAutoNum type="arabicPeriod"/>
+              </a:pPr>
+              <a:r>
+                <a:rPr lang="fr-FR" dirty="0"/>
+                <a:t>Moyen d’améliorer la structure.</a:t>
+              </a:r>
+            </a:p>
+            <a:p>
+              <a:pPr marL="342900" indent="-342900">
+                <a:buFont typeface="+mj-lt"/>
+                <a:buAutoNum type="arabicPeriod"/>
+              </a:pPr>
+              <a:r>
+                <a:rPr lang="fr-FR" dirty="0"/>
+                <a:t>Meilleur programmation défensive.</a:t>
+              </a:r>
+            </a:p>
+            <a:p>
+              <a:pPr marL="342900" indent="-342900">
+                <a:buFont typeface="+mj-lt"/>
+                <a:buAutoNum type="arabicPeriod"/>
+              </a:pPr>
+              <a:endParaRPr lang="fr-FR" dirty="0"/>
+            </a:p>
+            <a:p>
+              <a:r>
+                <a:rPr lang="fr-FR" dirty="0"/>
+                <a:t>Fonctions:</a:t>
+              </a:r>
+            </a:p>
+            <a:p>
+              <a:pPr marL="342900" indent="-342900">
+                <a:buFont typeface="+mj-lt"/>
+                <a:buAutoNum type="arabicPeriod"/>
+              </a:pPr>
+              <a:r>
+                <a:rPr lang="fr-FR" dirty="0"/>
+                <a:t>Fonction </a:t>
+              </a:r>
+              <a:r>
+                <a:rPr lang="fr-FR"/>
+                <a:t>‘’Moyenne’’ </a:t>
+              </a:r>
+              <a:r>
+                <a:rPr lang="fr-FR" dirty="0"/>
+                <a:t>non réalisé</a:t>
+              </a:r>
+            </a:p>
+            <a:p>
+              <a:pPr marL="342900" indent="-342900">
+                <a:buFont typeface="+mj-lt"/>
+                <a:buAutoNum type="arabicPeriod"/>
+              </a:pPr>
+              <a:r>
+                <a:rPr lang="fr-FR" dirty="0"/>
+                <a:t>Amélioration d’une fonction</a:t>
+              </a:r>
+            </a:p>
+            <a:p>
+              <a:pPr marL="342900" indent="-342900">
+                <a:buFont typeface="+mj-lt"/>
+                <a:buAutoNum type="arabicPeriod"/>
+              </a:pPr>
+              <a:endParaRPr lang="fr-FR" dirty="0"/>
+            </a:p>
+          </p:txBody>
+        </p:sp>
+      </p:grpSp>
+      <p:sp>
+        <p:nvSpPr>
+          <p:cNvPr id="7" name="Titre 1">
+            <a:extLst>
+              <a:ext uri="{FF2B5EF4-FFF2-40B4-BE49-F238E27FC236}">
+                <a16:creationId xmlns:a16="http://schemas.microsoft.com/office/drawing/2014/main" id="{FE7C55E3-C1C2-4883-AC11-084A3DEEAB6A}"/>
+              </a:ext>
+            </a:extLst>
+          </p:cNvPr>
+          <p:cNvSpPr txBox="1">
+            <a:spLocks/>
+          </p:cNvSpPr>
+          <p:nvPr/>
+        </p:nvSpPr>
+        <p:spPr>
+          <a:xfrm>
+            <a:off x="-304126" y="4729"/>
+            <a:ext cx="10515600" cy="1325563"/>
+          </a:xfrm>
+          <a:prstGeom prst="rect">
+            <a:avLst/>
+          </a:prstGeom>
+        </p:spPr>
+        <p:txBody>
+          <a:bodyPr vert="horz" lIns="91440" tIns="45720" rIns="91440" bIns="45720" rtlCol="0" anchor="ctr">
+            <a:normAutofit/>
+          </a:bodyPr>
+          <a:lstStyle>
+            <a:lvl1pPr algn="l" defTabSz="914400" rtl="0" eaLnBrk="1" latinLnBrk="0" hangingPunct="1">
+              <a:lnSpc>
+                <a:spcPct val="90000"/>
+              </a:lnSpc>
+              <a:spcBef>
+                <a:spcPct val="0"/>
+              </a:spcBef>
+              <a:buNone/>
+              <a:defRPr sz="4400" kern="1200">
+                <a:solidFill>
+                  <a:schemeClr val="tx1"/>
+                </a:solidFill>
+                <a:latin typeface="+mj-lt"/>
+                <a:ea typeface="+mj-ea"/>
+                <a:cs typeface="+mj-cs"/>
+              </a:defRPr>
+            </a:lvl1pPr>
+          </a:lstStyle>
+          <a:p>
+            <a:pPr algn="ctr"/>
+            <a:r>
+              <a:rPr lang="fr-FR" sz="4000" dirty="0"/>
+              <a:t> II) Présentation des modules</a:t>
+            </a:r>
+          </a:p>
+          <a:p>
+            <a:pPr algn="ctr"/>
+            <a:r>
+              <a:rPr lang="fr-FR" sz="2400" dirty="0"/>
+              <a:t>d) Module 4</a:t>
+            </a:r>
+          </a:p>
+        </p:txBody>
+      </p:sp>
+      <p:grpSp>
+        <p:nvGrpSpPr>
+          <p:cNvPr id="8" name="Groupe 7">
+            <a:extLst>
+              <a:ext uri="{FF2B5EF4-FFF2-40B4-BE49-F238E27FC236}">
+                <a16:creationId xmlns:a16="http://schemas.microsoft.com/office/drawing/2014/main" id="{30A76B66-55A1-4ADC-9BF0-9E3F8FDB41CF}"/>
+              </a:ext>
+            </a:extLst>
+          </p:cNvPr>
+          <p:cNvGrpSpPr/>
+          <p:nvPr/>
+        </p:nvGrpSpPr>
+        <p:grpSpPr>
+          <a:xfrm>
+            <a:off x="9704767" y="837159"/>
+            <a:ext cx="2379215" cy="5554831"/>
+            <a:chOff x="9680418" y="783893"/>
+            <a:chExt cx="2379215" cy="5554831"/>
+          </a:xfrm>
+        </p:grpSpPr>
+        <p:sp>
+          <p:nvSpPr>
+            <p:cNvPr id="9" name="ZoneTexte 8">
+              <a:extLst>
+                <a:ext uri="{FF2B5EF4-FFF2-40B4-BE49-F238E27FC236}">
+                  <a16:creationId xmlns:a16="http://schemas.microsoft.com/office/drawing/2014/main" id="{D8E84215-9D18-4CFA-A9A7-CB2B0ECE6C60}"/>
+                </a:ext>
+              </a:extLst>
+            </p:cNvPr>
+            <p:cNvSpPr txBox="1"/>
+            <p:nvPr/>
+          </p:nvSpPr>
+          <p:spPr>
+            <a:xfrm>
+              <a:off x="9686205" y="945207"/>
+              <a:ext cx="2373428" cy="2616101"/>
+            </a:xfrm>
+            <a:prstGeom prst="rect">
+              <a:avLst/>
+            </a:prstGeom>
+            <a:noFill/>
+          </p:spPr>
+          <p:txBody>
+            <a:bodyPr wrap="square" rtlCol="0">
+              <a:spAutoFit/>
+            </a:bodyPr>
+            <a:lstStyle/>
+            <a:p>
+              <a:r>
+                <a:rPr lang="fr-FR" sz="1200" dirty="0"/>
+                <a:t>Avancement Diapositive:</a:t>
+              </a:r>
+            </a:p>
+            <a:p>
+              <a:pPr marL="400050" indent="-400050">
+                <a:buAutoNum type="romanUcParenR"/>
+              </a:pPr>
+              <a:endParaRPr lang="fr-FR" sz="1200" b="1" dirty="0"/>
+            </a:p>
+            <a:p>
+              <a:pPr marL="400050" indent="-400050">
+                <a:buAutoNum type="romanUcParenR"/>
+              </a:pPr>
+              <a:endParaRPr lang="fr-FR" sz="1200" b="1" dirty="0"/>
+            </a:p>
+            <a:p>
+              <a:pPr marL="400050" indent="-400050">
+                <a:buAutoNum type="romanUcParenR"/>
+              </a:pPr>
+              <a:r>
+                <a:rPr lang="fr-FR" sz="1200" i="1" dirty="0"/>
+                <a:t>Organisation du projet</a:t>
+              </a:r>
+            </a:p>
+            <a:p>
+              <a:pPr marL="400050" indent="-400050">
+                <a:buAutoNum type="romanUcParenR"/>
+              </a:pPr>
+              <a:endParaRPr lang="fr-FR" sz="1200" dirty="0"/>
+            </a:p>
+            <a:p>
+              <a:pPr marL="400050" indent="-400050">
+                <a:buAutoNum type="romanUcParenR"/>
+              </a:pPr>
+              <a:r>
+                <a:rPr lang="fr-FR" sz="1200" b="1" dirty="0"/>
+                <a:t>Présentation des modules</a:t>
+              </a:r>
+            </a:p>
+            <a:p>
+              <a:pPr marL="971550" lvl="1" indent="-514350">
+                <a:buFont typeface="+mj-lt"/>
+                <a:buAutoNum type="alphaLcParenR"/>
+              </a:pPr>
+              <a:r>
+                <a:rPr lang="fr-FR" sz="1100" i="1" dirty="0"/>
+                <a:t>Module 1</a:t>
+              </a:r>
+            </a:p>
+            <a:p>
+              <a:pPr marL="971550" lvl="1" indent="-514350">
+                <a:buFont typeface="+mj-lt"/>
+                <a:buAutoNum type="alphaLcParenR"/>
+              </a:pPr>
+              <a:r>
+                <a:rPr lang="fr-FR" sz="1100" i="1" dirty="0"/>
+                <a:t>Module 2</a:t>
+              </a:r>
+            </a:p>
+            <a:p>
+              <a:pPr marL="971550" lvl="1" indent="-514350">
+                <a:buFont typeface="+mj-lt"/>
+                <a:buAutoNum type="alphaLcParenR"/>
+              </a:pPr>
+              <a:r>
+                <a:rPr lang="fr-FR" sz="1100" i="1" dirty="0"/>
+                <a:t>Module 3</a:t>
+              </a:r>
+            </a:p>
+            <a:p>
+              <a:pPr marL="971550" lvl="1" indent="-514350">
+                <a:buFont typeface="+mj-lt"/>
+                <a:buAutoNum type="alphaLcParenR"/>
+              </a:pPr>
+              <a:r>
+                <a:rPr lang="fr-FR" sz="1100" b="1" dirty="0"/>
+                <a:t>Module 4</a:t>
+              </a:r>
+            </a:p>
+            <a:p>
+              <a:pPr marL="400050" indent="-400050">
+                <a:buAutoNum type="romanUcParenR"/>
+              </a:pPr>
+              <a:endParaRPr lang="fr-FR" sz="1200" i="1" dirty="0"/>
+            </a:p>
+            <a:p>
+              <a:pPr marL="400050" indent="-400050">
+                <a:buAutoNum type="romanUcParenR"/>
+              </a:pPr>
+              <a:r>
+                <a:rPr lang="fr-FR" sz="1200" i="1" dirty="0"/>
+                <a:t>Bilan des modules</a:t>
+              </a:r>
+            </a:p>
+            <a:p>
+              <a:pPr marL="400050" indent="-400050">
+                <a:buAutoNum type="romanUcParenR"/>
+              </a:pPr>
+              <a:r>
+                <a:rPr lang="fr-FR" sz="1200" i="1" dirty="0"/>
+                <a:t>Démonstration des modules</a:t>
+              </a:r>
+            </a:p>
+            <a:p>
+              <a:endParaRPr lang="fr-FR" sz="1200" i="1" dirty="0"/>
+            </a:p>
+          </p:txBody>
+        </p:sp>
+        <p:sp>
+          <p:nvSpPr>
+            <p:cNvPr id="10" name="Rectangle 9">
+              <a:extLst>
+                <a:ext uri="{FF2B5EF4-FFF2-40B4-BE49-F238E27FC236}">
+                  <a16:creationId xmlns:a16="http://schemas.microsoft.com/office/drawing/2014/main" id="{8AC1B921-9712-47F5-91B1-56753CDE2CFE}"/>
+                </a:ext>
+              </a:extLst>
+            </p:cNvPr>
+            <p:cNvSpPr/>
+            <p:nvPr/>
+          </p:nvSpPr>
+          <p:spPr>
+            <a:xfrm>
+              <a:off x="9680418" y="783893"/>
+              <a:ext cx="2379215" cy="5554831"/>
+            </a:xfrm>
+            <a:prstGeom prst="rect">
+              <a:avLst/>
+            </a:prstGeom>
+            <a:noFill/>
+            <a:ln>
+              <a:solidFill>
+                <a:schemeClr val="tx1"/>
+              </a:solidFill>
+            </a:ln>
+          </p:spPr>
+          <p:style>
+            <a:lnRef idx="2">
+              <a:schemeClr val="accent1">
+                <a:shade val="50000"/>
+              </a:schemeClr>
+            </a:lnRef>
+            <a:fillRef idx="1">
+              <a:schemeClr val="accent1"/>
+            </a:fillRef>
+            <a:effectRef idx="0">
+              <a:schemeClr val="accent1"/>
+            </a:effectRef>
+            <a:fontRef idx="minor">
+              <a:schemeClr val="lt1"/>
+            </a:fontRef>
+          </p:style>
+          <p:txBody>
+            <a:bodyPr rtlCol="0" anchor="ctr"/>
+            <a:lstStyle/>
+            <a:p>
+              <a:pPr algn="ctr"/>
+              <a:endParaRPr lang="fr-FR" dirty="0"/>
+            </a:p>
+          </p:txBody>
+        </p:sp>
+      </p:grpSp>
+      <p:pic>
+        <p:nvPicPr>
+          <p:cNvPr id="11" name="Image 10">
+            <a:extLst>
+              <a:ext uri="{FF2B5EF4-FFF2-40B4-BE49-F238E27FC236}">
+                <a16:creationId xmlns:a16="http://schemas.microsoft.com/office/drawing/2014/main" id="{6E981B99-34A6-4351-8258-412B42CF705C}"/>
+              </a:ext>
+            </a:extLst>
+          </p:cNvPr>
+          <p:cNvPicPr>
+            <a:picLocks noChangeAspect="1"/>
+          </p:cNvPicPr>
+          <p:nvPr/>
+        </p:nvPicPr>
+        <p:blipFill>
+          <a:blip r:embed="rId2"/>
+          <a:stretch>
+            <a:fillRect/>
+          </a:stretch>
+        </p:blipFill>
+        <p:spPr>
+          <a:xfrm>
+            <a:off x="442173" y="2096494"/>
+            <a:ext cx="4588129" cy="2665011"/>
+          </a:xfrm>
+          <a:prstGeom prst="rect">
+            <a:avLst/>
+          </a:prstGeom>
+        </p:spPr>
+      </p:pic>
+    </p:spTree>
+    <p:extLst>
+      <p:ext uri="{BB962C8B-B14F-4D97-AF65-F5344CB8AC3E}">
+        <p14:creationId xmlns:p14="http://schemas.microsoft.com/office/powerpoint/2010/main" val="4007496073"/>
+      </p:ext>
+    </p:extLst>
+  </p:cSld>
+  <p:clrMapOvr>
+    <a:masterClrMapping/>
+  </p:clrMapOvr>
+</p:sld>
+</file>
+
 <file path=ppt/theme/theme1.xml><?xml version="1.0" encoding="utf-8"?>
 <a:theme xmlns:a="http://schemas.openxmlformats.org/drawingml/2006/main" name="Thème Office">
   <a:themeElements>
